--- a/Dokuordner/ENTERTAINNET.pptx
+++ b/Dokuordner/ENTERTAINNET.pptx
@@ -5,7 +5,7 @@
     <p:sldMasterId id="2147483660" r:id="rId1"/>
   </p:sldMasterIdLst>
   <p:notesMasterIdLst>
-    <p:notesMasterId r:id="rId17"/>
+    <p:notesMasterId r:id="rId18"/>
   </p:notesMasterIdLst>
   <p:sldIdLst>
     <p:sldId id="256" r:id="rId2"/>
@@ -13,16 +13,17 @@
     <p:sldId id="276" r:id="rId4"/>
     <p:sldId id="258" r:id="rId5"/>
     <p:sldId id="273" r:id="rId6"/>
-    <p:sldId id="259" r:id="rId7"/>
-    <p:sldId id="260" r:id="rId8"/>
-    <p:sldId id="272" r:id="rId9"/>
-    <p:sldId id="274" r:id="rId10"/>
-    <p:sldId id="275" r:id="rId11"/>
-    <p:sldId id="271" r:id="rId12"/>
-    <p:sldId id="266" r:id="rId13"/>
-    <p:sldId id="261" r:id="rId14"/>
-    <p:sldId id="265" r:id="rId15"/>
-    <p:sldId id="267" r:id="rId16"/>
+    <p:sldId id="260" r:id="rId7"/>
+    <p:sldId id="259" r:id="rId8"/>
+    <p:sldId id="277" r:id="rId9"/>
+    <p:sldId id="266" r:id="rId10"/>
+    <p:sldId id="272" r:id="rId11"/>
+    <p:sldId id="274" r:id="rId12"/>
+    <p:sldId id="275" r:id="rId13"/>
+    <p:sldId id="271" r:id="rId14"/>
+    <p:sldId id="261" r:id="rId15"/>
+    <p:sldId id="265" r:id="rId16"/>
+    <p:sldId id="267" r:id="rId17"/>
   </p:sldIdLst>
   <p:sldSz cx="12192000" cy="6858000"/>
   <p:notesSz cx="6858000" cy="9144000"/>
@@ -211,7 +212,7 @@
           <a:p>
             <a:fld id="{879E49AC-762C-40A9-B675-CE64F3A7747F}" type="datetimeFigureOut">
               <a:rPr lang="de-CH" smtClean="0"/>
-              <a:t>30.10.2017</a:t>
+              <a:t>05.11.2017</a:t>
             </a:fld>
             <a:endParaRPr lang="de-CH"/>
           </a:p>
@@ -567,7 +568,7 @@
           <a:p>
             <a:fld id="{23B53A39-F8C4-42E7-B074-50977E7B65ED}" type="slidenum">
               <a:rPr lang="de-CH" smtClean="0"/>
-              <a:t>6</a:t>
+              <a:t>7</a:t>
             </a:fld>
             <a:endParaRPr lang="de-CH"/>
           </a:p>
@@ -631,54 +632,66 @@
           <a:lstStyle/>
           <a:p>
             <a:r>
-              <a:rPr lang="de-CH" dirty="0" err="1"/>
-              <a:t>Firebase</a:t>
-            </a:r>
-            <a:r>
-              <a:rPr lang="de-CH" dirty="0"/>
-              <a:t> Backend Datenbank</a:t>
-            </a:r>
-          </a:p>
-          <a:p>
-            <a:r>
-              <a:rPr lang="de-CH" dirty="0"/>
-              <a:t>GitHub: Versionskontrolle</a:t>
-            </a:r>
-          </a:p>
-          <a:p>
-            <a:r>
-              <a:rPr lang="de-CH" dirty="0" err="1"/>
-              <a:t>Trello</a:t>
-            </a:r>
-            <a:r>
-              <a:rPr lang="de-CH" dirty="0"/>
-              <a:t>: Aufträge</a:t>
-            </a:r>
-          </a:p>
-          <a:p>
-            <a:r>
-              <a:rPr lang="de-CH" dirty="0" err="1"/>
-              <a:t>AndroidStudio</a:t>
-            </a:r>
-            <a:r>
-              <a:rPr lang="de-CH" dirty="0"/>
-              <a:t>: Entwicklung</a:t>
-            </a:r>
-          </a:p>
-          <a:p>
-            <a:r>
-              <a:rPr lang="de-CH" dirty="0"/>
-              <a:t>GANTT: Projektplan</a:t>
-            </a:r>
-          </a:p>
-          <a:p>
-            <a:r>
-              <a:rPr lang="de-CH" dirty="0"/>
-              <a:t>Microsoft Office Produkte</a:t>
-            </a:r>
-            <a:r>
-              <a:rPr lang="de-CH"/>
-              <a:t>: Dokumentation</a:t>
+              <a:rPr lang="de-CH" dirty="0" err="1" smtClean="0"/>
+              <a:t>Forming</a:t>
+            </a:r>
+            <a:r>
+              <a:rPr lang="de-CH" dirty="0" smtClean="0"/>
+              <a:t> – Kennenlernen, erste Aufgabenteilung</a:t>
+            </a:r>
+            <a:r>
+              <a:rPr lang="de-CH" baseline="0" dirty="0" smtClean="0"/>
+              <a:t> -</a:t>
+            </a:r>
+            <a:r>
+              <a:rPr lang="de-CH" dirty="0" smtClean="0"/>
+              <a:t> gut gelaufen</a:t>
+            </a:r>
+          </a:p>
+          <a:p>
+            <a:r>
+              <a:rPr lang="de-CH" dirty="0" err="1" smtClean="0"/>
+              <a:t>Storming</a:t>
+            </a:r>
+            <a:r>
+              <a:rPr lang="de-CH" baseline="0" dirty="0" smtClean="0"/>
+              <a:t> – Ziele </a:t>
+            </a:r>
+            <a:r>
+              <a:rPr lang="de-CH" baseline="0" dirty="0" err="1" smtClean="0"/>
+              <a:t>klarifizieren</a:t>
+            </a:r>
+            <a:r>
+              <a:rPr lang="de-CH" baseline="0" dirty="0" smtClean="0"/>
+              <a:t> -  z.T. Probleme</a:t>
+            </a:r>
+          </a:p>
+          <a:p>
+            <a:r>
+              <a:rPr lang="de-CH" baseline="0" dirty="0" err="1" smtClean="0"/>
+              <a:t>Norming</a:t>
+            </a:r>
+            <a:r>
+              <a:rPr lang="de-CH" baseline="0" dirty="0" smtClean="0"/>
+              <a:t> – wie fragen, </a:t>
+            </a:r>
+            <a:r>
+              <a:rPr lang="de-CH" baseline="0" dirty="0" err="1" smtClean="0"/>
+              <a:t>lösungsansätze</a:t>
+            </a:r>
+            <a:r>
+              <a:rPr lang="de-CH" baseline="0" dirty="0" smtClean="0"/>
+              <a:t> – gut gelaufen</a:t>
+            </a:r>
+          </a:p>
+          <a:p>
+            <a:r>
+              <a:rPr lang="de-CH" baseline="0" dirty="0" err="1" smtClean="0"/>
+              <a:t>Performing</a:t>
+            </a:r>
+            <a:r>
+              <a:rPr lang="de-CH" baseline="0" dirty="0" smtClean="0"/>
+              <a:t> – Selbstorganisation, bei manchem besser, bei anderen schlecht</a:t>
             </a:r>
             <a:endParaRPr lang="de-CH" dirty="0"/>
           </a:p>
@@ -699,9 +712,143 @@
           <a:bodyPr/>
           <a:lstStyle/>
           <a:p>
+            <a:fld id="{23B53A39-F8C4-42E7-B074-50977E7B65ED}" type="slidenum">
+              <a:rPr lang="de-CH" smtClean="0"/>
+              <a:t>8</a:t>
+            </a:fld>
+            <a:endParaRPr lang="de-CH"/>
+          </a:p>
+        </p:txBody>
+      </p:sp>
+    </p:spTree>
+    <p:extLst>
+      <p:ext uri="{BB962C8B-B14F-4D97-AF65-F5344CB8AC3E}">
+        <p14:creationId xmlns:p14="http://schemas.microsoft.com/office/powerpoint/2010/main" val="411109146"/>
+      </p:ext>
+    </p:extLst>
+  </p:cSld>
+  <p:clrMapOvr>
+    <a:masterClrMapping/>
+  </p:clrMapOvr>
+</p:notes>
+</file>
+
+<file path=ppt/notesSlides/notesSlide3.xml><?xml version="1.0" encoding="utf-8"?>
+<p:notes xmlns:a="http://schemas.openxmlformats.org/drawingml/2006/main" xmlns:r="http://schemas.openxmlformats.org/officeDocument/2006/relationships" xmlns:p="http://schemas.openxmlformats.org/presentationml/2006/main">
+  <p:cSld>
+    <p:spTree>
+      <p:nvGrpSpPr>
+        <p:cNvPr id="1" name=""/>
+        <p:cNvGrpSpPr/>
+        <p:nvPr/>
+      </p:nvGrpSpPr>
+      <p:grpSpPr>
+        <a:xfrm>
+          <a:off x="0" y="0"/>
+          <a:ext cx="0" cy="0"/>
+          <a:chOff x="0" y="0"/>
+          <a:chExt cx="0" cy="0"/>
+        </a:xfrm>
+      </p:grpSpPr>
+      <p:sp>
+        <p:nvSpPr>
+          <p:cNvPr id="2" name="Folienbildplatzhalter 1"/>
+          <p:cNvSpPr>
+            <a:spLocks noGrp="1" noRot="1" noChangeAspect="1"/>
+          </p:cNvSpPr>
+          <p:nvPr>
+            <p:ph type="sldImg"/>
+          </p:nvPr>
+        </p:nvSpPr>
+        <p:spPr/>
+      </p:sp>
+      <p:sp>
+        <p:nvSpPr>
+          <p:cNvPr id="3" name="Notizenplatzhalter 2"/>
+          <p:cNvSpPr>
+            <a:spLocks noGrp="1"/>
+          </p:cNvSpPr>
+          <p:nvPr>
+            <p:ph type="body" idx="1"/>
+          </p:nvPr>
+        </p:nvSpPr>
+        <p:spPr/>
+        <p:txBody>
+          <a:bodyPr/>
+          <a:lstStyle/>
+          <a:p>
+            <a:r>
+              <a:rPr lang="de-CH" dirty="0" err="1"/>
+              <a:t>Firebase</a:t>
+            </a:r>
+            <a:r>
+              <a:rPr lang="de-CH" dirty="0"/>
+              <a:t> Backend Datenbank</a:t>
+            </a:r>
+          </a:p>
+          <a:p>
+            <a:r>
+              <a:rPr lang="de-CH" dirty="0"/>
+              <a:t>GitHub: Versionskontrolle</a:t>
+            </a:r>
+          </a:p>
+          <a:p>
+            <a:r>
+              <a:rPr lang="de-CH" dirty="0" err="1"/>
+              <a:t>Trello</a:t>
+            </a:r>
+            <a:r>
+              <a:rPr lang="de-CH" dirty="0"/>
+              <a:t>: Aufträge</a:t>
+            </a:r>
+          </a:p>
+          <a:p>
+            <a:r>
+              <a:rPr lang="de-CH" dirty="0" err="1"/>
+              <a:t>AndroidStudio</a:t>
+            </a:r>
+            <a:r>
+              <a:rPr lang="de-CH" dirty="0"/>
+              <a:t>: Entwicklung</a:t>
+            </a:r>
+          </a:p>
+          <a:p>
+            <a:r>
+              <a:rPr lang="de-CH" dirty="0"/>
+              <a:t>GANTT: Projektplan</a:t>
+            </a:r>
+          </a:p>
+          <a:p>
+            <a:r>
+              <a:rPr lang="de-CH" dirty="0"/>
+              <a:t>Microsoft Office Produkte</a:t>
+            </a:r>
+            <a:r>
+              <a:rPr lang="de-CH"/>
+              <a:t>: Dokumentation</a:t>
+            </a:r>
+            <a:endParaRPr lang="de-CH" dirty="0"/>
+          </a:p>
+        </p:txBody>
+      </p:sp>
+      <p:sp>
+        <p:nvSpPr>
+          <p:cNvPr id="4" name="Foliennummernplatzhalter 3"/>
+          <p:cNvSpPr>
+            <a:spLocks noGrp="1"/>
+          </p:cNvSpPr>
+          <p:nvPr>
+            <p:ph type="sldNum" sz="quarter" idx="10"/>
+          </p:nvPr>
+        </p:nvSpPr>
+        <p:spPr/>
+        <p:txBody>
+          <a:bodyPr/>
+          <a:lstStyle/>
+          <a:p>
             <a:fld id="{464CB178-BF16-4E40-85C2-7E636C61E5C2}" type="slidenum">
               <a:rPr lang="de-CH" smtClean="0"/>
-              <a:t>8</a:t>
+              <a:t>10</a:t>
             </a:fld>
             <a:endParaRPr lang="de-CH"/>
           </a:p>
@@ -815,7 +962,7 @@
           <a:effectLst/>
           <a:extLst>
             <a:ext uri="{91240B29-F687-4f45-9708-019B960494DF}">
-              <a14:hiddenLine xmlns="" xmlns:a14="http://schemas.microsoft.com/office/drawing/2010/main" w="9525">
+              <a14:hiddenLine xmlns:a14="http://schemas.microsoft.com/office/drawing/2010/main" xmlns="" w="9525">
                 <a:solidFill>
                   <a:srgbClr val="000000"/>
                 </a:solidFill>
@@ -1007,7 +1154,7 @@
           <a:p>
             <a:fld id="{38FEC22D-7D5B-4677-9FAA-EB6027C7F7EE}" type="datetimeFigureOut">
               <a:rPr lang="de-CH" smtClean="0"/>
-              <a:t>30.10.2017</a:t>
+              <a:t>05.11.2017</a:t>
             </a:fld>
             <a:endParaRPr lang="de-CH"/>
           </a:p>
@@ -1325,7 +1472,7 @@
           <a:p>
             <a:fld id="{38FEC22D-7D5B-4677-9FAA-EB6027C7F7EE}" type="datetimeFigureOut">
               <a:rPr lang="de-CH" smtClean="0"/>
-              <a:t>30.10.2017</a:t>
+              <a:t>05.11.2017</a:t>
             </a:fld>
             <a:endParaRPr lang="de-CH"/>
           </a:p>
@@ -1813,7 +1960,7 @@
           <a:p>
             <a:fld id="{38FEC22D-7D5B-4677-9FAA-EB6027C7F7EE}" type="datetimeFigureOut">
               <a:rPr lang="de-CH" smtClean="0"/>
-              <a:t>30.10.2017</a:t>
+              <a:t>05.11.2017</a:t>
             </a:fld>
             <a:endParaRPr lang="de-CH"/>
           </a:p>
@@ -2182,7 +2329,7 @@
           <a:p>
             <a:fld id="{38FEC22D-7D5B-4677-9FAA-EB6027C7F7EE}" type="datetimeFigureOut">
               <a:rPr lang="de-CH" smtClean="0"/>
-              <a:t>30.10.2017</a:t>
+              <a:t>05.11.2017</a:t>
             </a:fld>
             <a:endParaRPr lang="de-CH"/>
           </a:p>
@@ -2337,7 +2484,7 @@
           <a:ln/>
           <a:extLst>
             <a:ext uri="{91240B29-F687-4f45-9708-019B960494DF}">
-              <a14:hiddenLine xmlns="" xmlns:a14="http://schemas.microsoft.com/office/drawing/2010/main" w="9525">
+              <a14:hiddenLine xmlns:a14="http://schemas.microsoft.com/office/drawing/2010/main" xmlns="" w="9525">
                 <a:solidFill>
                   <a:srgbClr val="000000"/>
                 </a:solidFill>
@@ -2455,7 +2602,7 @@
           <a:p>
             <a:fld id="{38FEC22D-7D5B-4677-9FAA-EB6027C7F7EE}" type="datetimeFigureOut">
               <a:rPr lang="de-CH" smtClean="0"/>
-              <a:t>30.10.2017</a:t>
+              <a:t>05.11.2017</a:t>
             </a:fld>
             <a:endParaRPr lang="de-CH"/>
           </a:p>
@@ -2612,7 +2759,7 @@
           <a:ln/>
           <a:extLst>
             <a:ext uri="{91240B29-F687-4f45-9708-019B960494DF}">
-              <a14:hiddenLine xmlns="" xmlns:a14="http://schemas.microsoft.com/office/drawing/2010/main" w="9525">
+              <a14:hiddenLine xmlns:a14="http://schemas.microsoft.com/office/drawing/2010/main" xmlns="" w="9525">
                 <a:solidFill>
                   <a:srgbClr val="000000"/>
                 </a:solidFill>
@@ -2740,7 +2887,7 @@
           <a:p>
             <a:fld id="{38FEC22D-7D5B-4677-9FAA-EB6027C7F7EE}" type="datetimeFigureOut">
               <a:rPr lang="de-CH" smtClean="0"/>
-              <a:t>30.10.2017</a:t>
+              <a:t>05.11.2017</a:t>
             </a:fld>
             <a:endParaRPr lang="de-CH"/>
           </a:p>
@@ -2895,7 +3042,7 @@
           <a:ln/>
           <a:extLst>
             <a:ext uri="{91240B29-F687-4f45-9708-019B960494DF}">
-              <a14:hiddenLine xmlns="" xmlns:a14="http://schemas.microsoft.com/office/drawing/2010/main" w="9525">
+              <a14:hiddenLine xmlns:a14="http://schemas.microsoft.com/office/drawing/2010/main" xmlns="" w="9525">
                 <a:solidFill>
                   <a:srgbClr val="000000"/>
                 </a:solidFill>
@@ -3023,7 +3170,7 @@
           <a:p>
             <a:fld id="{38FEC22D-7D5B-4677-9FAA-EB6027C7F7EE}" type="datetimeFigureOut">
               <a:rPr lang="de-CH" smtClean="0"/>
-              <a:t>30.10.2017</a:t>
+              <a:t>05.11.2017</a:t>
             </a:fld>
             <a:endParaRPr lang="de-CH"/>
           </a:p>
@@ -3463,7 +3610,7 @@
           <a:p>
             <a:fld id="{38FEC22D-7D5B-4677-9FAA-EB6027C7F7EE}" type="datetimeFigureOut">
               <a:rPr lang="de-CH" smtClean="0"/>
-              <a:t>30.10.2017</a:t>
+              <a:t>05.11.2017</a:t>
             </a:fld>
             <a:endParaRPr lang="de-CH"/>
           </a:p>
@@ -3618,7 +3765,7 @@
           <a:ln/>
           <a:extLst>
             <a:ext uri="{91240B29-F687-4f45-9708-019B960494DF}">
-              <a14:hiddenLine xmlns="" xmlns:a14="http://schemas.microsoft.com/office/drawing/2010/main" w="9525">
+              <a14:hiddenLine xmlns:a14="http://schemas.microsoft.com/office/drawing/2010/main" xmlns="" w="9525">
                 <a:solidFill>
                   <a:srgbClr val="000000"/>
                 </a:solidFill>
@@ -3802,7 +3949,7 @@
           <a:p>
             <a:fld id="{38FEC22D-7D5B-4677-9FAA-EB6027C7F7EE}" type="datetimeFigureOut">
               <a:rPr lang="de-CH" smtClean="0"/>
-              <a:t>30.10.2017</a:t>
+              <a:t>05.11.2017</a:t>
             </a:fld>
             <a:endParaRPr lang="de-CH"/>
           </a:p>
@@ -3957,7 +4104,7 @@
           <a:ln/>
           <a:extLst>
             <a:ext uri="{91240B29-F687-4f45-9708-019B960494DF}">
-              <a14:hiddenLine xmlns="" xmlns:a14="http://schemas.microsoft.com/office/drawing/2010/main" w="9525">
+              <a14:hiddenLine xmlns:a14="http://schemas.microsoft.com/office/drawing/2010/main" xmlns="" w="9525">
                 <a:solidFill>
                   <a:srgbClr val="000000"/>
                 </a:solidFill>
@@ -4279,7 +4426,7 @@
           <a:p>
             <a:fld id="{38FEC22D-7D5B-4677-9FAA-EB6027C7F7EE}" type="datetimeFigureOut">
               <a:rPr lang="de-CH" smtClean="0"/>
-              <a:t>30.10.2017</a:t>
+              <a:t>05.11.2017</a:t>
             </a:fld>
             <a:endParaRPr lang="de-CH"/>
           </a:p>
@@ -4434,7 +4581,7 @@
           <a:ln/>
           <a:extLst>
             <a:ext uri="{91240B29-F687-4f45-9708-019B960494DF}">
-              <a14:hiddenLine xmlns="" xmlns:a14="http://schemas.microsoft.com/office/drawing/2010/main" w="9525">
+              <a14:hiddenLine xmlns:a14="http://schemas.microsoft.com/office/drawing/2010/main" xmlns="" w="9525">
                 <a:solidFill>
                   <a:srgbClr val="000000"/>
                 </a:solidFill>
@@ -4500,7 +4647,7 @@
           <a:p>
             <a:fld id="{38FEC22D-7D5B-4677-9FAA-EB6027C7F7EE}" type="datetimeFigureOut">
               <a:rPr lang="de-CH" smtClean="0"/>
-              <a:t>30.10.2017</a:t>
+              <a:t>05.11.2017</a:t>
             </a:fld>
             <a:endParaRPr lang="de-CH"/>
           </a:p>
@@ -4595,7 +4742,7 @@
           <a:p>
             <a:fld id="{38FEC22D-7D5B-4677-9FAA-EB6027C7F7EE}" type="datetimeFigureOut">
               <a:rPr lang="de-CH" smtClean="0"/>
-              <a:t>30.10.2017</a:t>
+              <a:t>05.11.2017</a:t>
             </a:fld>
             <a:endParaRPr lang="de-CH"/>
           </a:p>
@@ -4863,7 +5010,7 @@
           <a:ln/>
           <a:extLst>
             <a:ext uri="{91240B29-F687-4f45-9708-019B960494DF}">
-              <a14:hiddenLine xmlns="" xmlns:a14="http://schemas.microsoft.com/office/drawing/2010/main" w="9525">
+              <a14:hiddenLine xmlns:a14="http://schemas.microsoft.com/office/drawing/2010/main" xmlns="" w="9525">
                 <a:solidFill>
                   <a:srgbClr val="000000"/>
                 </a:solidFill>
@@ -5062,7 +5209,7 @@
           <a:p>
             <a:fld id="{38FEC22D-7D5B-4677-9FAA-EB6027C7F7EE}" type="datetimeFigureOut">
               <a:rPr lang="de-CH" smtClean="0"/>
-              <a:t>30.10.2017</a:t>
+              <a:t>05.11.2017</a:t>
             </a:fld>
             <a:endParaRPr lang="de-CH"/>
           </a:p>
@@ -5375,7 +5522,7 @@
           <a:p>
             <a:fld id="{38FEC22D-7D5B-4677-9FAA-EB6027C7F7EE}" type="datetimeFigureOut">
               <a:rPr lang="de-CH" smtClean="0"/>
-              <a:t>30.10.2017</a:t>
+              <a:t>05.11.2017</a:t>
             </a:fld>
             <a:endParaRPr lang="de-CH"/>
           </a:p>
@@ -5645,7 +5792,7 @@
           <a:p>
             <a:fld id="{38FEC22D-7D5B-4677-9FAA-EB6027C7F7EE}" type="datetimeFigureOut">
               <a:rPr lang="de-CH" smtClean="0"/>
-              <a:t>30.10.2017</a:t>
+              <a:t>05.11.2017</a:t>
             </a:fld>
             <a:endParaRPr lang="de-CH"/>
           </a:p>
@@ -6234,10 +6381,10 @@
       </p:grpSpPr>
       <p:sp>
         <p:nvSpPr>
-          <p:cNvPr id="2" name="Title 1">
+          <p:cNvPr id="2" name="Titel 1">
             <a:extLst>
               <a:ext uri="{FF2B5EF4-FFF2-40B4-BE49-F238E27FC236}">
-                <a16:creationId xmlns="" xmlns:a16="http://schemas.microsoft.com/office/drawing/2014/main" id="{DE0E7C20-8818-43DE-A21C-F3601C9B2B68}"/>
+                <a16:creationId xmlns:a16="http://schemas.microsoft.com/office/drawing/2014/main" xmlns="" id="{0FB79353-3051-490F-BF9B-7E718EAFD1B7}"/>
               </a:ext>
             </a:extLst>
           </p:cNvPr>
@@ -6255,17 +6402,17 @@
           <a:p>
             <a:r>
               <a:rPr lang="de-CH" dirty="0"/>
-              <a:t>Login / Registrierung</a:t>
+              <a:t>Architektur</a:t>
             </a:r>
           </a:p>
         </p:txBody>
       </p:sp>
       <p:sp>
         <p:nvSpPr>
-          <p:cNvPr id="3" name="Content Placeholder 2">
+          <p:cNvPr id="3" name="Inhaltsplatzhalter 2">
             <a:extLst>
               <a:ext uri="{FF2B5EF4-FFF2-40B4-BE49-F238E27FC236}">
-                <a16:creationId xmlns="" xmlns:a16="http://schemas.microsoft.com/office/drawing/2014/main" id="{12276293-5251-49E9-BEC5-22F217E344F8}"/>
+                <a16:creationId xmlns:a16="http://schemas.microsoft.com/office/drawing/2014/main" xmlns="" id="{23B1A03A-CC3A-4FDE-A696-B1690AB8D1FB}"/>
               </a:ext>
             </a:extLst>
           </p:cNvPr>
@@ -6282,6 +6429,304 @@
           <a:lstStyle/>
           <a:p>
             <a:r>
+              <a:rPr lang="de-CH" dirty="0" err="1"/>
+              <a:t>Firebase</a:t>
+            </a:r>
+            <a:r>
+              <a:rPr lang="de-CH" dirty="0"/>
+              <a:t> Backend (Datenbank)</a:t>
+            </a:r>
+          </a:p>
+          <a:p>
+            <a:r>
+              <a:rPr lang="de-CH" dirty="0"/>
+              <a:t>GitHub</a:t>
+            </a:r>
+          </a:p>
+          <a:p>
+            <a:pPr lvl="0"/>
+            <a:r>
+              <a:rPr lang="de-CH" dirty="0" err="1"/>
+              <a:t>Trello</a:t>
+            </a:r>
+            <a:endParaRPr lang="de-CH" dirty="0"/>
+          </a:p>
+          <a:p>
+            <a:pPr lvl="0"/>
+            <a:r>
+              <a:rPr lang="de-CH" dirty="0" err="1"/>
+              <a:t>AndroidStudio</a:t>
+            </a:r>
+            <a:endParaRPr lang="de-CH" dirty="0"/>
+          </a:p>
+          <a:p>
+            <a:pPr lvl="0"/>
+            <a:r>
+              <a:rPr lang="de-CH" dirty="0"/>
+              <a:t>GANTT</a:t>
+            </a:r>
+          </a:p>
+          <a:p>
+            <a:r>
+              <a:rPr lang="de-CH" dirty="0"/>
+              <a:t>Microsoft Office Produkte</a:t>
+            </a:r>
+          </a:p>
+          <a:p>
+            <a:endParaRPr lang="de-CH" dirty="0"/>
+          </a:p>
+        </p:txBody>
+      </p:sp>
+    </p:spTree>
+    <p:extLst>
+      <p:ext uri="{BB962C8B-B14F-4D97-AF65-F5344CB8AC3E}">
+        <p14:creationId xmlns:p14="http://schemas.microsoft.com/office/powerpoint/2010/main" val="3909613394"/>
+      </p:ext>
+    </p:extLst>
+  </p:cSld>
+  <p:clrMapOvr>
+    <a:masterClrMapping/>
+  </p:clrMapOvr>
+</p:sld>
+</file>
+
+<file path=ppt/slides/slide11.xml><?xml version="1.0" encoding="utf-8"?>
+<p:sld xmlns:a="http://schemas.openxmlformats.org/drawingml/2006/main" xmlns:r="http://schemas.openxmlformats.org/officeDocument/2006/relationships" xmlns:p="http://schemas.openxmlformats.org/presentationml/2006/main">
+  <p:cSld>
+    <p:spTree>
+      <p:nvGrpSpPr>
+        <p:cNvPr id="1" name=""/>
+        <p:cNvGrpSpPr/>
+        <p:nvPr/>
+      </p:nvGrpSpPr>
+      <p:grpSpPr>
+        <a:xfrm>
+          <a:off x="0" y="0"/>
+          <a:ext cx="0" cy="0"/>
+          <a:chOff x="0" y="0"/>
+          <a:chExt cx="0" cy="0"/>
+        </a:xfrm>
+      </p:grpSpPr>
+      <p:sp>
+        <p:nvSpPr>
+          <p:cNvPr id="2" name="Title 1">
+            <a:extLst>
+              <a:ext uri="{FF2B5EF4-FFF2-40B4-BE49-F238E27FC236}">
+                <a16:creationId xmlns:a16="http://schemas.microsoft.com/office/drawing/2014/main" xmlns="" id="{B8926472-0B6D-4DBA-B9D8-AE480BB4A588}"/>
+              </a:ext>
+            </a:extLst>
+          </p:cNvPr>
+          <p:cNvSpPr>
+            <a:spLocks noGrp="1"/>
+          </p:cNvSpPr>
+          <p:nvPr>
+            <p:ph type="title"/>
+          </p:nvPr>
+        </p:nvSpPr>
+        <p:spPr/>
+        <p:txBody>
+          <a:bodyPr/>
+          <a:lstStyle/>
+          <a:p>
+            <a:r>
+              <a:rPr lang="de-CH" dirty="0"/>
+              <a:t>Firebase</a:t>
+            </a:r>
+          </a:p>
+        </p:txBody>
+      </p:sp>
+      <p:sp>
+        <p:nvSpPr>
+          <p:cNvPr id="3" name="Content Placeholder 2">
+            <a:extLst>
+              <a:ext uri="{FF2B5EF4-FFF2-40B4-BE49-F238E27FC236}">
+                <a16:creationId xmlns:a16="http://schemas.microsoft.com/office/drawing/2014/main" xmlns="" id="{B2BEA341-25A6-4BFD-8C2D-09324CED02DC}"/>
+              </a:ext>
+            </a:extLst>
+          </p:cNvPr>
+          <p:cNvSpPr>
+            <a:spLocks noGrp="1"/>
+          </p:cNvSpPr>
+          <p:nvPr>
+            <p:ph idx="1"/>
+          </p:nvPr>
+        </p:nvSpPr>
+        <p:spPr/>
+        <p:txBody>
+          <a:bodyPr anchor="t"/>
+          <a:lstStyle/>
+          <a:p>
+            <a:r>
+              <a:rPr lang="de-CH" dirty="0"/>
+              <a:t>Realtime Database</a:t>
+            </a:r>
+          </a:p>
+          <a:p>
+            <a:endParaRPr lang="de-CH" dirty="0"/>
+          </a:p>
+          <a:p>
+            <a:r>
+              <a:rPr lang="de-CH" dirty="0"/>
+              <a:t>Wieso Firebase?</a:t>
+            </a:r>
+          </a:p>
+          <a:p>
+            <a:pPr lvl="1"/>
+            <a:r>
+              <a:rPr lang="de-CH" dirty="0"/>
+              <a:t>Statische IP</a:t>
+            </a:r>
+          </a:p>
+          <a:p>
+            <a:pPr lvl="1"/>
+            <a:r>
+              <a:rPr lang="de-CH" dirty="0"/>
+              <a:t>Funktionalitäten</a:t>
+            </a:r>
+          </a:p>
+          <a:p>
+            <a:pPr lvl="1"/>
+            <a:r>
+              <a:rPr lang="de-CH" dirty="0"/>
+              <a:t>Performance</a:t>
+            </a:r>
+          </a:p>
+          <a:p>
+            <a:pPr lvl="1"/>
+            <a:r>
+              <a:rPr lang="de-CH" dirty="0"/>
+              <a:t>Einfache Handhabung</a:t>
+            </a:r>
+          </a:p>
+        </p:txBody>
+      </p:sp>
+      <p:pic>
+        <p:nvPicPr>
+          <p:cNvPr id="6" name="Picture 2" descr="Bildergebnis für firebase">
+            <a:extLst>
+              <a:ext uri="{FF2B5EF4-FFF2-40B4-BE49-F238E27FC236}">
+                <a16:creationId xmlns:a16="http://schemas.microsoft.com/office/drawing/2014/main" xmlns="" id="{B018AA13-8CC0-4DB7-A8C8-D339E9944EB3}"/>
+              </a:ext>
+            </a:extLst>
+          </p:cNvPr>
+          <p:cNvPicPr>
+            <a:picLocks noChangeAspect="1" noChangeArrowheads="1"/>
+          </p:cNvPicPr>
+          <p:nvPr/>
+        </p:nvPicPr>
+        <p:blipFill>
+          <a:blip r:embed="rId2">
+            <a:extLst>
+              <a:ext uri="{28A0092B-C50C-407E-A947-70E740481C1C}">
+                <a14:useLocalDpi xmlns:a14="http://schemas.microsoft.com/office/drawing/2010/main" val="0"/>
+              </a:ext>
+            </a:extLst>
+          </a:blip>
+          <a:srcRect/>
+          <a:stretch>
+            <a:fillRect/>
+          </a:stretch>
+        </p:blipFill>
+        <p:spPr bwMode="auto">
+          <a:xfrm>
+            <a:off x="7197044" y="2849902"/>
+            <a:ext cx="2285714" cy="2285714"/>
+          </a:xfrm>
+          <a:prstGeom prst="rect">
+            <a:avLst/>
+          </a:prstGeom>
+          <a:noFill/>
+          <a:extLst>
+            <a:ext uri="{909E8E84-426E-40DD-AFC4-6F175D3DCCD1}">
+              <a14:hiddenFill xmlns:a14="http://schemas.microsoft.com/office/drawing/2010/main">
+                <a:solidFill>
+                  <a:srgbClr val="FFFFFF"/>
+                </a:solidFill>
+              </a14:hiddenFill>
+            </a:ext>
+          </a:extLst>
+        </p:spPr>
+      </p:pic>
+    </p:spTree>
+    <p:extLst>
+      <p:ext uri="{BB962C8B-B14F-4D97-AF65-F5344CB8AC3E}">
+        <p14:creationId xmlns:p14="http://schemas.microsoft.com/office/powerpoint/2010/main" val="180272136"/>
+      </p:ext>
+    </p:extLst>
+  </p:cSld>
+  <p:clrMapOvr>
+    <a:masterClrMapping/>
+  </p:clrMapOvr>
+</p:sld>
+</file>
+
+<file path=ppt/slides/slide12.xml><?xml version="1.0" encoding="utf-8"?>
+<p:sld xmlns:a="http://schemas.openxmlformats.org/drawingml/2006/main" xmlns:r="http://schemas.openxmlformats.org/officeDocument/2006/relationships" xmlns:p="http://schemas.openxmlformats.org/presentationml/2006/main">
+  <p:cSld>
+    <p:spTree>
+      <p:nvGrpSpPr>
+        <p:cNvPr id="1" name=""/>
+        <p:cNvGrpSpPr/>
+        <p:nvPr/>
+      </p:nvGrpSpPr>
+      <p:grpSpPr>
+        <a:xfrm>
+          <a:off x="0" y="0"/>
+          <a:ext cx="0" cy="0"/>
+          <a:chOff x="0" y="0"/>
+          <a:chExt cx="0" cy="0"/>
+        </a:xfrm>
+      </p:grpSpPr>
+      <p:sp>
+        <p:nvSpPr>
+          <p:cNvPr id="2" name="Title 1">
+            <a:extLst>
+              <a:ext uri="{FF2B5EF4-FFF2-40B4-BE49-F238E27FC236}">
+                <a16:creationId xmlns:a16="http://schemas.microsoft.com/office/drawing/2014/main" xmlns="" id="{DE0E7C20-8818-43DE-A21C-F3601C9B2B68}"/>
+              </a:ext>
+            </a:extLst>
+          </p:cNvPr>
+          <p:cNvSpPr>
+            <a:spLocks noGrp="1"/>
+          </p:cNvSpPr>
+          <p:nvPr>
+            <p:ph type="title"/>
+          </p:nvPr>
+        </p:nvSpPr>
+        <p:spPr/>
+        <p:txBody>
+          <a:bodyPr/>
+          <a:lstStyle/>
+          <a:p>
+            <a:r>
+              <a:rPr lang="de-CH" dirty="0"/>
+              <a:t>Login / Registrierung</a:t>
+            </a:r>
+          </a:p>
+        </p:txBody>
+      </p:sp>
+      <p:sp>
+        <p:nvSpPr>
+          <p:cNvPr id="3" name="Content Placeholder 2">
+            <a:extLst>
+              <a:ext uri="{FF2B5EF4-FFF2-40B4-BE49-F238E27FC236}">
+                <a16:creationId xmlns:a16="http://schemas.microsoft.com/office/drawing/2014/main" xmlns="" id="{12276293-5251-49E9-BEC5-22F217E344F8}"/>
+              </a:ext>
+            </a:extLst>
+          </p:cNvPr>
+          <p:cNvSpPr>
+            <a:spLocks noGrp="1"/>
+          </p:cNvSpPr>
+          <p:nvPr>
+            <p:ph idx="1"/>
+          </p:nvPr>
+        </p:nvSpPr>
+        <p:spPr/>
+        <p:txBody>
+          <a:bodyPr anchor="t"/>
+          <a:lstStyle/>
+          <a:p>
+            <a:r>
               <a:rPr lang="de-CH" dirty="0"/>
               <a:t>Firebase-Funktionalitäten</a:t>
             </a:r>
@@ -6323,7 +6768,7 @@
           <p:cNvPr id="5" name="Picture 4">
             <a:extLst>
               <a:ext uri="{FF2B5EF4-FFF2-40B4-BE49-F238E27FC236}">
-                <a16:creationId xmlns="" xmlns:a16="http://schemas.microsoft.com/office/drawing/2014/main" id="{A77652B3-5F87-4DE2-9321-518C8FE43BF8}"/>
+                <a16:creationId xmlns:a16="http://schemas.microsoft.com/office/drawing/2014/main" xmlns="" id="{A77652B3-5F87-4DE2-9321-518C8FE43BF8}"/>
               </a:ext>
             </a:extLst>
           </p:cNvPr>
@@ -6373,7 +6818,7 @@
 </p:sld>
 </file>
 
-<file path=ppt/slides/slide11.xml><?xml version="1.0" encoding="utf-8"?>
+<file path=ppt/slides/slide13.xml><?xml version="1.0" encoding="utf-8"?>
 <p:sld xmlns:a="http://schemas.openxmlformats.org/drawingml/2006/main" xmlns:r="http://schemas.openxmlformats.org/officeDocument/2006/relationships" xmlns:p="http://schemas.openxmlformats.org/presentationml/2006/main">
   <p:cSld>
     <p:spTree>
@@ -6456,7 +6901,7 @@
 </p:sld>
 </file>
 
-<file path=ppt/slides/slide12.xml><?xml version="1.0" encoding="utf-8"?>
+<file path=ppt/slides/slide14.xml><?xml version="1.0" encoding="utf-8"?>
 <p:sld xmlns:a="http://schemas.openxmlformats.org/drawingml/2006/main" xmlns:r="http://schemas.openxmlformats.org/officeDocument/2006/relationships" xmlns:p="http://schemas.openxmlformats.org/presentationml/2006/main">
   <p:cSld>
     <p:spTree>
@@ -6490,1701 +6935,6 @@
           <a:p>
             <a:r>
               <a:rPr lang="de-CH" dirty="0" smtClean="0"/>
-              <a:t>Risikoanalyse</a:t>
-            </a:r>
-            <a:endParaRPr lang="de-CH" dirty="0"/>
-          </a:p>
-        </p:txBody>
-      </p:sp>
-      <p:graphicFrame>
-        <p:nvGraphicFramePr>
-          <p:cNvPr id="5" name="Inhaltsplatzhalter 4">
-            <a:extLst>
-              <a:ext uri="{FF2B5EF4-FFF2-40B4-BE49-F238E27FC236}">
-                <a16:creationId xmlns="" xmlns:a16="http://schemas.microsoft.com/office/drawing/2014/main" id="{FF7FE7BC-62B1-42C8-9148-87CD73684683}"/>
-              </a:ext>
-            </a:extLst>
-          </p:cNvPr>
-          <p:cNvGraphicFramePr>
-            <a:graphicFrameLocks noGrp="1"/>
-          </p:cNvGraphicFramePr>
-          <p:nvPr>
-            <p:ph idx="1"/>
-            <p:extLst>
-              <p:ext uri="{D42A27DB-BD31-4B8C-83A1-F6EECF244321}">
-                <p14:modId xmlns:p14="http://schemas.microsoft.com/office/powerpoint/2010/main" val="317431919"/>
-              </p:ext>
-            </p:extLst>
-          </p:nvPr>
-        </p:nvGraphicFramePr>
-        <p:xfrm>
-          <a:off x="-2" y="2226364"/>
-          <a:ext cx="12192002" cy="3565507"/>
-        </p:xfrm>
-        <a:graphic>
-          <a:graphicData uri="http://schemas.openxmlformats.org/drawingml/2006/table">
-            <a:tbl>
-              <a:tblPr>
-                <a:tableStyleId>{5C22544A-7EE6-4342-B048-85BDC9FD1C3A}</a:tableStyleId>
-              </a:tblPr>
-              <a:tblGrid>
-                <a:gridCol w="334501">
-                  <a:extLst>
-                    <a:ext uri="{9D8B030D-6E8A-4147-A177-3AD203B41FA5}">
-                      <a16:colId xmlns="" xmlns:a16="http://schemas.microsoft.com/office/drawing/2014/main" val="1756958949"/>
-                    </a:ext>
-                  </a:extLst>
-                </a:gridCol>
-                <a:gridCol w="1614835">
-                  <a:extLst>
-                    <a:ext uri="{9D8B030D-6E8A-4147-A177-3AD203B41FA5}">
-                      <a16:colId xmlns="" xmlns:a16="http://schemas.microsoft.com/office/drawing/2014/main" val="2119582681"/>
-                    </a:ext>
-                  </a:extLst>
-                </a:gridCol>
-                <a:gridCol w="2030078">
-                  <a:extLst>
-                    <a:ext uri="{9D8B030D-6E8A-4147-A177-3AD203B41FA5}">
-                      <a16:colId xmlns="" xmlns:a16="http://schemas.microsoft.com/office/drawing/2014/main" val="309405549"/>
-                    </a:ext>
-                  </a:extLst>
-                </a:gridCol>
-                <a:gridCol w="3506498">
-                  <a:extLst>
-                    <a:ext uri="{9D8B030D-6E8A-4147-A177-3AD203B41FA5}">
-                      <a16:colId xmlns="" xmlns:a16="http://schemas.microsoft.com/office/drawing/2014/main" val="617832737"/>
-                    </a:ext>
-                  </a:extLst>
-                </a:gridCol>
-                <a:gridCol w="296429">
-                  <a:extLst>
-                    <a:ext uri="{9D8B030D-6E8A-4147-A177-3AD203B41FA5}">
-                      <a16:colId xmlns="" xmlns:a16="http://schemas.microsoft.com/office/drawing/2014/main" val="2844262930"/>
-                    </a:ext>
-                  </a:extLst>
-                </a:gridCol>
-                <a:gridCol w="327991">
-                  <a:extLst>
-                    <a:ext uri="{9D8B030D-6E8A-4147-A177-3AD203B41FA5}">
-                      <a16:colId xmlns="" xmlns:a16="http://schemas.microsoft.com/office/drawing/2014/main" val="3985694485"/>
-                    </a:ext>
-                  </a:extLst>
-                </a:gridCol>
-                <a:gridCol w="337931">
-                  <a:extLst>
-                    <a:ext uri="{9D8B030D-6E8A-4147-A177-3AD203B41FA5}">
-                      <a16:colId xmlns="" xmlns:a16="http://schemas.microsoft.com/office/drawing/2014/main" val="936486431"/>
-                    </a:ext>
-                  </a:extLst>
-                </a:gridCol>
-                <a:gridCol w="1848678">
-                  <a:extLst>
-                    <a:ext uri="{9D8B030D-6E8A-4147-A177-3AD203B41FA5}">
-                      <a16:colId xmlns="" xmlns:a16="http://schemas.microsoft.com/office/drawing/2014/main" val="983719914"/>
-                    </a:ext>
-                  </a:extLst>
-                </a:gridCol>
-                <a:gridCol w="954157">
-                  <a:extLst>
-                    <a:ext uri="{9D8B030D-6E8A-4147-A177-3AD203B41FA5}">
-                      <a16:colId xmlns="" xmlns:a16="http://schemas.microsoft.com/office/drawing/2014/main" val="2979302150"/>
-                    </a:ext>
-                  </a:extLst>
-                </a:gridCol>
-                <a:gridCol w="940904">
-                  <a:extLst>
-                    <a:ext uri="{9D8B030D-6E8A-4147-A177-3AD203B41FA5}">
-                      <a16:colId xmlns="" xmlns:a16="http://schemas.microsoft.com/office/drawing/2014/main" val="3779189737"/>
-                    </a:ext>
-                  </a:extLst>
-                </a:gridCol>
-              </a:tblGrid>
-              <a:tr h="1621391">
-                <a:tc>
-                  <a:txBody>
-                    <a:bodyPr/>
-                    <a:lstStyle/>
-                    <a:p>
-                      <a:pPr algn="l" fontAlgn="b"/>
-                      <a:r>
-                        <a:rPr lang="de-CH" sz="1400" u="none" strike="noStrike" dirty="0" smtClean="0">
-                          <a:solidFill>
-                            <a:schemeClr val="tx1"/>
-                          </a:solidFill>
-                          <a:effectLst/>
-                        </a:rPr>
-                        <a:t>Nr.</a:t>
-                      </a:r>
-                      <a:endParaRPr lang="de-CH" sz="1400" b="1" i="0" u="none" strike="noStrike" dirty="0">
-                        <a:solidFill>
-                          <a:schemeClr val="tx1"/>
-                        </a:solidFill>
-                        <a:effectLst/>
-                        <a:latin typeface="Calibri" panose="020F0502020204030204" pitchFamily="34" charset="0"/>
-                      </a:endParaRPr>
-                    </a:p>
-                  </a:txBody>
-                  <a:tcPr marL="5969" marR="5969" marT="5969" marB="0" anchor="ctr">
-                    <a:noFill/>
-                  </a:tcPr>
-                </a:tc>
-                <a:tc>
-                  <a:txBody>
-                    <a:bodyPr/>
-                    <a:lstStyle/>
-                    <a:p>
-                      <a:pPr algn="l" fontAlgn="b"/>
-                      <a:r>
-                        <a:rPr lang="de-CH" sz="1400" u="none" strike="noStrike" dirty="0">
-                          <a:solidFill>
-                            <a:schemeClr val="tx1"/>
-                          </a:solidFill>
-                          <a:effectLst/>
-                        </a:rPr>
-                        <a:t>Risikogruppe</a:t>
-                      </a:r>
-                      <a:endParaRPr lang="de-CH" sz="1400" b="1" i="0" u="none" strike="noStrike" dirty="0">
-                        <a:solidFill>
-                          <a:schemeClr val="tx1"/>
-                        </a:solidFill>
-                        <a:effectLst/>
-                        <a:latin typeface="Calibri" panose="020F0502020204030204" pitchFamily="34" charset="0"/>
-                      </a:endParaRPr>
-                    </a:p>
-                  </a:txBody>
-                  <a:tcPr marL="5969" marR="5969" marT="5969" marB="0" anchor="ctr">
-                    <a:noFill/>
-                  </a:tcPr>
-                </a:tc>
-                <a:tc>
-                  <a:txBody>
-                    <a:bodyPr/>
-                    <a:lstStyle/>
-                    <a:p>
-                      <a:pPr algn="l" fontAlgn="b"/>
-                      <a:r>
-                        <a:rPr lang="de-CH" sz="1400" u="none" strike="noStrike" dirty="0">
-                          <a:solidFill>
-                            <a:schemeClr val="tx1"/>
-                          </a:solidFill>
-                          <a:effectLst/>
-                        </a:rPr>
-                        <a:t>Risiko</a:t>
-                      </a:r>
-                      <a:endParaRPr lang="de-CH" sz="1400" b="1" i="0" u="none" strike="noStrike" dirty="0">
-                        <a:solidFill>
-                          <a:schemeClr val="tx1"/>
-                        </a:solidFill>
-                        <a:effectLst/>
-                        <a:latin typeface="Calibri" panose="020F0502020204030204" pitchFamily="34" charset="0"/>
-                      </a:endParaRPr>
-                    </a:p>
-                  </a:txBody>
-                  <a:tcPr marL="5969" marR="5969" marT="5969" marB="0" anchor="ctr">
-                    <a:noFill/>
-                  </a:tcPr>
-                </a:tc>
-                <a:tc>
-                  <a:txBody>
-                    <a:bodyPr/>
-                    <a:lstStyle/>
-                    <a:p>
-                      <a:pPr algn="l" fontAlgn="b"/>
-                      <a:r>
-                        <a:rPr lang="de-CH" sz="1400" u="none" strike="noStrike">
-                          <a:solidFill>
-                            <a:schemeClr val="tx1"/>
-                          </a:solidFill>
-                          <a:effectLst/>
-                        </a:rPr>
-                        <a:t>Symptome</a:t>
-                      </a:r>
-                      <a:endParaRPr lang="de-CH" sz="1400" b="1" i="0" u="none" strike="noStrike">
-                        <a:solidFill>
-                          <a:schemeClr val="tx1"/>
-                        </a:solidFill>
-                        <a:effectLst/>
-                        <a:latin typeface="Calibri" panose="020F0502020204030204" pitchFamily="34" charset="0"/>
-                      </a:endParaRPr>
-                    </a:p>
-                  </a:txBody>
-                  <a:tcPr marL="5969" marR="5969" marT="5969" marB="0" anchor="ctr">
-                    <a:noFill/>
-                  </a:tcPr>
-                </a:tc>
-                <a:tc>
-                  <a:txBody>
-                    <a:bodyPr/>
-                    <a:lstStyle/>
-                    <a:p>
-                      <a:pPr algn="r" fontAlgn="b"/>
-                      <a:r>
-                        <a:rPr lang="de-CH" sz="1400" u="none" strike="noStrike" dirty="0" smtClean="0">
-                          <a:solidFill>
-                            <a:schemeClr val="tx1"/>
-                          </a:solidFill>
-                          <a:effectLst/>
-                        </a:rPr>
-                        <a:t>Wahrscheinlichkeit</a:t>
-                      </a:r>
-                      <a:endParaRPr lang="de-CH" sz="1400" b="1" i="0" u="none" strike="noStrike" dirty="0">
-                        <a:solidFill>
-                          <a:schemeClr val="tx1"/>
-                        </a:solidFill>
-                        <a:effectLst/>
-                        <a:latin typeface="Calibri" panose="020F0502020204030204" pitchFamily="34" charset="0"/>
-                      </a:endParaRPr>
-                    </a:p>
-                  </a:txBody>
-                  <a:tcPr marL="5969" marR="5969" marT="5969" marB="0" vert="vert270" anchor="ctr">
-                    <a:noFill/>
-                  </a:tcPr>
-                </a:tc>
-                <a:tc>
-                  <a:txBody>
-                    <a:bodyPr/>
-                    <a:lstStyle/>
-                    <a:p>
-                      <a:pPr algn="r" fontAlgn="b"/>
-                      <a:r>
-                        <a:rPr lang="de-CH" sz="1400" u="none" strike="noStrike" dirty="0" smtClean="0">
-                          <a:solidFill>
-                            <a:schemeClr val="tx1"/>
-                          </a:solidFill>
-                          <a:effectLst/>
-                        </a:rPr>
-                        <a:t>Tragweite</a:t>
-                      </a:r>
-                      <a:endParaRPr lang="de-CH" sz="1400" b="1" i="0" u="none" strike="noStrike" dirty="0">
-                        <a:solidFill>
-                          <a:schemeClr val="tx1"/>
-                        </a:solidFill>
-                        <a:effectLst/>
-                        <a:latin typeface="Calibri" panose="020F0502020204030204" pitchFamily="34" charset="0"/>
-                      </a:endParaRPr>
-                    </a:p>
-                  </a:txBody>
-                  <a:tcPr marL="5969" marR="5969" marT="5969" marB="0" vert="vert270" anchor="ctr">
-                    <a:noFill/>
-                  </a:tcPr>
-                </a:tc>
-                <a:tc>
-                  <a:txBody>
-                    <a:bodyPr/>
-                    <a:lstStyle/>
-                    <a:p>
-                      <a:pPr algn="r" fontAlgn="b"/>
-                      <a:r>
-                        <a:rPr lang="de-CH" sz="1400" u="none" strike="noStrike" dirty="0">
-                          <a:solidFill>
-                            <a:schemeClr val="tx1"/>
-                          </a:solidFill>
-                          <a:effectLst/>
-                        </a:rPr>
-                        <a:t>Risikofaktor</a:t>
-                      </a:r>
-                      <a:endParaRPr lang="de-CH" sz="1400" b="1" i="0" u="none" strike="noStrike" dirty="0">
-                        <a:solidFill>
-                          <a:schemeClr val="tx1"/>
-                        </a:solidFill>
-                        <a:effectLst/>
-                        <a:latin typeface="Calibri" panose="020F0502020204030204" pitchFamily="34" charset="0"/>
-                      </a:endParaRPr>
-                    </a:p>
-                  </a:txBody>
-                  <a:tcPr marL="5969" marR="5969" marT="5969" marB="0" vert="vert270" anchor="ctr">
-                    <a:noFill/>
-                  </a:tcPr>
-                </a:tc>
-                <a:tc>
-                  <a:txBody>
-                    <a:bodyPr/>
-                    <a:lstStyle/>
-                    <a:p>
-                      <a:pPr algn="l" fontAlgn="b"/>
-                      <a:r>
-                        <a:rPr lang="de-CH" sz="1400" u="none" strike="noStrike">
-                          <a:solidFill>
-                            <a:schemeClr val="tx1"/>
-                          </a:solidFill>
-                          <a:effectLst/>
-                        </a:rPr>
-                        <a:t>Gegenmassnahme</a:t>
-                      </a:r>
-                      <a:endParaRPr lang="de-CH" sz="1400" b="1" i="0" u="none" strike="noStrike">
-                        <a:solidFill>
-                          <a:schemeClr val="tx1"/>
-                        </a:solidFill>
-                        <a:effectLst/>
-                        <a:latin typeface="Calibri" panose="020F0502020204030204" pitchFamily="34" charset="0"/>
-                      </a:endParaRPr>
-                    </a:p>
-                  </a:txBody>
-                  <a:tcPr marL="5969" marR="5969" marT="5969" marB="0" anchor="ctr">
-                    <a:noFill/>
-                  </a:tcPr>
-                </a:tc>
-                <a:tc>
-                  <a:txBody>
-                    <a:bodyPr/>
-                    <a:lstStyle/>
-                    <a:p>
-                      <a:pPr algn="l" fontAlgn="b"/>
-                      <a:r>
-                        <a:rPr lang="de-CH" sz="1400" u="none" strike="noStrike">
-                          <a:solidFill>
-                            <a:schemeClr val="tx1"/>
-                          </a:solidFill>
-                          <a:effectLst/>
-                        </a:rPr>
-                        <a:t>Deadline</a:t>
-                      </a:r>
-                      <a:endParaRPr lang="de-CH" sz="1400" b="1" i="0" u="none" strike="noStrike">
-                        <a:solidFill>
-                          <a:schemeClr val="tx1"/>
-                        </a:solidFill>
-                        <a:effectLst/>
-                        <a:latin typeface="Calibri" panose="020F0502020204030204" pitchFamily="34" charset="0"/>
-                      </a:endParaRPr>
-                    </a:p>
-                  </a:txBody>
-                  <a:tcPr marL="5969" marR="5969" marT="5969" marB="0" anchor="ctr">
-                    <a:noFill/>
-                  </a:tcPr>
-                </a:tc>
-                <a:tc>
-                  <a:txBody>
-                    <a:bodyPr/>
-                    <a:lstStyle/>
-                    <a:p>
-                      <a:pPr algn="l" fontAlgn="b"/>
-                      <a:r>
-                        <a:rPr lang="de-CH" sz="1400" u="none" strike="noStrike">
-                          <a:solidFill>
-                            <a:schemeClr val="tx1"/>
-                          </a:solidFill>
-                          <a:effectLst/>
-                        </a:rPr>
-                        <a:t>Verantwortung</a:t>
-                      </a:r>
-                      <a:endParaRPr lang="de-CH" sz="1400" b="1" i="0" u="none" strike="noStrike">
-                        <a:solidFill>
-                          <a:schemeClr val="tx1"/>
-                        </a:solidFill>
-                        <a:effectLst/>
-                        <a:latin typeface="Calibri" panose="020F0502020204030204" pitchFamily="34" charset="0"/>
-                      </a:endParaRPr>
-                    </a:p>
-                  </a:txBody>
-                  <a:tcPr marL="5969" marR="5969" marT="5969" marB="0" anchor="ctr">
-                    <a:noFill/>
-                  </a:tcPr>
-                </a:tc>
-                <a:extLst>
-                  <a:ext uri="{0D108BD9-81ED-4DB2-BD59-A6C34878D82A}">
-                    <a16:rowId xmlns="" xmlns:a16="http://schemas.microsoft.com/office/drawing/2014/main" val="204507381"/>
-                  </a:ext>
-                </a:extLst>
-              </a:tr>
-              <a:tr h="510352">
-                <a:tc>
-                  <a:txBody>
-                    <a:bodyPr/>
-                    <a:lstStyle/>
-                    <a:p>
-                      <a:pPr algn="r" fontAlgn="b"/>
-                      <a:r>
-                        <a:rPr lang="de-CH" sz="1400" u="none" strike="noStrike" dirty="0" smtClean="0">
-                          <a:solidFill>
-                            <a:schemeClr val="tx1"/>
-                          </a:solidFill>
-                          <a:effectLst/>
-                        </a:rPr>
-                        <a:t>1</a:t>
-                      </a:r>
-                      <a:endParaRPr lang="de-CH" sz="1400" b="0" i="0" u="none" strike="noStrike" dirty="0">
-                        <a:solidFill>
-                          <a:schemeClr val="tx1"/>
-                        </a:solidFill>
-                        <a:effectLst/>
-                        <a:latin typeface="Calibri" panose="020F0502020204030204" pitchFamily="34" charset="0"/>
-                      </a:endParaRPr>
-                    </a:p>
-                  </a:txBody>
-                  <a:tcPr marL="5969" marR="5969" marT="5969" marB="0" anchor="ctr">
-                    <a:noFill/>
-                  </a:tcPr>
-                </a:tc>
-                <a:tc>
-                  <a:txBody>
-                    <a:bodyPr/>
-                    <a:lstStyle/>
-                    <a:p>
-                      <a:pPr algn="l" fontAlgn="b"/>
-                      <a:r>
-                        <a:rPr lang="de-CH" sz="1400" u="none" strike="noStrike" dirty="0">
-                          <a:solidFill>
-                            <a:schemeClr val="tx1"/>
-                          </a:solidFill>
-                          <a:effectLst/>
-                        </a:rPr>
-                        <a:t>Organisation</a:t>
-                      </a:r>
-                      <a:endParaRPr lang="de-CH" sz="1400" b="0" i="0" u="none" strike="noStrike" dirty="0">
-                        <a:solidFill>
-                          <a:schemeClr val="tx1"/>
-                        </a:solidFill>
-                        <a:effectLst/>
-                        <a:latin typeface="Calibri" panose="020F0502020204030204" pitchFamily="34" charset="0"/>
-                      </a:endParaRPr>
-                    </a:p>
-                  </a:txBody>
-                  <a:tcPr marL="5969" marR="5969" marT="5969" marB="0" anchor="ctr">
-                    <a:noFill/>
-                  </a:tcPr>
-                </a:tc>
-                <a:tc>
-                  <a:txBody>
-                    <a:bodyPr/>
-                    <a:lstStyle/>
-                    <a:p>
-                      <a:pPr algn="l" fontAlgn="b"/>
-                      <a:r>
-                        <a:rPr lang="de-CH" sz="1400" u="none" strike="noStrike">
-                          <a:solidFill>
-                            <a:schemeClr val="tx1"/>
-                          </a:solidFill>
-                          <a:effectLst/>
-                        </a:rPr>
-                        <a:t>Verspätete Abgabe</a:t>
-                      </a:r>
-                      <a:endParaRPr lang="de-CH" sz="1400" b="0" i="0" u="none" strike="noStrike">
-                        <a:solidFill>
-                          <a:schemeClr val="tx1"/>
-                        </a:solidFill>
-                        <a:effectLst/>
-                        <a:latin typeface="Calibri" panose="020F0502020204030204" pitchFamily="34" charset="0"/>
-                      </a:endParaRPr>
-                    </a:p>
-                  </a:txBody>
-                  <a:tcPr marL="5969" marR="5969" marT="5969" marB="0" anchor="ctr">
-                    <a:noFill/>
-                  </a:tcPr>
-                </a:tc>
-                <a:tc>
-                  <a:txBody>
-                    <a:bodyPr/>
-                    <a:lstStyle/>
-                    <a:p>
-                      <a:pPr algn="l" fontAlgn="b"/>
-                      <a:r>
-                        <a:rPr lang="de-CH" sz="1400" u="none" strike="noStrike">
-                          <a:solidFill>
-                            <a:schemeClr val="tx1"/>
-                          </a:solidFill>
-                          <a:effectLst/>
-                        </a:rPr>
-                        <a:t>sich in gewissen Aufgaben verlieren</a:t>
-                      </a:r>
-                      <a:endParaRPr lang="de-CH" sz="1400" b="0" i="0" u="none" strike="noStrike">
-                        <a:solidFill>
-                          <a:schemeClr val="tx1"/>
-                        </a:solidFill>
-                        <a:effectLst/>
-                        <a:latin typeface="Calibri" panose="020F0502020204030204" pitchFamily="34" charset="0"/>
-                      </a:endParaRPr>
-                    </a:p>
-                  </a:txBody>
-                  <a:tcPr marL="5969" marR="5969" marT="5969" marB="0" anchor="ctr">
-                    <a:noFill/>
-                  </a:tcPr>
-                </a:tc>
-                <a:tc>
-                  <a:txBody>
-                    <a:bodyPr/>
-                    <a:lstStyle/>
-                    <a:p>
-                      <a:pPr algn="r" fontAlgn="b"/>
-                      <a:r>
-                        <a:rPr lang="de-CH" sz="1400" u="none" strike="noStrike">
-                          <a:solidFill>
-                            <a:schemeClr val="tx1"/>
-                          </a:solidFill>
-                          <a:effectLst/>
-                        </a:rPr>
-                        <a:t>2</a:t>
-                      </a:r>
-                      <a:endParaRPr lang="de-CH" sz="1400" b="0" i="0" u="none" strike="noStrike">
-                        <a:solidFill>
-                          <a:schemeClr val="tx1"/>
-                        </a:solidFill>
-                        <a:effectLst/>
-                        <a:latin typeface="Calibri" panose="020F0502020204030204" pitchFamily="34" charset="0"/>
-                      </a:endParaRPr>
-                    </a:p>
-                  </a:txBody>
-                  <a:tcPr marL="5969" marR="5969" marT="5969" marB="0" anchor="ctr">
-                    <a:noFill/>
-                  </a:tcPr>
-                </a:tc>
-                <a:tc>
-                  <a:txBody>
-                    <a:bodyPr/>
-                    <a:lstStyle/>
-                    <a:p>
-                      <a:pPr algn="r" fontAlgn="b"/>
-                      <a:r>
-                        <a:rPr lang="de-CH" sz="1400" u="none" strike="noStrike" dirty="0">
-                          <a:solidFill>
-                            <a:schemeClr val="tx1"/>
-                          </a:solidFill>
-                          <a:effectLst/>
-                        </a:rPr>
-                        <a:t>6</a:t>
-                      </a:r>
-                      <a:endParaRPr lang="de-CH" sz="1400" b="0" i="0" u="none" strike="noStrike" dirty="0">
-                        <a:solidFill>
-                          <a:schemeClr val="tx1"/>
-                        </a:solidFill>
-                        <a:effectLst/>
-                        <a:latin typeface="Calibri" panose="020F0502020204030204" pitchFamily="34" charset="0"/>
-                      </a:endParaRPr>
-                    </a:p>
-                  </a:txBody>
-                  <a:tcPr marL="5969" marR="5969" marT="5969" marB="0" anchor="ctr">
-                    <a:noFill/>
-                  </a:tcPr>
-                </a:tc>
-                <a:tc>
-                  <a:txBody>
-                    <a:bodyPr/>
-                    <a:lstStyle/>
-                    <a:p>
-                      <a:pPr algn="r" fontAlgn="b"/>
-                      <a:r>
-                        <a:rPr lang="de-CH" sz="1400" u="none" strike="noStrike" dirty="0">
-                          <a:solidFill>
-                            <a:schemeClr val="tx1"/>
-                          </a:solidFill>
-                          <a:effectLst/>
-                        </a:rPr>
-                        <a:t>4</a:t>
-                      </a:r>
-                      <a:endParaRPr lang="de-CH" sz="1400" b="0" i="0" u="none" strike="noStrike" dirty="0">
-                        <a:solidFill>
-                          <a:schemeClr val="tx1"/>
-                        </a:solidFill>
-                        <a:effectLst/>
-                        <a:latin typeface="Calibri" panose="020F0502020204030204" pitchFamily="34" charset="0"/>
-                      </a:endParaRPr>
-                    </a:p>
-                  </a:txBody>
-                  <a:tcPr marL="5969" marR="5969" marT="5969" marB="0" anchor="ctr">
-                    <a:noFill/>
-                  </a:tcPr>
-                </a:tc>
-                <a:tc>
-                  <a:txBody>
-                    <a:bodyPr/>
-                    <a:lstStyle/>
-                    <a:p>
-                      <a:pPr algn="l" fontAlgn="b"/>
-                      <a:r>
-                        <a:rPr lang="de-CH" sz="1400" u="none" strike="noStrike" dirty="0">
-                          <a:solidFill>
-                            <a:schemeClr val="tx1"/>
-                          </a:solidFill>
-                          <a:effectLst/>
-                        </a:rPr>
-                        <a:t>Gute Aufgabenverteilung, </a:t>
-                      </a:r>
-                      <a:r>
-                        <a:rPr lang="de-CH" sz="1400" u="none" strike="noStrike" dirty="0">
-                          <a:solidFill>
-                            <a:schemeClr val="tx1"/>
-                          </a:solidFill>
-                          <a:effectLst/>
-                        </a:rPr>
-                        <a:t>S</a:t>
-                      </a:r>
-                      <a:r>
-                        <a:rPr lang="de-CH" sz="1400" u="none" strike="noStrike" dirty="0" smtClean="0">
-                          <a:solidFill>
-                            <a:schemeClr val="tx1"/>
-                          </a:solidFill>
-                          <a:effectLst/>
-                        </a:rPr>
-                        <a:t>itzungen</a:t>
-                      </a:r>
-                      <a:endParaRPr lang="de-CH" sz="1400" b="0" i="0" u="none" strike="noStrike" dirty="0">
-                        <a:solidFill>
-                          <a:schemeClr val="tx1"/>
-                        </a:solidFill>
-                        <a:effectLst/>
-                        <a:latin typeface="Calibri" panose="020F0502020204030204" pitchFamily="34" charset="0"/>
-                      </a:endParaRPr>
-                    </a:p>
-                  </a:txBody>
-                  <a:tcPr marL="5969" marR="5969" marT="5969" marB="0" anchor="ctr">
-                    <a:noFill/>
-                  </a:tcPr>
-                </a:tc>
-                <a:tc>
-                  <a:txBody>
-                    <a:bodyPr/>
-                    <a:lstStyle/>
-                    <a:p>
-                      <a:pPr algn="r" fontAlgn="b"/>
-                      <a:r>
-                        <a:rPr lang="de-CH" sz="1400" u="none" strike="noStrike">
-                          <a:solidFill>
-                            <a:schemeClr val="tx1"/>
-                          </a:solidFill>
-                          <a:effectLst/>
-                        </a:rPr>
-                        <a:t>30.10.2017</a:t>
-                      </a:r>
-                      <a:endParaRPr lang="de-CH" sz="1400" b="0" i="0" u="none" strike="noStrike">
-                        <a:solidFill>
-                          <a:schemeClr val="tx1"/>
-                        </a:solidFill>
-                        <a:effectLst/>
-                        <a:latin typeface="Calibri" panose="020F0502020204030204" pitchFamily="34" charset="0"/>
-                      </a:endParaRPr>
-                    </a:p>
-                  </a:txBody>
-                  <a:tcPr marL="5969" marR="5969" marT="5969" marB="0" anchor="ctr">
-                    <a:noFill/>
-                  </a:tcPr>
-                </a:tc>
-                <a:tc>
-                  <a:txBody>
-                    <a:bodyPr/>
-                    <a:lstStyle/>
-                    <a:p>
-                      <a:pPr algn="l" fontAlgn="b"/>
-                      <a:r>
-                        <a:rPr lang="de-CH" sz="1400" u="none" strike="noStrike">
-                          <a:solidFill>
-                            <a:schemeClr val="tx1"/>
-                          </a:solidFill>
-                          <a:effectLst/>
-                        </a:rPr>
-                        <a:t>Nico Lutz</a:t>
-                      </a:r>
-                      <a:endParaRPr lang="de-CH" sz="1400" b="0" i="0" u="none" strike="noStrike">
-                        <a:solidFill>
-                          <a:schemeClr val="tx1"/>
-                        </a:solidFill>
-                        <a:effectLst/>
-                        <a:latin typeface="Calibri" panose="020F0502020204030204" pitchFamily="34" charset="0"/>
-                      </a:endParaRPr>
-                    </a:p>
-                  </a:txBody>
-                  <a:tcPr marL="5969" marR="5969" marT="5969" marB="0" anchor="ctr">
-                    <a:noFill/>
-                  </a:tcPr>
-                </a:tc>
-                <a:extLst>
-                  <a:ext uri="{0D108BD9-81ED-4DB2-BD59-A6C34878D82A}">
-                    <a16:rowId xmlns="" xmlns:a16="http://schemas.microsoft.com/office/drawing/2014/main" val="2099330729"/>
-                  </a:ext>
-                </a:extLst>
-              </a:tr>
-              <a:tr h="341807">
-                <a:tc>
-                  <a:txBody>
-                    <a:bodyPr/>
-                    <a:lstStyle/>
-                    <a:p>
-                      <a:pPr algn="r" fontAlgn="b"/>
-                      <a:r>
-                        <a:rPr lang="de-CH" sz="1400" b="0" i="0" u="none" strike="noStrike" dirty="0" smtClean="0">
-                          <a:solidFill>
-                            <a:schemeClr val="tx1"/>
-                          </a:solidFill>
-                          <a:effectLst/>
-                          <a:latin typeface="+mn-lt"/>
-                        </a:rPr>
-                        <a:t>2</a:t>
-                      </a:r>
-                      <a:endParaRPr lang="de-CH" sz="1400" b="0" i="0" u="none" strike="noStrike" dirty="0">
-                        <a:solidFill>
-                          <a:schemeClr val="tx1"/>
-                        </a:solidFill>
-                        <a:effectLst/>
-                        <a:latin typeface="Calibri" panose="020F0502020204030204" pitchFamily="34" charset="0"/>
-                      </a:endParaRPr>
-                    </a:p>
-                  </a:txBody>
-                  <a:tcPr marL="5969" marR="5969" marT="5969" marB="0" anchor="ctr">
-                    <a:noFill/>
-                  </a:tcPr>
-                </a:tc>
-                <a:tc>
-                  <a:txBody>
-                    <a:bodyPr/>
-                    <a:lstStyle/>
-                    <a:p>
-                      <a:pPr algn="l" fontAlgn="b"/>
-                      <a:r>
-                        <a:rPr lang="de-CH" sz="1400" u="none" strike="noStrike" dirty="0">
-                          <a:solidFill>
-                            <a:schemeClr val="tx1"/>
-                          </a:solidFill>
-                          <a:effectLst/>
-                        </a:rPr>
-                        <a:t>O</a:t>
-                      </a:r>
-                      <a:r>
-                        <a:rPr lang="de-CH" sz="1400" u="none" strike="noStrike" dirty="0" smtClean="0">
-                          <a:solidFill>
-                            <a:schemeClr val="tx1"/>
-                          </a:solidFill>
-                          <a:effectLst/>
-                        </a:rPr>
-                        <a:t>rganisation</a:t>
-                      </a:r>
-                      <a:r>
-                        <a:rPr lang="de-CH" sz="1400" u="none" strike="noStrike" dirty="0">
-                          <a:solidFill>
-                            <a:schemeClr val="tx1"/>
-                          </a:solidFill>
-                          <a:effectLst/>
-                        </a:rPr>
-                        <a:t>, Programmieren</a:t>
-                      </a:r>
-                      <a:endParaRPr lang="de-CH" sz="1400" b="0" i="0" u="none" strike="noStrike" dirty="0">
-                        <a:solidFill>
-                          <a:schemeClr val="tx1"/>
-                        </a:solidFill>
-                        <a:effectLst/>
-                        <a:latin typeface="Calibri" panose="020F0502020204030204" pitchFamily="34" charset="0"/>
-                      </a:endParaRPr>
-                    </a:p>
-                  </a:txBody>
-                  <a:tcPr marL="5969" marR="5969" marT="5969" marB="0" anchor="ctr">
-                    <a:noFill/>
-                  </a:tcPr>
-                </a:tc>
-                <a:tc>
-                  <a:txBody>
-                    <a:bodyPr/>
-                    <a:lstStyle/>
-                    <a:p>
-                      <a:pPr algn="l" fontAlgn="b"/>
-                      <a:r>
-                        <a:rPr lang="de-CH" sz="1400" u="none" strike="noStrike" dirty="0">
-                          <a:solidFill>
-                            <a:schemeClr val="tx1"/>
-                          </a:solidFill>
-                          <a:effectLst/>
-                        </a:rPr>
-                        <a:t>Korrupte </a:t>
-                      </a:r>
-                      <a:r>
-                        <a:rPr lang="de-CH" sz="1400" u="none" strike="noStrike" dirty="0">
-                          <a:solidFill>
-                            <a:schemeClr val="tx1"/>
-                          </a:solidFill>
-                          <a:effectLst/>
-                        </a:rPr>
-                        <a:t>D</a:t>
-                      </a:r>
-                      <a:r>
-                        <a:rPr lang="de-CH" sz="1400" u="none" strike="noStrike" dirty="0" smtClean="0">
-                          <a:solidFill>
-                            <a:schemeClr val="tx1"/>
-                          </a:solidFill>
-                          <a:effectLst/>
-                        </a:rPr>
-                        <a:t>ateien</a:t>
-                      </a:r>
-                      <a:endParaRPr lang="de-CH" sz="1400" b="0" i="0" u="none" strike="noStrike" dirty="0">
-                        <a:solidFill>
-                          <a:schemeClr val="tx1"/>
-                        </a:solidFill>
-                        <a:effectLst/>
-                        <a:latin typeface="Calibri" panose="020F0502020204030204" pitchFamily="34" charset="0"/>
-                      </a:endParaRPr>
-                    </a:p>
-                  </a:txBody>
-                  <a:tcPr marL="5969" marR="5969" marT="5969" marB="0" anchor="ctr">
-                    <a:noFill/>
-                  </a:tcPr>
-                </a:tc>
-                <a:tc>
-                  <a:txBody>
-                    <a:bodyPr/>
-                    <a:lstStyle/>
-                    <a:p>
-                      <a:pPr algn="l" fontAlgn="b"/>
-                      <a:r>
-                        <a:rPr lang="de-CH" sz="1400" u="none" strike="noStrike">
-                          <a:solidFill>
-                            <a:schemeClr val="tx1"/>
-                          </a:solidFill>
-                          <a:effectLst/>
-                        </a:rPr>
-                        <a:t>verschiedene versionen einer Datei auf Github hochgeladen</a:t>
-                      </a:r>
-                      <a:endParaRPr lang="de-CH" sz="1400" b="0" i="0" u="none" strike="noStrike">
-                        <a:solidFill>
-                          <a:schemeClr val="tx1"/>
-                        </a:solidFill>
-                        <a:effectLst/>
-                        <a:latin typeface="Calibri" panose="020F0502020204030204" pitchFamily="34" charset="0"/>
-                      </a:endParaRPr>
-                    </a:p>
-                  </a:txBody>
-                  <a:tcPr marL="5969" marR="5969" marT="5969" marB="0" anchor="ctr">
-                    <a:noFill/>
-                  </a:tcPr>
-                </a:tc>
-                <a:tc>
-                  <a:txBody>
-                    <a:bodyPr/>
-                    <a:lstStyle/>
-                    <a:p>
-                      <a:pPr algn="r" fontAlgn="b"/>
-                      <a:r>
-                        <a:rPr lang="de-CH" sz="1400" u="none" strike="noStrike">
-                          <a:solidFill>
-                            <a:schemeClr val="tx1"/>
-                          </a:solidFill>
-                          <a:effectLst/>
-                        </a:rPr>
-                        <a:t>3</a:t>
-                      </a:r>
-                      <a:endParaRPr lang="de-CH" sz="1400" b="0" i="0" u="none" strike="noStrike">
-                        <a:solidFill>
-                          <a:schemeClr val="tx1"/>
-                        </a:solidFill>
-                        <a:effectLst/>
-                        <a:latin typeface="Calibri" panose="020F0502020204030204" pitchFamily="34" charset="0"/>
-                      </a:endParaRPr>
-                    </a:p>
-                  </a:txBody>
-                  <a:tcPr marL="5969" marR="5969" marT="5969" marB="0" anchor="ctr">
-                    <a:noFill/>
-                  </a:tcPr>
-                </a:tc>
-                <a:tc>
-                  <a:txBody>
-                    <a:bodyPr/>
-                    <a:lstStyle/>
-                    <a:p>
-                      <a:pPr algn="r" fontAlgn="b"/>
-                      <a:r>
-                        <a:rPr lang="de-CH" sz="1400" u="none" strike="noStrike">
-                          <a:solidFill>
-                            <a:schemeClr val="tx1"/>
-                          </a:solidFill>
-                          <a:effectLst/>
-                        </a:rPr>
-                        <a:t>1</a:t>
-                      </a:r>
-                      <a:endParaRPr lang="de-CH" sz="1400" b="0" i="0" u="none" strike="noStrike">
-                        <a:solidFill>
-                          <a:schemeClr val="tx1"/>
-                        </a:solidFill>
-                        <a:effectLst/>
-                        <a:latin typeface="Calibri" panose="020F0502020204030204" pitchFamily="34" charset="0"/>
-                      </a:endParaRPr>
-                    </a:p>
-                  </a:txBody>
-                  <a:tcPr marL="5969" marR="5969" marT="5969" marB="0" anchor="ctr">
-                    <a:noFill/>
-                  </a:tcPr>
-                </a:tc>
-                <a:tc>
-                  <a:txBody>
-                    <a:bodyPr/>
-                    <a:lstStyle/>
-                    <a:p>
-                      <a:pPr algn="r" fontAlgn="b"/>
-                      <a:r>
-                        <a:rPr lang="de-CH" sz="1400" u="none" strike="noStrike">
-                          <a:solidFill>
-                            <a:schemeClr val="tx1"/>
-                          </a:solidFill>
-                          <a:effectLst/>
-                        </a:rPr>
-                        <a:t>1</a:t>
-                      </a:r>
-                      <a:endParaRPr lang="de-CH" sz="1400" b="0" i="0" u="none" strike="noStrike">
-                        <a:solidFill>
-                          <a:schemeClr val="tx1"/>
-                        </a:solidFill>
-                        <a:effectLst/>
-                        <a:latin typeface="Calibri" panose="020F0502020204030204" pitchFamily="34" charset="0"/>
-                      </a:endParaRPr>
-                    </a:p>
-                  </a:txBody>
-                  <a:tcPr marL="5969" marR="5969" marT="5969" marB="0" anchor="ctr">
-                    <a:noFill/>
-                  </a:tcPr>
-                </a:tc>
-                <a:tc>
-                  <a:txBody>
-                    <a:bodyPr/>
-                    <a:lstStyle/>
-                    <a:p>
-                      <a:pPr algn="l" fontAlgn="b"/>
-                      <a:r>
-                        <a:rPr lang="de-CH" sz="1400" u="none" strike="noStrike">
-                          <a:solidFill>
-                            <a:schemeClr val="tx1"/>
-                          </a:solidFill>
-                          <a:effectLst/>
-                        </a:rPr>
-                        <a:t>Immer Pullen vor Pushen</a:t>
-                      </a:r>
-                      <a:endParaRPr lang="de-CH" sz="1400" b="0" i="0" u="none" strike="noStrike">
-                        <a:solidFill>
-                          <a:schemeClr val="tx1"/>
-                        </a:solidFill>
-                        <a:effectLst/>
-                        <a:latin typeface="Calibri" panose="020F0502020204030204" pitchFamily="34" charset="0"/>
-                      </a:endParaRPr>
-                    </a:p>
-                  </a:txBody>
-                  <a:tcPr marL="5969" marR="5969" marT="5969" marB="0" anchor="ctr">
-                    <a:noFill/>
-                  </a:tcPr>
-                </a:tc>
-                <a:tc>
-                  <a:txBody>
-                    <a:bodyPr/>
-                    <a:lstStyle/>
-                    <a:p>
-                      <a:pPr algn="r" fontAlgn="b"/>
-                      <a:r>
-                        <a:rPr lang="de-CH" sz="1400" u="none" strike="noStrike">
-                          <a:solidFill>
-                            <a:schemeClr val="tx1"/>
-                          </a:solidFill>
-                          <a:effectLst/>
-                        </a:rPr>
-                        <a:t>30.10.2017</a:t>
-                      </a:r>
-                      <a:endParaRPr lang="de-CH" sz="1400" b="0" i="0" u="none" strike="noStrike">
-                        <a:solidFill>
-                          <a:schemeClr val="tx1"/>
-                        </a:solidFill>
-                        <a:effectLst/>
-                        <a:latin typeface="Calibri" panose="020F0502020204030204" pitchFamily="34" charset="0"/>
-                      </a:endParaRPr>
-                    </a:p>
-                  </a:txBody>
-                  <a:tcPr marL="5969" marR="5969" marT="5969" marB="0" anchor="ctr">
-                    <a:noFill/>
-                  </a:tcPr>
-                </a:tc>
-                <a:tc>
-                  <a:txBody>
-                    <a:bodyPr/>
-                    <a:lstStyle/>
-                    <a:p>
-                      <a:pPr algn="l" fontAlgn="b"/>
-                      <a:r>
-                        <a:rPr lang="de-CH" sz="1400" u="none" strike="noStrike" dirty="0">
-                          <a:solidFill>
-                            <a:schemeClr val="tx1"/>
-                          </a:solidFill>
-                          <a:effectLst/>
-                        </a:rPr>
-                        <a:t>Alle</a:t>
-                      </a:r>
-                      <a:endParaRPr lang="de-CH" sz="1400" b="0" i="0" u="none" strike="noStrike" dirty="0">
-                        <a:solidFill>
-                          <a:schemeClr val="tx1"/>
-                        </a:solidFill>
-                        <a:effectLst/>
-                        <a:latin typeface="Calibri" panose="020F0502020204030204" pitchFamily="34" charset="0"/>
-                      </a:endParaRPr>
-                    </a:p>
-                  </a:txBody>
-                  <a:tcPr marL="5969" marR="5969" marT="5969" marB="0" anchor="ctr">
-                    <a:noFill/>
-                  </a:tcPr>
-                </a:tc>
-                <a:extLst>
-                  <a:ext uri="{0D108BD9-81ED-4DB2-BD59-A6C34878D82A}">
-                    <a16:rowId xmlns="" xmlns:a16="http://schemas.microsoft.com/office/drawing/2014/main" val="1504547318"/>
-                  </a:ext>
-                </a:extLst>
-              </a:tr>
-              <a:tr h="341807">
-                <a:tc>
-                  <a:txBody>
-                    <a:bodyPr/>
-                    <a:lstStyle/>
-                    <a:p>
-                      <a:pPr algn="r" fontAlgn="b"/>
-                      <a:r>
-                        <a:rPr lang="de-CH" sz="1400" b="0" i="0" u="none" strike="noStrike" dirty="0" smtClean="0">
-                          <a:solidFill>
-                            <a:schemeClr val="tx1"/>
-                          </a:solidFill>
-                          <a:effectLst/>
-                          <a:latin typeface="+mn-lt"/>
-                        </a:rPr>
-                        <a:t>3</a:t>
-                      </a:r>
-                      <a:endParaRPr lang="de-CH" sz="1400" b="0" i="0" u="none" strike="noStrike" dirty="0">
-                        <a:solidFill>
-                          <a:schemeClr val="tx1"/>
-                        </a:solidFill>
-                        <a:effectLst/>
-                        <a:latin typeface="Calibri" panose="020F0502020204030204" pitchFamily="34" charset="0"/>
-                      </a:endParaRPr>
-                    </a:p>
-                  </a:txBody>
-                  <a:tcPr marL="5969" marR="5969" marT="5969" marB="0" anchor="ctr">
-                    <a:noFill/>
-                  </a:tcPr>
-                </a:tc>
-                <a:tc>
-                  <a:txBody>
-                    <a:bodyPr/>
-                    <a:lstStyle/>
-                    <a:p>
-                      <a:pPr algn="l" fontAlgn="b"/>
-                      <a:r>
-                        <a:rPr lang="de-CH" sz="1400" u="none" strike="noStrike" dirty="0">
-                          <a:solidFill>
-                            <a:schemeClr val="tx1"/>
-                          </a:solidFill>
-                          <a:effectLst/>
-                        </a:rPr>
-                        <a:t>Organisation</a:t>
-                      </a:r>
-                      <a:r>
-                        <a:rPr lang="de-CH" sz="1400" u="none" strike="noStrike" dirty="0" smtClean="0">
-                          <a:solidFill>
-                            <a:schemeClr val="tx1"/>
-                          </a:solidFill>
-                          <a:effectLst/>
-                        </a:rPr>
-                        <a:t>, Kommunikation</a:t>
-                      </a:r>
-                      <a:endParaRPr lang="de-CH" sz="1400" b="0" i="0" u="none" strike="noStrike" dirty="0">
-                        <a:solidFill>
-                          <a:schemeClr val="tx1"/>
-                        </a:solidFill>
-                        <a:effectLst/>
-                        <a:latin typeface="Calibri" panose="020F0502020204030204" pitchFamily="34" charset="0"/>
-                      </a:endParaRPr>
-                    </a:p>
-                  </a:txBody>
-                  <a:tcPr marL="5969" marR="5969" marT="5969" marB="0" anchor="ctr">
-                    <a:noFill/>
-                  </a:tcPr>
-                </a:tc>
-                <a:tc>
-                  <a:txBody>
-                    <a:bodyPr/>
-                    <a:lstStyle/>
-                    <a:p>
-                      <a:pPr algn="l" fontAlgn="b"/>
-                      <a:r>
-                        <a:rPr lang="de-CH" sz="1400" u="none" strike="noStrike">
-                          <a:solidFill>
-                            <a:schemeClr val="tx1"/>
-                          </a:solidFill>
-                          <a:effectLst/>
-                        </a:rPr>
-                        <a:t>Fehlende Kommunikation</a:t>
-                      </a:r>
-                      <a:endParaRPr lang="de-CH" sz="1400" b="0" i="0" u="none" strike="noStrike">
-                        <a:solidFill>
-                          <a:schemeClr val="tx1"/>
-                        </a:solidFill>
-                        <a:effectLst/>
-                        <a:latin typeface="Calibri" panose="020F0502020204030204" pitchFamily="34" charset="0"/>
-                      </a:endParaRPr>
-                    </a:p>
-                  </a:txBody>
-                  <a:tcPr marL="5969" marR="5969" marT="5969" marB="0" anchor="ctr">
-                    <a:noFill/>
-                  </a:tcPr>
-                </a:tc>
-                <a:tc>
-                  <a:txBody>
-                    <a:bodyPr/>
-                    <a:lstStyle/>
-                    <a:p>
-                      <a:pPr algn="l" fontAlgn="b"/>
-                      <a:r>
-                        <a:rPr lang="de-CH" sz="1400" u="none" strike="noStrike" dirty="0">
-                          <a:solidFill>
-                            <a:schemeClr val="tx1"/>
-                          </a:solidFill>
-                          <a:effectLst/>
-                        </a:rPr>
-                        <a:t>Aufgaben bleiben aus</a:t>
-                      </a:r>
-                      <a:endParaRPr lang="de-CH" sz="1400" b="0" i="0" u="none" strike="noStrike" dirty="0">
-                        <a:solidFill>
-                          <a:schemeClr val="tx1"/>
-                        </a:solidFill>
-                        <a:effectLst/>
-                        <a:latin typeface="Calibri" panose="020F0502020204030204" pitchFamily="34" charset="0"/>
-                      </a:endParaRPr>
-                    </a:p>
-                  </a:txBody>
-                  <a:tcPr marL="5969" marR="5969" marT="5969" marB="0" anchor="ctr">
-                    <a:noFill/>
-                  </a:tcPr>
-                </a:tc>
-                <a:tc>
-                  <a:txBody>
-                    <a:bodyPr/>
-                    <a:lstStyle/>
-                    <a:p>
-                      <a:pPr algn="r" fontAlgn="b"/>
-                      <a:r>
-                        <a:rPr lang="de-CH" sz="1400" u="none" strike="noStrike">
-                          <a:solidFill>
-                            <a:schemeClr val="tx1"/>
-                          </a:solidFill>
-                          <a:effectLst/>
-                        </a:rPr>
-                        <a:t>1</a:t>
-                      </a:r>
-                      <a:endParaRPr lang="de-CH" sz="1400" b="0" i="0" u="none" strike="noStrike">
-                        <a:solidFill>
-                          <a:schemeClr val="tx1"/>
-                        </a:solidFill>
-                        <a:effectLst/>
-                        <a:latin typeface="Calibri" panose="020F0502020204030204" pitchFamily="34" charset="0"/>
-                      </a:endParaRPr>
-                    </a:p>
-                  </a:txBody>
-                  <a:tcPr marL="5969" marR="5969" marT="5969" marB="0" anchor="ctr">
-                    <a:noFill/>
-                  </a:tcPr>
-                </a:tc>
-                <a:tc>
-                  <a:txBody>
-                    <a:bodyPr/>
-                    <a:lstStyle/>
-                    <a:p>
-                      <a:pPr algn="r" fontAlgn="b"/>
-                      <a:r>
-                        <a:rPr lang="de-CH" sz="1400" u="none" strike="noStrike">
-                          <a:solidFill>
-                            <a:schemeClr val="tx1"/>
-                          </a:solidFill>
-                          <a:effectLst/>
-                        </a:rPr>
-                        <a:t>3</a:t>
-                      </a:r>
-                      <a:endParaRPr lang="de-CH" sz="1400" b="0" i="0" u="none" strike="noStrike">
-                        <a:solidFill>
-                          <a:schemeClr val="tx1"/>
-                        </a:solidFill>
-                        <a:effectLst/>
-                        <a:latin typeface="Calibri" panose="020F0502020204030204" pitchFamily="34" charset="0"/>
-                      </a:endParaRPr>
-                    </a:p>
-                  </a:txBody>
-                  <a:tcPr marL="5969" marR="5969" marT="5969" marB="0" anchor="ctr">
-                    <a:noFill/>
-                  </a:tcPr>
-                </a:tc>
-                <a:tc>
-                  <a:txBody>
-                    <a:bodyPr/>
-                    <a:lstStyle/>
-                    <a:p>
-                      <a:pPr algn="r" fontAlgn="b"/>
-                      <a:r>
-                        <a:rPr lang="de-CH" sz="1400" u="none" strike="noStrike">
-                          <a:solidFill>
-                            <a:schemeClr val="tx1"/>
-                          </a:solidFill>
-                          <a:effectLst/>
-                        </a:rPr>
-                        <a:t>3</a:t>
-                      </a:r>
-                      <a:endParaRPr lang="de-CH" sz="1400" b="0" i="0" u="none" strike="noStrike">
-                        <a:solidFill>
-                          <a:schemeClr val="tx1"/>
-                        </a:solidFill>
-                        <a:effectLst/>
-                        <a:latin typeface="Calibri" panose="020F0502020204030204" pitchFamily="34" charset="0"/>
-                      </a:endParaRPr>
-                    </a:p>
-                  </a:txBody>
-                  <a:tcPr marL="5969" marR="5969" marT="5969" marB="0" anchor="ctr">
-                    <a:noFill/>
-                  </a:tcPr>
-                </a:tc>
-                <a:tc>
-                  <a:txBody>
-                    <a:bodyPr/>
-                    <a:lstStyle/>
-                    <a:p>
-                      <a:pPr algn="l" fontAlgn="b"/>
-                      <a:r>
-                        <a:rPr lang="de-CH" sz="1400" u="none" strike="noStrike">
-                          <a:solidFill>
-                            <a:schemeClr val="tx1"/>
-                          </a:solidFill>
-                          <a:effectLst/>
-                        </a:rPr>
-                        <a:t>Sitzungen, gutes Absprechen</a:t>
-                      </a:r>
-                      <a:endParaRPr lang="de-CH" sz="1400" b="0" i="0" u="none" strike="noStrike">
-                        <a:solidFill>
-                          <a:schemeClr val="tx1"/>
-                        </a:solidFill>
-                        <a:effectLst/>
-                        <a:latin typeface="Calibri" panose="020F0502020204030204" pitchFamily="34" charset="0"/>
-                      </a:endParaRPr>
-                    </a:p>
-                  </a:txBody>
-                  <a:tcPr marL="5969" marR="5969" marT="5969" marB="0" anchor="ctr">
-                    <a:noFill/>
-                  </a:tcPr>
-                </a:tc>
-                <a:tc>
-                  <a:txBody>
-                    <a:bodyPr/>
-                    <a:lstStyle/>
-                    <a:p>
-                      <a:pPr algn="r" fontAlgn="b"/>
-                      <a:r>
-                        <a:rPr lang="de-CH" sz="1400" u="none" strike="noStrike">
-                          <a:solidFill>
-                            <a:schemeClr val="tx1"/>
-                          </a:solidFill>
-                          <a:effectLst/>
-                        </a:rPr>
-                        <a:t>30.10.2017</a:t>
-                      </a:r>
-                      <a:endParaRPr lang="de-CH" sz="1400" b="0" i="0" u="none" strike="noStrike">
-                        <a:solidFill>
-                          <a:schemeClr val="tx1"/>
-                        </a:solidFill>
-                        <a:effectLst/>
-                        <a:latin typeface="Calibri" panose="020F0502020204030204" pitchFamily="34" charset="0"/>
-                      </a:endParaRPr>
-                    </a:p>
-                  </a:txBody>
-                  <a:tcPr marL="5969" marR="5969" marT="5969" marB="0" anchor="ctr">
-                    <a:noFill/>
-                  </a:tcPr>
-                </a:tc>
-                <a:tc>
-                  <a:txBody>
-                    <a:bodyPr/>
-                    <a:lstStyle/>
-                    <a:p>
-                      <a:pPr algn="l" fontAlgn="b"/>
-                      <a:r>
-                        <a:rPr lang="de-CH" sz="1400" u="none" strike="noStrike">
-                          <a:solidFill>
-                            <a:schemeClr val="tx1"/>
-                          </a:solidFill>
-                          <a:effectLst/>
-                        </a:rPr>
-                        <a:t>Nico Lutz</a:t>
-                      </a:r>
-                      <a:endParaRPr lang="de-CH" sz="1400" b="0" i="0" u="none" strike="noStrike">
-                        <a:solidFill>
-                          <a:schemeClr val="tx1"/>
-                        </a:solidFill>
-                        <a:effectLst/>
-                        <a:latin typeface="Calibri" panose="020F0502020204030204" pitchFamily="34" charset="0"/>
-                      </a:endParaRPr>
-                    </a:p>
-                  </a:txBody>
-                  <a:tcPr marL="5969" marR="5969" marT="5969" marB="0" anchor="ctr">
-                    <a:noFill/>
-                  </a:tcPr>
-                </a:tc>
-                <a:extLst>
-                  <a:ext uri="{0D108BD9-81ED-4DB2-BD59-A6C34878D82A}">
-                    <a16:rowId xmlns="" xmlns:a16="http://schemas.microsoft.com/office/drawing/2014/main" val="137664474"/>
-                  </a:ext>
-                </a:extLst>
-              </a:tr>
-              <a:tr h="341807">
-                <a:tc>
-                  <a:txBody>
-                    <a:bodyPr/>
-                    <a:lstStyle/>
-                    <a:p>
-                      <a:pPr algn="r" fontAlgn="b"/>
-                      <a:r>
-                        <a:rPr lang="de-CH" sz="1400" b="0" i="0" u="none" strike="noStrike" dirty="0" smtClean="0">
-                          <a:solidFill>
-                            <a:schemeClr val="tx1"/>
-                          </a:solidFill>
-                          <a:effectLst/>
-                          <a:latin typeface="+mn-lt"/>
-                        </a:rPr>
-                        <a:t>4</a:t>
-                      </a:r>
-                      <a:endParaRPr lang="de-CH" sz="1400" b="0" i="0" u="none" strike="noStrike" dirty="0">
-                        <a:solidFill>
-                          <a:schemeClr val="tx1"/>
-                        </a:solidFill>
-                        <a:effectLst/>
-                        <a:latin typeface="Calibri" panose="020F0502020204030204" pitchFamily="34" charset="0"/>
-                      </a:endParaRPr>
-                    </a:p>
-                  </a:txBody>
-                  <a:tcPr marL="5969" marR="5969" marT="5969" marB="0" anchor="ctr">
-                    <a:noFill/>
-                  </a:tcPr>
-                </a:tc>
-                <a:tc>
-                  <a:txBody>
-                    <a:bodyPr/>
-                    <a:lstStyle/>
-                    <a:p>
-                      <a:pPr algn="l" fontAlgn="b"/>
-                      <a:r>
-                        <a:rPr lang="de-CH" sz="1400" u="none" strike="noStrike">
-                          <a:solidFill>
-                            <a:schemeClr val="tx1"/>
-                          </a:solidFill>
-                          <a:effectLst/>
-                        </a:rPr>
-                        <a:t>Programmieren</a:t>
-                      </a:r>
-                      <a:endParaRPr lang="de-CH" sz="1400" b="0" i="0" u="none" strike="noStrike">
-                        <a:solidFill>
-                          <a:schemeClr val="tx1"/>
-                        </a:solidFill>
-                        <a:effectLst/>
-                        <a:latin typeface="Calibri" panose="020F0502020204030204" pitchFamily="34" charset="0"/>
-                      </a:endParaRPr>
-                    </a:p>
-                  </a:txBody>
-                  <a:tcPr marL="5969" marR="5969" marT="5969" marB="0" anchor="ctr">
-                    <a:noFill/>
-                  </a:tcPr>
-                </a:tc>
-                <a:tc>
-                  <a:txBody>
-                    <a:bodyPr/>
-                    <a:lstStyle/>
-                    <a:p>
-                      <a:pPr algn="l" fontAlgn="b"/>
-                      <a:r>
-                        <a:rPr lang="de-CH" sz="1400" u="none" strike="noStrike" dirty="0">
-                          <a:solidFill>
-                            <a:schemeClr val="tx1"/>
-                          </a:solidFill>
-                          <a:effectLst/>
-                        </a:rPr>
-                        <a:t>Schlechte Wahl der Arbeitswerkzeuge</a:t>
-                      </a:r>
-                      <a:endParaRPr lang="de-CH" sz="1400" b="0" i="0" u="none" strike="noStrike" dirty="0">
-                        <a:solidFill>
-                          <a:schemeClr val="tx1"/>
-                        </a:solidFill>
-                        <a:effectLst/>
-                        <a:latin typeface="Calibri" panose="020F0502020204030204" pitchFamily="34" charset="0"/>
-                      </a:endParaRPr>
-                    </a:p>
-                  </a:txBody>
-                  <a:tcPr marL="5969" marR="5969" marT="5969" marB="0" anchor="ctr">
-                    <a:noFill/>
-                  </a:tcPr>
-                </a:tc>
-                <a:tc>
-                  <a:txBody>
-                    <a:bodyPr/>
-                    <a:lstStyle/>
-                    <a:p>
-                      <a:pPr algn="l" fontAlgn="b"/>
-                      <a:r>
-                        <a:rPr lang="de-CH" sz="1400" u="none" strike="noStrike" dirty="0">
-                          <a:solidFill>
-                            <a:schemeClr val="tx1"/>
-                          </a:solidFill>
-                          <a:effectLst/>
-                        </a:rPr>
-                        <a:t>Arbeiten haben </a:t>
-                      </a:r>
-                      <a:r>
-                        <a:rPr lang="de-CH" sz="1400" u="none" strike="noStrike" dirty="0" smtClean="0">
-                          <a:solidFill>
-                            <a:schemeClr val="tx1"/>
-                          </a:solidFill>
-                          <a:effectLst/>
-                        </a:rPr>
-                        <a:t>Probleme </a:t>
-                      </a:r>
-                      <a:r>
-                        <a:rPr lang="de-CH" sz="1400" u="none" strike="noStrike" dirty="0">
-                          <a:solidFill>
-                            <a:schemeClr val="tx1"/>
-                          </a:solidFill>
-                          <a:effectLst/>
-                        </a:rPr>
-                        <a:t>mit der Ausgewählten </a:t>
-                      </a:r>
-                      <a:r>
-                        <a:rPr lang="de-CH" sz="1400" u="none" strike="noStrike" dirty="0" smtClean="0">
-                          <a:solidFill>
-                            <a:schemeClr val="tx1"/>
-                          </a:solidFill>
-                          <a:effectLst/>
-                        </a:rPr>
-                        <a:t>Programmiersprache</a:t>
-                      </a:r>
-                      <a:endParaRPr lang="de-CH" sz="1400" b="0" i="0" u="none" strike="noStrike" dirty="0">
-                        <a:solidFill>
-                          <a:schemeClr val="tx1"/>
-                        </a:solidFill>
-                        <a:effectLst/>
-                        <a:latin typeface="Calibri" panose="020F0502020204030204" pitchFamily="34" charset="0"/>
-                      </a:endParaRPr>
-                    </a:p>
-                  </a:txBody>
-                  <a:tcPr marL="5969" marR="5969" marT="5969" marB="0" anchor="ctr">
-                    <a:noFill/>
-                  </a:tcPr>
-                </a:tc>
-                <a:tc>
-                  <a:txBody>
-                    <a:bodyPr/>
-                    <a:lstStyle/>
-                    <a:p>
-                      <a:pPr algn="r" fontAlgn="b"/>
-                      <a:r>
-                        <a:rPr lang="de-CH" sz="1400" u="none" strike="noStrike">
-                          <a:solidFill>
-                            <a:schemeClr val="tx1"/>
-                          </a:solidFill>
-                          <a:effectLst/>
-                        </a:rPr>
-                        <a:t>2</a:t>
-                      </a:r>
-                      <a:endParaRPr lang="de-CH" sz="1400" b="0" i="0" u="none" strike="noStrike">
-                        <a:solidFill>
-                          <a:schemeClr val="tx1"/>
-                        </a:solidFill>
-                        <a:effectLst/>
-                        <a:latin typeface="Calibri" panose="020F0502020204030204" pitchFamily="34" charset="0"/>
-                      </a:endParaRPr>
-                    </a:p>
-                  </a:txBody>
-                  <a:tcPr marL="5969" marR="5969" marT="5969" marB="0" anchor="ctr">
-                    <a:noFill/>
-                  </a:tcPr>
-                </a:tc>
-                <a:tc>
-                  <a:txBody>
-                    <a:bodyPr/>
-                    <a:lstStyle/>
-                    <a:p>
-                      <a:pPr algn="r" fontAlgn="b"/>
-                      <a:r>
-                        <a:rPr lang="de-CH" sz="1400" u="none" strike="noStrike">
-                          <a:solidFill>
-                            <a:schemeClr val="tx1"/>
-                          </a:solidFill>
-                          <a:effectLst/>
-                        </a:rPr>
-                        <a:t>2</a:t>
-                      </a:r>
-                      <a:endParaRPr lang="de-CH" sz="1400" b="0" i="0" u="none" strike="noStrike">
-                        <a:solidFill>
-                          <a:schemeClr val="tx1"/>
-                        </a:solidFill>
-                        <a:effectLst/>
-                        <a:latin typeface="Calibri" panose="020F0502020204030204" pitchFamily="34" charset="0"/>
-                      </a:endParaRPr>
-                    </a:p>
-                  </a:txBody>
-                  <a:tcPr marL="5969" marR="5969" marT="5969" marB="0" anchor="ctr">
-                    <a:noFill/>
-                  </a:tcPr>
-                </a:tc>
-                <a:tc>
-                  <a:txBody>
-                    <a:bodyPr/>
-                    <a:lstStyle/>
-                    <a:p>
-                      <a:pPr algn="r" fontAlgn="b"/>
-                      <a:r>
-                        <a:rPr lang="de-CH" sz="1400" u="none" strike="noStrike">
-                          <a:solidFill>
-                            <a:schemeClr val="tx1"/>
-                          </a:solidFill>
-                          <a:effectLst/>
-                        </a:rPr>
-                        <a:t>2</a:t>
-                      </a:r>
-                      <a:endParaRPr lang="de-CH" sz="1400" b="0" i="0" u="none" strike="noStrike">
-                        <a:solidFill>
-                          <a:schemeClr val="tx1"/>
-                        </a:solidFill>
-                        <a:effectLst/>
-                        <a:latin typeface="Calibri" panose="020F0502020204030204" pitchFamily="34" charset="0"/>
-                      </a:endParaRPr>
-                    </a:p>
-                  </a:txBody>
-                  <a:tcPr marL="5969" marR="5969" marT="5969" marB="0" anchor="ctr">
-                    <a:noFill/>
-                  </a:tcPr>
-                </a:tc>
-                <a:tc>
-                  <a:txBody>
-                    <a:bodyPr/>
-                    <a:lstStyle/>
-                    <a:p>
-                      <a:pPr algn="l" fontAlgn="b"/>
-                      <a:r>
-                        <a:rPr lang="de-CH" sz="1400" u="none" strike="noStrike">
-                          <a:solidFill>
-                            <a:schemeClr val="tx1"/>
-                          </a:solidFill>
-                          <a:effectLst/>
-                        </a:rPr>
-                        <a:t>Kommunikation, informieren</a:t>
-                      </a:r>
-                      <a:endParaRPr lang="de-CH" sz="1400" b="0" i="0" u="none" strike="noStrike">
-                        <a:solidFill>
-                          <a:schemeClr val="tx1"/>
-                        </a:solidFill>
-                        <a:effectLst/>
-                        <a:latin typeface="Calibri" panose="020F0502020204030204" pitchFamily="34" charset="0"/>
-                      </a:endParaRPr>
-                    </a:p>
-                  </a:txBody>
-                  <a:tcPr marL="5969" marR="5969" marT="5969" marB="0" anchor="ctr">
-                    <a:noFill/>
-                  </a:tcPr>
-                </a:tc>
-                <a:tc>
-                  <a:txBody>
-                    <a:bodyPr/>
-                    <a:lstStyle/>
-                    <a:p>
-                      <a:pPr algn="r" fontAlgn="b"/>
-                      <a:r>
-                        <a:rPr lang="de-CH" sz="1400" u="none" strike="noStrike">
-                          <a:solidFill>
-                            <a:schemeClr val="tx1"/>
-                          </a:solidFill>
-                          <a:effectLst/>
-                        </a:rPr>
-                        <a:t>30.10.2017</a:t>
-                      </a:r>
-                      <a:endParaRPr lang="de-CH" sz="1400" b="0" i="0" u="none" strike="noStrike">
-                        <a:solidFill>
-                          <a:schemeClr val="tx1"/>
-                        </a:solidFill>
-                        <a:effectLst/>
-                        <a:latin typeface="Calibri" panose="020F0502020204030204" pitchFamily="34" charset="0"/>
-                      </a:endParaRPr>
-                    </a:p>
-                  </a:txBody>
-                  <a:tcPr marL="5969" marR="5969" marT="5969" marB="0" anchor="ctr">
-                    <a:noFill/>
-                  </a:tcPr>
-                </a:tc>
-                <a:tc>
-                  <a:txBody>
-                    <a:bodyPr/>
-                    <a:lstStyle/>
-                    <a:p>
-                      <a:pPr algn="l" fontAlgn="b"/>
-                      <a:r>
-                        <a:rPr lang="de-CH" sz="1400" u="none" strike="noStrike" dirty="0">
-                          <a:solidFill>
-                            <a:schemeClr val="tx1"/>
-                          </a:solidFill>
-                          <a:effectLst/>
-                        </a:rPr>
-                        <a:t>Developer</a:t>
-                      </a:r>
-                      <a:endParaRPr lang="de-CH" sz="1400" b="0" i="0" u="none" strike="noStrike" dirty="0">
-                        <a:solidFill>
-                          <a:schemeClr val="tx1"/>
-                        </a:solidFill>
-                        <a:effectLst/>
-                        <a:latin typeface="Calibri" panose="020F0502020204030204" pitchFamily="34" charset="0"/>
-                      </a:endParaRPr>
-                    </a:p>
-                  </a:txBody>
-                  <a:tcPr marL="5969" marR="5969" marT="5969" marB="0" anchor="ctr">
-                    <a:noFill/>
-                  </a:tcPr>
-                </a:tc>
-                <a:extLst>
-                  <a:ext uri="{0D108BD9-81ED-4DB2-BD59-A6C34878D82A}">
-                    <a16:rowId xmlns="" xmlns:a16="http://schemas.microsoft.com/office/drawing/2014/main" val="943865118"/>
-                  </a:ext>
-                </a:extLst>
-              </a:tr>
-            </a:tbl>
-          </a:graphicData>
-        </a:graphic>
-      </p:graphicFrame>
-    </p:spTree>
-    <p:extLst>
-      <p:ext uri="{BB962C8B-B14F-4D97-AF65-F5344CB8AC3E}">
-        <p14:creationId xmlns:p14="http://schemas.microsoft.com/office/powerpoint/2010/main" val="3568731788"/>
-      </p:ext>
-    </p:extLst>
-  </p:cSld>
-  <p:clrMapOvr>
-    <a:masterClrMapping/>
-  </p:clrMapOvr>
-  <p:timing>
-    <p:tnLst>
-      <p:par>
-        <p:cTn id="1" dur="indefinite" restart="never" nodeType="tmRoot"/>
-      </p:par>
-    </p:tnLst>
-  </p:timing>
-</p:sld>
-</file>
-
-<file path=ppt/slides/slide13.xml><?xml version="1.0" encoding="utf-8"?>
-<p:sld xmlns:a="http://schemas.openxmlformats.org/drawingml/2006/main" xmlns:r="http://schemas.openxmlformats.org/officeDocument/2006/relationships" xmlns:p="http://schemas.openxmlformats.org/presentationml/2006/main">
-  <p:cSld>
-    <p:spTree>
-      <p:nvGrpSpPr>
-        <p:cNvPr id="1" name=""/>
-        <p:cNvGrpSpPr/>
-        <p:nvPr/>
-      </p:nvGrpSpPr>
-      <p:grpSpPr>
-        <a:xfrm>
-          <a:off x="0" y="0"/>
-          <a:ext cx="0" cy="0"/>
-          <a:chOff x="0" y="0"/>
-          <a:chExt cx="0" cy="0"/>
-        </a:xfrm>
-      </p:grpSpPr>
-      <p:sp>
-        <p:nvSpPr>
-          <p:cNvPr id="2" name="Titel 1"/>
-          <p:cNvSpPr>
-            <a:spLocks noGrp="1"/>
-          </p:cNvSpPr>
-          <p:nvPr>
-            <p:ph type="title"/>
-          </p:nvPr>
-        </p:nvSpPr>
-        <p:spPr/>
-        <p:txBody>
-          <a:bodyPr/>
-          <a:lstStyle/>
-          <a:p>
-            <a:r>
-              <a:rPr lang="de-CH" dirty="0" smtClean="0"/>
               <a:t>Fazit</a:t>
             </a:r>
             <a:endParaRPr lang="de-CH" dirty="0"/>
@@ -8293,7 +7043,7 @@
           <p:cNvPr id="4" name="Textfeld 3">
             <a:extLst>
               <a:ext uri="{FF2B5EF4-FFF2-40B4-BE49-F238E27FC236}">
-                <a16:creationId xmlns="" xmlns:a16="http://schemas.microsoft.com/office/drawing/2014/main" id="{A01110CF-E067-4F40-A440-F9C49C4998C7}"/>
+                <a16:creationId xmlns:a16="http://schemas.microsoft.com/office/drawing/2014/main" xmlns="" id="{A01110CF-E067-4F40-A440-F9C49C4998C7}"/>
               </a:ext>
             </a:extLst>
           </p:cNvPr>
@@ -8453,11 +7203,7 @@
             </a:pPr>
             <a:r>
               <a:rPr lang="de-CH" dirty="0"/>
-              <a:t>Gute Kommunikation und Arbeitsaufteilung sind die wesentlichsten Punkte für ein </a:t>
-            </a:r>
-            <a:r>
-              <a:rPr lang="de-CH" dirty="0"/>
-              <a:t>g</a:t>
+              <a:t>Gute Kommunikation und Arbeitsaufteilung sind die wesentlichsten Punkte für ein g</a:t>
             </a:r>
             <a:r>
               <a:rPr lang="de-CH" dirty="0" smtClean="0"/>
@@ -8487,7 +7233,7 @@
 </p:sld>
 </file>
 
-<file path=ppt/slides/slide14.xml><?xml version="1.0" encoding="utf-8"?>
+<file path=ppt/slides/slide15.xml><?xml version="1.0" encoding="utf-8"?>
 <p:sld xmlns:a="http://schemas.openxmlformats.org/drawingml/2006/main" xmlns:r="http://schemas.openxmlformats.org/officeDocument/2006/relationships" xmlns:p="http://schemas.openxmlformats.org/presentationml/2006/main">
   <p:cSld>
     <p:spTree>
@@ -8569,7 +7315,7 @@
 </p:sld>
 </file>
 
-<file path=ppt/slides/slide15.xml><?xml version="1.0" encoding="utf-8"?>
+<file path=ppt/slides/slide16.xml><?xml version="1.0" encoding="utf-8"?>
 <p:sld xmlns:a="http://schemas.openxmlformats.org/drawingml/2006/main" xmlns:r="http://schemas.openxmlformats.org/officeDocument/2006/relationships" xmlns:p="http://schemas.openxmlformats.org/presentationml/2006/main">
   <p:cSld>
     <p:spTree>
@@ -8697,10 +7443,15 @@
             <p:ph idx="1"/>
           </p:nvPr>
         </p:nvSpPr>
-        <p:spPr/>
+        <p:spPr>
+          <a:xfrm>
+            <a:off x="818712" y="2222287"/>
+            <a:ext cx="10554574" cy="3827784"/>
+          </a:xfrm>
+        </p:spPr>
         <p:txBody>
           <a:bodyPr anchor="t">
-            <a:normAutofit fontScale="85000" lnSpcReduction="10000"/>
+            <a:normAutofit fontScale="85000" lnSpcReduction="20000"/>
           </a:bodyPr>
           <a:lstStyle/>
           <a:p>
@@ -8712,11 +7463,7 @@
           <a:p>
             <a:r>
               <a:rPr lang="de-CH" dirty="0" smtClean="0"/>
-              <a:t>ENTERTAINNET </a:t>
-            </a:r>
-            <a:r>
-              <a:rPr lang="de-CH" dirty="0" smtClean="0"/>
-              <a:t>– </a:t>
+              <a:t>ENTERTAINNET – </a:t>
             </a:r>
             <a:r>
               <a:rPr lang="de-CH" dirty="0"/>
@@ -8724,11 +7471,7 @@
             </a:r>
             <a:r>
               <a:rPr lang="de-CH" dirty="0" smtClean="0"/>
-              <a:t>as ist das</a:t>
-            </a:r>
-            <a:r>
-              <a:rPr lang="de-CH" dirty="0" smtClean="0"/>
-              <a:t>?</a:t>
+              <a:t>as ist das?</a:t>
             </a:r>
           </a:p>
           <a:p>
@@ -8736,6 +7479,12 @@
               <a:rPr lang="de-CH" dirty="0" smtClean="0"/>
               <a:t>Vorteile</a:t>
             </a:r>
+          </a:p>
+          <a:p>
+            <a:r>
+              <a:rPr lang="de-CH" dirty="0" smtClean="0"/>
+              <a:t>Ziele</a:t>
+            </a:r>
             <a:endParaRPr lang="de-CH" dirty="0"/>
           </a:p>
           <a:p>
@@ -8747,15 +7496,23 @@
           <a:p>
             <a:r>
               <a:rPr lang="de-CH" dirty="0" smtClean="0"/>
-              <a:t>SMART</a:t>
+              <a:t>Kommunikation</a:t>
             </a:r>
             <a:endParaRPr lang="de-CH" dirty="0"/>
           </a:p>
           <a:p>
             <a:r>
-              <a:rPr lang="de-CH" dirty="0"/>
+              <a:rPr lang="de-CH" dirty="0" smtClean="0"/>
+              <a:t>Risikoanalyse</a:t>
+            </a:r>
+            <a:endParaRPr lang="de-CH" dirty="0" smtClean="0"/>
+          </a:p>
+          <a:p>
+            <a:r>
+              <a:rPr lang="de-CH" dirty="0" smtClean="0"/>
               <a:t>Architektur</a:t>
             </a:r>
+            <a:endParaRPr lang="de-CH" dirty="0"/>
           </a:p>
           <a:p>
             <a:r>
@@ -8774,25 +7531,26 @@
           <a:p>
             <a:r>
               <a:rPr lang="de-CH" dirty="0"/>
-              <a:t>Die Funktionen der App</a:t>
-            </a:r>
-          </a:p>
-          <a:p>
+              <a:t>Die Funktionen der </a:t>
+            </a:r>
+            <a:r>
+              <a:rPr lang="de-CH" dirty="0" smtClean="0"/>
+              <a:t>App</a:t>
+            </a:r>
+          </a:p>
+          <a:p>
+            <a:r>
+              <a:rPr lang="de-CH" dirty="0" smtClean="0"/>
+              <a:t>Fazit </a:t>
+            </a:r>
             <a:r>
               <a:rPr lang="de-CH" dirty="0"/>
-              <a:t>Risikoanalyse</a:t>
-            </a:r>
-          </a:p>
-          <a:p>
-            <a:r>
-              <a:rPr lang="de-CH" dirty="0"/>
-              <a:t>Fazit und </a:t>
+              <a:t>und </a:t>
             </a:r>
             <a:r>
               <a:rPr lang="de-CH" dirty="0" smtClean="0"/>
               <a:t>Reflexion</a:t>
             </a:r>
-            <a:endParaRPr lang="de-CH" dirty="0"/>
           </a:p>
         </p:txBody>
       </p:sp>
@@ -8963,14 +7721,6 @@
           </a:p>
           <a:p>
             <a:r>
-              <a:rPr lang="en-US" dirty="0" err="1"/>
-              <a:t>Schlechte</a:t>
-            </a:r>
-            <a:r>
-              <a:rPr lang="en-US" dirty="0"/>
-              <a:t> </a:t>
-            </a:r>
-            <a:r>
               <a:rPr lang="en-US" dirty="0" err="1" smtClean="0"/>
               <a:t>Witze</a:t>
             </a:r>
@@ -9034,26 +7784,11 @@
             </a:r>
             <a:r>
               <a:rPr lang="en-US" dirty="0" smtClean="0"/>
-              <a:t> Humor</a:t>
-            </a:r>
-            <a:endParaRPr lang="en-US" dirty="0"/>
-          </a:p>
-          <a:p>
-            <a:r>
-              <a:rPr lang="en-US" dirty="0" err="1"/>
-              <a:t>Kennenlernen</a:t>
-            </a:r>
-            <a:r>
-              <a:rPr lang="en-US" dirty="0"/>
               <a:t> </a:t>
             </a:r>
             <a:r>
-              <a:rPr lang="en-US" dirty="0" err="1" smtClean="0"/>
-              <a:t>neuer</a:t>
-            </a:r>
-            <a:r>
               <a:rPr lang="en-US" dirty="0" smtClean="0"/>
-              <a:t> Menschen</a:t>
+              <a:t>Humor</a:t>
             </a:r>
             <a:endParaRPr lang="en-US" dirty="0"/>
           </a:p>
@@ -9094,7 +7829,7 @@
           <p:cNvPr id="3" name="Inhaltsplatzhalter 2">
             <a:extLst>
               <a:ext uri="{FF2B5EF4-FFF2-40B4-BE49-F238E27FC236}">
-                <a16:creationId xmlns="" xmlns:a16="http://schemas.microsoft.com/office/drawing/2014/main" id="{B1AF1FFC-5E6C-4479-823F-3AB29798F86A}"/>
+                <a16:creationId xmlns:a16="http://schemas.microsoft.com/office/drawing/2014/main" xmlns="" id="{B1AF1FFC-5E6C-4479-823F-3AB29798F86A}"/>
               </a:ext>
             </a:extLst>
           </p:cNvPr>
@@ -9129,17 +7864,9 @@
           </a:p>
           <a:p>
             <a:r>
-              <a:rPr lang="de-CH" dirty="0"/>
+              <a:rPr lang="de-CH" dirty="0" smtClean="0"/>
               <a:t>Auflockerung</a:t>
             </a:r>
-          </a:p>
-          <a:p>
-            <a:r>
-              <a:rPr lang="de-CH" dirty="0"/>
-              <a:t>Sprüche-Datenbank</a:t>
-            </a:r>
-          </a:p>
-          <a:p>
             <a:endParaRPr lang="de-CH" dirty="0"/>
           </a:p>
           <a:p>
@@ -9302,7 +8029,7 @@
           <a:p>
             <a:r>
               <a:rPr lang="de-CH" dirty="0" smtClean="0"/>
-              <a:t>Planung</a:t>
+              <a:t>Ziele</a:t>
             </a:r>
             <a:endParaRPr lang="de-CH" dirty="0"/>
           </a:p>
@@ -9324,6 +8051,113 @@
           <a:lstStyle/>
           <a:p>
             <a:r>
+              <a:rPr lang="de-CH" dirty="0"/>
+              <a:t>Soziales Netzwerk besteht als Applikation</a:t>
+            </a:r>
+          </a:p>
+          <a:p>
+            <a:r>
+              <a:rPr lang="de-CH" dirty="0"/>
+              <a:t>Witze erstellen und teilen</a:t>
+            </a:r>
+          </a:p>
+          <a:p>
+            <a:r>
+              <a:rPr lang="de-CH" dirty="0"/>
+              <a:t>Benutzer können Konto erstellen</a:t>
+            </a:r>
+          </a:p>
+          <a:p>
+            <a:r>
+              <a:rPr lang="de-CH" dirty="0"/>
+              <a:t>Corporate Design</a:t>
+            </a:r>
+          </a:p>
+          <a:p>
+            <a:r>
+              <a:rPr lang="de-CH" dirty="0"/>
+              <a:t>Minimum 20 Benutzer im ersten Monat</a:t>
+            </a:r>
+            <a:endParaRPr lang="de-CH" dirty="0"/>
+          </a:p>
+        </p:txBody>
+      </p:sp>
+    </p:spTree>
+    <p:extLst>
+      <p:ext uri="{BB962C8B-B14F-4D97-AF65-F5344CB8AC3E}">
+        <p14:creationId xmlns:p14="http://schemas.microsoft.com/office/powerpoint/2010/main" val="3795454161"/>
+      </p:ext>
+    </p:extLst>
+  </p:cSld>
+  <p:clrMapOvr>
+    <a:masterClrMapping/>
+  </p:clrMapOvr>
+  <p:timing>
+    <p:tnLst>
+      <p:par>
+        <p:cTn id="1" dur="indefinite" restart="never" nodeType="tmRoot"/>
+      </p:par>
+    </p:tnLst>
+  </p:timing>
+</p:sld>
+</file>
+
+<file path=ppt/slides/slide7.xml><?xml version="1.0" encoding="utf-8"?>
+<p:sld xmlns:a="http://schemas.openxmlformats.org/drawingml/2006/main" xmlns:r="http://schemas.openxmlformats.org/officeDocument/2006/relationships" xmlns:p="http://schemas.openxmlformats.org/presentationml/2006/main">
+  <p:cSld>
+    <p:spTree>
+      <p:nvGrpSpPr>
+        <p:cNvPr id="1" name=""/>
+        <p:cNvGrpSpPr/>
+        <p:nvPr/>
+      </p:nvGrpSpPr>
+      <p:grpSpPr>
+        <a:xfrm>
+          <a:off x="0" y="0"/>
+          <a:ext cx="0" cy="0"/>
+          <a:chOff x="0" y="0"/>
+          <a:chExt cx="0" cy="0"/>
+        </a:xfrm>
+      </p:grpSpPr>
+      <p:sp>
+        <p:nvSpPr>
+          <p:cNvPr id="2" name="Titel 1"/>
+          <p:cNvSpPr>
+            <a:spLocks noGrp="1"/>
+          </p:cNvSpPr>
+          <p:nvPr>
+            <p:ph type="title"/>
+          </p:nvPr>
+        </p:nvSpPr>
+        <p:spPr/>
+        <p:txBody>
+          <a:bodyPr/>
+          <a:lstStyle/>
+          <a:p>
+            <a:r>
+              <a:rPr lang="de-CH" dirty="0" smtClean="0"/>
+              <a:t>Planung</a:t>
+            </a:r>
+            <a:endParaRPr lang="de-CH" dirty="0"/>
+          </a:p>
+        </p:txBody>
+      </p:sp>
+      <p:sp>
+        <p:nvSpPr>
+          <p:cNvPr id="3" name="Inhaltsplatzhalter 2"/>
+          <p:cNvSpPr>
+            <a:spLocks noGrp="1"/>
+          </p:cNvSpPr>
+          <p:nvPr>
+            <p:ph idx="1"/>
+          </p:nvPr>
+        </p:nvSpPr>
+        <p:spPr/>
+        <p:txBody>
+          <a:bodyPr anchor="t"/>
+          <a:lstStyle/>
+          <a:p>
+            <a:r>
               <a:rPr lang="de-CH" dirty="0" smtClean="0"/>
               <a:t>GANTT </a:t>
             </a:r>
@@ -9331,13 +8165,6 @@
               <a:rPr lang="de-CH" dirty="0" smtClean="0"/>
               <a:t>Zeitplan</a:t>
             </a:r>
-          </a:p>
-          <a:p>
-            <a:r>
-              <a:rPr lang="de-CH" dirty="0" smtClean="0"/>
-              <a:t>RACI Zuständigkeiten</a:t>
-            </a:r>
-            <a:endParaRPr lang="de-CH" dirty="0" smtClean="0"/>
           </a:p>
           <a:p>
             <a:r>
@@ -10269,300 +9096,13 @@
   <p:clrMapOvr>
     <a:masterClrMapping/>
   </p:clrMapOvr>
-</p:sld>
-</file>
-
-<file path=ppt/slides/slide7.xml><?xml version="1.0" encoding="utf-8"?>
-<p:sld xmlns:a="http://schemas.openxmlformats.org/drawingml/2006/main" xmlns:r="http://schemas.openxmlformats.org/officeDocument/2006/relationships" xmlns:p="http://schemas.openxmlformats.org/presentationml/2006/main">
-  <p:cSld>
-    <p:spTree>
-      <p:nvGrpSpPr>
-        <p:cNvPr id="1" name=""/>
-        <p:cNvGrpSpPr/>
-        <p:nvPr/>
-      </p:nvGrpSpPr>
-      <p:grpSpPr>
-        <a:xfrm>
-          <a:off x="0" y="0"/>
-          <a:ext cx="0" cy="0"/>
-          <a:chOff x="0" y="0"/>
-          <a:chExt cx="0" cy="0"/>
-        </a:xfrm>
-      </p:grpSpPr>
-      <p:sp>
-        <p:nvSpPr>
-          <p:cNvPr id="2" name="Titel 1"/>
-          <p:cNvSpPr>
-            <a:spLocks noGrp="1"/>
-          </p:cNvSpPr>
-          <p:nvPr>
-            <p:ph type="title"/>
-          </p:nvPr>
-        </p:nvSpPr>
-        <p:spPr/>
-        <p:txBody>
-          <a:bodyPr/>
-          <a:lstStyle/>
-          <a:p>
-            <a:r>
-              <a:rPr lang="de-CH" dirty="0" smtClean="0"/>
-              <a:t>SMART - Ziele</a:t>
-            </a:r>
-            <a:endParaRPr lang="de-CH" dirty="0"/>
-          </a:p>
-        </p:txBody>
-      </p:sp>
-      <p:sp>
-        <p:nvSpPr>
-          <p:cNvPr id="3" name="Inhaltsplatzhalter 2"/>
-          <p:cNvSpPr>
-            <a:spLocks noGrp="1"/>
-          </p:cNvSpPr>
-          <p:nvPr>
-            <p:ph idx="1"/>
-          </p:nvPr>
-        </p:nvSpPr>
-        <p:spPr/>
-        <p:txBody>
-          <a:bodyPr anchor="t"/>
-          <a:lstStyle/>
-          <a:p>
-            <a:r>
-              <a:rPr lang="de-CH" dirty="0" smtClean="0"/>
-              <a:t>Spezifisch</a:t>
-            </a:r>
-          </a:p>
-          <a:p>
-            <a:r>
-              <a:rPr lang="de-CH" dirty="0" smtClean="0"/>
-              <a:t>Messbar</a:t>
-            </a:r>
-          </a:p>
-          <a:p>
-            <a:r>
-              <a:rPr lang="de-CH" dirty="0" smtClean="0"/>
-              <a:t>Akzeptiert</a:t>
-            </a:r>
-          </a:p>
-          <a:p>
-            <a:r>
-              <a:rPr lang="de-CH" dirty="0" smtClean="0"/>
-              <a:t>Realistisch</a:t>
-            </a:r>
-          </a:p>
-          <a:p>
-            <a:r>
-              <a:rPr lang="de-CH" dirty="0" smtClean="0"/>
-              <a:t>Terminiert</a:t>
-            </a:r>
-            <a:endParaRPr lang="de-CH" dirty="0"/>
-          </a:p>
-        </p:txBody>
-      </p:sp>
-      <p:sp>
-        <p:nvSpPr>
-          <p:cNvPr id="5" name="Textfeld 4"/>
-          <p:cNvSpPr txBox="1"/>
-          <p:nvPr/>
-        </p:nvSpPr>
-        <p:spPr>
-          <a:xfrm>
-            <a:off x="3710569" y="2222287"/>
-            <a:ext cx="5234647" cy="2416046"/>
-          </a:xfrm>
-          <a:prstGeom prst="rect">
-            <a:avLst/>
-          </a:prstGeom>
-          <a:effectLst>
-            <a:outerShdw blurRad="50800" dir="14400000">
-              <a:srgbClr val="000000">
-                <a:alpha val="40000"/>
-              </a:srgbClr>
-            </a:outerShdw>
-          </a:effectLst>
-        </p:spPr>
-        <p:txBody>
-          <a:bodyPr vert="horz" lIns="91440" tIns="45720" rIns="91440" bIns="45720" rtlCol="0" anchor="t">
-            <a:normAutofit/>
-          </a:bodyPr>
-          <a:lstStyle>
-            <a:lvl1pPr marL="342900" indent="-342900" defTabSz="457200">
-              <a:spcBef>
-                <a:spcPct val="20000"/>
-              </a:spcBef>
-              <a:spcAft>
-                <a:spcPts val="600"/>
-              </a:spcAft>
-              <a:buClr>
-                <a:schemeClr val="accent1"/>
-              </a:buClr>
-              <a:buFont typeface="Wingdings 2" charset="2"/>
-              <a:buChar char=""/>
-            </a:lvl1pPr>
-            <a:lvl2pPr marL="742950" indent="-285750" defTabSz="457200">
-              <a:spcBef>
-                <a:spcPct val="20000"/>
-              </a:spcBef>
-              <a:spcAft>
-                <a:spcPts val="600"/>
-              </a:spcAft>
-              <a:buClr>
-                <a:schemeClr val="accent1"/>
-              </a:buClr>
-              <a:buFont typeface="Wingdings 2" charset="2"/>
-              <a:buChar char=""/>
-              <a:defRPr sz="1600"/>
-            </a:lvl2pPr>
-            <a:lvl3pPr marL="1143000" indent="-228600" defTabSz="457200">
-              <a:spcBef>
-                <a:spcPct val="20000"/>
-              </a:spcBef>
-              <a:spcAft>
-                <a:spcPts val="600"/>
-              </a:spcAft>
-              <a:buClr>
-                <a:schemeClr val="accent1"/>
-              </a:buClr>
-              <a:buFont typeface="Wingdings 2" charset="2"/>
-              <a:buChar char=""/>
-              <a:defRPr sz="1400"/>
-            </a:lvl3pPr>
-            <a:lvl4pPr marL="1600200" indent="-228600" defTabSz="457200">
-              <a:spcBef>
-                <a:spcPct val="20000"/>
-              </a:spcBef>
-              <a:spcAft>
-                <a:spcPts val="600"/>
-              </a:spcAft>
-              <a:buClr>
-                <a:schemeClr val="accent1"/>
-              </a:buClr>
-              <a:buFont typeface="Wingdings 2" charset="2"/>
-              <a:buChar char=""/>
-              <a:defRPr sz="1200"/>
-            </a:lvl4pPr>
-            <a:lvl5pPr marL="2057400" indent="-228600" defTabSz="457200">
-              <a:spcBef>
-                <a:spcPct val="20000"/>
-              </a:spcBef>
-              <a:spcAft>
-                <a:spcPts val="600"/>
-              </a:spcAft>
-              <a:buClr>
-                <a:schemeClr val="accent1"/>
-              </a:buClr>
-              <a:buFont typeface="Wingdings 2" charset="2"/>
-              <a:buChar char=""/>
-              <a:defRPr sz="1200"/>
-            </a:lvl5pPr>
-            <a:lvl6pPr marL="2400000" indent="-228600" defTabSz="457200">
-              <a:spcBef>
-                <a:spcPct val="20000"/>
-              </a:spcBef>
-              <a:spcAft>
-                <a:spcPts val="600"/>
-              </a:spcAft>
-              <a:buClr>
-                <a:schemeClr val="accent1"/>
-              </a:buClr>
-              <a:buFont typeface="Wingdings 2" charset="2"/>
-              <a:buChar char=""/>
-              <a:defRPr sz="1200"/>
-            </a:lvl6pPr>
-            <a:lvl7pPr marL="2800000" indent="-228600" defTabSz="457200">
-              <a:spcBef>
-                <a:spcPct val="20000"/>
-              </a:spcBef>
-              <a:spcAft>
-                <a:spcPts val="600"/>
-              </a:spcAft>
-              <a:buClr>
-                <a:schemeClr val="accent1"/>
-              </a:buClr>
-              <a:buFont typeface="Wingdings 2" charset="2"/>
-              <a:buChar char=""/>
-              <a:defRPr sz="1200"/>
-            </a:lvl7pPr>
-            <a:lvl8pPr marL="3200000" indent="-228600" defTabSz="457200">
-              <a:spcBef>
-                <a:spcPct val="20000"/>
-              </a:spcBef>
-              <a:spcAft>
-                <a:spcPts val="600"/>
-              </a:spcAft>
-              <a:buClr>
-                <a:schemeClr val="accent1"/>
-              </a:buClr>
-              <a:buFont typeface="Wingdings 2" charset="2"/>
-              <a:buChar char=""/>
-              <a:defRPr sz="1200"/>
-            </a:lvl8pPr>
-            <a:lvl9pPr marL="3600000" indent="-228600" defTabSz="457200">
-              <a:spcBef>
-                <a:spcPct val="20000"/>
-              </a:spcBef>
-              <a:spcAft>
-                <a:spcPts val="600"/>
-              </a:spcAft>
-              <a:buClr>
-                <a:schemeClr val="accent1"/>
-              </a:buClr>
-              <a:buFont typeface="Wingdings 2" charset="2"/>
-              <a:buChar char=""/>
-              <a:defRPr sz="1200"/>
-            </a:lvl9pPr>
-          </a:lstStyle>
-          <a:p>
-            <a:r>
-              <a:rPr lang="de-CH" dirty="0"/>
-              <a:t>Soziales </a:t>
-            </a:r>
-            <a:r>
-              <a:rPr lang="de-CH" dirty="0" smtClean="0"/>
-              <a:t>Netzwerk besteht als Applikation</a:t>
-            </a:r>
-            <a:endParaRPr lang="de-CH" dirty="0"/>
-          </a:p>
-          <a:p>
-            <a:r>
-              <a:rPr lang="de-CH" dirty="0"/>
-              <a:t>Witze erstellen</a:t>
-            </a:r>
-          </a:p>
-          <a:p>
-            <a:r>
-              <a:rPr lang="de-CH" dirty="0" smtClean="0"/>
-              <a:t>Laufende Benutzerverwaltung</a:t>
-            </a:r>
-            <a:endParaRPr lang="de-CH" dirty="0"/>
-          </a:p>
-          <a:p>
-            <a:r>
-              <a:rPr lang="de-CH" dirty="0"/>
-              <a:t>Corporate Design umsetzen</a:t>
-            </a:r>
-          </a:p>
-          <a:p>
-            <a:r>
-              <a:rPr lang="de-CH" dirty="0"/>
-              <a:t>Minimum 20 Benutzer im ersten Monat</a:t>
-            </a:r>
-          </a:p>
-          <a:p>
-            <a:endParaRPr lang="de-CH" dirty="0"/>
-          </a:p>
-        </p:txBody>
-      </p:sp>
-    </p:spTree>
-    <p:extLst>
-      <p:ext uri="{BB962C8B-B14F-4D97-AF65-F5344CB8AC3E}">
-        <p14:creationId xmlns:p14="http://schemas.microsoft.com/office/powerpoint/2010/main" val="3795454161"/>
-      </p:ext>
-    </p:extLst>
-  </p:cSld>
-  <p:clrMapOvr>
-    <a:masterClrMapping/>
-  </p:clrMapOvr>
+  <p:timing>
+    <p:tnLst>
+      <p:par>
+        <p:cTn id="1" dur="indefinite" restart="never" nodeType="tmRoot"/>
+      </p:par>
+    </p:tnLst>
+  </p:timing>
 </p:sld>
 </file>
 
@@ -10585,13 +9125,7 @@
       </p:grpSpPr>
       <p:sp>
         <p:nvSpPr>
-          <p:cNvPr id="2" name="Titel 1">
-            <a:extLst>
-              <a:ext uri="{FF2B5EF4-FFF2-40B4-BE49-F238E27FC236}">
-                <a16:creationId xmlns="" xmlns:a16="http://schemas.microsoft.com/office/drawing/2014/main" id="{0FB79353-3051-490F-BF9B-7E718EAFD1B7}"/>
-              </a:ext>
-            </a:extLst>
-          </p:cNvPr>
+          <p:cNvPr id="2" name="Titel 1"/>
           <p:cNvSpPr>
             <a:spLocks noGrp="1"/>
           </p:cNvSpPr>
@@ -10605,21 +9139,16 @@
           <a:lstStyle/>
           <a:p>
             <a:r>
-              <a:rPr lang="de-CH" dirty="0"/>
-              <a:t>Architektur</a:t>
-            </a:r>
+              <a:rPr lang="de-CH" dirty="0" smtClean="0"/>
+              <a:t>Kommunikation</a:t>
+            </a:r>
+            <a:endParaRPr lang="de-CH" dirty="0"/>
           </a:p>
         </p:txBody>
       </p:sp>
       <p:sp>
         <p:nvSpPr>
-          <p:cNvPr id="3" name="Inhaltsplatzhalter 2">
-            <a:extLst>
-              <a:ext uri="{FF2B5EF4-FFF2-40B4-BE49-F238E27FC236}">
-                <a16:creationId xmlns="" xmlns:a16="http://schemas.microsoft.com/office/drawing/2014/main" id="{23B1A03A-CC3A-4FDE-A696-B1690AB8D1FB}"/>
-              </a:ext>
-            </a:extLst>
-          </p:cNvPr>
+          <p:cNvPr id="3" name="Inhaltsplatzhalter 2"/>
           <p:cNvSpPr>
             <a:spLocks noGrp="1"/>
           </p:cNvSpPr>
@@ -10633,64 +9162,2194 @@
           <a:lstStyle/>
           <a:p>
             <a:r>
-              <a:rPr lang="de-CH" dirty="0" err="1"/>
-              <a:t>Firebase</a:t>
-            </a:r>
-            <a:r>
-              <a:rPr lang="de-CH" dirty="0"/>
-              <a:t> Backend (Datenbank)</a:t>
-            </a:r>
-          </a:p>
-          <a:p>
-            <a:r>
-              <a:rPr lang="de-CH" dirty="0"/>
-              <a:t>GitHub</a:t>
-            </a:r>
-          </a:p>
-          <a:p>
-            <a:pPr lvl="0"/>
-            <a:r>
-              <a:rPr lang="de-CH" dirty="0" err="1"/>
-              <a:t>Trello</a:t>
-            </a:r>
-            <a:endParaRPr lang="de-CH" dirty="0"/>
-          </a:p>
-          <a:p>
-            <a:pPr lvl="0"/>
-            <a:r>
-              <a:rPr lang="de-CH" dirty="0" err="1"/>
-              <a:t>AndroidStudio</a:t>
-            </a:r>
-            <a:endParaRPr lang="de-CH" dirty="0"/>
-          </a:p>
-          <a:p>
-            <a:pPr lvl="0"/>
-            <a:r>
-              <a:rPr lang="de-CH" dirty="0"/>
-              <a:t>GANTT</a:t>
-            </a:r>
-          </a:p>
-          <a:p>
-            <a:r>
-              <a:rPr lang="de-CH" dirty="0"/>
-              <a:t>Microsoft Office Produkte</a:t>
-            </a:r>
-          </a:p>
-          <a:p>
-            <a:endParaRPr lang="de-CH" dirty="0"/>
+              <a:rPr lang="de-CH" dirty="0" smtClean="0"/>
+              <a:t>Aufgabenteilung</a:t>
+            </a:r>
+          </a:p>
+          <a:p>
+            <a:r>
+              <a:rPr lang="de-CH" dirty="0" smtClean="0"/>
+              <a:t>Geregelt nach </a:t>
+            </a:r>
+            <a:r>
+              <a:rPr lang="de-CH" dirty="0" err="1" smtClean="0"/>
+              <a:t>Tuckman</a:t>
+            </a:r>
+            <a:endParaRPr lang="en-US" dirty="0"/>
+          </a:p>
+          <a:p>
+            <a:r>
+              <a:rPr lang="en-US" dirty="0" smtClean="0"/>
+              <a:t>Trello, </a:t>
+            </a:r>
+            <a:r>
+              <a:rPr lang="en-US" dirty="0" smtClean="0"/>
+              <a:t>WhatsApp, </a:t>
+            </a:r>
+            <a:r>
+              <a:rPr lang="en-US" dirty="0" smtClean="0"/>
+              <a:t>Slack, </a:t>
+            </a:r>
+            <a:r>
+              <a:rPr lang="de-CH" dirty="0" smtClean="0"/>
+              <a:t>Mail</a:t>
+            </a:r>
+          </a:p>
+          <a:p>
+            <a:r>
+              <a:rPr lang="de-CH" dirty="0" smtClean="0"/>
+              <a:t>RACI</a:t>
+            </a:r>
+            <a:endParaRPr lang="en-US" dirty="0" smtClean="0"/>
           </a:p>
         </p:txBody>
       </p:sp>
+      <p:graphicFrame>
+        <p:nvGraphicFramePr>
+          <p:cNvPr id="7" name="Tabelle 6"/>
+          <p:cNvGraphicFramePr>
+            <a:graphicFrameLocks noGrp="1"/>
+          </p:cNvGraphicFramePr>
+          <p:nvPr>
+            <p:extLst>
+              <p:ext uri="{D42A27DB-BD31-4B8C-83A1-F6EECF244321}">
+                <p14:modId xmlns:p14="http://schemas.microsoft.com/office/powerpoint/2010/main" val="3783745842"/>
+              </p:ext>
+            </p:extLst>
+          </p:nvPr>
+        </p:nvGraphicFramePr>
+        <p:xfrm>
+          <a:off x="4471068" y="2183736"/>
+          <a:ext cx="7720932" cy="3675062"/>
+        </p:xfrm>
+        <a:graphic>
+          <a:graphicData uri="http://schemas.openxmlformats.org/drawingml/2006/table">
+            <a:tbl>
+              <a:tblPr>
+                <a:tableStyleId>{D113A9D2-9D6B-4929-AA2D-F23B5EE8CBE7}</a:tableStyleId>
+              </a:tblPr>
+              <a:tblGrid>
+                <a:gridCol w="1970898"/>
+                <a:gridCol w="120408"/>
+                <a:gridCol w="804836"/>
+                <a:gridCol w="804836"/>
+                <a:gridCol w="804836"/>
+                <a:gridCol w="804836"/>
+                <a:gridCol w="804836"/>
+                <a:gridCol w="802723"/>
+                <a:gridCol w="802723"/>
+              </a:tblGrid>
+              <a:tr h="220961">
+                <a:tc>
+                  <a:txBody>
+                    <a:bodyPr/>
+                    <a:lstStyle/>
+                    <a:p>
+                      <a:pPr algn="ctr" fontAlgn="t"/>
+                      <a:r>
+                        <a:rPr lang="de-CH" sz="900" u="none" strike="noStrike">
+                          <a:effectLst/>
+                        </a:rPr>
+                        <a:t>Tasks</a:t>
+                      </a:r>
+                      <a:endParaRPr lang="de-CH" sz="900" b="1" i="0" u="none" strike="noStrike">
+                        <a:solidFill>
+                          <a:srgbClr val="000000"/>
+                        </a:solidFill>
+                        <a:effectLst/>
+                        <a:latin typeface="Arial" panose="020B0604020202020204" pitchFamily="34" charset="0"/>
+                      </a:endParaRPr>
+                    </a:p>
+                  </a:txBody>
+                  <a:tcPr marL="6349" marR="6349" marT="6349" marB="0"/>
+                </a:tc>
+                <a:tc>
+                  <a:txBody>
+                    <a:bodyPr/>
+                    <a:lstStyle/>
+                    <a:p>
+                      <a:pPr algn="l" fontAlgn="b"/>
+                      <a:r>
+                        <a:rPr lang="de-CH" sz="800" u="none" strike="noStrike">
+                          <a:effectLst/>
+                        </a:rPr>
+                        <a:t> </a:t>
+                      </a:r>
+                      <a:endParaRPr lang="de-CH" sz="800" b="0" i="0" u="none" strike="noStrike">
+                        <a:solidFill>
+                          <a:srgbClr val="000000"/>
+                        </a:solidFill>
+                        <a:effectLst/>
+                        <a:latin typeface="Arial" panose="020B0604020202020204" pitchFamily="34" charset="0"/>
+                      </a:endParaRPr>
+                    </a:p>
+                  </a:txBody>
+                  <a:tcPr marL="6349" marR="6349" marT="6349" marB="0" anchor="b"/>
+                </a:tc>
+                <a:tc>
+                  <a:txBody>
+                    <a:bodyPr/>
+                    <a:lstStyle/>
+                    <a:p>
+                      <a:pPr algn="ctr" fontAlgn="t"/>
+                      <a:r>
+                        <a:rPr lang="de-CH" sz="900" u="none" strike="noStrike">
+                          <a:effectLst/>
+                        </a:rPr>
+                        <a:t>Investor</a:t>
+                      </a:r>
+                      <a:endParaRPr lang="de-CH" sz="900" b="1" i="0" u="none" strike="noStrike">
+                        <a:solidFill>
+                          <a:srgbClr val="000000"/>
+                        </a:solidFill>
+                        <a:effectLst/>
+                        <a:latin typeface="Arial" panose="020B0604020202020204" pitchFamily="34" charset="0"/>
+                      </a:endParaRPr>
+                    </a:p>
+                  </a:txBody>
+                  <a:tcPr marL="6349" marR="6349" marT="6349" marB="0"/>
+                </a:tc>
+                <a:tc>
+                  <a:txBody>
+                    <a:bodyPr/>
+                    <a:lstStyle/>
+                    <a:p>
+                      <a:pPr algn="ctr" fontAlgn="t"/>
+                      <a:r>
+                        <a:rPr lang="de-CH" sz="900" u="none" strike="noStrike">
+                          <a:effectLst/>
+                        </a:rPr>
+                        <a:t>Proj. Mgr</a:t>
+                      </a:r>
+                      <a:endParaRPr lang="de-CH" sz="900" b="1" i="0" u="none" strike="noStrike">
+                        <a:solidFill>
+                          <a:srgbClr val="000000"/>
+                        </a:solidFill>
+                        <a:effectLst/>
+                        <a:latin typeface="Arial" panose="020B0604020202020204" pitchFamily="34" charset="0"/>
+                      </a:endParaRPr>
+                    </a:p>
+                  </a:txBody>
+                  <a:tcPr marL="6349" marR="6349" marT="6349" marB="0"/>
+                </a:tc>
+                <a:tc>
+                  <a:txBody>
+                    <a:bodyPr/>
+                    <a:lstStyle/>
+                    <a:p>
+                      <a:pPr algn="ctr" fontAlgn="t"/>
+                      <a:r>
+                        <a:rPr lang="de-CH" sz="900" u="none" strike="noStrike">
+                          <a:effectLst/>
+                        </a:rPr>
+                        <a:t>Coder 1 </a:t>
+                      </a:r>
+                      <a:endParaRPr lang="de-CH" sz="900" b="1" i="0" u="none" strike="noStrike">
+                        <a:solidFill>
+                          <a:srgbClr val="000000"/>
+                        </a:solidFill>
+                        <a:effectLst/>
+                        <a:latin typeface="Arial" panose="020B0604020202020204" pitchFamily="34" charset="0"/>
+                      </a:endParaRPr>
+                    </a:p>
+                  </a:txBody>
+                  <a:tcPr marL="6349" marR="6349" marT="6349" marB="0"/>
+                </a:tc>
+                <a:tc>
+                  <a:txBody>
+                    <a:bodyPr/>
+                    <a:lstStyle/>
+                    <a:p>
+                      <a:pPr algn="ctr" fontAlgn="t"/>
+                      <a:r>
+                        <a:rPr lang="de-CH" sz="900" u="none" strike="noStrike">
+                          <a:effectLst/>
+                        </a:rPr>
+                        <a:t>Coder 2</a:t>
+                      </a:r>
+                      <a:endParaRPr lang="de-CH" sz="900" b="1" i="0" u="none" strike="noStrike">
+                        <a:solidFill>
+                          <a:srgbClr val="000000"/>
+                        </a:solidFill>
+                        <a:effectLst/>
+                        <a:latin typeface="Arial" panose="020B0604020202020204" pitchFamily="34" charset="0"/>
+                      </a:endParaRPr>
+                    </a:p>
+                  </a:txBody>
+                  <a:tcPr marL="6349" marR="6349" marT="6349" marB="0"/>
+                </a:tc>
+                <a:tc>
+                  <a:txBody>
+                    <a:bodyPr/>
+                    <a:lstStyle/>
+                    <a:p>
+                      <a:pPr algn="ctr" fontAlgn="t"/>
+                      <a:r>
+                        <a:rPr lang="de-CH" sz="900" u="none" strike="noStrike">
+                          <a:effectLst/>
+                        </a:rPr>
+                        <a:t>Coder 3</a:t>
+                      </a:r>
+                      <a:endParaRPr lang="de-CH" sz="900" b="1" i="0" u="none" strike="noStrike">
+                        <a:solidFill>
+                          <a:srgbClr val="000000"/>
+                        </a:solidFill>
+                        <a:effectLst/>
+                        <a:latin typeface="Arial" panose="020B0604020202020204" pitchFamily="34" charset="0"/>
+                      </a:endParaRPr>
+                    </a:p>
+                  </a:txBody>
+                  <a:tcPr marL="6349" marR="6349" marT="6349" marB="0"/>
+                </a:tc>
+                <a:tc>
+                  <a:txBody>
+                    <a:bodyPr/>
+                    <a:lstStyle/>
+                    <a:p>
+                      <a:pPr algn="ctr" fontAlgn="t"/>
+                      <a:r>
+                        <a:rPr lang="de-CH" sz="900" u="none" strike="noStrike">
+                          <a:effectLst/>
+                        </a:rPr>
+                        <a:t>Coder 4</a:t>
+                      </a:r>
+                      <a:endParaRPr lang="de-CH" sz="900" b="1" i="0" u="none" strike="noStrike">
+                        <a:solidFill>
+                          <a:srgbClr val="000000"/>
+                        </a:solidFill>
+                        <a:effectLst/>
+                        <a:latin typeface="Arial" panose="020B0604020202020204" pitchFamily="34" charset="0"/>
+                      </a:endParaRPr>
+                    </a:p>
+                  </a:txBody>
+                  <a:tcPr marL="6349" marR="6349" marT="6349" marB="0"/>
+                </a:tc>
+                <a:tc>
+                  <a:txBody>
+                    <a:bodyPr/>
+                    <a:lstStyle/>
+                    <a:p>
+                      <a:pPr algn="ctr" fontAlgn="t"/>
+                      <a:r>
+                        <a:rPr lang="de-CH" sz="900" u="none" strike="noStrike">
+                          <a:effectLst/>
+                        </a:rPr>
+                        <a:t>Coder 5</a:t>
+                      </a:r>
+                      <a:endParaRPr lang="de-CH" sz="900" b="1" i="0" u="none" strike="noStrike">
+                        <a:solidFill>
+                          <a:srgbClr val="000000"/>
+                        </a:solidFill>
+                        <a:effectLst/>
+                        <a:latin typeface="Arial" panose="020B0604020202020204" pitchFamily="34" charset="0"/>
+                      </a:endParaRPr>
+                    </a:p>
+                  </a:txBody>
+                  <a:tcPr marL="6349" marR="6349" marT="6349" marB="0"/>
+                </a:tc>
+              </a:tr>
+              <a:tr h="338214">
+                <a:tc>
+                  <a:txBody>
+                    <a:bodyPr/>
+                    <a:lstStyle/>
+                    <a:p>
+                      <a:pPr algn="l" fontAlgn="ctr"/>
+                      <a:r>
+                        <a:rPr lang="de-CH" sz="900" u="none" strike="noStrike">
+                          <a:effectLst/>
+                        </a:rPr>
+                        <a:t>Identify investors</a:t>
+                      </a:r>
+                      <a:endParaRPr lang="de-CH" sz="900" b="0" i="0" u="none" strike="noStrike">
+                        <a:solidFill>
+                          <a:srgbClr val="000000"/>
+                        </a:solidFill>
+                        <a:effectLst/>
+                        <a:latin typeface="Arial" panose="020B0604020202020204" pitchFamily="34" charset="0"/>
+                      </a:endParaRPr>
+                    </a:p>
+                  </a:txBody>
+                  <a:tcPr marL="6349" marR="6349" marT="6349" marB="0" anchor="ctr"/>
+                </a:tc>
+                <a:tc>
+                  <a:txBody>
+                    <a:bodyPr/>
+                    <a:lstStyle/>
+                    <a:p>
+                      <a:pPr algn="l" fontAlgn="ctr"/>
+                      <a:r>
+                        <a:rPr lang="de-CH" sz="1100" u="none" strike="noStrike">
+                          <a:effectLst/>
+                        </a:rPr>
+                        <a:t> </a:t>
+                      </a:r>
+                      <a:endParaRPr lang="de-CH" sz="1100" b="0" i="0" u="none" strike="noStrike">
+                        <a:solidFill>
+                          <a:srgbClr val="000000"/>
+                        </a:solidFill>
+                        <a:effectLst/>
+                        <a:latin typeface="Arial" panose="020B0604020202020204" pitchFamily="34" charset="0"/>
+                      </a:endParaRPr>
+                    </a:p>
+                  </a:txBody>
+                  <a:tcPr marL="6349" marR="6349" marT="6349" marB="0" anchor="ctr"/>
+                </a:tc>
+                <a:tc>
+                  <a:txBody>
+                    <a:bodyPr/>
+                    <a:lstStyle/>
+                    <a:p>
+                      <a:pPr algn="ctr" fontAlgn="ctr"/>
+                      <a:r>
+                        <a:rPr lang="de-CH" sz="900" u="none" strike="noStrike">
+                          <a:effectLst/>
+                        </a:rPr>
+                        <a:t>C</a:t>
+                      </a:r>
+                      <a:endParaRPr lang="de-CH" sz="900" b="0" i="0" u="none" strike="noStrike">
+                        <a:solidFill>
+                          <a:srgbClr val="000000"/>
+                        </a:solidFill>
+                        <a:effectLst/>
+                        <a:latin typeface="Arial" panose="020B0604020202020204" pitchFamily="34" charset="0"/>
+                      </a:endParaRPr>
+                    </a:p>
+                  </a:txBody>
+                  <a:tcPr marL="6349" marR="6349" marT="6349" marB="0" anchor="ctr"/>
+                </a:tc>
+                <a:tc>
+                  <a:txBody>
+                    <a:bodyPr/>
+                    <a:lstStyle/>
+                    <a:p>
+                      <a:pPr algn="ctr" fontAlgn="ctr"/>
+                      <a:r>
+                        <a:rPr lang="de-CH" sz="900" u="none" strike="noStrike">
+                          <a:effectLst/>
+                        </a:rPr>
+                        <a:t>-</a:t>
+                      </a:r>
+                      <a:endParaRPr lang="de-CH" sz="900" b="0" i="0" u="none" strike="noStrike">
+                        <a:solidFill>
+                          <a:srgbClr val="000000"/>
+                        </a:solidFill>
+                        <a:effectLst/>
+                        <a:latin typeface="Arial" panose="020B0604020202020204" pitchFamily="34" charset="0"/>
+                      </a:endParaRPr>
+                    </a:p>
+                  </a:txBody>
+                  <a:tcPr marL="6349" marR="6349" marT="6349" marB="0" anchor="ctr"/>
+                </a:tc>
+                <a:tc>
+                  <a:txBody>
+                    <a:bodyPr/>
+                    <a:lstStyle/>
+                    <a:p>
+                      <a:pPr algn="ctr" fontAlgn="ctr"/>
+                      <a:r>
+                        <a:rPr lang="de-CH" sz="900" u="none" strike="noStrike">
+                          <a:effectLst/>
+                        </a:rPr>
+                        <a:t>-</a:t>
+                      </a:r>
+                      <a:endParaRPr lang="de-CH" sz="900" b="0" i="0" u="none" strike="noStrike">
+                        <a:solidFill>
+                          <a:srgbClr val="000000"/>
+                        </a:solidFill>
+                        <a:effectLst/>
+                        <a:latin typeface="Arial" panose="020B0604020202020204" pitchFamily="34" charset="0"/>
+                      </a:endParaRPr>
+                    </a:p>
+                  </a:txBody>
+                  <a:tcPr marL="6349" marR="6349" marT="6349" marB="0" anchor="ctr"/>
+                </a:tc>
+                <a:tc>
+                  <a:txBody>
+                    <a:bodyPr/>
+                    <a:lstStyle/>
+                    <a:p>
+                      <a:pPr algn="ctr" fontAlgn="ctr"/>
+                      <a:r>
+                        <a:rPr lang="de-CH" sz="900" u="none" strike="noStrike">
+                          <a:effectLst/>
+                        </a:rPr>
+                        <a:t>-</a:t>
+                      </a:r>
+                      <a:endParaRPr lang="de-CH" sz="900" b="0" i="0" u="none" strike="noStrike">
+                        <a:solidFill>
+                          <a:srgbClr val="000000"/>
+                        </a:solidFill>
+                        <a:effectLst/>
+                        <a:latin typeface="Arial" panose="020B0604020202020204" pitchFamily="34" charset="0"/>
+                      </a:endParaRPr>
+                    </a:p>
+                  </a:txBody>
+                  <a:tcPr marL="6349" marR="6349" marT="6349" marB="0" anchor="ctr"/>
+                </a:tc>
+                <a:tc>
+                  <a:txBody>
+                    <a:bodyPr/>
+                    <a:lstStyle/>
+                    <a:p>
+                      <a:pPr algn="ctr" fontAlgn="ctr"/>
+                      <a:r>
+                        <a:rPr lang="de-CH" sz="900" u="none" strike="noStrike">
+                          <a:effectLst/>
+                        </a:rPr>
+                        <a:t>-</a:t>
+                      </a:r>
+                      <a:endParaRPr lang="de-CH" sz="900" b="0" i="0" u="none" strike="noStrike">
+                        <a:solidFill>
+                          <a:srgbClr val="000000"/>
+                        </a:solidFill>
+                        <a:effectLst/>
+                        <a:latin typeface="Arial" panose="020B0604020202020204" pitchFamily="34" charset="0"/>
+                      </a:endParaRPr>
+                    </a:p>
+                  </a:txBody>
+                  <a:tcPr marL="6349" marR="6349" marT="6349" marB="0" anchor="ctr"/>
+                </a:tc>
+                <a:tc>
+                  <a:txBody>
+                    <a:bodyPr/>
+                    <a:lstStyle/>
+                    <a:p>
+                      <a:pPr algn="ctr" fontAlgn="ctr"/>
+                      <a:r>
+                        <a:rPr lang="de-CH" sz="900" u="none" strike="noStrike">
+                          <a:effectLst/>
+                        </a:rPr>
+                        <a:t>R</a:t>
+                      </a:r>
+                      <a:endParaRPr lang="de-CH" sz="900" b="0" i="0" u="none" strike="noStrike">
+                        <a:solidFill>
+                          <a:srgbClr val="000000"/>
+                        </a:solidFill>
+                        <a:effectLst/>
+                        <a:latin typeface="Arial" panose="020B0604020202020204" pitchFamily="34" charset="0"/>
+                      </a:endParaRPr>
+                    </a:p>
+                  </a:txBody>
+                  <a:tcPr marL="6349" marR="6349" marT="6349" marB="0" anchor="ctr"/>
+                </a:tc>
+                <a:tc>
+                  <a:txBody>
+                    <a:bodyPr/>
+                    <a:lstStyle/>
+                    <a:p>
+                      <a:pPr algn="ctr" fontAlgn="ctr"/>
+                      <a:r>
+                        <a:rPr lang="de-CH" sz="900" u="none" strike="noStrike">
+                          <a:effectLst/>
+                        </a:rPr>
+                        <a:t>-</a:t>
+                      </a:r>
+                      <a:endParaRPr lang="de-CH" sz="900" b="0" i="0" u="none" strike="noStrike">
+                        <a:solidFill>
+                          <a:srgbClr val="000000"/>
+                        </a:solidFill>
+                        <a:effectLst/>
+                        <a:latin typeface="Arial" panose="020B0604020202020204" pitchFamily="34" charset="0"/>
+                      </a:endParaRPr>
+                    </a:p>
+                  </a:txBody>
+                  <a:tcPr marL="6349" marR="6349" marT="6349" marB="0" anchor="ctr"/>
+                </a:tc>
+              </a:tr>
+              <a:tr h="338214">
+                <a:tc>
+                  <a:txBody>
+                    <a:bodyPr/>
+                    <a:lstStyle/>
+                    <a:p>
+                      <a:pPr algn="l" fontAlgn="ctr"/>
+                      <a:r>
+                        <a:rPr lang="de-CH" sz="900" u="none" strike="noStrike">
+                          <a:effectLst/>
+                        </a:rPr>
+                        <a:t>Arrange for investor visits </a:t>
+                      </a:r>
+                      <a:endParaRPr lang="de-CH" sz="900" b="0" i="0" u="none" strike="noStrike">
+                        <a:solidFill>
+                          <a:srgbClr val="000000"/>
+                        </a:solidFill>
+                        <a:effectLst/>
+                        <a:latin typeface="Arial" panose="020B0604020202020204" pitchFamily="34" charset="0"/>
+                      </a:endParaRPr>
+                    </a:p>
+                  </a:txBody>
+                  <a:tcPr marL="6349" marR="6349" marT="6349" marB="0" anchor="ctr"/>
+                </a:tc>
+                <a:tc>
+                  <a:txBody>
+                    <a:bodyPr/>
+                    <a:lstStyle/>
+                    <a:p>
+                      <a:pPr algn="l" fontAlgn="ctr"/>
+                      <a:r>
+                        <a:rPr lang="de-CH" sz="1100" u="none" strike="noStrike">
+                          <a:effectLst/>
+                        </a:rPr>
+                        <a:t> </a:t>
+                      </a:r>
+                      <a:endParaRPr lang="de-CH" sz="1100" b="0" i="0" u="none" strike="noStrike">
+                        <a:solidFill>
+                          <a:srgbClr val="000000"/>
+                        </a:solidFill>
+                        <a:effectLst/>
+                        <a:latin typeface="Arial" panose="020B0604020202020204" pitchFamily="34" charset="0"/>
+                      </a:endParaRPr>
+                    </a:p>
+                  </a:txBody>
+                  <a:tcPr marL="6349" marR="6349" marT="6349" marB="0" anchor="ctr"/>
+                </a:tc>
+                <a:tc>
+                  <a:txBody>
+                    <a:bodyPr/>
+                    <a:lstStyle/>
+                    <a:p>
+                      <a:pPr algn="ctr" fontAlgn="ctr"/>
+                      <a:r>
+                        <a:rPr lang="de-CH" sz="900" u="none" strike="noStrike">
+                          <a:effectLst/>
+                        </a:rPr>
+                        <a:t>I</a:t>
+                      </a:r>
+                      <a:endParaRPr lang="de-CH" sz="900" b="0" i="0" u="none" strike="noStrike">
+                        <a:solidFill>
+                          <a:srgbClr val="000000"/>
+                        </a:solidFill>
+                        <a:effectLst/>
+                        <a:latin typeface="Arial" panose="020B0604020202020204" pitchFamily="34" charset="0"/>
+                      </a:endParaRPr>
+                    </a:p>
+                  </a:txBody>
+                  <a:tcPr marL="6349" marR="6349" marT="6349" marB="0" anchor="ctr"/>
+                </a:tc>
+                <a:tc>
+                  <a:txBody>
+                    <a:bodyPr/>
+                    <a:lstStyle/>
+                    <a:p>
+                      <a:pPr algn="ctr" fontAlgn="ctr"/>
+                      <a:r>
+                        <a:rPr lang="de-CH" sz="900" u="none" strike="noStrike">
+                          <a:effectLst/>
+                        </a:rPr>
+                        <a:t>R</a:t>
+                      </a:r>
+                      <a:endParaRPr lang="de-CH" sz="900" b="0" i="0" u="none" strike="noStrike">
+                        <a:solidFill>
+                          <a:srgbClr val="000000"/>
+                        </a:solidFill>
+                        <a:effectLst/>
+                        <a:latin typeface="Arial" panose="020B0604020202020204" pitchFamily="34" charset="0"/>
+                      </a:endParaRPr>
+                    </a:p>
+                  </a:txBody>
+                  <a:tcPr marL="6349" marR="6349" marT="6349" marB="0" anchor="ctr"/>
+                </a:tc>
+                <a:tc>
+                  <a:txBody>
+                    <a:bodyPr/>
+                    <a:lstStyle/>
+                    <a:p>
+                      <a:pPr algn="ctr" fontAlgn="ctr"/>
+                      <a:r>
+                        <a:rPr lang="de-CH" sz="900" u="none" strike="noStrike">
+                          <a:effectLst/>
+                        </a:rPr>
+                        <a:t>-</a:t>
+                      </a:r>
+                      <a:endParaRPr lang="de-CH" sz="900" b="0" i="0" u="none" strike="noStrike">
+                        <a:solidFill>
+                          <a:srgbClr val="000000"/>
+                        </a:solidFill>
+                        <a:effectLst/>
+                        <a:latin typeface="Arial" panose="020B0604020202020204" pitchFamily="34" charset="0"/>
+                      </a:endParaRPr>
+                    </a:p>
+                  </a:txBody>
+                  <a:tcPr marL="6349" marR="6349" marT="6349" marB="0" anchor="ctr"/>
+                </a:tc>
+                <a:tc>
+                  <a:txBody>
+                    <a:bodyPr/>
+                    <a:lstStyle/>
+                    <a:p>
+                      <a:pPr algn="ctr" fontAlgn="ctr"/>
+                      <a:r>
+                        <a:rPr lang="de-CH" sz="900" u="none" strike="noStrike">
+                          <a:effectLst/>
+                        </a:rPr>
+                        <a:t>-</a:t>
+                      </a:r>
+                      <a:endParaRPr lang="de-CH" sz="900" b="0" i="0" u="none" strike="noStrike">
+                        <a:solidFill>
+                          <a:srgbClr val="000000"/>
+                        </a:solidFill>
+                        <a:effectLst/>
+                        <a:latin typeface="Arial" panose="020B0604020202020204" pitchFamily="34" charset="0"/>
+                      </a:endParaRPr>
+                    </a:p>
+                  </a:txBody>
+                  <a:tcPr marL="6349" marR="6349" marT="6349" marB="0" anchor="ctr"/>
+                </a:tc>
+                <a:tc>
+                  <a:txBody>
+                    <a:bodyPr/>
+                    <a:lstStyle/>
+                    <a:p>
+                      <a:pPr algn="ctr" fontAlgn="ctr"/>
+                      <a:r>
+                        <a:rPr lang="de-CH" sz="900" u="none" strike="noStrike">
+                          <a:effectLst/>
+                        </a:rPr>
+                        <a:t>-</a:t>
+                      </a:r>
+                      <a:endParaRPr lang="de-CH" sz="900" b="0" i="0" u="none" strike="noStrike">
+                        <a:solidFill>
+                          <a:srgbClr val="000000"/>
+                        </a:solidFill>
+                        <a:effectLst/>
+                        <a:latin typeface="Arial" panose="020B0604020202020204" pitchFamily="34" charset="0"/>
+                      </a:endParaRPr>
+                    </a:p>
+                  </a:txBody>
+                  <a:tcPr marL="6349" marR="6349" marT="6349" marB="0" anchor="ctr"/>
+                </a:tc>
+                <a:tc>
+                  <a:txBody>
+                    <a:bodyPr/>
+                    <a:lstStyle/>
+                    <a:p>
+                      <a:pPr algn="ctr" fontAlgn="ctr"/>
+                      <a:r>
+                        <a:rPr lang="de-CH" sz="900" u="none" strike="noStrike">
+                          <a:effectLst/>
+                        </a:rPr>
+                        <a:t>-</a:t>
+                      </a:r>
+                      <a:endParaRPr lang="de-CH" sz="900" b="0" i="0" u="none" strike="noStrike">
+                        <a:solidFill>
+                          <a:srgbClr val="000000"/>
+                        </a:solidFill>
+                        <a:effectLst/>
+                        <a:latin typeface="Arial" panose="020B0604020202020204" pitchFamily="34" charset="0"/>
+                      </a:endParaRPr>
+                    </a:p>
+                  </a:txBody>
+                  <a:tcPr marL="6349" marR="6349" marT="6349" marB="0" anchor="ctr"/>
+                </a:tc>
+                <a:tc>
+                  <a:txBody>
+                    <a:bodyPr/>
+                    <a:lstStyle/>
+                    <a:p>
+                      <a:pPr algn="ctr" fontAlgn="ctr"/>
+                      <a:r>
+                        <a:rPr lang="de-CH" sz="900" u="none" strike="noStrike">
+                          <a:effectLst/>
+                        </a:rPr>
+                        <a:t>-</a:t>
+                      </a:r>
+                      <a:endParaRPr lang="de-CH" sz="900" b="0" i="0" u="none" strike="noStrike">
+                        <a:solidFill>
+                          <a:srgbClr val="000000"/>
+                        </a:solidFill>
+                        <a:effectLst/>
+                        <a:latin typeface="Arial" panose="020B0604020202020204" pitchFamily="34" charset="0"/>
+                      </a:endParaRPr>
+                    </a:p>
+                  </a:txBody>
+                  <a:tcPr marL="6349" marR="6349" marT="6349" marB="0" anchor="ctr"/>
+                </a:tc>
+              </a:tr>
+              <a:tr h="338214">
+                <a:tc>
+                  <a:txBody>
+                    <a:bodyPr/>
+                    <a:lstStyle/>
+                    <a:p>
+                      <a:pPr algn="l" fontAlgn="ctr"/>
+                      <a:r>
+                        <a:rPr lang="de-CH" sz="900" u="none" strike="noStrike">
+                          <a:effectLst/>
+                        </a:rPr>
+                        <a:t>Arrange for project meetings</a:t>
+                      </a:r>
+                      <a:endParaRPr lang="de-CH" sz="900" b="0" i="0" u="none" strike="noStrike">
+                        <a:solidFill>
+                          <a:srgbClr val="000000"/>
+                        </a:solidFill>
+                        <a:effectLst/>
+                        <a:latin typeface="Arial" panose="020B0604020202020204" pitchFamily="34" charset="0"/>
+                      </a:endParaRPr>
+                    </a:p>
+                  </a:txBody>
+                  <a:tcPr marL="6349" marR="6349" marT="6349" marB="0" anchor="ctr"/>
+                </a:tc>
+                <a:tc>
+                  <a:txBody>
+                    <a:bodyPr/>
+                    <a:lstStyle/>
+                    <a:p>
+                      <a:pPr algn="l" fontAlgn="ctr"/>
+                      <a:r>
+                        <a:rPr lang="de-CH" sz="1100" u="none" strike="noStrike">
+                          <a:effectLst/>
+                        </a:rPr>
+                        <a:t> </a:t>
+                      </a:r>
+                      <a:endParaRPr lang="de-CH" sz="1100" b="0" i="0" u="none" strike="noStrike">
+                        <a:solidFill>
+                          <a:srgbClr val="000000"/>
+                        </a:solidFill>
+                        <a:effectLst/>
+                        <a:latin typeface="Arial" panose="020B0604020202020204" pitchFamily="34" charset="0"/>
+                      </a:endParaRPr>
+                    </a:p>
+                  </a:txBody>
+                  <a:tcPr marL="6349" marR="6349" marT="6349" marB="0" anchor="ctr"/>
+                </a:tc>
+                <a:tc>
+                  <a:txBody>
+                    <a:bodyPr/>
+                    <a:lstStyle/>
+                    <a:p>
+                      <a:pPr algn="ctr" fontAlgn="ctr"/>
+                      <a:r>
+                        <a:rPr lang="de-CH" sz="900" u="none" strike="noStrike">
+                          <a:effectLst/>
+                        </a:rPr>
+                        <a:t>-</a:t>
+                      </a:r>
+                      <a:endParaRPr lang="de-CH" sz="900" b="0" i="0" u="none" strike="noStrike">
+                        <a:solidFill>
+                          <a:srgbClr val="000000"/>
+                        </a:solidFill>
+                        <a:effectLst/>
+                        <a:latin typeface="Arial" panose="020B0604020202020204" pitchFamily="34" charset="0"/>
+                      </a:endParaRPr>
+                    </a:p>
+                  </a:txBody>
+                  <a:tcPr marL="6349" marR="6349" marT="6349" marB="0" anchor="ctr"/>
+                </a:tc>
+                <a:tc>
+                  <a:txBody>
+                    <a:bodyPr/>
+                    <a:lstStyle/>
+                    <a:p>
+                      <a:pPr algn="ctr" fontAlgn="ctr"/>
+                      <a:r>
+                        <a:rPr lang="de-CH" sz="900" u="none" strike="noStrike">
+                          <a:effectLst/>
+                        </a:rPr>
+                        <a:t>R</a:t>
+                      </a:r>
+                      <a:endParaRPr lang="de-CH" sz="900" b="0" i="0" u="none" strike="noStrike">
+                        <a:solidFill>
+                          <a:srgbClr val="000000"/>
+                        </a:solidFill>
+                        <a:effectLst/>
+                        <a:latin typeface="Arial" panose="020B0604020202020204" pitchFamily="34" charset="0"/>
+                      </a:endParaRPr>
+                    </a:p>
+                  </a:txBody>
+                  <a:tcPr marL="6349" marR="6349" marT="6349" marB="0" anchor="ctr"/>
+                </a:tc>
+                <a:tc>
+                  <a:txBody>
+                    <a:bodyPr/>
+                    <a:lstStyle/>
+                    <a:p>
+                      <a:pPr algn="ctr" fontAlgn="ctr"/>
+                      <a:r>
+                        <a:rPr lang="de-CH" sz="900" u="none" strike="noStrike">
+                          <a:effectLst/>
+                        </a:rPr>
+                        <a:t>I</a:t>
+                      </a:r>
+                      <a:endParaRPr lang="de-CH" sz="900" b="0" i="0" u="none" strike="noStrike">
+                        <a:solidFill>
+                          <a:srgbClr val="000000"/>
+                        </a:solidFill>
+                        <a:effectLst/>
+                        <a:latin typeface="Arial" panose="020B0604020202020204" pitchFamily="34" charset="0"/>
+                      </a:endParaRPr>
+                    </a:p>
+                  </a:txBody>
+                  <a:tcPr marL="6349" marR="6349" marT="6349" marB="0" anchor="ctr"/>
+                </a:tc>
+                <a:tc>
+                  <a:txBody>
+                    <a:bodyPr/>
+                    <a:lstStyle/>
+                    <a:p>
+                      <a:pPr algn="ctr" fontAlgn="ctr"/>
+                      <a:r>
+                        <a:rPr lang="de-CH" sz="900" u="none" strike="noStrike">
+                          <a:effectLst/>
+                        </a:rPr>
+                        <a:t>I</a:t>
+                      </a:r>
+                      <a:endParaRPr lang="de-CH" sz="900" b="0" i="0" u="none" strike="noStrike">
+                        <a:solidFill>
+                          <a:srgbClr val="000000"/>
+                        </a:solidFill>
+                        <a:effectLst/>
+                        <a:latin typeface="Arial" panose="020B0604020202020204" pitchFamily="34" charset="0"/>
+                      </a:endParaRPr>
+                    </a:p>
+                  </a:txBody>
+                  <a:tcPr marL="6349" marR="6349" marT="6349" marB="0" anchor="ctr"/>
+                </a:tc>
+                <a:tc>
+                  <a:txBody>
+                    <a:bodyPr/>
+                    <a:lstStyle/>
+                    <a:p>
+                      <a:pPr algn="ctr" fontAlgn="ctr"/>
+                      <a:r>
+                        <a:rPr lang="de-CH" sz="900" u="none" strike="noStrike">
+                          <a:effectLst/>
+                        </a:rPr>
+                        <a:t>I</a:t>
+                      </a:r>
+                      <a:endParaRPr lang="de-CH" sz="900" b="0" i="0" u="none" strike="noStrike">
+                        <a:solidFill>
+                          <a:srgbClr val="000000"/>
+                        </a:solidFill>
+                        <a:effectLst/>
+                        <a:latin typeface="Arial" panose="020B0604020202020204" pitchFamily="34" charset="0"/>
+                      </a:endParaRPr>
+                    </a:p>
+                  </a:txBody>
+                  <a:tcPr marL="6349" marR="6349" marT="6349" marB="0" anchor="ctr"/>
+                </a:tc>
+                <a:tc>
+                  <a:txBody>
+                    <a:bodyPr/>
+                    <a:lstStyle/>
+                    <a:p>
+                      <a:pPr algn="ctr" fontAlgn="ctr"/>
+                      <a:r>
+                        <a:rPr lang="de-CH" sz="900" u="none" strike="noStrike">
+                          <a:effectLst/>
+                        </a:rPr>
+                        <a:t>I</a:t>
+                      </a:r>
+                      <a:endParaRPr lang="de-CH" sz="900" b="0" i="0" u="none" strike="noStrike">
+                        <a:solidFill>
+                          <a:srgbClr val="000000"/>
+                        </a:solidFill>
+                        <a:effectLst/>
+                        <a:latin typeface="Arial" panose="020B0604020202020204" pitchFamily="34" charset="0"/>
+                      </a:endParaRPr>
+                    </a:p>
+                  </a:txBody>
+                  <a:tcPr marL="6349" marR="6349" marT="6349" marB="0" anchor="ctr"/>
+                </a:tc>
+                <a:tc>
+                  <a:txBody>
+                    <a:bodyPr/>
+                    <a:lstStyle/>
+                    <a:p>
+                      <a:pPr algn="ctr" fontAlgn="ctr"/>
+                      <a:r>
+                        <a:rPr lang="de-CH" sz="900" u="none" strike="noStrike">
+                          <a:effectLst/>
+                        </a:rPr>
+                        <a:t>I</a:t>
+                      </a:r>
+                      <a:endParaRPr lang="de-CH" sz="900" b="0" i="0" u="none" strike="noStrike">
+                        <a:solidFill>
+                          <a:srgbClr val="000000"/>
+                        </a:solidFill>
+                        <a:effectLst/>
+                        <a:latin typeface="Arial" panose="020B0604020202020204" pitchFamily="34" charset="0"/>
+                      </a:endParaRPr>
+                    </a:p>
+                  </a:txBody>
+                  <a:tcPr marL="6349" marR="6349" marT="6349" marB="0" anchor="ctr"/>
+                </a:tc>
+              </a:tr>
+              <a:tr h="338214">
+                <a:tc>
+                  <a:txBody>
+                    <a:bodyPr/>
+                    <a:lstStyle/>
+                    <a:p>
+                      <a:pPr algn="l" fontAlgn="ctr"/>
+                      <a:r>
+                        <a:rPr lang="de-CH" sz="900" u="none" strike="noStrike">
+                          <a:effectLst/>
+                        </a:rPr>
+                        <a:t>Arrange for project management software </a:t>
+                      </a:r>
+                      <a:endParaRPr lang="de-CH" sz="900" b="0" i="0" u="none" strike="noStrike">
+                        <a:solidFill>
+                          <a:srgbClr val="000000"/>
+                        </a:solidFill>
+                        <a:effectLst/>
+                        <a:latin typeface="Arial" panose="020B0604020202020204" pitchFamily="34" charset="0"/>
+                      </a:endParaRPr>
+                    </a:p>
+                  </a:txBody>
+                  <a:tcPr marL="6349" marR="6349" marT="6349" marB="0" anchor="ctr"/>
+                </a:tc>
+                <a:tc>
+                  <a:txBody>
+                    <a:bodyPr/>
+                    <a:lstStyle/>
+                    <a:p>
+                      <a:pPr algn="l" fontAlgn="ctr"/>
+                      <a:r>
+                        <a:rPr lang="de-CH" sz="1100" u="none" strike="noStrike">
+                          <a:effectLst/>
+                        </a:rPr>
+                        <a:t> </a:t>
+                      </a:r>
+                      <a:endParaRPr lang="de-CH" sz="1100" b="0" i="0" u="none" strike="noStrike">
+                        <a:solidFill>
+                          <a:srgbClr val="000000"/>
+                        </a:solidFill>
+                        <a:effectLst/>
+                        <a:latin typeface="Arial" panose="020B0604020202020204" pitchFamily="34" charset="0"/>
+                      </a:endParaRPr>
+                    </a:p>
+                  </a:txBody>
+                  <a:tcPr marL="6349" marR="6349" marT="6349" marB="0" anchor="ctr"/>
+                </a:tc>
+                <a:tc>
+                  <a:txBody>
+                    <a:bodyPr/>
+                    <a:lstStyle/>
+                    <a:p>
+                      <a:pPr algn="ctr" fontAlgn="ctr"/>
+                      <a:r>
+                        <a:rPr lang="de-CH" sz="900" u="none" strike="noStrike">
+                          <a:effectLst/>
+                        </a:rPr>
+                        <a:t>-</a:t>
+                      </a:r>
+                      <a:endParaRPr lang="de-CH" sz="900" b="0" i="0" u="none" strike="noStrike">
+                        <a:solidFill>
+                          <a:srgbClr val="000000"/>
+                        </a:solidFill>
+                        <a:effectLst/>
+                        <a:latin typeface="Arial" panose="020B0604020202020204" pitchFamily="34" charset="0"/>
+                      </a:endParaRPr>
+                    </a:p>
+                  </a:txBody>
+                  <a:tcPr marL="6349" marR="6349" marT="6349" marB="0" anchor="ctr"/>
+                </a:tc>
+                <a:tc>
+                  <a:txBody>
+                    <a:bodyPr/>
+                    <a:lstStyle/>
+                    <a:p>
+                      <a:pPr algn="ctr" fontAlgn="ctr"/>
+                      <a:r>
+                        <a:rPr lang="de-CH" sz="900" u="none" strike="noStrike">
+                          <a:effectLst/>
+                        </a:rPr>
+                        <a:t>R</a:t>
+                      </a:r>
+                      <a:endParaRPr lang="de-CH" sz="900" b="0" i="0" u="none" strike="noStrike">
+                        <a:solidFill>
+                          <a:srgbClr val="000000"/>
+                        </a:solidFill>
+                        <a:effectLst/>
+                        <a:latin typeface="Arial" panose="020B0604020202020204" pitchFamily="34" charset="0"/>
+                      </a:endParaRPr>
+                    </a:p>
+                  </a:txBody>
+                  <a:tcPr marL="6349" marR="6349" marT="6349" marB="0" anchor="ctr"/>
+                </a:tc>
+                <a:tc>
+                  <a:txBody>
+                    <a:bodyPr/>
+                    <a:lstStyle/>
+                    <a:p>
+                      <a:pPr algn="ctr" fontAlgn="ctr"/>
+                      <a:r>
+                        <a:rPr lang="de-CH" sz="900" u="none" strike="noStrike">
+                          <a:effectLst/>
+                        </a:rPr>
+                        <a:t>C</a:t>
+                      </a:r>
+                      <a:endParaRPr lang="de-CH" sz="900" b="0" i="0" u="none" strike="noStrike">
+                        <a:solidFill>
+                          <a:srgbClr val="000000"/>
+                        </a:solidFill>
+                        <a:effectLst/>
+                        <a:latin typeface="Arial" panose="020B0604020202020204" pitchFamily="34" charset="0"/>
+                      </a:endParaRPr>
+                    </a:p>
+                  </a:txBody>
+                  <a:tcPr marL="6349" marR="6349" marT="6349" marB="0" anchor="ctr"/>
+                </a:tc>
+                <a:tc>
+                  <a:txBody>
+                    <a:bodyPr/>
+                    <a:lstStyle/>
+                    <a:p>
+                      <a:pPr algn="ctr" fontAlgn="ctr"/>
+                      <a:r>
+                        <a:rPr lang="de-CH" sz="900" u="none" strike="noStrike">
+                          <a:effectLst/>
+                        </a:rPr>
+                        <a:t>C</a:t>
+                      </a:r>
+                      <a:endParaRPr lang="de-CH" sz="900" b="0" i="0" u="none" strike="noStrike">
+                        <a:solidFill>
+                          <a:srgbClr val="000000"/>
+                        </a:solidFill>
+                        <a:effectLst/>
+                        <a:latin typeface="Arial" panose="020B0604020202020204" pitchFamily="34" charset="0"/>
+                      </a:endParaRPr>
+                    </a:p>
+                  </a:txBody>
+                  <a:tcPr marL="6349" marR="6349" marT="6349" marB="0" anchor="ctr"/>
+                </a:tc>
+                <a:tc>
+                  <a:txBody>
+                    <a:bodyPr/>
+                    <a:lstStyle/>
+                    <a:p>
+                      <a:pPr algn="ctr" fontAlgn="ctr"/>
+                      <a:r>
+                        <a:rPr lang="de-CH" sz="900" u="none" strike="noStrike">
+                          <a:effectLst/>
+                        </a:rPr>
+                        <a:t>I</a:t>
+                      </a:r>
+                      <a:endParaRPr lang="de-CH" sz="900" b="0" i="0" u="none" strike="noStrike">
+                        <a:solidFill>
+                          <a:srgbClr val="000000"/>
+                        </a:solidFill>
+                        <a:effectLst/>
+                        <a:latin typeface="Arial" panose="020B0604020202020204" pitchFamily="34" charset="0"/>
+                      </a:endParaRPr>
+                    </a:p>
+                  </a:txBody>
+                  <a:tcPr marL="6349" marR="6349" marT="6349" marB="0" anchor="ctr"/>
+                </a:tc>
+                <a:tc>
+                  <a:txBody>
+                    <a:bodyPr/>
+                    <a:lstStyle/>
+                    <a:p>
+                      <a:pPr algn="ctr" fontAlgn="ctr"/>
+                      <a:r>
+                        <a:rPr lang="de-CH" sz="900" u="none" strike="noStrike">
+                          <a:effectLst/>
+                        </a:rPr>
+                        <a:t>I</a:t>
+                      </a:r>
+                      <a:endParaRPr lang="de-CH" sz="900" b="0" i="0" u="none" strike="noStrike">
+                        <a:solidFill>
+                          <a:srgbClr val="000000"/>
+                        </a:solidFill>
+                        <a:effectLst/>
+                        <a:latin typeface="Arial" panose="020B0604020202020204" pitchFamily="34" charset="0"/>
+                      </a:endParaRPr>
+                    </a:p>
+                  </a:txBody>
+                  <a:tcPr marL="6349" marR="6349" marT="6349" marB="0" anchor="ctr"/>
+                </a:tc>
+                <a:tc>
+                  <a:txBody>
+                    <a:bodyPr/>
+                    <a:lstStyle/>
+                    <a:p>
+                      <a:pPr algn="ctr" fontAlgn="ctr"/>
+                      <a:r>
+                        <a:rPr lang="de-CH" sz="900" u="none" strike="noStrike">
+                          <a:effectLst/>
+                        </a:rPr>
+                        <a:t>I</a:t>
+                      </a:r>
+                      <a:endParaRPr lang="de-CH" sz="900" b="0" i="0" u="none" strike="noStrike">
+                        <a:solidFill>
+                          <a:srgbClr val="000000"/>
+                        </a:solidFill>
+                        <a:effectLst/>
+                        <a:latin typeface="Arial" panose="020B0604020202020204" pitchFamily="34" charset="0"/>
+                      </a:endParaRPr>
+                    </a:p>
+                  </a:txBody>
+                  <a:tcPr marL="6349" marR="6349" marT="6349" marB="0" anchor="ctr"/>
+                </a:tc>
+              </a:tr>
+              <a:tr h="338214">
+                <a:tc>
+                  <a:txBody>
+                    <a:bodyPr/>
+                    <a:lstStyle/>
+                    <a:p>
+                      <a:pPr algn="l" fontAlgn="ctr"/>
+                      <a:r>
+                        <a:rPr lang="en-US" sz="900" u="none" strike="noStrike">
+                          <a:effectLst/>
+                        </a:rPr>
+                        <a:t>Review input of stakeholders and…</a:t>
+                      </a:r>
+                      <a:endParaRPr lang="en-US" sz="900" b="0" i="0" u="none" strike="noStrike">
+                        <a:solidFill>
+                          <a:srgbClr val="000000"/>
+                        </a:solidFill>
+                        <a:effectLst/>
+                        <a:latin typeface="Arial" panose="020B0604020202020204" pitchFamily="34" charset="0"/>
+                      </a:endParaRPr>
+                    </a:p>
+                  </a:txBody>
+                  <a:tcPr marL="6349" marR="6349" marT="6349" marB="0" anchor="ctr"/>
+                </a:tc>
+                <a:tc>
+                  <a:txBody>
+                    <a:bodyPr/>
+                    <a:lstStyle/>
+                    <a:p>
+                      <a:pPr algn="l" fontAlgn="ctr"/>
+                      <a:r>
+                        <a:rPr lang="de-CH" sz="1100" u="none" strike="noStrike">
+                          <a:effectLst/>
+                        </a:rPr>
+                        <a:t> </a:t>
+                      </a:r>
+                      <a:endParaRPr lang="de-CH" sz="1100" b="0" i="0" u="none" strike="noStrike">
+                        <a:solidFill>
+                          <a:srgbClr val="000000"/>
+                        </a:solidFill>
+                        <a:effectLst/>
+                        <a:latin typeface="Arial" panose="020B0604020202020204" pitchFamily="34" charset="0"/>
+                      </a:endParaRPr>
+                    </a:p>
+                  </a:txBody>
+                  <a:tcPr marL="6349" marR="6349" marT="6349" marB="0" anchor="ctr"/>
+                </a:tc>
+                <a:tc>
+                  <a:txBody>
+                    <a:bodyPr/>
+                    <a:lstStyle/>
+                    <a:p>
+                      <a:pPr algn="ctr" fontAlgn="ctr"/>
+                      <a:r>
+                        <a:rPr lang="de-CH" sz="900" u="none" strike="noStrike">
+                          <a:effectLst/>
+                        </a:rPr>
+                        <a:t>A</a:t>
+                      </a:r>
+                      <a:endParaRPr lang="de-CH" sz="900" b="0" i="0" u="none" strike="noStrike">
+                        <a:solidFill>
+                          <a:srgbClr val="000000"/>
+                        </a:solidFill>
+                        <a:effectLst/>
+                        <a:latin typeface="Arial" panose="020B0604020202020204" pitchFamily="34" charset="0"/>
+                      </a:endParaRPr>
+                    </a:p>
+                  </a:txBody>
+                  <a:tcPr marL="6349" marR="6349" marT="6349" marB="0" anchor="ctr"/>
+                </a:tc>
+                <a:tc>
+                  <a:txBody>
+                    <a:bodyPr/>
+                    <a:lstStyle/>
+                    <a:p>
+                      <a:pPr algn="ctr" fontAlgn="ctr"/>
+                      <a:r>
+                        <a:rPr lang="de-CH" sz="900" u="none" strike="noStrike">
+                          <a:effectLst/>
+                        </a:rPr>
+                        <a:t>I</a:t>
+                      </a:r>
+                      <a:endParaRPr lang="de-CH" sz="900" b="0" i="0" u="none" strike="noStrike">
+                        <a:solidFill>
+                          <a:srgbClr val="000000"/>
+                        </a:solidFill>
+                        <a:effectLst/>
+                        <a:latin typeface="Arial" panose="020B0604020202020204" pitchFamily="34" charset="0"/>
+                      </a:endParaRPr>
+                    </a:p>
+                  </a:txBody>
+                  <a:tcPr marL="6349" marR="6349" marT="6349" marB="0" anchor="ctr"/>
+                </a:tc>
+                <a:tc>
+                  <a:txBody>
+                    <a:bodyPr/>
+                    <a:lstStyle/>
+                    <a:p>
+                      <a:pPr algn="ctr" fontAlgn="ctr"/>
+                      <a:r>
+                        <a:rPr lang="de-CH" sz="900" u="none" strike="noStrike">
+                          <a:effectLst/>
+                        </a:rPr>
+                        <a:t>I</a:t>
+                      </a:r>
+                      <a:endParaRPr lang="de-CH" sz="900" b="0" i="0" u="none" strike="noStrike">
+                        <a:solidFill>
+                          <a:srgbClr val="000000"/>
+                        </a:solidFill>
+                        <a:effectLst/>
+                        <a:latin typeface="Arial" panose="020B0604020202020204" pitchFamily="34" charset="0"/>
+                      </a:endParaRPr>
+                    </a:p>
+                  </a:txBody>
+                  <a:tcPr marL="6349" marR="6349" marT="6349" marB="0" anchor="ctr"/>
+                </a:tc>
+                <a:tc>
+                  <a:txBody>
+                    <a:bodyPr/>
+                    <a:lstStyle/>
+                    <a:p>
+                      <a:pPr algn="ctr" fontAlgn="ctr"/>
+                      <a:r>
+                        <a:rPr lang="de-CH" sz="900" u="none" strike="noStrike">
+                          <a:effectLst/>
+                        </a:rPr>
+                        <a:t>-</a:t>
+                      </a:r>
+                      <a:endParaRPr lang="de-CH" sz="900" b="0" i="0" u="none" strike="noStrike">
+                        <a:solidFill>
+                          <a:srgbClr val="000000"/>
+                        </a:solidFill>
+                        <a:effectLst/>
+                        <a:latin typeface="Arial" panose="020B0604020202020204" pitchFamily="34" charset="0"/>
+                      </a:endParaRPr>
+                    </a:p>
+                  </a:txBody>
+                  <a:tcPr marL="6349" marR="6349" marT="6349" marB="0" anchor="ctr"/>
+                </a:tc>
+                <a:tc>
+                  <a:txBody>
+                    <a:bodyPr/>
+                    <a:lstStyle/>
+                    <a:p>
+                      <a:pPr algn="ctr" fontAlgn="ctr"/>
+                      <a:r>
+                        <a:rPr lang="de-CH" sz="900" u="none" strike="noStrike">
+                          <a:effectLst/>
+                        </a:rPr>
+                        <a:t>-</a:t>
+                      </a:r>
+                      <a:endParaRPr lang="de-CH" sz="900" b="0" i="0" u="none" strike="noStrike">
+                        <a:solidFill>
+                          <a:srgbClr val="000000"/>
+                        </a:solidFill>
+                        <a:effectLst/>
+                        <a:latin typeface="Arial" panose="020B0604020202020204" pitchFamily="34" charset="0"/>
+                      </a:endParaRPr>
+                    </a:p>
+                  </a:txBody>
+                  <a:tcPr marL="6349" marR="6349" marT="6349" marB="0" anchor="ctr"/>
+                </a:tc>
+                <a:tc>
+                  <a:txBody>
+                    <a:bodyPr/>
+                    <a:lstStyle/>
+                    <a:p>
+                      <a:pPr algn="ctr" fontAlgn="ctr"/>
+                      <a:r>
+                        <a:rPr lang="de-CH" sz="900" u="none" strike="noStrike">
+                          <a:effectLst/>
+                        </a:rPr>
+                        <a:t>R</a:t>
+                      </a:r>
+                      <a:endParaRPr lang="de-CH" sz="900" b="0" i="0" u="none" strike="noStrike">
+                        <a:solidFill>
+                          <a:srgbClr val="000000"/>
+                        </a:solidFill>
+                        <a:effectLst/>
+                        <a:latin typeface="Arial" panose="020B0604020202020204" pitchFamily="34" charset="0"/>
+                      </a:endParaRPr>
+                    </a:p>
+                  </a:txBody>
+                  <a:tcPr marL="6349" marR="6349" marT="6349" marB="0" anchor="ctr"/>
+                </a:tc>
+                <a:tc>
+                  <a:txBody>
+                    <a:bodyPr/>
+                    <a:lstStyle/>
+                    <a:p>
+                      <a:pPr algn="ctr" fontAlgn="ctr"/>
+                      <a:r>
+                        <a:rPr lang="de-CH" sz="900" u="none" strike="noStrike">
+                          <a:effectLst/>
+                        </a:rPr>
+                        <a:t>-</a:t>
+                      </a:r>
+                      <a:endParaRPr lang="de-CH" sz="900" b="0" i="0" u="none" strike="noStrike">
+                        <a:solidFill>
+                          <a:srgbClr val="000000"/>
+                        </a:solidFill>
+                        <a:effectLst/>
+                        <a:latin typeface="Arial" panose="020B0604020202020204" pitchFamily="34" charset="0"/>
+                      </a:endParaRPr>
+                    </a:p>
+                  </a:txBody>
+                  <a:tcPr marL="6349" marR="6349" marT="6349" marB="0" anchor="ctr"/>
+                </a:tc>
+              </a:tr>
+              <a:tr h="338214">
+                <a:tc>
+                  <a:txBody>
+                    <a:bodyPr/>
+                    <a:lstStyle/>
+                    <a:p>
+                      <a:pPr algn="l" fontAlgn="ctr"/>
+                      <a:r>
+                        <a:rPr lang="de-CH" sz="900" u="none" strike="noStrike">
+                          <a:effectLst/>
+                        </a:rPr>
+                        <a:t>Protocol</a:t>
+                      </a:r>
+                      <a:endParaRPr lang="de-CH" sz="900" b="0" i="0" u="none" strike="noStrike">
+                        <a:solidFill>
+                          <a:srgbClr val="000000"/>
+                        </a:solidFill>
+                        <a:effectLst/>
+                        <a:latin typeface="Arial" panose="020B0604020202020204" pitchFamily="34" charset="0"/>
+                      </a:endParaRPr>
+                    </a:p>
+                  </a:txBody>
+                  <a:tcPr marL="6349" marR="6349" marT="6349" marB="0" anchor="ctr"/>
+                </a:tc>
+                <a:tc>
+                  <a:txBody>
+                    <a:bodyPr/>
+                    <a:lstStyle/>
+                    <a:p>
+                      <a:pPr algn="l" fontAlgn="ctr"/>
+                      <a:r>
+                        <a:rPr lang="de-CH" sz="1100" u="none" strike="noStrike">
+                          <a:effectLst/>
+                        </a:rPr>
+                        <a:t> </a:t>
+                      </a:r>
+                      <a:endParaRPr lang="de-CH" sz="1100" b="0" i="0" u="none" strike="noStrike">
+                        <a:solidFill>
+                          <a:srgbClr val="000000"/>
+                        </a:solidFill>
+                        <a:effectLst/>
+                        <a:latin typeface="Arial" panose="020B0604020202020204" pitchFamily="34" charset="0"/>
+                      </a:endParaRPr>
+                    </a:p>
+                  </a:txBody>
+                  <a:tcPr marL="6349" marR="6349" marT="6349" marB="0" anchor="ctr"/>
+                </a:tc>
+                <a:tc>
+                  <a:txBody>
+                    <a:bodyPr/>
+                    <a:lstStyle/>
+                    <a:p>
+                      <a:pPr algn="ctr" fontAlgn="ctr"/>
+                      <a:r>
+                        <a:rPr lang="de-CH" sz="900" u="none" strike="noStrike">
+                          <a:effectLst/>
+                        </a:rPr>
+                        <a:t>I</a:t>
+                      </a:r>
+                      <a:endParaRPr lang="de-CH" sz="900" b="0" i="0" u="none" strike="noStrike">
+                        <a:solidFill>
+                          <a:srgbClr val="000000"/>
+                        </a:solidFill>
+                        <a:effectLst/>
+                        <a:latin typeface="Arial" panose="020B0604020202020204" pitchFamily="34" charset="0"/>
+                      </a:endParaRPr>
+                    </a:p>
+                  </a:txBody>
+                  <a:tcPr marL="6349" marR="6349" marT="6349" marB="0" anchor="ctr"/>
+                </a:tc>
+                <a:tc>
+                  <a:txBody>
+                    <a:bodyPr/>
+                    <a:lstStyle/>
+                    <a:p>
+                      <a:pPr algn="ctr" fontAlgn="ctr"/>
+                      <a:r>
+                        <a:rPr lang="de-CH" sz="900" u="none" strike="noStrike">
+                          <a:effectLst/>
+                        </a:rPr>
+                        <a:t>I</a:t>
+                      </a:r>
+                      <a:endParaRPr lang="de-CH" sz="900" b="0" i="0" u="none" strike="noStrike">
+                        <a:solidFill>
+                          <a:srgbClr val="000000"/>
+                        </a:solidFill>
+                        <a:effectLst/>
+                        <a:latin typeface="Arial" panose="020B0604020202020204" pitchFamily="34" charset="0"/>
+                      </a:endParaRPr>
+                    </a:p>
+                  </a:txBody>
+                  <a:tcPr marL="6349" marR="6349" marT="6349" marB="0" anchor="ctr"/>
+                </a:tc>
+                <a:tc>
+                  <a:txBody>
+                    <a:bodyPr/>
+                    <a:lstStyle/>
+                    <a:p>
+                      <a:pPr algn="ctr" fontAlgn="ctr"/>
+                      <a:r>
+                        <a:rPr lang="de-CH" sz="900" u="none" strike="noStrike">
+                          <a:effectLst/>
+                        </a:rPr>
+                        <a:t>-</a:t>
+                      </a:r>
+                      <a:endParaRPr lang="de-CH" sz="900" b="0" i="0" u="none" strike="noStrike">
+                        <a:solidFill>
+                          <a:srgbClr val="000000"/>
+                        </a:solidFill>
+                        <a:effectLst/>
+                        <a:latin typeface="Arial" panose="020B0604020202020204" pitchFamily="34" charset="0"/>
+                      </a:endParaRPr>
+                    </a:p>
+                  </a:txBody>
+                  <a:tcPr marL="6349" marR="6349" marT="6349" marB="0" anchor="ctr"/>
+                </a:tc>
+                <a:tc>
+                  <a:txBody>
+                    <a:bodyPr/>
+                    <a:lstStyle/>
+                    <a:p>
+                      <a:pPr algn="ctr" fontAlgn="ctr"/>
+                      <a:r>
+                        <a:rPr lang="de-CH" sz="900" u="none" strike="noStrike">
+                          <a:effectLst/>
+                        </a:rPr>
+                        <a:t>-</a:t>
+                      </a:r>
+                      <a:endParaRPr lang="de-CH" sz="900" b="0" i="0" u="none" strike="noStrike">
+                        <a:solidFill>
+                          <a:srgbClr val="000000"/>
+                        </a:solidFill>
+                        <a:effectLst/>
+                        <a:latin typeface="Arial" panose="020B0604020202020204" pitchFamily="34" charset="0"/>
+                      </a:endParaRPr>
+                    </a:p>
+                  </a:txBody>
+                  <a:tcPr marL="6349" marR="6349" marT="6349" marB="0" anchor="ctr"/>
+                </a:tc>
+                <a:tc>
+                  <a:txBody>
+                    <a:bodyPr/>
+                    <a:lstStyle/>
+                    <a:p>
+                      <a:pPr algn="ctr" fontAlgn="ctr"/>
+                      <a:r>
+                        <a:rPr lang="de-CH" sz="900" u="none" strike="noStrike">
+                          <a:effectLst/>
+                        </a:rPr>
+                        <a:t>-</a:t>
+                      </a:r>
+                      <a:endParaRPr lang="de-CH" sz="900" b="0" i="0" u="none" strike="noStrike">
+                        <a:solidFill>
+                          <a:srgbClr val="000000"/>
+                        </a:solidFill>
+                        <a:effectLst/>
+                        <a:latin typeface="Arial" panose="020B0604020202020204" pitchFamily="34" charset="0"/>
+                      </a:endParaRPr>
+                    </a:p>
+                  </a:txBody>
+                  <a:tcPr marL="6349" marR="6349" marT="6349" marB="0" anchor="ctr"/>
+                </a:tc>
+                <a:tc>
+                  <a:txBody>
+                    <a:bodyPr/>
+                    <a:lstStyle/>
+                    <a:p>
+                      <a:pPr algn="ctr" fontAlgn="ctr"/>
+                      <a:r>
+                        <a:rPr lang="de-CH" sz="900" u="none" strike="noStrike">
+                          <a:effectLst/>
+                        </a:rPr>
+                        <a:t>-</a:t>
+                      </a:r>
+                      <a:endParaRPr lang="de-CH" sz="900" b="0" i="0" u="none" strike="noStrike">
+                        <a:solidFill>
+                          <a:srgbClr val="000000"/>
+                        </a:solidFill>
+                        <a:effectLst/>
+                        <a:latin typeface="Arial" panose="020B0604020202020204" pitchFamily="34" charset="0"/>
+                      </a:endParaRPr>
+                    </a:p>
+                  </a:txBody>
+                  <a:tcPr marL="6349" marR="6349" marT="6349" marB="0" anchor="ctr"/>
+                </a:tc>
+                <a:tc>
+                  <a:txBody>
+                    <a:bodyPr/>
+                    <a:lstStyle/>
+                    <a:p>
+                      <a:pPr algn="ctr" fontAlgn="ctr"/>
+                      <a:r>
+                        <a:rPr lang="de-CH" sz="900" u="none" strike="noStrike">
+                          <a:effectLst/>
+                        </a:rPr>
+                        <a:t>R</a:t>
+                      </a:r>
+                      <a:endParaRPr lang="de-CH" sz="900" b="0" i="0" u="none" strike="noStrike">
+                        <a:solidFill>
+                          <a:srgbClr val="000000"/>
+                        </a:solidFill>
+                        <a:effectLst/>
+                        <a:latin typeface="Arial" panose="020B0604020202020204" pitchFamily="34" charset="0"/>
+                      </a:endParaRPr>
+                    </a:p>
+                  </a:txBody>
+                  <a:tcPr marL="6349" marR="6349" marT="6349" marB="0" anchor="ctr"/>
+                </a:tc>
+              </a:tr>
+              <a:tr h="474939">
+                <a:tc>
+                  <a:txBody>
+                    <a:bodyPr/>
+                    <a:lstStyle/>
+                    <a:p>
+                      <a:pPr algn="l" fontAlgn="ctr"/>
+                      <a:r>
+                        <a:rPr lang="de-CH" sz="900" u="none" strike="noStrike">
+                          <a:effectLst/>
+                        </a:rPr>
+                        <a:t>Communicate project to promote….. </a:t>
+                      </a:r>
+                      <a:endParaRPr lang="de-CH" sz="900" b="0" i="0" u="none" strike="noStrike">
+                        <a:solidFill>
+                          <a:srgbClr val="000000"/>
+                        </a:solidFill>
+                        <a:effectLst/>
+                        <a:latin typeface="Arial" panose="020B0604020202020204" pitchFamily="34" charset="0"/>
+                      </a:endParaRPr>
+                    </a:p>
+                  </a:txBody>
+                  <a:tcPr marL="6349" marR="6349" marT="6349" marB="0" anchor="ctr"/>
+                </a:tc>
+                <a:tc>
+                  <a:txBody>
+                    <a:bodyPr/>
+                    <a:lstStyle/>
+                    <a:p>
+                      <a:pPr algn="l" fontAlgn="ctr"/>
+                      <a:r>
+                        <a:rPr lang="de-CH" sz="1100" u="none" strike="noStrike">
+                          <a:effectLst/>
+                        </a:rPr>
+                        <a:t> </a:t>
+                      </a:r>
+                      <a:endParaRPr lang="de-CH" sz="1100" b="0" i="0" u="none" strike="noStrike">
+                        <a:solidFill>
+                          <a:srgbClr val="000000"/>
+                        </a:solidFill>
+                        <a:effectLst/>
+                        <a:latin typeface="Arial" panose="020B0604020202020204" pitchFamily="34" charset="0"/>
+                      </a:endParaRPr>
+                    </a:p>
+                  </a:txBody>
+                  <a:tcPr marL="6349" marR="6349" marT="6349" marB="0" anchor="ctr"/>
+                </a:tc>
+                <a:tc>
+                  <a:txBody>
+                    <a:bodyPr/>
+                    <a:lstStyle/>
+                    <a:p>
+                      <a:pPr algn="ctr" fontAlgn="ctr"/>
+                      <a:r>
+                        <a:rPr lang="de-CH" sz="900" u="none" strike="noStrike">
+                          <a:effectLst/>
+                        </a:rPr>
+                        <a:t>I</a:t>
+                      </a:r>
+                      <a:endParaRPr lang="de-CH" sz="900" b="0" i="0" u="none" strike="noStrike">
+                        <a:solidFill>
+                          <a:srgbClr val="000000"/>
+                        </a:solidFill>
+                        <a:effectLst/>
+                        <a:latin typeface="Arial" panose="020B0604020202020204" pitchFamily="34" charset="0"/>
+                      </a:endParaRPr>
+                    </a:p>
+                  </a:txBody>
+                  <a:tcPr marL="6349" marR="6349" marT="6349" marB="0" anchor="ctr"/>
+                </a:tc>
+                <a:tc>
+                  <a:txBody>
+                    <a:bodyPr/>
+                    <a:lstStyle/>
+                    <a:p>
+                      <a:pPr algn="ctr" fontAlgn="ctr"/>
+                      <a:r>
+                        <a:rPr lang="de-CH" sz="900" u="none" strike="noStrike">
+                          <a:effectLst/>
+                        </a:rPr>
+                        <a:t>I</a:t>
+                      </a:r>
+                      <a:endParaRPr lang="de-CH" sz="900" b="0" i="0" u="none" strike="noStrike">
+                        <a:solidFill>
+                          <a:srgbClr val="000000"/>
+                        </a:solidFill>
+                        <a:effectLst/>
+                        <a:latin typeface="Arial" panose="020B0604020202020204" pitchFamily="34" charset="0"/>
+                      </a:endParaRPr>
+                    </a:p>
+                  </a:txBody>
+                  <a:tcPr marL="6349" marR="6349" marT="6349" marB="0" anchor="ctr"/>
+                </a:tc>
+                <a:tc>
+                  <a:txBody>
+                    <a:bodyPr/>
+                    <a:lstStyle/>
+                    <a:p>
+                      <a:pPr algn="ctr" fontAlgn="ctr"/>
+                      <a:r>
+                        <a:rPr lang="de-CH" sz="900" u="none" strike="noStrike">
+                          <a:effectLst/>
+                        </a:rPr>
+                        <a:t>R</a:t>
+                      </a:r>
+                      <a:endParaRPr lang="de-CH" sz="900" b="0" i="0" u="none" strike="noStrike">
+                        <a:solidFill>
+                          <a:srgbClr val="000000"/>
+                        </a:solidFill>
+                        <a:effectLst/>
+                        <a:latin typeface="Arial" panose="020B0604020202020204" pitchFamily="34" charset="0"/>
+                      </a:endParaRPr>
+                    </a:p>
+                  </a:txBody>
+                  <a:tcPr marL="6349" marR="6349" marT="6349" marB="0" anchor="ctr"/>
+                </a:tc>
+                <a:tc>
+                  <a:txBody>
+                    <a:bodyPr/>
+                    <a:lstStyle/>
+                    <a:p>
+                      <a:pPr algn="ctr" fontAlgn="ctr"/>
+                      <a:r>
+                        <a:rPr lang="de-CH" sz="900" u="none" strike="noStrike">
+                          <a:effectLst/>
+                        </a:rPr>
+                        <a:t>I</a:t>
+                      </a:r>
+                      <a:endParaRPr lang="de-CH" sz="900" b="0" i="0" u="none" strike="noStrike">
+                        <a:solidFill>
+                          <a:srgbClr val="000000"/>
+                        </a:solidFill>
+                        <a:effectLst/>
+                        <a:latin typeface="Arial" panose="020B0604020202020204" pitchFamily="34" charset="0"/>
+                      </a:endParaRPr>
+                    </a:p>
+                  </a:txBody>
+                  <a:tcPr marL="6349" marR="6349" marT="6349" marB="0" anchor="ctr"/>
+                </a:tc>
+                <a:tc>
+                  <a:txBody>
+                    <a:bodyPr/>
+                    <a:lstStyle/>
+                    <a:p>
+                      <a:pPr algn="ctr" fontAlgn="ctr"/>
+                      <a:r>
+                        <a:rPr lang="de-CH" sz="900" u="none" strike="noStrike">
+                          <a:effectLst/>
+                        </a:rPr>
+                        <a:t>I</a:t>
+                      </a:r>
+                      <a:endParaRPr lang="de-CH" sz="900" b="0" i="0" u="none" strike="noStrike">
+                        <a:solidFill>
+                          <a:srgbClr val="000000"/>
+                        </a:solidFill>
+                        <a:effectLst/>
+                        <a:latin typeface="Arial" panose="020B0604020202020204" pitchFamily="34" charset="0"/>
+                      </a:endParaRPr>
+                    </a:p>
+                  </a:txBody>
+                  <a:tcPr marL="6349" marR="6349" marT="6349" marB="0" anchor="ctr"/>
+                </a:tc>
+                <a:tc>
+                  <a:txBody>
+                    <a:bodyPr/>
+                    <a:lstStyle/>
+                    <a:p>
+                      <a:pPr algn="ctr" fontAlgn="ctr"/>
+                      <a:r>
+                        <a:rPr lang="de-CH" sz="900" u="none" strike="noStrike">
+                          <a:effectLst/>
+                        </a:rPr>
+                        <a:t>I</a:t>
+                      </a:r>
+                      <a:endParaRPr lang="de-CH" sz="900" b="0" i="0" u="none" strike="noStrike">
+                        <a:solidFill>
+                          <a:srgbClr val="000000"/>
+                        </a:solidFill>
+                        <a:effectLst/>
+                        <a:latin typeface="Arial" panose="020B0604020202020204" pitchFamily="34" charset="0"/>
+                      </a:endParaRPr>
+                    </a:p>
+                  </a:txBody>
+                  <a:tcPr marL="6349" marR="6349" marT="6349" marB="0" anchor="ctr"/>
+                </a:tc>
+                <a:tc>
+                  <a:txBody>
+                    <a:bodyPr/>
+                    <a:lstStyle/>
+                    <a:p>
+                      <a:pPr algn="ctr" fontAlgn="ctr"/>
+                      <a:r>
+                        <a:rPr lang="de-CH" sz="900" u="none" strike="noStrike">
+                          <a:effectLst/>
+                        </a:rPr>
+                        <a:t>I</a:t>
+                      </a:r>
+                      <a:endParaRPr lang="de-CH" sz="900" b="0" i="0" u="none" strike="noStrike">
+                        <a:solidFill>
+                          <a:srgbClr val="000000"/>
+                        </a:solidFill>
+                        <a:effectLst/>
+                        <a:latin typeface="Arial" panose="020B0604020202020204" pitchFamily="34" charset="0"/>
+                      </a:endParaRPr>
+                    </a:p>
+                  </a:txBody>
+                  <a:tcPr marL="6349" marR="6349" marT="6349" marB="0" anchor="ctr"/>
+                </a:tc>
+              </a:tr>
+              <a:tr h="474939">
+                <a:tc>
+                  <a:txBody>
+                    <a:bodyPr/>
+                    <a:lstStyle/>
+                    <a:p>
+                      <a:pPr algn="l" fontAlgn="ctr"/>
+                      <a:r>
+                        <a:rPr lang="en-US" sz="900" u="none" strike="noStrike">
+                          <a:effectLst/>
+                        </a:rPr>
+                        <a:t>Provide security strategies the coders crew by June 15</a:t>
+                      </a:r>
+                      <a:endParaRPr lang="en-US" sz="900" b="0" i="0" u="none" strike="noStrike">
+                        <a:solidFill>
+                          <a:srgbClr val="000000"/>
+                        </a:solidFill>
+                        <a:effectLst/>
+                        <a:latin typeface="Arial" panose="020B0604020202020204" pitchFamily="34" charset="0"/>
+                      </a:endParaRPr>
+                    </a:p>
+                  </a:txBody>
+                  <a:tcPr marL="6349" marR="6349" marT="6349" marB="0" anchor="ctr"/>
+                </a:tc>
+                <a:tc>
+                  <a:txBody>
+                    <a:bodyPr/>
+                    <a:lstStyle/>
+                    <a:p>
+                      <a:pPr algn="l" fontAlgn="ctr"/>
+                      <a:r>
+                        <a:rPr lang="de-CH" sz="1100" u="none" strike="noStrike">
+                          <a:effectLst/>
+                        </a:rPr>
+                        <a:t> </a:t>
+                      </a:r>
+                      <a:endParaRPr lang="de-CH" sz="1100" b="0" i="0" u="none" strike="noStrike">
+                        <a:solidFill>
+                          <a:srgbClr val="000000"/>
+                        </a:solidFill>
+                        <a:effectLst/>
+                        <a:latin typeface="Arial" panose="020B0604020202020204" pitchFamily="34" charset="0"/>
+                      </a:endParaRPr>
+                    </a:p>
+                  </a:txBody>
+                  <a:tcPr marL="6349" marR="6349" marT="6349" marB="0" anchor="ctr"/>
+                </a:tc>
+                <a:tc>
+                  <a:txBody>
+                    <a:bodyPr/>
+                    <a:lstStyle/>
+                    <a:p>
+                      <a:pPr algn="ctr" fontAlgn="ctr"/>
+                      <a:r>
+                        <a:rPr lang="de-CH" sz="900" u="none" strike="noStrike">
+                          <a:effectLst/>
+                        </a:rPr>
+                        <a:t>I</a:t>
+                      </a:r>
+                      <a:endParaRPr lang="de-CH" sz="900" b="0" i="0" u="none" strike="noStrike">
+                        <a:solidFill>
+                          <a:srgbClr val="000000"/>
+                        </a:solidFill>
+                        <a:effectLst/>
+                        <a:latin typeface="Arial" panose="020B0604020202020204" pitchFamily="34" charset="0"/>
+                      </a:endParaRPr>
+                    </a:p>
+                  </a:txBody>
+                  <a:tcPr marL="6349" marR="6349" marT="6349" marB="0" anchor="ctr"/>
+                </a:tc>
+                <a:tc>
+                  <a:txBody>
+                    <a:bodyPr/>
+                    <a:lstStyle/>
+                    <a:p>
+                      <a:pPr algn="ctr" fontAlgn="ctr"/>
+                      <a:r>
+                        <a:rPr lang="de-CH" sz="900" u="none" strike="noStrike">
+                          <a:effectLst/>
+                        </a:rPr>
+                        <a:t>-</a:t>
+                      </a:r>
+                      <a:endParaRPr lang="de-CH" sz="900" b="0" i="0" u="none" strike="noStrike">
+                        <a:solidFill>
+                          <a:srgbClr val="000000"/>
+                        </a:solidFill>
+                        <a:effectLst/>
+                        <a:latin typeface="Arial" panose="020B0604020202020204" pitchFamily="34" charset="0"/>
+                      </a:endParaRPr>
+                    </a:p>
+                  </a:txBody>
+                  <a:tcPr marL="6349" marR="6349" marT="6349" marB="0" anchor="ctr"/>
+                </a:tc>
+                <a:tc>
+                  <a:txBody>
+                    <a:bodyPr/>
+                    <a:lstStyle/>
+                    <a:p>
+                      <a:pPr algn="ctr" fontAlgn="ctr"/>
+                      <a:r>
+                        <a:rPr lang="de-CH" sz="900" u="none" strike="noStrike">
+                          <a:effectLst/>
+                        </a:rPr>
+                        <a:t>A</a:t>
+                      </a:r>
+                      <a:endParaRPr lang="de-CH" sz="900" b="0" i="0" u="none" strike="noStrike">
+                        <a:solidFill>
+                          <a:srgbClr val="000000"/>
+                        </a:solidFill>
+                        <a:effectLst/>
+                        <a:latin typeface="Arial" panose="020B0604020202020204" pitchFamily="34" charset="0"/>
+                      </a:endParaRPr>
+                    </a:p>
+                  </a:txBody>
+                  <a:tcPr marL="6349" marR="6349" marT="6349" marB="0" anchor="ctr"/>
+                </a:tc>
+                <a:tc>
+                  <a:txBody>
+                    <a:bodyPr/>
+                    <a:lstStyle/>
+                    <a:p>
+                      <a:pPr algn="ctr" fontAlgn="ctr"/>
+                      <a:r>
+                        <a:rPr lang="de-CH" sz="900" u="none" strike="noStrike">
+                          <a:effectLst/>
+                        </a:rPr>
+                        <a:t>R</a:t>
+                      </a:r>
+                      <a:endParaRPr lang="de-CH" sz="900" b="0" i="0" u="none" strike="noStrike">
+                        <a:solidFill>
+                          <a:srgbClr val="000000"/>
+                        </a:solidFill>
+                        <a:effectLst/>
+                        <a:latin typeface="Arial" panose="020B0604020202020204" pitchFamily="34" charset="0"/>
+                      </a:endParaRPr>
+                    </a:p>
+                  </a:txBody>
+                  <a:tcPr marL="6349" marR="6349" marT="6349" marB="0" anchor="ctr"/>
+                </a:tc>
+                <a:tc>
+                  <a:txBody>
+                    <a:bodyPr/>
+                    <a:lstStyle/>
+                    <a:p>
+                      <a:pPr algn="ctr" fontAlgn="ctr"/>
+                      <a:r>
+                        <a:rPr lang="de-CH" sz="900" u="none" strike="noStrike">
+                          <a:effectLst/>
+                        </a:rPr>
+                        <a:t>R</a:t>
+                      </a:r>
+                      <a:endParaRPr lang="de-CH" sz="900" b="0" i="0" u="none" strike="noStrike">
+                        <a:solidFill>
+                          <a:srgbClr val="000000"/>
+                        </a:solidFill>
+                        <a:effectLst/>
+                        <a:latin typeface="Arial" panose="020B0604020202020204" pitchFamily="34" charset="0"/>
+                      </a:endParaRPr>
+                    </a:p>
+                  </a:txBody>
+                  <a:tcPr marL="6349" marR="6349" marT="6349" marB="0" anchor="ctr"/>
+                </a:tc>
+                <a:tc>
+                  <a:txBody>
+                    <a:bodyPr/>
+                    <a:lstStyle/>
+                    <a:p>
+                      <a:pPr algn="ctr" fontAlgn="ctr"/>
+                      <a:r>
+                        <a:rPr lang="de-CH" sz="900" u="none" strike="noStrike">
+                          <a:effectLst/>
+                        </a:rPr>
+                        <a:t>I</a:t>
+                      </a:r>
+                      <a:endParaRPr lang="de-CH" sz="900" b="0" i="0" u="none" strike="noStrike">
+                        <a:solidFill>
+                          <a:srgbClr val="000000"/>
+                        </a:solidFill>
+                        <a:effectLst/>
+                        <a:latin typeface="Arial" panose="020B0604020202020204" pitchFamily="34" charset="0"/>
+                      </a:endParaRPr>
+                    </a:p>
+                  </a:txBody>
+                  <a:tcPr marL="6349" marR="6349" marT="6349" marB="0" anchor="ctr"/>
+                </a:tc>
+                <a:tc>
+                  <a:txBody>
+                    <a:bodyPr/>
+                    <a:lstStyle/>
+                    <a:p>
+                      <a:pPr algn="ctr" fontAlgn="ctr"/>
+                      <a:r>
+                        <a:rPr lang="de-CH" sz="900" u="none" strike="noStrike">
+                          <a:effectLst/>
+                        </a:rPr>
+                        <a:t>I</a:t>
+                      </a:r>
+                      <a:endParaRPr lang="de-CH" sz="900" b="0" i="0" u="none" strike="noStrike">
+                        <a:solidFill>
+                          <a:srgbClr val="000000"/>
+                        </a:solidFill>
+                        <a:effectLst/>
+                        <a:latin typeface="Arial" panose="020B0604020202020204" pitchFamily="34" charset="0"/>
+                      </a:endParaRPr>
+                    </a:p>
+                  </a:txBody>
+                  <a:tcPr marL="6349" marR="6349" marT="6349" marB="0" anchor="ctr"/>
+                </a:tc>
+              </a:tr>
+              <a:tr h="474939">
+                <a:tc>
+                  <a:txBody>
+                    <a:bodyPr/>
+                    <a:lstStyle/>
+                    <a:p>
+                      <a:pPr algn="l" fontAlgn="ctr"/>
+                      <a:r>
+                        <a:rPr lang="en-US" sz="900" u="none" strike="noStrike" dirty="0">
+                          <a:effectLst/>
+                        </a:rPr>
+                        <a:t>Oversee the project during …., ensure it is completed on time</a:t>
+                      </a:r>
+                      <a:endParaRPr lang="en-US" sz="900" b="0" i="0" u="none" strike="noStrike" dirty="0">
+                        <a:solidFill>
+                          <a:srgbClr val="000000"/>
+                        </a:solidFill>
+                        <a:effectLst/>
+                        <a:latin typeface="Arial" panose="020B0604020202020204" pitchFamily="34" charset="0"/>
+                      </a:endParaRPr>
+                    </a:p>
+                  </a:txBody>
+                  <a:tcPr marL="6349" marR="6349" marT="6349" marB="0" anchor="ctr"/>
+                </a:tc>
+                <a:tc>
+                  <a:txBody>
+                    <a:bodyPr/>
+                    <a:lstStyle/>
+                    <a:p>
+                      <a:pPr algn="l" fontAlgn="ctr"/>
+                      <a:r>
+                        <a:rPr lang="de-CH" sz="1100" u="none" strike="noStrike" dirty="0">
+                          <a:effectLst/>
+                        </a:rPr>
+                        <a:t> </a:t>
+                      </a:r>
+                      <a:endParaRPr lang="de-CH" sz="1100" b="0" i="0" u="none" strike="noStrike" dirty="0">
+                        <a:solidFill>
+                          <a:srgbClr val="000000"/>
+                        </a:solidFill>
+                        <a:effectLst/>
+                        <a:latin typeface="Arial" panose="020B0604020202020204" pitchFamily="34" charset="0"/>
+                      </a:endParaRPr>
+                    </a:p>
+                  </a:txBody>
+                  <a:tcPr marL="6349" marR="6349" marT="6349" marB="0" anchor="ctr"/>
+                </a:tc>
+                <a:tc>
+                  <a:txBody>
+                    <a:bodyPr/>
+                    <a:lstStyle/>
+                    <a:p>
+                      <a:pPr algn="ctr" fontAlgn="ctr"/>
+                      <a:r>
+                        <a:rPr lang="de-CH" sz="900" u="none" strike="noStrike" dirty="0">
+                          <a:effectLst/>
+                        </a:rPr>
+                        <a:t>A</a:t>
+                      </a:r>
+                      <a:endParaRPr lang="de-CH" sz="900" b="0" i="0" u="none" strike="noStrike" dirty="0">
+                        <a:solidFill>
+                          <a:srgbClr val="000000"/>
+                        </a:solidFill>
+                        <a:effectLst/>
+                        <a:latin typeface="Arial" panose="020B0604020202020204" pitchFamily="34" charset="0"/>
+                      </a:endParaRPr>
+                    </a:p>
+                  </a:txBody>
+                  <a:tcPr marL="6349" marR="6349" marT="6349" marB="0" anchor="ctr"/>
+                </a:tc>
+                <a:tc>
+                  <a:txBody>
+                    <a:bodyPr/>
+                    <a:lstStyle/>
+                    <a:p>
+                      <a:pPr algn="ctr" fontAlgn="ctr"/>
+                      <a:r>
+                        <a:rPr lang="de-CH" sz="900" u="none" strike="noStrike">
+                          <a:effectLst/>
+                        </a:rPr>
+                        <a:t>I</a:t>
+                      </a:r>
+                      <a:endParaRPr lang="de-CH" sz="900" b="0" i="0" u="none" strike="noStrike">
+                        <a:solidFill>
+                          <a:srgbClr val="000000"/>
+                        </a:solidFill>
+                        <a:effectLst/>
+                        <a:latin typeface="Arial" panose="020B0604020202020204" pitchFamily="34" charset="0"/>
+                      </a:endParaRPr>
+                    </a:p>
+                  </a:txBody>
+                  <a:tcPr marL="6349" marR="6349" marT="6349" marB="0" anchor="ctr"/>
+                </a:tc>
+                <a:tc>
+                  <a:txBody>
+                    <a:bodyPr/>
+                    <a:lstStyle/>
+                    <a:p>
+                      <a:pPr algn="ctr" fontAlgn="ctr"/>
+                      <a:r>
+                        <a:rPr lang="de-CH" sz="900" u="none" strike="noStrike">
+                          <a:effectLst/>
+                        </a:rPr>
+                        <a:t>I</a:t>
+                      </a:r>
+                      <a:endParaRPr lang="de-CH" sz="900" b="0" i="0" u="none" strike="noStrike">
+                        <a:solidFill>
+                          <a:srgbClr val="000000"/>
+                        </a:solidFill>
+                        <a:effectLst/>
+                        <a:latin typeface="Arial" panose="020B0604020202020204" pitchFamily="34" charset="0"/>
+                      </a:endParaRPr>
+                    </a:p>
+                  </a:txBody>
+                  <a:tcPr marL="6349" marR="6349" marT="6349" marB="0" anchor="ctr"/>
+                </a:tc>
+                <a:tc>
+                  <a:txBody>
+                    <a:bodyPr/>
+                    <a:lstStyle/>
+                    <a:p>
+                      <a:pPr algn="ctr" fontAlgn="ctr"/>
+                      <a:r>
+                        <a:rPr lang="de-CH" sz="900" u="none" strike="noStrike">
+                          <a:effectLst/>
+                        </a:rPr>
+                        <a:t>-</a:t>
+                      </a:r>
+                      <a:endParaRPr lang="de-CH" sz="900" b="0" i="0" u="none" strike="noStrike">
+                        <a:solidFill>
+                          <a:srgbClr val="000000"/>
+                        </a:solidFill>
+                        <a:effectLst/>
+                        <a:latin typeface="Arial" panose="020B0604020202020204" pitchFamily="34" charset="0"/>
+                      </a:endParaRPr>
+                    </a:p>
+                  </a:txBody>
+                  <a:tcPr marL="6349" marR="6349" marT="6349" marB="0" anchor="ctr"/>
+                </a:tc>
+                <a:tc>
+                  <a:txBody>
+                    <a:bodyPr/>
+                    <a:lstStyle/>
+                    <a:p>
+                      <a:pPr algn="ctr" fontAlgn="ctr"/>
+                      <a:r>
+                        <a:rPr lang="de-CH" sz="900" u="none" strike="noStrike">
+                          <a:effectLst/>
+                        </a:rPr>
+                        <a:t>-</a:t>
+                      </a:r>
+                      <a:endParaRPr lang="de-CH" sz="900" b="0" i="0" u="none" strike="noStrike">
+                        <a:solidFill>
+                          <a:srgbClr val="000000"/>
+                        </a:solidFill>
+                        <a:effectLst/>
+                        <a:latin typeface="Arial" panose="020B0604020202020204" pitchFamily="34" charset="0"/>
+                      </a:endParaRPr>
+                    </a:p>
+                  </a:txBody>
+                  <a:tcPr marL="6349" marR="6349" marT="6349" marB="0" anchor="ctr"/>
+                </a:tc>
+                <a:tc>
+                  <a:txBody>
+                    <a:bodyPr/>
+                    <a:lstStyle/>
+                    <a:p>
+                      <a:pPr algn="ctr" fontAlgn="ctr"/>
+                      <a:r>
+                        <a:rPr lang="de-CH" sz="900" u="none" strike="noStrike">
+                          <a:effectLst/>
+                        </a:rPr>
+                        <a:t>R</a:t>
+                      </a:r>
+                      <a:endParaRPr lang="de-CH" sz="900" b="0" i="0" u="none" strike="noStrike">
+                        <a:solidFill>
+                          <a:srgbClr val="000000"/>
+                        </a:solidFill>
+                        <a:effectLst/>
+                        <a:latin typeface="Arial" panose="020B0604020202020204" pitchFamily="34" charset="0"/>
+                      </a:endParaRPr>
+                    </a:p>
+                  </a:txBody>
+                  <a:tcPr marL="6349" marR="6349" marT="6349" marB="0" anchor="ctr"/>
+                </a:tc>
+                <a:tc>
+                  <a:txBody>
+                    <a:bodyPr/>
+                    <a:lstStyle/>
+                    <a:p>
+                      <a:pPr algn="ctr" fontAlgn="ctr"/>
+                      <a:r>
+                        <a:rPr lang="de-CH" sz="900" u="none" strike="noStrike" dirty="0">
+                          <a:effectLst/>
+                        </a:rPr>
+                        <a:t>-</a:t>
+                      </a:r>
+                      <a:endParaRPr lang="de-CH" sz="900" b="0" i="0" u="none" strike="noStrike" dirty="0">
+                        <a:solidFill>
+                          <a:srgbClr val="000000"/>
+                        </a:solidFill>
+                        <a:effectLst/>
+                        <a:latin typeface="Arial" panose="020B0604020202020204" pitchFamily="34" charset="0"/>
+                      </a:endParaRPr>
+                    </a:p>
+                  </a:txBody>
+                  <a:tcPr marL="6349" marR="6349" marT="6349" marB="0" anchor="ctr"/>
+                </a:tc>
+              </a:tr>
+            </a:tbl>
+          </a:graphicData>
+        </a:graphic>
+      </p:graphicFrame>
     </p:spTree>
     <p:extLst>
       <p:ext uri="{BB962C8B-B14F-4D97-AF65-F5344CB8AC3E}">
-        <p14:creationId xmlns:p14="http://schemas.microsoft.com/office/powerpoint/2010/main" val="3909613394"/>
+        <p14:creationId xmlns:p14="http://schemas.microsoft.com/office/powerpoint/2010/main" val="325974882"/>
       </p:ext>
     </p:extLst>
   </p:cSld>
   <p:clrMapOvr>
     <a:masterClrMapping/>
   </p:clrMapOvr>
+  <p:timing>
+    <p:tnLst>
+      <p:par>
+        <p:cTn id="1" dur="indefinite" restart="never" nodeType="tmRoot"/>
+      </p:par>
+    </p:tnLst>
+  </p:timing>
 </p:sld>
 </file>
 
@@ -10713,13 +11372,7 @@
       </p:grpSpPr>
       <p:sp>
         <p:nvSpPr>
-          <p:cNvPr id="2" name="Title 1">
-            <a:extLst>
-              <a:ext uri="{FF2B5EF4-FFF2-40B4-BE49-F238E27FC236}">
-                <a16:creationId xmlns="" xmlns:a16="http://schemas.microsoft.com/office/drawing/2014/main" id="{B8926472-0B6D-4DBA-B9D8-AE480BB4A588}"/>
-              </a:ext>
-            </a:extLst>
-          </p:cNvPr>
+          <p:cNvPr id="2" name="Titel 1"/>
           <p:cNvSpPr>
             <a:spLocks noGrp="1"/>
           </p:cNvSpPr>
@@ -10733,134 +11386,1370 @@
           <a:lstStyle/>
           <a:p>
             <a:r>
-              <a:rPr lang="de-CH" dirty="0"/>
-              <a:t>Firebase</a:t>
-            </a:r>
+              <a:rPr lang="de-CH" dirty="0" smtClean="0"/>
+              <a:t>Risikoanalyse</a:t>
+            </a:r>
+            <a:endParaRPr lang="de-CH" dirty="0"/>
           </a:p>
         </p:txBody>
       </p:sp>
-      <p:sp>
-        <p:nvSpPr>
-          <p:cNvPr id="3" name="Content Placeholder 2">
+      <p:graphicFrame>
+        <p:nvGraphicFramePr>
+          <p:cNvPr id="5" name="Inhaltsplatzhalter 4">
             <a:extLst>
               <a:ext uri="{FF2B5EF4-FFF2-40B4-BE49-F238E27FC236}">
-                <a16:creationId xmlns="" xmlns:a16="http://schemas.microsoft.com/office/drawing/2014/main" id="{B2BEA341-25A6-4BFD-8C2D-09324CED02DC}"/>
+                <a16:creationId xmlns:a16="http://schemas.microsoft.com/office/drawing/2014/main" xmlns="" id="{FF7FE7BC-62B1-42C8-9148-87CD73684683}"/>
               </a:ext>
             </a:extLst>
           </p:cNvPr>
-          <p:cNvSpPr>
-            <a:spLocks noGrp="1"/>
-          </p:cNvSpPr>
+          <p:cNvGraphicFramePr>
+            <a:graphicFrameLocks noGrp="1"/>
+          </p:cNvGraphicFramePr>
           <p:nvPr>
             <p:ph idx="1"/>
+            <p:extLst>
+              <p:ext uri="{D42A27DB-BD31-4B8C-83A1-F6EECF244321}">
+                <p14:modId xmlns:p14="http://schemas.microsoft.com/office/powerpoint/2010/main" val="2682221352"/>
+              </p:ext>
+            </p:extLst>
           </p:nvPr>
-        </p:nvSpPr>
-        <p:spPr/>
-        <p:txBody>
-          <a:bodyPr anchor="t"/>
-          <a:lstStyle/>
-          <a:p>
-            <a:r>
-              <a:rPr lang="de-CH" dirty="0"/>
-              <a:t>Realtime Database</a:t>
-            </a:r>
-          </a:p>
-          <a:p>
-            <a:endParaRPr lang="de-CH" dirty="0"/>
-          </a:p>
-          <a:p>
-            <a:r>
-              <a:rPr lang="de-CH" dirty="0"/>
-              <a:t>Wieso Firebase?</a:t>
-            </a:r>
-          </a:p>
-          <a:p>
-            <a:pPr lvl="1"/>
-            <a:r>
-              <a:rPr lang="de-CH" dirty="0"/>
-              <a:t>Statische IP</a:t>
-            </a:r>
-          </a:p>
-          <a:p>
-            <a:pPr lvl="1"/>
-            <a:r>
-              <a:rPr lang="de-CH" dirty="0"/>
-              <a:t>Funktionalitäten</a:t>
-            </a:r>
-          </a:p>
-          <a:p>
-            <a:pPr lvl="1"/>
-            <a:r>
-              <a:rPr lang="de-CH" dirty="0"/>
-              <a:t>Performance</a:t>
-            </a:r>
-          </a:p>
-          <a:p>
-            <a:pPr lvl="1"/>
-            <a:r>
-              <a:rPr lang="de-CH" dirty="0"/>
-              <a:t>Einfache Handhabung</a:t>
-            </a:r>
-          </a:p>
-        </p:txBody>
-      </p:sp>
-      <p:pic>
-        <p:nvPicPr>
-          <p:cNvPr id="6" name="Picture 2" descr="Bildergebnis für firebase">
-            <a:extLst>
-              <a:ext uri="{FF2B5EF4-FFF2-40B4-BE49-F238E27FC236}">
-                <a16:creationId xmlns="" xmlns:a16="http://schemas.microsoft.com/office/drawing/2014/main" id="{B018AA13-8CC0-4DB7-A8C8-D339E9944EB3}"/>
-              </a:ext>
-            </a:extLst>
-          </p:cNvPr>
-          <p:cNvPicPr>
-            <a:picLocks noChangeAspect="1" noChangeArrowheads="1"/>
-          </p:cNvPicPr>
-          <p:nvPr/>
-        </p:nvPicPr>
-        <p:blipFill>
-          <a:blip r:embed="rId2">
-            <a:extLst>
-              <a:ext uri="{28A0092B-C50C-407E-A947-70E740481C1C}">
-                <a14:useLocalDpi xmlns:a14="http://schemas.microsoft.com/office/drawing/2010/main" val="0"/>
-              </a:ext>
-            </a:extLst>
-          </a:blip>
-          <a:srcRect/>
-          <a:stretch>
-            <a:fillRect/>
-          </a:stretch>
-        </p:blipFill>
-        <p:spPr bwMode="auto">
-          <a:xfrm>
-            <a:off x="7197044" y="2849902"/>
-            <a:ext cx="2285714" cy="2285714"/>
-          </a:xfrm>
-          <a:prstGeom prst="rect">
-            <a:avLst/>
-          </a:prstGeom>
-          <a:noFill/>
-          <a:extLst>
-            <a:ext uri="{909E8E84-426E-40DD-AFC4-6F175D3DCCD1}">
-              <a14:hiddenFill xmlns:a14="http://schemas.microsoft.com/office/drawing/2010/main">
-                <a:solidFill>
-                  <a:srgbClr val="FFFFFF"/>
-                </a:solidFill>
-              </a14:hiddenFill>
-            </a:ext>
-          </a:extLst>
-        </p:spPr>
-      </p:pic>
+        </p:nvGraphicFramePr>
+        <p:xfrm>
+          <a:off x="-2" y="2226364"/>
+          <a:ext cx="12192002" cy="3565507"/>
+        </p:xfrm>
+        <a:graphic>
+          <a:graphicData uri="http://schemas.openxmlformats.org/drawingml/2006/table">
+            <a:tbl>
+              <a:tblPr>
+                <a:tableStyleId>{D113A9D2-9D6B-4929-AA2D-F23B5EE8CBE7}</a:tableStyleId>
+              </a:tblPr>
+              <a:tblGrid>
+                <a:gridCol w="334501">
+                  <a:extLst>
+                    <a:ext uri="{9D8B030D-6E8A-4147-A177-3AD203B41FA5}">
+                      <a16:colId xmlns:a16="http://schemas.microsoft.com/office/drawing/2014/main" xmlns="" val="1756958949"/>
+                    </a:ext>
+                  </a:extLst>
+                </a:gridCol>
+                <a:gridCol w="1614835">
+                  <a:extLst>
+                    <a:ext uri="{9D8B030D-6E8A-4147-A177-3AD203B41FA5}">
+                      <a16:colId xmlns:a16="http://schemas.microsoft.com/office/drawing/2014/main" xmlns="" val="2119582681"/>
+                    </a:ext>
+                  </a:extLst>
+                </a:gridCol>
+                <a:gridCol w="2030078">
+                  <a:extLst>
+                    <a:ext uri="{9D8B030D-6E8A-4147-A177-3AD203B41FA5}">
+                      <a16:colId xmlns:a16="http://schemas.microsoft.com/office/drawing/2014/main" xmlns="" val="309405549"/>
+                    </a:ext>
+                  </a:extLst>
+                </a:gridCol>
+                <a:gridCol w="3506498">
+                  <a:extLst>
+                    <a:ext uri="{9D8B030D-6E8A-4147-A177-3AD203B41FA5}">
+                      <a16:colId xmlns:a16="http://schemas.microsoft.com/office/drawing/2014/main" xmlns="" val="617832737"/>
+                    </a:ext>
+                  </a:extLst>
+                </a:gridCol>
+                <a:gridCol w="296429">
+                  <a:extLst>
+                    <a:ext uri="{9D8B030D-6E8A-4147-A177-3AD203B41FA5}">
+                      <a16:colId xmlns:a16="http://schemas.microsoft.com/office/drawing/2014/main" xmlns="" val="2844262930"/>
+                    </a:ext>
+                  </a:extLst>
+                </a:gridCol>
+                <a:gridCol w="327991">
+                  <a:extLst>
+                    <a:ext uri="{9D8B030D-6E8A-4147-A177-3AD203B41FA5}">
+                      <a16:colId xmlns:a16="http://schemas.microsoft.com/office/drawing/2014/main" xmlns="" val="3985694485"/>
+                    </a:ext>
+                  </a:extLst>
+                </a:gridCol>
+                <a:gridCol w="337931">
+                  <a:extLst>
+                    <a:ext uri="{9D8B030D-6E8A-4147-A177-3AD203B41FA5}">
+                      <a16:colId xmlns:a16="http://schemas.microsoft.com/office/drawing/2014/main" xmlns="" val="936486431"/>
+                    </a:ext>
+                  </a:extLst>
+                </a:gridCol>
+                <a:gridCol w="1848678">
+                  <a:extLst>
+                    <a:ext uri="{9D8B030D-6E8A-4147-A177-3AD203B41FA5}">
+                      <a16:colId xmlns:a16="http://schemas.microsoft.com/office/drawing/2014/main" xmlns="" val="983719914"/>
+                    </a:ext>
+                  </a:extLst>
+                </a:gridCol>
+                <a:gridCol w="954157">
+                  <a:extLst>
+                    <a:ext uri="{9D8B030D-6E8A-4147-A177-3AD203B41FA5}">
+                      <a16:colId xmlns:a16="http://schemas.microsoft.com/office/drawing/2014/main" xmlns="" val="2979302150"/>
+                    </a:ext>
+                  </a:extLst>
+                </a:gridCol>
+                <a:gridCol w="940904">
+                  <a:extLst>
+                    <a:ext uri="{9D8B030D-6E8A-4147-A177-3AD203B41FA5}">
+                      <a16:colId xmlns:a16="http://schemas.microsoft.com/office/drawing/2014/main" xmlns="" val="3779189737"/>
+                    </a:ext>
+                  </a:extLst>
+                </a:gridCol>
+              </a:tblGrid>
+              <a:tr h="1621391">
+                <a:tc>
+                  <a:txBody>
+                    <a:bodyPr/>
+                    <a:lstStyle/>
+                    <a:p>
+                      <a:pPr algn="l" fontAlgn="b"/>
+                      <a:r>
+                        <a:rPr lang="de-CH" sz="1400" u="none" strike="noStrike" dirty="0" smtClean="0">
+                          <a:effectLst/>
+                        </a:rPr>
+                        <a:t>Nr.</a:t>
+                      </a:r>
+                      <a:endParaRPr lang="de-CH" sz="1400" b="1" i="0" u="none" strike="noStrike" dirty="0">
+                        <a:solidFill>
+                          <a:schemeClr val="tx1"/>
+                        </a:solidFill>
+                        <a:effectLst/>
+                        <a:latin typeface="Calibri" panose="020F0502020204030204" pitchFamily="34" charset="0"/>
+                      </a:endParaRPr>
+                    </a:p>
+                  </a:txBody>
+                  <a:tcPr marL="5969" marR="5969" marT="5969" marB="0" anchor="ctr"/>
+                </a:tc>
+                <a:tc>
+                  <a:txBody>
+                    <a:bodyPr/>
+                    <a:lstStyle/>
+                    <a:p>
+                      <a:pPr algn="l" fontAlgn="b"/>
+                      <a:r>
+                        <a:rPr lang="de-CH" sz="1400" u="none" strike="noStrike" dirty="0">
+                          <a:effectLst/>
+                        </a:rPr>
+                        <a:t>Risikogruppe</a:t>
+                      </a:r>
+                      <a:endParaRPr lang="de-CH" sz="1400" b="1" i="0" u="none" strike="noStrike" dirty="0">
+                        <a:solidFill>
+                          <a:schemeClr val="tx1"/>
+                        </a:solidFill>
+                        <a:effectLst/>
+                        <a:latin typeface="Calibri" panose="020F0502020204030204" pitchFamily="34" charset="0"/>
+                      </a:endParaRPr>
+                    </a:p>
+                  </a:txBody>
+                  <a:tcPr marL="5969" marR="5969" marT="5969" marB="0" anchor="ctr"/>
+                </a:tc>
+                <a:tc>
+                  <a:txBody>
+                    <a:bodyPr/>
+                    <a:lstStyle/>
+                    <a:p>
+                      <a:pPr algn="l" fontAlgn="b"/>
+                      <a:r>
+                        <a:rPr lang="de-CH" sz="1400" u="none" strike="noStrike" dirty="0">
+                          <a:effectLst/>
+                        </a:rPr>
+                        <a:t>Risiko</a:t>
+                      </a:r>
+                      <a:endParaRPr lang="de-CH" sz="1400" b="1" i="0" u="none" strike="noStrike" dirty="0">
+                        <a:solidFill>
+                          <a:schemeClr val="tx1"/>
+                        </a:solidFill>
+                        <a:effectLst/>
+                        <a:latin typeface="Calibri" panose="020F0502020204030204" pitchFamily="34" charset="0"/>
+                      </a:endParaRPr>
+                    </a:p>
+                  </a:txBody>
+                  <a:tcPr marL="5969" marR="5969" marT="5969" marB="0" anchor="ctr"/>
+                </a:tc>
+                <a:tc>
+                  <a:txBody>
+                    <a:bodyPr/>
+                    <a:lstStyle/>
+                    <a:p>
+                      <a:pPr algn="l" fontAlgn="b"/>
+                      <a:r>
+                        <a:rPr lang="de-CH" sz="1400" u="none" strike="noStrike">
+                          <a:effectLst/>
+                        </a:rPr>
+                        <a:t>Symptome</a:t>
+                      </a:r>
+                      <a:endParaRPr lang="de-CH" sz="1400" b="1" i="0" u="none" strike="noStrike">
+                        <a:solidFill>
+                          <a:schemeClr val="tx1"/>
+                        </a:solidFill>
+                        <a:effectLst/>
+                        <a:latin typeface="Calibri" panose="020F0502020204030204" pitchFamily="34" charset="0"/>
+                      </a:endParaRPr>
+                    </a:p>
+                  </a:txBody>
+                  <a:tcPr marL="5969" marR="5969" marT="5969" marB="0" anchor="ctr"/>
+                </a:tc>
+                <a:tc>
+                  <a:txBody>
+                    <a:bodyPr/>
+                    <a:lstStyle/>
+                    <a:p>
+                      <a:pPr algn="r" fontAlgn="b"/>
+                      <a:r>
+                        <a:rPr lang="de-CH" sz="1400" u="none" strike="noStrike" dirty="0" smtClean="0">
+                          <a:effectLst/>
+                        </a:rPr>
+                        <a:t>Wahrscheinlichkeit</a:t>
+                      </a:r>
+                      <a:endParaRPr lang="de-CH" sz="1400" b="1" i="0" u="none" strike="noStrike" dirty="0">
+                        <a:solidFill>
+                          <a:schemeClr val="tx1"/>
+                        </a:solidFill>
+                        <a:effectLst/>
+                        <a:latin typeface="Calibri" panose="020F0502020204030204" pitchFamily="34" charset="0"/>
+                      </a:endParaRPr>
+                    </a:p>
+                  </a:txBody>
+                  <a:tcPr marL="5969" marR="5969" marT="5969" marB="0" vert="vert270" anchor="ctr"/>
+                </a:tc>
+                <a:tc>
+                  <a:txBody>
+                    <a:bodyPr/>
+                    <a:lstStyle/>
+                    <a:p>
+                      <a:pPr algn="r" fontAlgn="b"/>
+                      <a:r>
+                        <a:rPr lang="de-CH" sz="1400" u="none" strike="noStrike" dirty="0" smtClean="0">
+                          <a:effectLst/>
+                        </a:rPr>
+                        <a:t>Tragweite</a:t>
+                      </a:r>
+                      <a:endParaRPr lang="de-CH" sz="1400" b="1" i="0" u="none" strike="noStrike" dirty="0">
+                        <a:solidFill>
+                          <a:schemeClr val="tx1"/>
+                        </a:solidFill>
+                        <a:effectLst/>
+                        <a:latin typeface="Calibri" panose="020F0502020204030204" pitchFamily="34" charset="0"/>
+                      </a:endParaRPr>
+                    </a:p>
+                  </a:txBody>
+                  <a:tcPr marL="5969" marR="5969" marT="5969" marB="0" vert="vert270" anchor="ctr"/>
+                </a:tc>
+                <a:tc>
+                  <a:txBody>
+                    <a:bodyPr/>
+                    <a:lstStyle/>
+                    <a:p>
+                      <a:pPr algn="r" fontAlgn="b"/>
+                      <a:r>
+                        <a:rPr lang="de-CH" sz="1400" u="none" strike="noStrike" dirty="0">
+                          <a:effectLst/>
+                        </a:rPr>
+                        <a:t>Risikofaktor</a:t>
+                      </a:r>
+                      <a:endParaRPr lang="de-CH" sz="1400" b="1" i="0" u="none" strike="noStrike" dirty="0">
+                        <a:solidFill>
+                          <a:schemeClr val="tx1"/>
+                        </a:solidFill>
+                        <a:effectLst/>
+                        <a:latin typeface="Calibri" panose="020F0502020204030204" pitchFamily="34" charset="0"/>
+                      </a:endParaRPr>
+                    </a:p>
+                  </a:txBody>
+                  <a:tcPr marL="5969" marR="5969" marT="5969" marB="0" vert="vert270" anchor="ctr"/>
+                </a:tc>
+                <a:tc>
+                  <a:txBody>
+                    <a:bodyPr/>
+                    <a:lstStyle/>
+                    <a:p>
+                      <a:pPr algn="l" fontAlgn="b"/>
+                      <a:r>
+                        <a:rPr lang="de-CH" sz="1400" u="none" strike="noStrike">
+                          <a:effectLst/>
+                        </a:rPr>
+                        <a:t>Gegenmassnahme</a:t>
+                      </a:r>
+                      <a:endParaRPr lang="de-CH" sz="1400" b="1" i="0" u="none" strike="noStrike">
+                        <a:solidFill>
+                          <a:schemeClr val="tx1"/>
+                        </a:solidFill>
+                        <a:effectLst/>
+                        <a:latin typeface="Calibri" panose="020F0502020204030204" pitchFamily="34" charset="0"/>
+                      </a:endParaRPr>
+                    </a:p>
+                  </a:txBody>
+                  <a:tcPr marL="5969" marR="5969" marT="5969" marB="0" anchor="ctr"/>
+                </a:tc>
+                <a:tc>
+                  <a:txBody>
+                    <a:bodyPr/>
+                    <a:lstStyle/>
+                    <a:p>
+                      <a:pPr algn="l" fontAlgn="b"/>
+                      <a:r>
+                        <a:rPr lang="de-CH" sz="1400" u="none" strike="noStrike">
+                          <a:effectLst/>
+                        </a:rPr>
+                        <a:t>Deadline</a:t>
+                      </a:r>
+                      <a:endParaRPr lang="de-CH" sz="1400" b="1" i="0" u="none" strike="noStrike">
+                        <a:solidFill>
+                          <a:schemeClr val="tx1"/>
+                        </a:solidFill>
+                        <a:effectLst/>
+                        <a:latin typeface="Calibri" panose="020F0502020204030204" pitchFamily="34" charset="0"/>
+                      </a:endParaRPr>
+                    </a:p>
+                  </a:txBody>
+                  <a:tcPr marL="5969" marR="5969" marT="5969" marB="0" anchor="ctr"/>
+                </a:tc>
+                <a:tc>
+                  <a:txBody>
+                    <a:bodyPr/>
+                    <a:lstStyle/>
+                    <a:p>
+                      <a:pPr algn="l" fontAlgn="b"/>
+                      <a:r>
+                        <a:rPr lang="de-CH" sz="1400" u="none" strike="noStrike">
+                          <a:effectLst/>
+                        </a:rPr>
+                        <a:t>Verantwortung</a:t>
+                      </a:r>
+                      <a:endParaRPr lang="de-CH" sz="1400" b="1" i="0" u="none" strike="noStrike">
+                        <a:solidFill>
+                          <a:schemeClr val="tx1"/>
+                        </a:solidFill>
+                        <a:effectLst/>
+                        <a:latin typeface="Calibri" panose="020F0502020204030204" pitchFamily="34" charset="0"/>
+                      </a:endParaRPr>
+                    </a:p>
+                  </a:txBody>
+                  <a:tcPr marL="5969" marR="5969" marT="5969" marB="0" anchor="ctr"/>
+                </a:tc>
+                <a:extLst>
+                  <a:ext uri="{0D108BD9-81ED-4DB2-BD59-A6C34878D82A}">
+                    <a16:rowId xmlns:a16="http://schemas.microsoft.com/office/drawing/2014/main" xmlns="" val="204507381"/>
+                  </a:ext>
+                </a:extLst>
+              </a:tr>
+              <a:tr h="510352">
+                <a:tc>
+                  <a:txBody>
+                    <a:bodyPr/>
+                    <a:lstStyle/>
+                    <a:p>
+                      <a:pPr algn="r" fontAlgn="b"/>
+                      <a:r>
+                        <a:rPr lang="de-CH" sz="1400" u="none" strike="noStrike" dirty="0" smtClean="0">
+                          <a:effectLst/>
+                        </a:rPr>
+                        <a:t>1</a:t>
+                      </a:r>
+                      <a:endParaRPr lang="de-CH" sz="1400" b="0" i="0" u="none" strike="noStrike" dirty="0">
+                        <a:solidFill>
+                          <a:schemeClr val="tx1"/>
+                        </a:solidFill>
+                        <a:effectLst/>
+                        <a:latin typeface="Calibri" panose="020F0502020204030204" pitchFamily="34" charset="0"/>
+                      </a:endParaRPr>
+                    </a:p>
+                  </a:txBody>
+                  <a:tcPr marL="5969" marR="5969" marT="5969" marB="0" anchor="ctr"/>
+                </a:tc>
+                <a:tc>
+                  <a:txBody>
+                    <a:bodyPr/>
+                    <a:lstStyle/>
+                    <a:p>
+                      <a:pPr algn="l" fontAlgn="b"/>
+                      <a:r>
+                        <a:rPr lang="de-CH" sz="1400" u="none" strike="noStrike" dirty="0">
+                          <a:effectLst/>
+                        </a:rPr>
+                        <a:t>Organisation</a:t>
+                      </a:r>
+                      <a:endParaRPr lang="de-CH" sz="1400" b="0" i="0" u="none" strike="noStrike" dirty="0">
+                        <a:solidFill>
+                          <a:schemeClr val="tx1"/>
+                        </a:solidFill>
+                        <a:effectLst/>
+                        <a:latin typeface="Calibri" panose="020F0502020204030204" pitchFamily="34" charset="0"/>
+                      </a:endParaRPr>
+                    </a:p>
+                  </a:txBody>
+                  <a:tcPr marL="5969" marR="5969" marT="5969" marB="0" anchor="ctr"/>
+                </a:tc>
+                <a:tc>
+                  <a:txBody>
+                    <a:bodyPr/>
+                    <a:lstStyle/>
+                    <a:p>
+                      <a:pPr algn="l" fontAlgn="b"/>
+                      <a:r>
+                        <a:rPr lang="de-CH" sz="1400" u="none" strike="noStrike">
+                          <a:effectLst/>
+                        </a:rPr>
+                        <a:t>Verspätete Abgabe</a:t>
+                      </a:r>
+                      <a:endParaRPr lang="de-CH" sz="1400" b="0" i="0" u="none" strike="noStrike">
+                        <a:solidFill>
+                          <a:schemeClr val="tx1"/>
+                        </a:solidFill>
+                        <a:effectLst/>
+                        <a:latin typeface="Calibri" panose="020F0502020204030204" pitchFamily="34" charset="0"/>
+                      </a:endParaRPr>
+                    </a:p>
+                  </a:txBody>
+                  <a:tcPr marL="5969" marR="5969" marT="5969" marB="0" anchor="ctr"/>
+                </a:tc>
+                <a:tc>
+                  <a:txBody>
+                    <a:bodyPr/>
+                    <a:lstStyle/>
+                    <a:p>
+                      <a:pPr algn="l" fontAlgn="b"/>
+                      <a:r>
+                        <a:rPr lang="de-CH" sz="1400" u="none" strike="noStrike">
+                          <a:effectLst/>
+                        </a:rPr>
+                        <a:t>sich in gewissen Aufgaben verlieren</a:t>
+                      </a:r>
+                      <a:endParaRPr lang="de-CH" sz="1400" b="0" i="0" u="none" strike="noStrike">
+                        <a:solidFill>
+                          <a:schemeClr val="tx1"/>
+                        </a:solidFill>
+                        <a:effectLst/>
+                        <a:latin typeface="Calibri" panose="020F0502020204030204" pitchFamily="34" charset="0"/>
+                      </a:endParaRPr>
+                    </a:p>
+                  </a:txBody>
+                  <a:tcPr marL="5969" marR="5969" marT="5969" marB="0" anchor="ctr"/>
+                </a:tc>
+                <a:tc>
+                  <a:txBody>
+                    <a:bodyPr/>
+                    <a:lstStyle/>
+                    <a:p>
+                      <a:pPr algn="r" fontAlgn="b"/>
+                      <a:r>
+                        <a:rPr lang="de-CH" sz="1400" u="none" strike="noStrike">
+                          <a:effectLst/>
+                        </a:rPr>
+                        <a:t>2</a:t>
+                      </a:r>
+                      <a:endParaRPr lang="de-CH" sz="1400" b="0" i="0" u="none" strike="noStrike">
+                        <a:solidFill>
+                          <a:schemeClr val="tx1"/>
+                        </a:solidFill>
+                        <a:effectLst/>
+                        <a:latin typeface="Calibri" panose="020F0502020204030204" pitchFamily="34" charset="0"/>
+                      </a:endParaRPr>
+                    </a:p>
+                  </a:txBody>
+                  <a:tcPr marL="5969" marR="5969" marT="5969" marB="0" anchor="ctr"/>
+                </a:tc>
+                <a:tc>
+                  <a:txBody>
+                    <a:bodyPr/>
+                    <a:lstStyle/>
+                    <a:p>
+                      <a:pPr algn="r" fontAlgn="b"/>
+                      <a:r>
+                        <a:rPr lang="de-CH" sz="1400" u="none" strike="noStrike" dirty="0">
+                          <a:effectLst/>
+                        </a:rPr>
+                        <a:t>6</a:t>
+                      </a:r>
+                      <a:endParaRPr lang="de-CH" sz="1400" b="0" i="0" u="none" strike="noStrike" dirty="0">
+                        <a:solidFill>
+                          <a:schemeClr val="tx1"/>
+                        </a:solidFill>
+                        <a:effectLst/>
+                        <a:latin typeface="Calibri" panose="020F0502020204030204" pitchFamily="34" charset="0"/>
+                      </a:endParaRPr>
+                    </a:p>
+                  </a:txBody>
+                  <a:tcPr marL="5969" marR="5969" marT="5969" marB="0" anchor="ctr"/>
+                </a:tc>
+                <a:tc>
+                  <a:txBody>
+                    <a:bodyPr/>
+                    <a:lstStyle/>
+                    <a:p>
+                      <a:pPr algn="r" fontAlgn="b"/>
+                      <a:r>
+                        <a:rPr lang="de-CH" sz="1400" u="none" strike="noStrike" dirty="0">
+                          <a:effectLst/>
+                        </a:rPr>
+                        <a:t>4</a:t>
+                      </a:r>
+                      <a:endParaRPr lang="de-CH" sz="1400" b="0" i="0" u="none" strike="noStrike" dirty="0">
+                        <a:solidFill>
+                          <a:schemeClr val="tx1"/>
+                        </a:solidFill>
+                        <a:effectLst/>
+                        <a:latin typeface="Calibri" panose="020F0502020204030204" pitchFamily="34" charset="0"/>
+                      </a:endParaRPr>
+                    </a:p>
+                  </a:txBody>
+                  <a:tcPr marL="5969" marR="5969" marT="5969" marB="0" anchor="ctr"/>
+                </a:tc>
+                <a:tc>
+                  <a:txBody>
+                    <a:bodyPr/>
+                    <a:lstStyle/>
+                    <a:p>
+                      <a:pPr algn="l" fontAlgn="b"/>
+                      <a:r>
+                        <a:rPr lang="de-CH" sz="1400" u="none" strike="noStrike" dirty="0">
+                          <a:effectLst/>
+                        </a:rPr>
+                        <a:t>Gute Aufgabenverteilung, S</a:t>
+                      </a:r>
+                      <a:r>
+                        <a:rPr lang="de-CH" sz="1400" u="none" strike="noStrike" dirty="0" smtClean="0">
+                          <a:effectLst/>
+                        </a:rPr>
+                        <a:t>itzungen</a:t>
+                      </a:r>
+                      <a:endParaRPr lang="de-CH" sz="1400" b="0" i="0" u="none" strike="noStrike" dirty="0">
+                        <a:solidFill>
+                          <a:schemeClr val="tx1"/>
+                        </a:solidFill>
+                        <a:effectLst/>
+                        <a:latin typeface="Calibri" panose="020F0502020204030204" pitchFamily="34" charset="0"/>
+                      </a:endParaRPr>
+                    </a:p>
+                  </a:txBody>
+                  <a:tcPr marL="5969" marR="5969" marT="5969" marB="0" anchor="ctr"/>
+                </a:tc>
+                <a:tc>
+                  <a:txBody>
+                    <a:bodyPr/>
+                    <a:lstStyle/>
+                    <a:p>
+                      <a:pPr algn="r" fontAlgn="b"/>
+                      <a:r>
+                        <a:rPr lang="de-CH" sz="1400" u="none" strike="noStrike">
+                          <a:effectLst/>
+                        </a:rPr>
+                        <a:t>30.10.2017</a:t>
+                      </a:r>
+                      <a:endParaRPr lang="de-CH" sz="1400" b="0" i="0" u="none" strike="noStrike">
+                        <a:solidFill>
+                          <a:schemeClr val="tx1"/>
+                        </a:solidFill>
+                        <a:effectLst/>
+                        <a:latin typeface="Calibri" panose="020F0502020204030204" pitchFamily="34" charset="0"/>
+                      </a:endParaRPr>
+                    </a:p>
+                  </a:txBody>
+                  <a:tcPr marL="5969" marR="5969" marT="5969" marB="0" anchor="ctr"/>
+                </a:tc>
+                <a:tc>
+                  <a:txBody>
+                    <a:bodyPr/>
+                    <a:lstStyle/>
+                    <a:p>
+                      <a:pPr algn="l" fontAlgn="b"/>
+                      <a:r>
+                        <a:rPr lang="de-CH" sz="1400" u="none" strike="noStrike">
+                          <a:effectLst/>
+                        </a:rPr>
+                        <a:t>Nico Lutz</a:t>
+                      </a:r>
+                      <a:endParaRPr lang="de-CH" sz="1400" b="0" i="0" u="none" strike="noStrike">
+                        <a:solidFill>
+                          <a:schemeClr val="tx1"/>
+                        </a:solidFill>
+                        <a:effectLst/>
+                        <a:latin typeface="Calibri" panose="020F0502020204030204" pitchFamily="34" charset="0"/>
+                      </a:endParaRPr>
+                    </a:p>
+                  </a:txBody>
+                  <a:tcPr marL="5969" marR="5969" marT="5969" marB="0" anchor="ctr"/>
+                </a:tc>
+                <a:extLst>
+                  <a:ext uri="{0D108BD9-81ED-4DB2-BD59-A6C34878D82A}">
+                    <a16:rowId xmlns:a16="http://schemas.microsoft.com/office/drawing/2014/main" xmlns="" val="2099330729"/>
+                  </a:ext>
+                </a:extLst>
+              </a:tr>
+              <a:tr h="341807">
+                <a:tc>
+                  <a:txBody>
+                    <a:bodyPr/>
+                    <a:lstStyle/>
+                    <a:p>
+                      <a:pPr algn="r" fontAlgn="b"/>
+                      <a:r>
+                        <a:rPr lang="de-CH" sz="1400" u="none" strike="noStrike" dirty="0" smtClean="0">
+                          <a:effectLst/>
+                        </a:rPr>
+                        <a:t>2</a:t>
+                      </a:r>
+                      <a:endParaRPr lang="de-CH" sz="1400" b="0" i="0" u="none" strike="noStrike" dirty="0">
+                        <a:solidFill>
+                          <a:schemeClr val="tx1"/>
+                        </a:solidFill>
+                        <a:effectLst/>
+                        <a:latin typeface="Calibri" panose="020F0502020204030204" pitchFamily="34" charset="0"/>
+                      </a:endParaRPr>
+                    </a:p>
+                  </a:txBody>
+                  <a:tcPr marL="5969" marR="5969" marT="5969" marB="0" anchor="ctr"/>
+                </a:tc>
+                <a:tc>
+                  <a:txBody>
+                    <a:bodyPr/>
+                    <a:lstStyle/>
+                    <a:p>
+                      <a:pPr algn="l" fontAlgn="b"/>
+                      <a:r>
+                        <a:rPr lang="de-CH" sz="1400" u="none" strike="noStrike" dirty="0">
+                          <a:effectLst/>
+                        </a:rPr>
+                        <a:t>O</a:t>
+                      </a:r>
+                      <a:r>
+                        <a:rPr lang="de-CH" sz="1400" u="none" strike="noStrike" dirty="0" smtClean="0">
+                          <a:effectLst/>
+                        </a:rPr>
+                        <a:t>rganisation</a:t>
+                      </a:r>
+                      <a:r>
+                        <a:rPr lang="de-CH" sz="1400" u="none" strike="noStrike" dirty="0">
+                          <a:effectLst/>
+                        </a:rPr>
+                        <a:t>, Programmieren</a:t>
+                      </a:r>
+                      <a:endParaRPr lang="de-CH" sz="1400" b="0" i="0" u="none" strike="noStrike" dirty="0">
+                        <a:solidFill>
+                          <a:schemeClr val="tx1"/>
+                        </a:solidFill>
+                        <a:effectLst/>
+                        <a:latin typeface="Calibri" panose="020F0502020204030204" pitchFamily="34" charset="0"/>
+                      </a:endParaRPr>
+                    </a:p>
+                  </a:txBody>
+                  <a:tcPr marL="5969" marR="5969" marT="5969" marB="0" anchor="ctr"/>
+                </a:tc>
+                <a:tc>
+                  <a:txBody>
+                    <a:bodyPr/>
+                    <a:lstStyle/>
+                    <a:p>
+                      <a:pPr algn="l" fontAlgn="b"/>
+                      <a:r>
+                        <a:rPr lang="de-CH" sz="1400" u="none" strike="noStrike" dirty="0">
+                          <a:effectLst/>
+                        </a:rPr>
+                        <a:t>Korrupte D</a:t>
+                      </a:r>
+                      <a:r>
+                        <a:rPr lang="de-CH" sz="1400" u="none" strike="noStrike" dirty="0" smtClean="0">
+                          <a:effectLst/>
+                        </a:rPr>
+                        <a:t>ateien</a:t>
+                      </a:r>
+                      <a:endParaRPr lang="de-CH" sz="1400" b="0" i="0" u="none" strike="noStrike" dirty="0">
+                        <a:solidFill>
+                          <a:schemeClr val="tx1"/>
+                        </a:solidFill>
+                        <a:effectLst/>
+                        <a:latin typeface="Calibri" panose="020F0502020204030204" pitchFamily="34" charset="0"/>
+                      </a:endParaRPr>
+                    </a:p>
+                  </a:txBody>
+                  <a:tcPr marL="5969" marR="5969" marT="5969" marB="0" anchor="ctr"/>
+                </a:tc>
+                <a:tc>
+                  <a:txBody>
+                    <a:bodyPr/>
+                    <a:lstStyle/>
+                    <a:p>
+                      <a:pPr algn="l" fontAlgn="b"/>
+                      <a:r>
+                        <a:rPr lang="de-CH" sz="1400" u="none" strike="noStrike">
+                          <a:effectLst/>
+                        </a:rPr>
+                        <a:t>verschiedene versionen einer Datei auf Github hochgeladen</a:t>
+                      </a:r>
+                      <a:endParaRPr lang="de-CH" sz="1400" b="0" i="0" u="none" strike="noStrike">
+                        <a:solidFill>
+                          <a:schemeClr val="tx1"/>
+                        </a:solidFill>
+                        <a:effectLst/>
+                        <a:latin typeface="Calibri" panose="020F0502020204030204" pitchFamily="34" charset="0"/>
+                      </a:endParaRPr>
+                    </a:p>
+                  </a:txBody>
+                  <a:tcPr marL="5969" marR="5969" marT="5969" marB="0" anchor="ctr"/>
+                </a:tc>
+                <a:tc>
+                  <a:txBody>
+                    <a:bodyPr/>
+                    <a:lstStyle/>
+                    <a:p>
+                      <a:pPr algn="r" fontAlgn="b"/>
+                      <a:r>
+                        <a:rPr lang="de-CH" sz="1400" u="none" strike="noStrike">
+                          <a:effectLst/>
+                        </a:rPr>
+                        <a:t>3</a:t>
+                      </a:r>
+                      <a:endParaRPr lang="de-CH" sz="1400" b="0" i="0" u="none" strike="noStrike">
+                        <a:solidFill>
+                          <a:schemeClr val="tx1"/>
+                        </a:solidFill>
+                        <a:effectLst/>
+                        <a:latin typeface="Calibri" panose="020F0502020204030204" pitchFamily="34" charset="0"/>
+                      </a:endParaRPr>
+                    </a:p>
+                  </a:txBody>
+                  <a:tcPr marL="5969" marR="5969" marT="5969" marB="0" anchor="ctr"/>
+                </a:tc>
+                <a:tc>
+                  <a:txBody>
+                    <a:bodyPr/>
+                    <a:lstStyle/>
+                    <a:p>
+                      <a:pPr algn="r" fontAlgn="b"/>
+                      <a:r>
+                        <a:rPr lang="de-CH" sz="1400" u="none" strike="noStrike">
+                          <a:effectLst/>
+                        </a:rPr>
+                        <a:t>1</a:t>
+                      </a:r>
+                      <a:endParaRPr lang="de-CH" sz="1400" b="0" i="0" u="none" strike="noStrike">
+                        <a:solidFill>
+                          <a:schemeClr val="tx1"/>
+                        </a:solidFill>
+                        <a:effectLst/>
+                        <a:latin typeface="Calibri" panose="020F0502020204030204" pitchFamily="34" charset="0"/>
+                      </a:endParaRPr>
+                    </a:p>
+                  </a:txBody>
+                  <a:tcPr marL="5969" marR="5969" marT="5969" marB="0" anchor="ctr"/>
+                </a:tc>
+                <a:tc>
+                  <a:txBody>
+                    <a:bodyPr/>
+                    <a:lstStyle/>
+                    <a:p>
+                      <a:pPr algn="r" fontAlgn="b"/>
+                      <a:r>
+                        <a:rPr lang="de-CH" sz="1400" u="none" strike="noStrike">
+                          <a:effectLst/>
+                        </a:rPr>
+                        <a:t>1</a:t>
+                      </a:r>
+                      <a:endParaRPr lang="de-CH" sz="1400" b="0" i="0" u="none" strike="noStrike">
+                        <a:solidFill>
+                          <a:schemeClr val="tx1"/>
+                        </a:solidFill>
+                        <a:effectLst/>
+                        <a:latin typeface="Calibri" panose="020F0502020204030204" pitchFamily="34" charset="0"/>
+                      </a:endParaRPr>
+                    </a:p>
+                  </a:txBody>
+                  <a:tcPr marL="5969" marR="5969" marT="5969" marB="0" anchor="ctr"/>
+                </a:tc>
+                <a:tc>
+                  <a:txBody>
+                    <a:bodyPr/>
+                    <a:lstStyle/>
+                    <a:p>
+                      <a:pPr algn="l" fontAlgn="b"/>
+                      <a:r>
+                        <a:rPr lang="de-CH" sz="1400" u="none" strike="noStrike">
+                          <a:effectLst/>
+                        </a:rPr>
+                        <a:t>Immer Pullen vor Pushen</a:t>
+                      </a:r>
+                      <a:endParaRPr lang="de-CH" sz="1400" b="0" i="0" u="none" strike="noStrike">
+                        <a:solidFill>
+                          <a:schemeClr val="tx1"/>
+                        </a:solidFill>
+                        <a:effectLst/>
+                        <a:latin typeface="Calibri" panose="020F0502020204030204" pitchFamily="34" charset="0"/>
+                      </a:endParaRPr>
+                    </a:p>
+                  </a:txBody>
+                  <a:tcPr marL="5969" marR="5969" marT="5969" marB="0" anchor="ctr"/>
+                </a:tc>
+                <a:tc>
+                  <a:txBody>
+                    <a:bodyPr/>
+                    <a:lstStyle/>
+                    <a:p>
+                      <a:pPr algn="r" fontAlgn="b"/>
+                      <a:r>
+                        <a:rPr lang="de-CH" sz="1400" u="none" strike="noStrike">
+                          <a:effectLst/>
+                        </a:rPr>
+                        <a:t>30.10.2017</a:t>
+                      </a:r>
+                      <a:endParaRPr lang="de-CH" sz="1400" b="0" i="0" u="none" strike="noStrike">
+                        <a:solidFill>
+                          <a:schemeClr val="tx1"/>
+                        </a:solidFill>
+                        <a:effectLst/>
+                        <a:latin typeface="Calibri" panose="020F0502020204030204" pitchFamily="34" charset="0"/>
+                      </a:endParaRPr>
+                    </a:p>
+                  </a:txBody>
+                  <a:tcPr marL="5969" marR="5969" marT="5969" marB="0" anchor="ctr"/>
+                </a:tc>
+                <a:tc>
+                  <a:txBody>
+                    <a:bodyPr/>
+                    <a:lstStyle/>
+                    <a:p>
+                      <a:pPr algn="l" fontAlgn="b"/>
+                      <a:r>
+                        <a:rPr lang="de-CH" sz="1400" u="none" strike="noStrike" dirty="0">
+                          <a:effectLst/>
+                        </a:rPr>
+                        <a:t>Alle</a:t>
+                      </a:r>
+                      <a:endParaRPr lang="de-CH" sz="1400" b="0" i="0" u="none" strike="noStrike" dirty="0">
+                        <a:solidFill>
+                          <a:schemeClr val="tx1"/>
+                        </a:solidFill>
+                        <a:effectLst/>
+                        <a:latin typeface="Calibri" panose="020F0502020204030204" pitchFamily="34" charset="0"/>
+                      </a:endParaRPr>
+                    </a:p>
+                  </a:txBody>
+                  <a:tcPr marL="5969" marR="5969" marT="5969" marB="0" anchor="ctr"/>
+                </a:tc>
+                <a:extLst>
+                  <a:ext uri="{0D108BD9-81ED-4DB2-BD59-A6C34878D82A}">
+                    <a16:rowId xmlns:a16="http://schemas.microsoft.com/office/drawing/2014/main" xmlns="" val="1504547318"/>
+                  </a:ext>
+                </a:extLst>
+              </a:tr>
+              <a:tr h="341807">
+                <a:tc>
+                  <a:txBody>
+                    <a:bodyPr/>
+                    <a:lstStyle/>
+                    <a:p>
+                      <a:pPr algn="r" fontAlgn="b"/>
+                      <a:r>
+                        <a:rPr lang="de-CH" sz="1400" u="none" strike="noStrike" dirty="0" smtClean="0">
+                          <a:effectLst/>
+                        </a:rPr>
+                        <a:t>3</a:t>
+                      </a:r>
+                      <a:endParaRPr lang="de-CH" sz="1400" b="0" i="0" u="none" strike="noStrike" dirty="0">
+                        <a:solidFill>
+                          <a:schemeClr val="tx1"/>
+                        </a:solidFill>
+                        <a:effectLst/>
+                        <a:latin typeface="Calibri" panose="020F0502020204030204" pitchFamily="34" charset="0"/>
+                      </a:endParaRPr>
+                    </a:p>
+                  </a:txBody>
+                  <a:tcPr marL="5969" marR="5969" marT="5969" marB="0" anchor="ctr"/>
+                </a:tc>
+                <a:tc>
+                  <a:txBody>
+                    <a:bodyPr/>
+                    <a:lstStyle/>
+                    <a:p>
+                      <a:pPr algn="l" fontAlgn="b"/>
+                      <a:r>
+                        <a:rPr lang="de-CH" sz="1400" u="none" strike="noStrike" dirty="0">
+                          <a:effectLst/>
+                        </a:rPr>
+                        <a:t>Organisation</a:t>
+                      </a:r>
+                      <a:r>
+                        <a:rPr lang="de-CH" sz="1400" u="none" strike="noStrike" dirty="0" smtClean="0">
+                          <a:effectLst/>
+                        </a:rPr>
+                        <a:t>, Kommunikation</a:t>
+                      </a:r>
+                      <a:endParaRPr lang="de-CH" sz="1400" b="0" i="0" u="none" strike="noStrike" dirty="0">
+                        <a:solidFill>
+                          <a:schemeClr val="tx1"/>
+                        </a:solidFill>
+                        <a:effectLst/>
+                        <a:latin typeface="Calibri" panose="020F0502020204030204" pitchFamily="34" charset="0"/>
+                      </a:endParaRPr>
+                    </a:p>
+                  </a:txBody>
+                  <a:tcPr marL="5969" marR="5969" marT="5969" marB="0" anchor="ctr"/>
+                </a:tc>
+                <a:tc>
+                  <a:txBody>
+                    <a:bodyPr/>
+                    <a:lstStyle/>
+                    <a:p>
+                      <a:pPr algn="l" fontAlgn="b"/>
+                      <a:r>
+                        <a:rPr lang="de-CH" sz="1400" u="none" strike="noStrike">
+                          <a:effectLst/>
+                        </a:rPr>
+                        <a:t>Fehlende Kommunikation</a:t>
+                      </a:r>
+                      <a:endParaRPr lang="de-CH" sz="1400" b="0" i="0" u="none" strike="noStrike">
+                        <a:solidFill>
+                          <a:schemeClr val="tx1"/>
+                        </a:solidFill>
+                        <a:effectLst/>
+                        <a:latin typeface="Calibri" panose="020F0502020204030204" pitchFamily="34" charset="0"/>
+                      </a:endParaRPr>
+                    </a:p>
+                  </a:txBody>
+                  <a:tcPr marL="5969" marR="5969" marT="5969" marB="0" anchor="ctr"/>
+                </a:tc>
+                <a:tc>
+                  <a:txBody>
+                    <a:bodyPr/>
+                    <a:lstStyle/>
+                    <a:p>
+                      <a:pPr algn="l" fontAlgn="b"/>
+                      <a:r>
+                        <a:rPr lang="de-CH" sz="1400" u="none" strike="noStrike" dirty="0">
+                          <a:effectLst/>
+                        </a:rPr>
+                        <a:t>Aufgaben bleiben aus</a:t>
+                      </a:r>
+                      <a:endParaRPr lang="de-CH" sz="1400" b="0" i="0" u="none" strike="noStrike" dirty="0">
+                        <a:solidFill>
+                          <a:schemeClr val="tx1"/>
+                        </a:solidFill>
+                        <a:effectLst/>
+                        <a:latin typeface="Calibri" panose="020F0502020204030204" pitchFamily="34" charset="0"/>
+                      </a:endParaRPr>
+                    </a:p>
+                  </a:txBody>
+                  <a:tcPr marL="5969" marR="5969" marT="5969" marB="0" anchor="ctr"/>
+                </a:tc>
+                <a:tc>
+                  <a:txBody>
+                    <a:bodyPr/>
+                    <a:lstStyle/>
+                    <a:p>
+                      <a:pPr algn="r" fontAlgn="b"/>
+                      <a:r>
+                        <a:rPr lang="de-CH" sz="1400" u="none" strike="noStrike">
+                          <a:effectLst/>
+                        </a:rPr>
+                        <a:t>1</a:t>
+                      </a:r>
+                      <a:endParaRPr lang="de-CH" sz="1400" b="0" i="0" u="none" strike="noStrike">
+                        <a:solidFill>
+                          <a:schemeClr val="tx1"/>
+                        </a:solidFill>
+                        <a:effectLst/>
+                        <a:latin typeface="Calibri" panose="020F0502020204030204" pitchFamily="34" charset="0"/>
+                      </a:endParaRPr>
+                    </a:p>
+                  </a:txBody>
+                  <a:tcPr marL="5969" marR="5969" marT="5969" marB="0" anchor="ctr"/>
+                </a:tc>
+                <a:tc>
+                  <a:txBody>
+                    <a:bodyPr/>
+                    <a:lstStyle/>
+                    <a:p>
+                      <a:pPr algn="r" fontAlgn="b"/>
+                      <a:r>
+                        <a:rPr lang="de-CH" sz="1400" u="none" strike="noStrike">
+                          <a:effectLst/>
+                        </a:rPr>
+                        <a:t>3</a:t>
+                      </a:r>
+                      <a:endParaRPr lang="de-CH" sz="1400" b="0" i="0" u="none" strike="noStrike">
+                        <a:solidFill>
+                          <a:schemeClr val="tx1"/>
+                        </a:solidFill>
+                        <a:effectLst/>
+                        <a:latin typeface="Calibri" panose="020F0502020204030204" pitchFamily="34" charset="0"/>
+                      </a:endParaRPr>
+                    </a:p>
+                  </a:txBody>
+                  <a:tcPr marL="5969" marR="5969" marT="5969" marB="0" anchor="ctr"/>
+                </a:tc>
+                <a:tc>
+                  <a:txBody>
+                    <a:bodyPr/>
+                    <a:lstStyle/>
+                    <a:p>
+                      <a:pPr algn="r" fontAlgn="b"/>
+                      <a:r>
+                        <a:rPr lang="de-CH" sz="1400" u="none" strike="noStrike">
+                          <a:effectLst/>
+                        </a:rPr>
+                        <a:t>3</a:t>
+                      </a:r>
+                      <a:endParaRPr lang="de-CH" sz="1400" b="0" i="0" u="none" strike="noStrike">
+                        <a:solidFill>
+                          <a:schemeClr val="tx1"/>
+                        </a:solidFill>
+                        <a:effectLst/>
+                        <a:latin typeface="Calibri" panose="020F0502020204030204" pitchFamily="34" charset="0"/>
+                      </a:endParaRPr>
+                    </a:p>
+                  </a:txBody>
+                  <a:tcPr marL="5969" marR="5969" marT="5969" marB="0" anchor="ctr"/>
+                </a:tc>
+                <a:tc>
+                  <a:txBody>
+                    <a:bodyPr/>
+                    <a:lstStyle/>
+                    <a:p>
+                      <a:pPr algn="l" fontAlgn="b"/>
+                      <a:r>
+                        <a:rPr lang="de-CH" sz="1400" u="none" strike="noStrike">
+                          <a:effectLst/>
+                        </a:rPr>
+                        <a:t>Sitzungen, gutes Absprechen</a:t>
+                      </a:r>
+                      <a:endParaRPr lang="de-CH" sz="1400" b="0" i="0" u="none" strike="noStrike">
+                        <a:solidFill>
+                          <a:schemeClr val="tx1"/>
+                        </a:solidFill>
+                        <a:effectLst/>
+                        <a:latin typeface="Calibri" panose="020F0502020204030204" pitchFamily="34" charset="0"/>
+                      </a:endParaRPr>
+                    </a:p>
+                  </a:txBody>
+                  <a:tcPr marL="5969" marR="5969" marT="5969" marB="0" anchor="ctr"/>
+                </a:tc>
+                <a:tc>
+                  <a:txBody>
+                    <a:bodyPr/>
+                    <a:lstStyle/>
+                    <a:p>
+                      <a:pPr algn="r" fontAlgn="b"/>
+                      <a:r>
+                        <a:rPr lang="de-CH" sz="1400" u="none" strike="noStrike">
+                          <a:effectLst/>
+                        </a:rPr>
+                        <a:t>30.10.2017</a:t>
+                      </a:r>
+                      <a:endParaRPr lang="de-CH" sz="1400" b="0" i="0" u="none" strike="noStrike">
+                        <a:solidFill>
+                          <a:schemeClr val="tx1"/>
+                        </a:solidFill>
+                        <a:effectLst/>
+                        <a:latin typeface="Calibri" panose="020F0502020204030204" pitchFamily="34" charset="0"/>
+                      </a:endParaRPr>
+                    </a:p>
+                  </a:txBody>
+                  <a:tcPr marL="5969" marR="5969" marT="5969" marB="0" anchor="ctr"/>
+                </a:tc>
+                <a:tc>
+                  <a:txBody>
+                    <a:bodyPr/>
+                    <a:lstStyle/>
+                    <a:p>
+                      <a:pPr algn="l" fontAlgn="b"/>
+                      <a:r>
+                        <a:rPr lang="de-CH" sz="1400" u="none" strike="noStrike">
+                          <a:effectLst/>
+                        </a:rPr>
+                        <a:t>Nico Lutz</a:t>
+                      </a:r>
+                      <a:endParaRPr lang="de-CH" sz="1400" b="0" i="0" u="none" strike="noStrike">
+                        <a:solidFill>
+                          <a:schemeClr val="tx1"/>
+                        </a:solidFill>
+                        <a:effectLst/>
+                        <a:latin typeface="Calibri" panose="020F0502020204030204" pitchFamily="34" charset="0"/>
+                      </a:endParaRPr>
+                    </a:p>
+                  </a:txBody>
+                  <a:tcPr marL="5969" marR="5969" marT="5969" marB="0" anchor="ctr"/>
+                </a:tc>
+                <a:extLst>
+                  <a:ext uri="{0D108BD9-81ED-4DB2-BD59-A6C34878D82A}">
+                    <a16:rowId xmlns:a16="http://schemas.microsoft.com/office/drawing/2014/main" xmlns="" val="137664474"/>
+                  </a:ext>
+                </a:extLst>
+              </a:tr>
+              <a:tr h="341807">
+                <a:tc>
+                  <a:txBody>
+                    <a:bodyPr/>
+                    <a:lstStyle/>
+                    <a:p>
+                      <a:pPr algn="r" fontAlgn="b"/>
+                      <a:r>
+                        <a:rPr lang="de-CH" sz="1400" u="none" strike="noStrike" dirty="0" smtClean="0">
+                          <a:effectLst/>
+                        </a:rPr>
+                        <a:t>4</a:t>
+                      </a:r>
+                      <a:endParaRPr lang="de-CH" sz="1400" b="0" i="0" u="none" strike="noStrike" dirty="0">
+                        <a:solidFill>
+                          <a:schemeClr val="tx1"/>
+                        </a:solidFill>
+                        <a:effectLst/>
+                        <a:latin typeface="Calibri" panose="020F0502020204030204" pitchFamily="34" charset="0"/>
+                      </a:endParaRPr>
+                    </a:p>
+                  </a:txBody>
+                  <a:tcPr marL="5969" marR="5969" marT="5969" marB="0" anchor="ctr"/>
+                </a:tc>
+                <a:tc>
+                  <a:txBody>
+                    <a:bodyPr/>
+                    <a:lstStyle/>
+                    <a:p>
+                      <a:pPr algn="l" fontAlgn="b"/>
+                      <a:r>
+                        <a:rPr lang="de-CH" sz="1400" u="none" strike="noStrike">
+                          <a:effectLst/>
+                        </a:rPr>
+                        <a:t>Programmieren</a:t>
+                      </a:r>
+                      <a:endParaRPr lang="de-CH" sz="1400" b="0" i="0" u="none" strike="noStrike">
+                        <a:solidFill>
+                          <a:schemeClr val="tx1"/>
+                        </a:solidFill>
+                        <a:effectLst/>
+                        <a:latin typeface="Calibri" panose="020F0502020204030204" pitchFamily="34" charset="0"/>
+                      </a:endParaRPr>
+                    </a:p>
+                  </a:txBody>
+                  <a:tcPr marL="5969" marR="5969" marT="5969" marB="0" anchor="ctr"/>
+                </a:tc>
+                <a:tc>
+                  <a:txBody>
+                    <a:bodyPr/>
+                    <a:lstStyle/>
+                    <a:p>
+                      <a:pPr algn="l" fontAlgn="b"/>
+                      <a:r>
+                        <a:rPr lang="de-CH" sz="1400" u="none" strike="noStrike" dirty="0">
+                          <a:effectLst/>
+                        </a:rPr>
+                        <a:t>Schlechte Wahl der Arbeitswerkzeuge</a:t>
+                      </a:r>
+                      <a:endParaRPr lang="de-CH" sz="1400" b="0" i="0" u="none" strike="noStrike" dirty="0">
+                        <a:solidFill>
+                          <a:schemeClr val="tx1"/>
+                        </a:solidFill>
+                        <a:effectLst/>
+                        <a:latin typeface="Calibri" panose="020F0502020204030204" pitchFamily="34" charset="0"/>
+                      </a:endParaRPr>
+                    </a:p>
+                  </a:txBody>
+                  <a:tcPr marL="5969" marR="5969" marT="5969" marB="0" anchor="ctr"/>
+                </a:tc>
+                <a:tc>
+                  <a:txBody>
+                    <a:bodyPr/>
+                    <a:lstStyle/>
+                    <a:p>
+                      <a:pPr algn="l" fontAlgn="b"/>
+                      <a:r>
+                        <a:rPr lang="de-CH" sz="1400" u="none" strike="noStrike" dirty="0">
+                          <a:effectLst/>
+                        </a:rPr>
+                        <a:t>Arbeiten haben </a:t>
+                      </a:r>
+                      <a:r>
+                        <a:rPr lang="de-CH" sz="1400" u="none" strike="noStrike" dirty="0" smtClean="0">
+                          <a:effectLst/>
+                        </a:rPr>
+                        <a:t>Probleme </a:t>
+                      </a:r>
+                      <a:r>
+                        <a:rPr lang="de-CH" sz="1400" u="none" strike="noStrike" dirty="0">
+                          <a:effectLst/>
+                        </a:rPr>
+                        <a:t>mit der Ausgewählten </a:t>
+                      </a:r>
+                      <a:r>
+                        <a:rPr lang="de-CH" sz="1400" u="none" strike="noStrike" dirty="0" smtClean="0">
+                          <a:effectLst/>
+                        </a:rPr>
+                        <a:t>Programmiersprache</a:t>
+                      </a:r>
+                      <a:endParaRPr lang="de-CH" sz="1400" b="0" i="0" u="none" strike="noStrike" dirty="0">
+                        <a:solidFill>
+                          <a:schemeClr val="tx1"/>
+                        </a:solidFill>
+                        <a:effectLst/>
+                        <a:latin typeface="Calibri" panose="020F0502020204030204" pitchFamily="34" charset="0"/>
+                      </a:endParaRPr>
+                    </a:p>
+                  </a:txBody>
+                  <a:tcPr marL="5969" marR="5969" marT="5969" marB="0" anchor="ctr"/>
+                </a:tc>
+                <a:tc>
+                  <a:txBody>
+                    <a:bodyPr/>
+                    <a:lstStyle/>
+                    <a:p>
+                      <a:pPr algn="r" fontAlgn="b"/>
+                      <a:r>
+                        <a:rPr lang="de-CH" sz="1400" u="none" strike="noStrike">
+                          <a:effectLst/>
+                        </a:rPr>
+                        <a:t>2</a:t>
+                      </a:r>
+                      <a:endParaRPr lang="de-CH" sz="1400" b="0" i="0" u="none" strike="noStrike">
+                        <a:solidFill>
+                          <a:schemeClr val="tx1"/>
+                        </a:solidFill>
+                        <a:effectLst/>
+                        <a:latin typeface="Calibri" panose="020F0502020204030204" pitchFamily="34" charset="0"/>
+                      </a:endParaRPr>
+                    </a:p>
+                  </a:txBody>
+                  <a:tcPr marL="5969" marR="5969" marT="5969" marB="0" anchor="ctr"/>
+                </a:tc>
+                <a:tc>
+                  <a:txBody>
+                    <a:bodyPr/>
+                    <a:lstStyle/>
+                    <a:p>
+                      <a:pPr algn="r" fontAlgn="b"/>
+                      <a:r>
+                        <a:rPr lang="de-CH" sz="1400" u="none" strike="noStrike">
+                          <a:effectLst/>
+                        </a:rPr>
+                        <a:t>2</a:t>
+                      </a:r>
+                      <a:endParaRPr lang="de-CH" sz="1400" b="0" i="0" u="none" strike="noStrike">
+                        <a:solidFill>
+                          <a:schemeClr val="tx1"/>
+                        </a:solidFill>
+                        <a:effectLst/>
+                        <a:latin typeface="Calibri" panose="020F0502020204030204" pitchFamily="34" charset="0"/>
+                      </a:endParaRPr>
+                    </a:p>
+                  </a:txBody>
+                  <a:tcPr marL="5969" marR="5969" marT="5969" marB="0" anchor="ctr"/>
+                </a:tc>
+                <a:tc>
+                  <a:txBody>
+                    <a:bodyPr/>
+                    <a:lstStyle/>
+                    <a:p>
+                      <a:pPr algn="r" fontAlgn="b"/>
+                      <a:r>
+                        <a:rPr lang="de-CH" sz="1400" u="none" strike="noStrike">
+                          <a:effectLst/>
+                        </a:rPr>
+                        <a:t>2</a:t>
+                      </a:r>
+                      <a:endParaRPr lang="de-CH" sz="1400" b="0" i="0" u="none" strike="noStrike">
+                        <a:solidFill>
+                          <a:schemeClr val="tx1"/>
+                        </a:solidFill>
+                        <a:effectLst/>
+                        <a:latin typeface="Calibri" panose="020F0502020204030204" pitchFamily="34" charset="0"/>
+                      </a:endParaRPr>
+                    </a:p>
+                  </a:txBody>
+                  <a:tcPr marL="5969" marR="5969" marT="5969" marB="0" anchor="ctr"/>
+                </a:tc>
+                <a:tc>
+                  <a:txBody>
+                    <a:bodyPr/>
+                    <a:lstStyle/>
+                    <a:p>
+                      <a:pPr algn="l" fontAlgn="b"/>
+                      <a:r>
+                        <a:rPr lang="de-CH" sz="1400" u="none" strike="noStrike">
+                          <a:effectLst/>
+                        </a:rPr>
+                        <a:t>Kommunikation, informieren</a:t>
+                      </a:r>
+                      <a:endParaRPr lang="de-CH" sz="1400" b="0" i="0" u="none" strike="noStrike">
+                        <a:solidFill>
+                          <a:schemeClr val="tx1"/>
+                        </a:solidFill>
+                        <a:effectLst/>
+                        <a:latin typeface="Calibri" panose="020F0502020204030204" pitchFamily="34" charset="0"/>
+                      </a:endParaRPr>
+                    </a:p>
+                  </a:txBody>
+                  <a:tcPr marL="5969" marR="5969" marT="5969" marB="0" anchor="ctr"/>
+                </a:tc>
+                <a:tc>
+                  <a:txBody>
+                    <a:bodyPr/>
+                    <a:lstStyle/>
+                    <a:p>
+                      <a:pPr algn="r" fontAlgn="b"/>
+                      <a:r>
+                        <a:rPr lang="de-CH" sz="1400" u="none" strike="noStrike">
+                          <a:effectLst/>
+                        </a:rPr>
+                        <a:t>30.10.2017</a:t>
+                      </a:r>
+                      <a:endParaRPr lang="de-CH" sz="1400" b="0" i="0" u="none" strike="noStrike">
+                        <a:solidFill>
+                          <a:schemeClr val="tx1"/>
+                        </a:solidFill>
+                        <a:effectLst/>
+                        <a:latin typeface="Calibri" panose="020F0502020204030204" pitchFamily="34" charset="0"/>
+                      </a:endParaRPr>
+                    </a:p>
+                  </a:txBody>
+                  <a:tcPr marL="5969" marR="5969" marT="5969" marB="0" anchor="ctr"/>
+                </a:tc>
+                <a:tc>
+                  <a:txBody>
+                    <a:bodyPr/>
+                    <a:lstStyle/>
+                    <a:p>
+                      <a:pPr algn="l" fontAlgn="b"/>
+                      <a:r>
+                        <a:rPr lang="de-CH" sz="1400" u="none" strike="noStrike" dirty="0">
+                          <a:effectLst/>
+                        </a:rPr>
+                        <a:t>Developer</a:t>
+                      </a:r>
+                      <a:endParaRPr lang="de-CH" sz="1400" b="0" i="0" u="none" strike="noStrike" dirty="0">
+                        <a:solidFill>
+                          <a:schemeClr val="tx1"/>
+                        </a:solidFill>
+                        <a:effectLst/>
+                        <a:latin typeface="Calibri" panose="020F0502020204030204" pitchFamily="34" charset="0"/>
+                      </a:endParaRPr>
+                    </a:p>
+                  </a:txBody>
+                  <a:tcPr marL="5969" marR="5969" marT="5969" marB="0" anchor="ctr"/>
+                </a:tc>
+                <a:extLst>
+                  <a:ext uri="{0D108BD9-81ED-4DB2-BD59-A6C34878D82A}">
+                    <a16:rowId xmlns:a16="http://schemas.microsoft.com/office/drawing/2014/main" xmlns="" val="943865118"/>
+                  </a:ext>
+                </a:extLst>
+              </a:tr>
+            </a:tbl>
+          </a:graphicData>
+        </a:graphic>
+      </p:graphicFrame>
     </p:spTree>
     <p:extLst>
       <p:ext uri="{BB962C8B-B14F-4D97-AF65-F5344CB8AC3E}">
-        <p14:creationId xmlns:p14="http://schemas.microsoft.com/office/powerpoint/2010/main" val="180272136"/>
+        <p14:creationId xmlns:p14="http://schemas.microsoft.com/office/powerpoint/2010/main" val="3568731788"/>
       </p:ext>
     </p:extLst>
   </p:cSld>
   <p:clrMapOvr>
     <a:masterClrMapping/>
   </p:clrMapOvr>
+  <p:timing>
+    <p:tnLst>
+      <p:par>
+        <p:cTn id="1" dur="indefinite" restart="never" nodeType="tmRoot"/>
+      </p:par>
+    </p:tnLst>
+  </p:timing>
 </p:sld>
 </file>
 

--- a/Dokuordner/ENTERTAINNET.pptx
+++ b/Dokuordner/ENTERTAINNET.pptx
@@ -5,7 +5,7 @@
     <p:sldMasterId id="2147483660" r:id="rId1"/>
   </p:sldMasterIdLst>
   <p:notesMasterIdLst>
-    <p:notesMasterId r:id="rId18"/>
+    <p:notesMasterId r:id="rId19"/>
   </p:notesMasterIdLst>
   <p:sldIdLst>
     <p:sldId id="256" r:id="rId2"/>
@@ -15,15 +15,16 @@
     <p:sldId id="273" r:id="rId6"/>
     <p:sldId id="260" r:id="rId7"/>
     <p:sldId id="259" r:id="rId8"/>
-    <p:sldId id="277" r:id="rId9"/>
-    <p:sldId id="266" r:id="rId10"/>
-    <p:sldId id="272" r:id="rId11"/>
-    <p:sldId id="274" r:id="rId12"/>
-    <p:sldId id="275" r:id="rId13"/>
-    <p:sldId id="271" r:id="rId14"/>
-    <p:sldId id="261" r:id="rId15"/>
-    <p:sldId id="265" r:id="rId16"/>
-    <p:sldId id="267" r:id="rId17"/>
+    <p:sldId id="278" r:id="rId9"/>
+    <p:sldId id="277" r:id="rId10"/>
+    <p:sldId id="266" r:id="rId11"/>
+    <p:sldId id="272" r:id="rId12"/>
+    <p:sldId id="274" r:id="rId13"/>
+    <p:sldId id="275" r:id="rId14"/>
+    <p:sldId id="271" r:id="rId15"/>
+    <p:sldId id="261" r:id="rId16"/>
+    <p:sldId id="265" r:id="rId17"/>
+    <p:sldId id="267" r:id="rId18"/>
   </p:sldIdLst>
   <p:sldSz cx="12192000" cy="6858000"/>
   <p:notesSz cx="6858000" cy="9144000"/>
@@ -130,6 +131,10 @@
 </p:presentation>
 </file>
 
+<file path=ppt/revisionInfo.xml><?xml version="1.0" encoding="utf-8"?>
+<p1510:revInfo xmlns:a="http://schemas.openxmlformats.org/drawingml/2006/main" xmlns:r="http://schemas.openxmlformats.org/officeDocument/2006/relationships" xmlns:p1510="http://schemas.microsoft.com/office/powerpoint/2015/10/main"/>
+</file>
+
 <file path=ppt/notesMasters/notesMaster1.xml><?xml version="1.0" encoding="utf-8"?>
 <p:notesMaster xmlns:a="http://schemas.openxmlformats.org/drawingml/2006/main" xmlns:r="http://schemas.openxmlformats.org/officeDocument/2006/relationships" xmlns:p="http://schemas.openxmlformats.org/presentationml/2006/main">
   <p:cSld>
@@ -212,7 +217,7 @@
           <a:p>
             <a:fld id="{879E49AC-762C-40A9-B675-CE64F3A7747F}" type="datetimeFigureOut">
               <a:rPr lang="de-CH" smtClean="0"/>
-              <a:t>05.11.2017</a:t>
+              <a:t>06.11.2017</a:t>
             </a:fld>
             <a:endParaRPr lang="de-CH"/>
           </a:p>
@@ -276,35 +281,35 @@
           <a:p>
             <a:pPr lvl="0"/>
             <a:r>
-              <a:rPr lang="de-DE" smtClean="0"/>
+              <a:rPr lang="de-DE"/>
               <a:t>Textmasterformat bearbeiten</a:t>
             </a:r>
           </a:p>
           <a:p>
             <a:pPr lvl="1"/>
             <a:r>
-              <a:rPr lang="de-DE" smtClean="0"/>
+              <a:rPr lang="de-DE"/>
               <a:t>Zweite Ebene</a:t>
             </a:r>
           </a:p>
           <a:p>
             <a:pPr lvl="2"/>
             <a:r>
-              <a:rPr lang="de-DE" smtClean="0"/>
+              <a:rPr lang="de-DE"/>
               <a:t>Dritte Ebene</a:t>
             </a:r>
           </a:p>
           <a:p>
             <a:pPr lvl="3"/>
             <a:r>
-              <a:rPr lang="de-DE" smtClean="0"/>
+              <a:rPr lang="de-DE"/>
               <a:t>Vierte Ebene</a:t>
             </a:r>
           </a:p>
           <a:p>
             <a:pPr lvl="4"/>
             <a:r>
-              <a:rPr lang="de-DE" smtClean="0"/>
+              <a:rPr lang="de-DE"/>
               <a:t>Fünfte Ebene</a:t>
             </a:r>
             <a:endParaRPr lang="de-CH"/>
@@ -525,26 +530,26 @@
           <a:lstStyle/>
           <a:p>
             <a:r>
-              <a:rPr lang="de-CH" dirty="0" smtClean="0"/>
+              <a:rPr lang="de-CH" dirty="0"/>
               <a:t>Wie Projekt angepackt</a:t>
             </a:r>
           </a:p>
           <a:p>
             <a:r>
-              <a:rPr lang="de-CH" dirty="0" smtClean="0"/>
+              <a:rPr lang="de-CH" dirty="0"/>
               <a:t>Magisches Dreieck</a:t>
             </a:r>
             <a:r>
-              <a:rPr lang="de-CH" baseline="0" dirty="0" smtClean="0"/>
+              <a:rPr lang="de-CH" baseline="0" dirty="0"/>
               <a:t> für Projektarbeit</a:t>
             </a:r>
           </a:p>
           <a:p>
             <a:r>
-              <a:rPr lang="de-CH" baseline="0" dirty="0" smtClean="0"/>
+              <a:rPr lang="de-CH" baseline="0" dirty="0"/>
               <a:t>SCRUM 3 Sprints</a:t>
             </a:r>
-            <a:endParaRPr lang="de-CH" dirty="0" smtClean="0"/>
+            <a:endParaRPr lang="de-CH" dirty="0"/>
           </a:p>
           <a:p>
             <a:endParaRPr lang="de-CH" dirty="0"/>
@@ -632,65 +637,65 @@
           <a:lstStyle/>
           <a:p>
             <a:r>
-              <a:rPr lang="de-CH" dirty="0" err="1" smtClean="0"/>
+              <a:rPr lang="de-CH" dirty="0" err="1"/>
               <a:t>Forming</a:t>
             </a:r>
             <a:r>
-              <a:rPr lang="de-CH" dirty="0" smtClean="0"/>
+              <a:rPr lang="de-CH" dirty="0"/>
               <a:t> – Kennenlernen, erste Aufgabenteilung</a:t>
             </a:r>
             <a:r>
-              <a:rPr lang="de-CH" baseline="0" dirty="0" smtClean="0"/>
+              <a:rPr lang="de-CH" baseline="0" dirty="0"/>
               <a:t> -</a:t>
             </a:r>
             <a:r>
-              <a:rPr lang="de-CH" dirty="0" smtClean="0"/>
+              <a:rPr lang="de-CH" dirty="0"/>
               <a:t> gut gelaufen</a:t>
             </a:r>
           </a:p>
           <a:p>
             <a:r>
-              <a:rPr lang="de-CH" dirty="0" err="1" smtClean="0"/>
+              <a:rPr lang="de-CH" dirty="0" err="1"/>
               <a:t>Storming</a:t>
             </a:r>
             <a:r>
-              <a:rPr lang="de-CH" baseline="0" dirty="0" smtClean="0"/>
+              <a:rPr lang="de-CH" baseline="0" dirty="0"/>
               <a:t> – Ziele </a:t>
             </a:r>
             <a:r>
-              <a:rPr lang="de-CH" baseline="0" dirty="0" err="1" smtClean="0"/>
+              <a:rPr lang="de-CH" baseline="0" dirty="0" err="1"/>
               <a:t>klarifizieren</a:t>
             </a:r>
             <a:r>
-              <a:rPr lang="de-CH" baseline="0" dirty="0" smtClean="0"/>
+              <a:rPr lang="de-CH" baseline="0" dirty="0"/>
               <a:t> -  z.T. Probleme</a:t>
             </a:r>
           </a:p>
           <a:p>
             <a:r>
-              <a:rPr lang="de-CH" baseline="0" dirty="0" err="1" smtClean="0"/>
+              <a:rPr lang="de-CH" baseline="0" dirty="0" err="1"/>
               <a:t>Norming</a:t>
             </a:r>
             <a:r>
-              <a:rPr lang="de-CH" baseline="0" dirty="0" smtClean="0"/>
+              <a:rPr lang="de-CH" baseline="0" dirty="0"/>
               <a:t> – wie fragen, </a:t>
             </a:r>
             <a:r>
-              <a:rPr lang="de-CH" baseline="0" dirty="0" err="1" smtClean="0"/>
+              <a:rPr lang="de-CH" baseline="0" dirty="0" err="1"/>
               <a:t>lösungsansätze</a:t>
             </a:r>
             <a:r>
-              <a:rPr lang="de-CH" baseline="0" dirty="0" smtClean="0"/>
+              <a:rPr lang="de-CH" baseline="0" dirty="0"/>
               <a:t> – gut gelaufen</a:t>
             </a:r>
           </a:p>
           <a:p>
             <a:r>
-              <a:rPr lang="de-CH" baseline="0" dirty="0" err="1" smtClean="0"/>
+              <a:rPr lang="de-CH" baseline="0" dirty="0" err="1"/>
               <a:t>Performing</a:t>
             </a:r>
             <a:r>
-              <a:rPr lang="de-CH" baseline="0" dirty="0" smtClean="0"/>
+              <a:rPr lang="de-CH" baseline="0" dirty="0"/>
               <a:t> – Selbstorganisation, bei manchem besser, bei anderen schlecht</a:t>
             </a:r>
             <a:endParaRPr lang="de-CH" dirty="0"/>
@@ -714,7 +719,7 @@
           <a:p>
             <a:fld id="{23B53A39-F8C4-42E7-B074-50977E7B65ED}" type="slidenum">
               <a:rPr lang="de-CH" smtClean="0"/>
-              <a:t>8</a:t>
+              <a:t>9</a:t>
             </a:fld>
             <a:endParaRPr lang="de-CH"/>
           </a:p>
@@ -778,56 +783,27 @@
           <a:lstStyle/>
           <a:p>
             <a:r>
-              <a:rPr lang="de-CH" dirty="0" err="1"/>
-              <a:t>Firebase</a:t>
-            </a:r>
-            <a:r>
               <a:rPr lang="de-CH" dirty="0"/>
-              <a:t> Backend Datenbank</a:t>
+              <a:t>Im vorhinein Gedanken zu Problemen gemacht - Risikoanalyse</a:t>
             </a:r>
           </a:p>
           <a:p>
             <a:r>
               <a:rPr lang="de-CH" dirty="0"/>
-              <a:t>GitHub: Versionskontrolle</a:t>
-            </a:r>
-          </a:p>
-          <a:p>
-            <a:r>
-              <a:rPr lang="de-CH" dirty="0" err="1"/>
-              <a:t>Trello</a:t>
-            </a:r>
+              <a:t>Schlimmste Problem wäre zu späte Abgabe</a:t>
+            </a:r>
+          </a:p>
+          <a:p>
             <a:r>
               <a:rPr lang="de-CH" dirty="0"/>
-              <a:t>: Aufträge</a:t>
-            </a:r>
-          </a:p>
-          <a:p>
-            <a:r>
-              <a:rPr lang="de-CH" dirty="0" err="1"/>
-              <a:t>AndroidStudio</a:t>
-            </a:r>
+              <a:t>4 Risiken</a:t>
+            </a:r>
+          </a:p>
+          <a:p>
             <a:r>
               <a:rPr lang="de-CH" dirty="0"/>
-              <a:t>: Entwicklung</a:t>
-            </a:r>
-          </a:p>
-          <a:p>
-            <a:r>
-              <a:rPr lang="de-CH" dirty="0"/>
-              <a:t>GANTT: Projektplan</a:t>
-            </a:r>
-          </a:p>
-          <a:p>
-            <a:r>
-              <a:rPr lang="de-CH" dirty="0"/>
-              <a:t>Microsoft Office Produkte</a:t>
-            </a:r>
-            <a:r>
-              <a:rPr lang="de-CH"/>
-              <a:t>: Dokumentation</a:t>
-            </a:r>
-            <a:endParaRPr lang="de-CH" dirty="0"/>
+              <a:t>Kurz vorlesen</a:t>
+            </a:r>
           </a:p>
         </p:txBody>
       </p:sp>
@@ -846,7 +822,7 @@
           <a:bodyPr/>
           <a:lstStyle/>
           <a:p>
-            <a:fld id="{464CB178-BF16-4E40-85C2-7E636C61E5C2}" type="slidenum">
+            <a:fld id="{23B53A39-F8C4-42E7-B074-50977E7B65ED}" type="slidenum">
               <a:rPr lang="de-CH" smtClean="0"/>
               <a:t>10</a:t>
             </a:fld>
@@ -857,7 +833,450 @@
     </p:spTree>
     <p:extLst>
       <p:ext uri="{BB962C8B-B14F-4D97-AF65-F5344CB8AC3E}">
+        <p14:creationId xmlns:p14="http://schemas.microsoft.com/office/powerpoint/2010/main" val="3572209285"/>
+      </p:ext>
+    </p:extLst>
+  </p:cSld>
+  <p:clrMapOvr>
+    <a:masterClrMapping/>
+  </p:clrMapOvr>
+</p:notes>
+</file>
+
+<file path=ppt/notesSlides/notesSlide4.xml><?xml version="1.0" encoding="utf-8"?>
+<p:notes xmlns:a="http://schemas.openxmlformats.org/drawingml/2006/main" xmlns:r="http://schemas.openxmlformats.org/officeDocument/2006/relationships" xmlns:p="http://schemas.openxmlformats.org/presentationml/2006/main">
+  <p:cSld>
+    <p:spTree>
+      <p:nvGrpSpPr>
+        <p:cNvPr id="1" name=""/>
+        <p:cNvGrpSpPr/>
+        <p:nvPr/>
+      </p:nvGrpSpPr>
+      <p:grpSpPr>
+        <a:xfrm>
+          <a:off x="0" y="0"/>
+          <a:ext cx="0" cy="0"/>
+          <a:chOff x="0" y="0"/>
+          <a:chExt cx="0" cy="0"/>
+        </a:xfrm>
+      </p:grpSpPr>
+      <p:sp>
+        <p:nvSpPr>
+          <p:cNvPr id="2" name="Folienbildplatzhalter 1"/>
+          <p:cNvSpPr>
+            <a:spLocks noGrp="1" noRot="1" noChangeAspect="1"/>
+          </p:cNvSpPr>
+          <p:nvPr>
+            <p:ph type="sldImg"/>
+          </p:nvPr>
+        </p:nvSpPr>
+        <p:spPr/>
+      </p:sp>
+      <p:sp>
+        <p:nvSpPr>
+          <p:cNvPr id="3" name="Notizenplatzhalter 2"/>
+          <p:cNvSpPr>
+            <a:spLocks noGrp="1"/>
+          </p:cNvSpPr>
+          <p:nvPr>
+            <p:ph type="body" idx="1"/>
+          </p:nvPr>
+        </p:nvSpPr>
+        <p:spPr/>
+        <p:txBody>
+          <a:bodyPr/>
+          <a:lstStyle/>
+          <a:p>
+            <a:r>
+              <a:rPr lang="de-CH" dirty="0" err="1"/>
+              <a:t>Firebase</a:t>
+            </a:r>
+            <a:r>
+              <a:rPr lang="de-CH" dirty="0"/>
+              <a:t> Backend</a:t>
+            </a:r>
+          </a:p>
+          <a:p>
+            <a:r>
+              <a:rPr lang="de-CH" dirty="0"/>
+              <a:t>GitHub: Versionskontrolle</a:t>
+            </a:r>
+          </a:p>
+          <a:p>
+            <a:r>
+              <a:rPr lang="de-CH" dirty="0" err="1"/>
+              <a:t>Trello</a:t>
+            </a:r>
+            <a:r>
+              <a:rPr lang="de-CH" dirty="0"/>
+              <a:t>: Aufträge - zeigen</a:t>
+            </a:r>
+          </a:p>
+          <a:p>
+            <a:r>
+              <a:rPr lang="de-CH" dirty="0" err="1"/>
+              <a:t>AndroidStudio</a:t>
+            </a:r>
+            <a:r>
+              <a:rPr lang="de-CH" dirty="0"/>
+              <a:t>: Entwicklung</a:t>
+            </a:r>
+          </a:p>
+          <a:p>
+            <a:r>
+              <a:rPr lang="de-CH" dirty="0"/>
+              <a:t>GANTT: Projektplan</a:t>
+            </a:r>
+          </a:p>
+          <a:p>
+            <a:r>
+              <a:rPr lang="de-CH" dirty="0"/>
+              <a:t>Microsoft Office Produkte: Dokumentation</a:t>
+            </a:r>
+          </a:p>
+        </p:txBody>
+      </p:sp>
+      <p:sp>
+        <p:nvSpPr>
+          <p:cNvPr id="4" name="Foliennummernplatzhalter 3"/>
+          <p:cNvSpPr>
+            <a:spLocks noGrp="1"/>
+          </p:cNvSpPr>
+          <p:nvPr>
+            <p:ph type="sldNum" sz="quarter" idx="10"/>
+          </p:nvPr>
+        </p:nvSpPr>
+        <p:spPr/>
+        <p:txBody>
+          <a:bodyPr/>
+          <a:lstStyle/>
+          <a:p>
+            <a:fld id="{464CB178-BF16-4E40-85C2-7E636C61E5C2}" type="slidenum">
+              <a:rPr lang="de-CH" smtClean="0"/>
+              <a:t>11</a:t>
+            </a:fld>
+            <a:endParaRPr lang="de-CH"/>
+          </a:p>
+        </p:txBody>
+      </p:sp>
+    </p:spTree>
+    <p:extLst>
+      <p:ext uri="{BB962C8B-B14F-4D97-AF65-F5344CB8AC3E}">
         <p14:creationId xmlns:p14="http://schemas.microsoft.com/office/powerpoint/2010/main" val="3145859618"/>
+      </p:ext>
+    </p:extLst>
+  </p:cSld>
+  <p:clrMapOvr>
+    <a:masterClrMapping/>
+  </p:clrMapOvr>
+</p:notes>
+</file>
+
+<file path=ppt/notesSlides/notesSlide5.xml><?xml version="1.0" encoding="utf-8"?>
+<p:notes xmlns:a="http://schemas.openxmlformats.org/drawingml/2006/main" xmlns:r="http://schemas.openxmlformats.org/officeDocument/2006/relationships" xmlns:p="http://schemas.openxmlformats.org/presentationml/2006/main">
+  <p:cSld>
+    <p:spTree>
+      <p:nvGrpSpPr>
+        <p:cNvPr id="1" name=""/>
+        <p:cNvGrpSpPr/>
+        <p:nvPr/>
+      </p:nvGrpSpPr>
+      <p:grpSpPr>
+        <a:xfrm>
+          <a:off x="0" y="0"/>
+          <a:ext cx="0" cy="0"/>
+          <a:chOff x="0" y="0"/>
+          <a:chExt cx="0" cy="0"/>
+        </a:xfrm>
+      </p:grpSpPr>
+      <p:sp>
+        <p:nvSpPr>
+          <p:cNvPr id="2" name="Folienbildplatzhalter 1"/>
+          <p:cNvSpPr>
+            <a:spLocks noGrp="1" noRot="1" noChangeAspect="1"/>
+          </p:cNvSpPr>
+          <p:nvPr>
+            <p:ph type="sldImg"/>
+          </p:nvPr>
+        </p:nvSpPr>
+        <p:spPr/>
+      </p:sp>
+      <p:sp>
+        <p:nvSpPr>
+          <p:cNvPr id="3" name="Notizenplatzhalter 2"/>
+          <p:cNvSpPr>
+            <a:spLocks noGrp="1"/>
+          </p:cNvSpPr>
+          <p:nvPr>
+            <p:ph type="body" idx="1"/>
+          </p:nvPr>
+        </p:nvSpPr>
+        <p:spPr/>
+        <p:txBody>
+          <a:bodyPr/>
+          <a:lstStyle/>
+          <a:p>
+            <a:r>
+              <a:rPr lang="de-CH" dirty="0"/>
+              <a:t>Google entwickelt</a:t>
+            </a:r>
+          </a:p>
+          <a:p>
+            <a:r>
+              <a:rPr lang="de-CH" dirty="0"/>
+              <a:t>Funktionalitäten: </a:t>
+            </a:r>
+          </a:p>
+          <a:p>
+            <a:pPr marL="171450" indent="-171450">
+              <a:buFontTx/>
+              <a:buChar char="-"/>
+            </a:pPr>
+            <a:r>
+              <a:rPr lang="de-CH" dirty="0" err="1"/>
+              <a:t>NoSQL</a:t>
+            </a:r>
+            <a:r>
+              <a:rPr lang="de-CH" dirty="0"/>
+              <a:t> Datenbank -&gt; Realtime</a:t>
+            </a:r>
+          </a:p>
+          <a:p>
+            <a:pPr marL="171450" indent="-171450">
+              <a:buFontTx/>
+              <a:buChar char="-"/>
+            </a:pPr>
+            <a:r>
+              <a:rPr lang="de-CH" dirty="0"/>
+              <a:t>Authentifikation</a:t>
+            </a:r>
+          </a:p>
+          <a:p>
+            <a:pPr marL="171450" indent="-171450">
+              <a:buFontTx/>
+              <a:buChar char="-"/>
+            </a:pPr>
+            <a:r>
+              <a:rPr lang="de-CH" dirty="0" err="1"/>
+              <a:t>Admob</a:t>
+            </a:r>
+            <a:endParaRPr lang="de-CH" dirty="0"/>
+          </a:p>
+          <a:p>
+            <a:pPr marL="171450" indent="-171450">
+              <a:buFontTx/>
+              <a:buChar char="-"/>
+            </a:pPr>
+            <a:r>
+              <a:rPr lang="de-CH" dirty="0"/>
+              <a:t>Storage -&gt; Später Bilder speichern</a:t>
+            </a:r>
+          </a:p>
+          <a:p>
+            <a:pPr marL="0" indent="0">
+              <a:buFontTx/>
+              <a:buNone/>
+            </a:pPr>
+            <a:r>
+              <a:rPr lang="de-CH" dirty="0"/>
+              <a:t>Android Studio integriert -&gt; zwei Mal klicken </a:t>
+            </a:r>
+          </a:p>
+          <a:p>
+            <a:pPr marL="0" indent="0">
+              <a:buFontTx/>
+              <a:buNone/>
+            </a:pPr>
+            <a:r>
+              <a:rPr lang="de-CH" dirty="0"/>
+              <a:t>Assistent: Tutorials Integration</a:t>
+            </a:r>
+          </a:p>
+        </p:txBody>
+      </p:sp>
+      <p:sp>
+        <p:nvSpPr>
+          <p:cNvPr id="4" name="Foliennummernplatzhalter 3"/>
+          <p:cNvSpPr>
+            <a:spLocks noGrp="1"/>
+          </p:cNvSpPr>
+          <p:nvPr>
+            <p:ph type="sldNum" sz="quarter" idx="10"/>
+          </p:nvPr>
+        </p:nvSpPr>
+        <p:spPr/>
+        <p:txBody>
+          <a:bodyPr/>
+          <a:lstStyle/>
+          <a:p>
+            <a:fld id="{23B53A39-F8C4-42E7-B074-50977E7B65ED}" type="slidenum">
+              <a:rPr lang="de-CH" smtClean="0"/>
+              <a:t>12</a:t>
+            </a:fld>
+            <a:endParaRPr lang="de-CH"/>
+          </a:p>
+        </p:txBody>
+      </p:sp>
+    </p:spTree>
+    <p:extLst>
+      <p:ext uri="{BB962C8B-B14F-4D97-AF65-F5344CB8AC3E}">
+        <p14:creationId xmlns:p14="http://schemas.microsoft.com/office/powerpoint/2010/main" val="551462071"/>
+      </p:ext>
+    </p:extLst>
+  </p:cSld>
+  <p:clrMapOvr>
+    <a:masterClrMapping/>
+  </p:clrMapOvr>
+</p:notes>
+</file>
+
+<file path=ppt/notesSlides/notesSlide6.xml><?xml version="1.0" encoding="utf-8"?>
+<p:notes xmlns:a="http://schemas.openxmlformats.org/drawingml/2006/main" xmlns:r="http://schemas.openxmlformats.org/officeDocument/2006/relationships" xmlns:p="http://schemas.openxmlformats.org/presentationml/2006/main">
+  <p:cSld>
+    <p:spTree>
+      <p:nvGrpSpPr>
+        <p:cNvPr id="1" name=""/>
+        <p:cNvGrpSpPr/>
+        <p:nvPr/>
+      </p:nvGrpSpPr>
+      <p:grpSpPr>
+        <a:xfrm>
+          <a:off x="0" y="0"/>
+          <a:ext cx="0" cy="0"/>
+          <a:chOff x="0" y="0"/>
+          <a:chExt cx="0" cy="0"/>
+        </a:xfrm>
+      </p:grpSpPr>
+      <p:sp>
+        <p:nvSpPr>
+          <p:cNvPr id="2" name="Folienbildplatzhalter 1"/>
+          <p:cNvSpPr>
+            <a:spLocks noGrp="1" noRot="1" noChangeAspect="1"/>
+          </p:cNvSpPr>
+          <p:nvPr>
+            <p:ph type="sldImg"/>
+          </p:nvPr>
+        </p:nvSpPr>
+        <p:spPr/>
+      </p:sp>
+      <p:sp>
+        <p:nvSpPr>
+          <p:cNvPr id="3" name="Notizenplatzhalter 2"/>
+          <p:cNvSpPr>
+            <a:spLocks noGrp="1"/>
+          </p:cNvSpPr>
+          <p:nvPr>
+            <p:ph type="body" idx="1"/>
+          </p:nvPr>
+        </p:nvSpPr>
+        <p:spPr/>
+        <p:txBody>
+          <a:bodyPr/>
+          <a:lstStyle/>
+          <a:p>
+            <a:r>
+              <a:rPr lang="de-CH" dirty="0"/>
+              <a:t>Benutzen </a:t>
+            </a:r>
+            <a:r>
+              <a:rPr lang="de-CH" dirty="0" err="1"/>
+              <a:t>Firebase</a:t>
+            </a:r>
+            <a:r>
+              <a:rPr lang="de-CH" dirty="0"/>
+              <a:t> Funktionalität</a:t>
+            </a:r>
+          </a:p>
+          <a:p>
+            <a:r>
+              <a:rPr lang="de-CH" dirty="0"/>
+              <a:t>Bietet: </a:t>
+            </a:r>
+          </a:p>
+          <a:p>
+            <a:pPr marL="171450" indent="-171450">
+              <a:buFontTx/>
+              <a:buChar char="-"/>
+            </a:pPr>
+            <a:r>
+              <a:rPr lang="de-CH" dirty="0"/>
+              <a:t>Username, Email, Passwort Authentifizierung</a:t>
+            </a:r>
+          </a:p>
+          <a:p>
+            <a:pPr marL="171450" indent="-171450">
+              <a:buFontTx/>
+              <a:buChar char="-"/>
+            </a:pPr>
+            <a:r>
+              <a:rPr lang="de-CH" dirty="0"/>
+              <a:t>Backend gespeichert – Passwort verschlüsselt</a:t>
+            </a:r>
+          </a:p>
+          <a:p>
+            <a:pPr marL="171450" indent="-171450">
+              <a:buFontTx/>
+              <a:buChar char="-"/>
+            </a:pPr>
+            <a:r>
+              <a:rPr lang="de-CH" dirty="0"/>
+              <a:t>Bei Passwort vergessen – Email versenden</a:t>
+            </a:r>
+          </a:p>
+          <a:p>
+            <a:pPr marL="171450" indent="-171450">
+              <a:buFontTx/>
+              <a:buChar char="-"/>
+            </a:pPr>
+            <a:r>
+              <a:rPr lang="de-CH" dirty="0"/>
+              <a:t>Login direkt von </a:t>
+            </a:r>
+            <a:r>
+              <a:rPr lang="de-CH" dirty="0" err="1"/>
+              <a:t>Firebase</a:t>
+            </a:r>
+            <a:r>
+              <a:rPr lang="de-CH" dirty="0"/>
+              <a:t> gehandhabt</a:t>
+            </a:r>
+          </a:p>
+          <a:p>
+            <a:pPr marL="0" indent="0">
+              <a:buFontTx/>
+              <a:buNone/>
+            </a:pPr>
+            <a:endParaRPr lang="de-CH" dirty="0"/>
+          </a:p>
+        </p:txBody>
+      </p:sp>
+      <p:sp>
+        <p:nvSpPr>
+          <p:cNvPr id="4" name="Foliennummernplatzhalter 3"/>
+          <p:cNvSpPr>
+            <a:spLocks noGrp="1"/>
+          </p:cNvSpPr>
+          <p:nvPr>
+            <p:ph type="sldNum" sz="quarter" idx="10"/>
+          </p:nvPr>
+        </p:nvSpPr>
+        <p:spPr/>
+        <p:txBody>
+          <a:bodyPr/>
+          <a:lstStyle/>
+          <a:p>
+            <a:fld id="{23B53A39-F8C4-42E7-B074-50977E7B65ED}" type="slidenum">
+              <a:rPr lang="de-CH" smtClean="0"/>
+              <a:t>13</a:t>
+            </a:fld>
+            <a:endParaRPr lang="de-CH"/>
+          </a:p>
+        </p:txBody>
+      </p:sp>
+    </p:spTree>
+    <p:extLst>
+      <p:ext uri="{BB962C8B-B14F-4D97-AF65-F5344CB8AC3E}">
+        <p14:creationId xmlns:p14="http://schemas.microsoft.com/office/powerpoint/2010/main" val="3533354873"/>
       </p:ext>
     </p:extLst>
   </p:cSld>
@@ -962,7 +1381,7 @@
           <a:effectLst/>
           <a:extLst>
             <a:ext uri="{91240B29-F687-4f45-9708-019B960494DF}">
-              <a14:hiddenLine xmlns:a14="http://schemas.microsoft.com/office/drawing/2010/main" xmlns="" w="9525">
+              <a14:hiddenLine xmlns="" xmlns:a14="http://schemas.microsoft.com/office/drawing/2010/main" w="9525">
                 <a:solidFill>
                   <a:srgbClr val="000000"/>
                 </a:solidFill>
@@ -1013,7 +1432,7 @@
           </a:lstStyle>
           <a:p>
             <a:r>
-              <a:rPr lang="de-DE" smtClean="0"/>
+              <a:rPr lang="de-DE"/>
               <a:t>Titelmasterformat durch Klicken bearbeiten</a:t>
             </a:r>
             <a:endParaRPr lang="en-US" dirty="0"/>
@@ -1130,7 +1549,7 @@
           </a:lstStyle>
           <a:p>
             <a:r>
-              <a:rPr lang="de-DE" smtClean="0"/>
+              <a:rPr lang="de-DE"/>
               <a:t>Formatvorlage des Untertitelmasters durch Klicken bearbeiten</a:t>
             </a:r>
             <a:endParaRPr lang="en-US" dirty="0"/>
@@ -1154,7 +1573,7 @@
           <a:p>
             <a:fld id="{38FEC22D-7D5B-4677-9FAA-EB6027C7F7EE}" type="datetimeFigureOut">
               <a:rPr lang="de-CH" smtClean="0"/>
-              <a:t>05.11.2017</a:t>
+              <a:t>06.11.2017</a:t>
             </a:fld>
             <a:endParaRPr lang="de-CH"/>
           </a:p>
@@ -1259,7 +1678,7 @@
           </a:lstStyle>
           <a:p>
             <a:r>
-              <a:rPr lang="de-DE" smtClean="0"/>
+              <a:rPr lang="de-DE"/>
               <a:t>Titelmasterformat durch Klicken bearbeiten</a:t>
             </a:r>
             <a:endParaRPr lang="en-US" dirty="0"/>
@@ -1381,7 +1800,7 @@
           </a:lstStyle>
           <a:p>
             <a:r>
-              <a:rPr lang="de-DE" smtClean="0"/>
+              <a:rPr lang="de-DE"/>
               <a:t>Bild durch Klicken auf Symbol hinzufügen</a:t>
             </a:r>
             <a:endParaRPr lang="en-US" dirty="0"/>
@@ -1449,7 +1868,7 @@
           <a:p>
             <a:pPr lvl="0"/>
             <a:r>
-              <a:rPr lang="de-DE" smtClean="0"/>
+              <a:rPr lang="de-DE"/>
               <a:t>Textmasterformat bearbeiten</a:t>
             </a:r>
           </a:p>
@@ -1472,7 +1891,7 @@
           <a:p>
             <a:fld id="{38FEC22D-7D5B-4677-9FAA-EB6027C7F7EE}" type="datetimeFigureOut">
               <a:rPr lang="de-CH" smtClean="0"/>
-              <a:t>05.11.2017</a:t>
+              <a:t>06.11.2017</a:t>
             </a:fld>
             <a:endParaRPr lang="de-CH"/>
           </a:p>
@@ -1783,7 +2202,7 @@
           </a:lstStyle>
           <a:p>
             <a:r>
-              <a:rPr lang="de-DE" smtClean="0"/>
+              <a:rPr lang="de-DE"/>
               <a:t>Titelmasterformat durch Klicken bearbeiten</a:t>
             </a:r>
             <a:endParaRPr lang="en-US" dirty="0"/>
@@ -1903,7 +2322,7 @@
           <a:p>
             <a:pPr lvl="0"/>
             <a:r>
-              <a:rPr lang="de-DE" smtClean="0"/>
+              <a:rPr lang="de-DE"/>
               <a:t>Textmasterformat bearbeiten</a:t>
             </a:r>
           </a:p>
@@ -1937,7 +2356,7 @@
           <a:p>
             <a:pPr lvl="0"/>
             <a:r>
-              <a:rPr lang="de-DE" smtClean="0"/>
+              <a:rPr lang="de-DE"/>
               <a:t>Textmasterformat bearbeiten</a:t>
             </a:r>
           </a:p>
@@ -1960,7 +2379,7 @@
           <a:p>
             <a:fld id="{38FEC22D-7D5B-4677-9FAA-EB6027C7F7EE}" type="datetimeFigureOut">
               <a:rPr lang="de-CH" smtClean="0"/>
-              <a:t>05.11.2017</a:t>
+              <a:t>06.11.2017</a:t>
             </a:fld>
             <a:endParaRPr lang="de-CH"/>
           </a:p>
@@ -2271,7 +2690,7 @@
           </a:lstStyle>
           <a:p>
             <a:r>
-              <a:rPr lang="de-DE" smtClean="0"/>
+              <a:rPr lang="de-DE"/>
               <a:t>Titelmasterformat durch Klicken bearbeiten</a:t>
             </a:r>
             <a:endParaRPr lang="en-US" dirty="0"/>
@@ -2306,7 +2725,7 @@
           <a:p>
             <a:pPr lvl="0"/>
             <a:r>
-              <a:rPr lang="de-DE" smtClean="0"/>
+              <a:rPr lang="de-DE"/>
               <a:t>Textmasterformat bearbeiten</a:t>
             </a:r>
           </a:p>
@@ -2329,7 +2748,7 @@
           <a:p>
             <a:fld id="{38FEC22D-7D5B-4677-9FAA-EB6027C7F7EE}" type="datetimeFigureOut">
               <a:rPr lang="de-CH" smtClean="0"/>
-              <a:t>05.11.2017</a:t>
+              <a:t>06.11.2017</a:t>
             </a:fld>
             <a:endParaRPr lang="de-CH"/>
           </a:p>
@@ -2484,7 +2903,7 @@
           <a:ln/>
           <a:extLst>
             <a:ext uri="{91240B29-F687-4f45-9708-019B960494DF}">
-              <a14:hiddenLine xmlns:a14="http://schemas.microsoft.com/office/drawing/2010/main" xmlns="" w="9525">
+              <a14:hiddenLine xmlns="" xmlns:a14="http://schemas.microsoft.com/office/drawing/2010/main" w="9525">
                 <a:solidFill>
                   <a:srgbClr val="000000"/>
                 </a:solidFill>
@@ -2526,7 +2945,7 @@
           <a:lstStyle/>
           <a:p>
             <a:r>
-              <a:rPr lang="de-DE" smtClean="0"/>
+              <a:rPr lang="de-DE"/>
               <a:t>Titelmasterformat durch Klicken bearbeiten</a:t>
             </a:r>
             <a:endParaRPr lang="en-US" dirty="0"/>
@@ -2550,35 +2969,35 @@
           <a:p>
             <a:pPr lvl="0"/>
             <a:r>
-              <a:rPr lang="de-DE" smtClean="0"/>
+              <a:rPr lang="de-DE"/>
               <a:t>Textmasterformat bearbeiten</a:t>
             </a:r>
           </a:p>
           <a:p>
             <a:pPr lvl="1"/>
             <a:r>
-              <a:rPr lang="de-DE" smtClean="0"/>
+              <a:rPr lang="de-DE"/>
               <a:t>Zweite Ebene</a:t>
             </a:r>
           </a:p>
           <a:p>
             <a:pPr lvl="2"/>
             <a:r>
-              <a:rPr lang="de-DE" smtClean="0"/>
+              <a:rPr lang="de-DE"/>
               <a:t>Dritte Ebene</a:t>
             </a:r>
           </a:p>
           <a:p>
             <a:pPr lvl="3"/>
             <a:r>
-              <a:rPr lang="de-DE" smtClean="0"/>
+              <a:rPr lang="de-DE"/>
               <a:t>Vierte Ebene</a:t>
             </a:r>
           </a:p>
           <a:p>
             <a:pPr lvl="4"/>
             <a:r>
-              <a:rPr lang="de-DE" smtClean="0"/>
+              <a:rPr lang="de-DE"/>
               <a:t>Fünfte Ebene</a:t>
             </a:r>
             <a:endParaRPr lang="en-US" dirty="0"/>
@@ -2602,7 +3021,7 @@
           <a:p>
             <a:fld id="{38FEC22D-7D5B-4677-9FAA-EB6027C7F7EE}" type="datetimeFigureOut">
               <a:rPr lang="de-CH" smtClean="0"/>
-              <a:t>05.11.2017</a:t>
+              <a:t>06.11.2017</a:t>
             </a:fld>
             <a:endParaRPr lang="de-CH"/>
           </a:p>
@@ -2759,7 +3178,7 @@
           <a:ln/>
           <a:extLst>
             <a:ext uri="{91240B29-F687-4f45-9708-019B960494DF}">
-              <a14:hiddenLine xmlns:a14="http://schemas.microsoft.com/office/drawing/2010/main" xmlns="" w="9525">
+              <a14:hiddenLine xmlns="" xmlns:a14="http://schemas.microsoft.com/office/drawing/2010/main" w="9525">
                 <a:solidFill>
                   <a:srgbClr val="000000"/>
                 </a:solidFill>
@@ -2806,7 +3225,7 @@
           <a:lstStyle/>
           <a:p>
             <a:r>
-              <a:rPr lang="de-DE" smtClean="0"/>
+              <a:rPr lang="de-DE"/>
               <a:t>Titelmasterformat durch Klicken bearbeiten</a:t>
             </a:r>
             <a:endParaRPr lang="en-US" dirty="0"/>
@@ -2835,35 +3254,35 @@
           <a:p>
             <a:pPr lvl="0"/>
             <a:r>
-              <a:rPr lang="de-DE" smtClean="0"/>
+              <a:rPr lang="de-DE"/>
               <a:t>Textmasterformat bearbeiten</a:t>
             </a:r>
           </a:p>
           <a:p>
             <a:pPr lvl="1"/>
             <a:r>
-              <a:rPr lang="de-DE" smtClean="0"/>
+              <a:rPr lang="de-DE"/>
               <a:t>Zweite Ebene</a:t>
             </a:r>
           </a:p>
           <a:p>
             <a:pPr lvl="2"/>
             <a:r>
-              <a:rPr lang="de-DE" smtClean="0"/>
+              <a:rPr lang="de-DE"/>
               <a:t>Dritte Ebene</a:t>
             </a:r>
           </a:p>
           <a:p>
             <a:pPr lvl="3"/>
             <a:r>
-              <a:rPr lang="de-DE" smtClean="0"/>
+              <a:rPr lang="de-DE"/>
               <a:t>Vierte Ebene</a:t>
             </a:r>
           </a:p>
           <a:p>
             <a:pPr lvl="4"/>
             <a:r>
-              <a:rPr lang="de-DE" smtClean="0"/>
+              <a:rPr lang="de-DE"/>
               <a:t>Fünfte Ebene</a:t>
             </a:r>
             <a:endParaRPr lang="en-US" dirty="0"/>
@@ -2887,7 +3306,7 @@
           <a:p>
             <a:fld id="{38FEC22D-7D5B-4677-9FAA-EB6027C7F7EE}" type="datetimeFigureOut">
               <a:rPr lang="de-CH" smtClean="0"/>
-              <a:t>05.11.2017</a:t>
+              <a:t>06.11.2017</a:t>
             </a:fld>
             <a:endParaRPr lang="de-CH"/>
           </a:p>
@@ -3042,7 +3461,7 @@
           <a:ln/>
           <a:extLst>
             <a:ext uri="{91240B29-F687-4f45-9708-019B960494DF}">
-              <a14:hiddenLine xmlns:a14="http://schemas.microsoft.com/office/drawing/2010/main" xmlns="" w="9525">
+              <a14:hiddenLine xmlns="" xmlns:a14="http://schemas.microsoft.com/office/drawing/2010/main" w="9525">
                 <a:solidFill>
                   <a:srgbClr val="000000"/>
                 </a:solidFill>
@@ -3089,7 +3508,7 @@
           <a:lstStyle/>
           <a:p>
             <a:r>
-              <a:rPr lang="de-DE" smtClean="0"/>
+              <a:rPr lang="de-DE"/>
               <a:t>Titelmasterformat durch Klicken bearbeiten</a:t>
             </a:r>
             <a:endParaRPr lang="en-US" dirty="0"/>
@@ -3118,35 +3537,35 @@
           <a:p>
             <a:pPr lvl="0"/>
             <a:r>
-              <a:rPr lang="de-DE" smtClean="0"/>
+              <a:rPr lang="de-DE"/>
               <a:t>Textmasterformat bearbeiten</a:t>
             </a:r>
           </a:p>
           <a:p>
             <a:pPr lvl="1"/>
             <a:r>
-              <a:rPr lang="de-DE" smtClean="0"/>
+              <a:rPr lang="de-DE"/>
               <a:t>Zweite Ebene</a:t>
             </a:r>
           </a:p>
           <a:p>
             <a:pPr lvl="2"/>
             <a:r>
-              <a:rPr lang="de-DE" smtClean="0"/>
+              <a:rPr lang="de-DE"/>
               <a:t>Dritte Ebene</a:t>
             </a:r>
           </a:p>
           <a:p>
             <a:pPr lvl="3"/>
             <a:r>
-              <a:rPr lang="de-DE" smtClean="0"/>
+              <a:rPr lang="de-DE"/>
               <a:t>Vierte Ebene</a:t>
             </a:r>
           </a:p>
           <a:p>
             <a:pPr lvl="4"/>
             <a:r>
-              <a:rPr lang="de-DE" smtClean="0"/>
+              <a:rPr lang="de-DE"/>
               <a:t>Fünfte Ebene</a:t>
             </a:r>
             <a:endParaRPr lang="en-US" dirty="0"/>
@@ -3170,7 +3589,7 @@
           <a:p>
             <a:fld id="{38FEC22D-7D5B-4677-9FAA-EB6027C7F7EE}" type="datetimeFigureOut">
               <a:rPr lang="de-CH" smtClean="0"/>
-              <a:t>05.11.2017</a:t>
+              <a:t>06.11.2017</a:t>
             </a:fld>
             <a:endParaRPr lang="de-CH"/>
           </a:p>
@@ -3278,10 +3697,9 @@
           <a:lstStyle/>
           <a:p>
             <a:r>
-              <a:rPr lang="de-CH" sz="1200" dirty="0" smtClean="0"/>
+              <a:rPr lang="de-CH" sz="1200" dirty="0"/>
               <a:t>ENTERTAINNET</a:t>
             </a:r>
-            <a:endParaRPr lang="de-CH" sz="1200" dirty="0"/>
           </a:p>
         </p:txBody>
       </p:sp>
@@ -3308,10 +3726,9 @@
           <a:lstStyle/>
           <a:p>
             <a:r>
-              <a:rPr lang="de-CH" sz="1200" dirty="0" smtClean="0"/>
+              <a:rPr lang="de-CH" sz="1200" dirty="0"/>
               <a:t>30.10.2017</a:t>
             </a:r>
-            <a:endParaRPr lang="de-CH" sz="1200" dirty="0"/>
           </a:p>
         </p:txBody>
       </p:sp>
@@ -3467,7 +3884,7 @@
           </a:lstStyle>
           <a:p>
             <a:r>
-              <a:rPr lang="de-DE" smtClean="0"/>
+              <a:rPr lang="de-DE"/>
               <a:t>Titelmasterformat durch Klicken bearbeiten</a:t>
             </a:r>
             <a:endParaRPr lang="en-US" dirty="0"/>
@@ -3587,7 +4004,7 @@
           <a:p>
             <a:pPr lvl="0"/>
             <a:r>
-              <a:rPr lang="de-DE" smtClean="0"/>
+              <a:rPr lang="de-DE"/>
               <a:t>Textmasterformat bearbeiten</a:t>
             </a:r>
           </a:p>
@@ -3610,7 +4027,7 @@
           <a:p>
             <a:fld id="{38FEC22D-7D5B-4677-9FAA-EB6027C7F7EE}" type="datetimeFigureOut">
               <a:rPr lang="de-CH" smtClean="0"/>
-              <a:t>05.11.2017</a:t>
+              <a:t>06.11.2017</a:t>
             </a:fld>
             <a:endParaRPr lang="de-CH"/>
           </a:p>
@@ -3765,7 +4182,7 @@
           <a:ln/>
           <a:extLst>
             <a:ext uri="{91240B29-F687-4f45-9708-019B960494DF}">
-              <a14:hiddenLine xmlns:a14="http://schemas.microsoft.com/office/drawing/2010/main" xmlns="" w="9525">
+              <a14:hiddenLine xmlns="" xmlns:a14="http://schemas.microsoft.com/office/drawing/2010/main" w="9525">
                 <a:solidFill>
                   <a:srgbClr val="000000"/>
                 </a:solidFill>
@@ -3807,7 +4224,7 @@
           <a:lstStyle/>
           <a:p>
             <a:r>
-              <a:rPr lang="de-DE" smtClean="0"/>
+              <a:rPr lang="de-DE"/>
               <a:t>Titelmasterformat durch Klicken bearbeiten</a:t>
             </a:r>
             <a:endParaRPr lang="en-US" dirty="0"/>
@@ -3838,35 +4255,35 @@
           <a:p>
             <a:pPr lvl="0"/>
             <a:r>
-              <a:rPr lang="de-DE" smtClean="0"/>
+              <a:rPr lang="de-DE"/>
               <a:t>Textmasterformat bearbeiten</a:t>
             </a:r>
           </a:p>
           <a:p>
             <a:pPr lvl="1"/>
             <a:r>
-              <a:rPr lang="de-DE" smtClean="0"/>
+              <a:rPr lang="de-DE"/>
               <a:t>Zweite Ebene</a:t>
             </a:r>
           </a:p>
           <a:p>
             <a:pPr lvl="2"/>
             <a:r>
-              <a:rPr lang="de-DE" smtClean="0"/>
+              <a:rPr lang="de-DE"/>
               <a:t>Dritte Ebene</a:t>
             </a:r>
           </a:p>
           <a:p>
             <a:pPr lvl="3"/>
             <a:r>
-              <a:rPr lang="de-DE" smtClean="0"/>
+              <a:rPr lang="de-DE"/>
               <a:t>Vierte Ebene</a:t>
             </a:r>
           </a:p>
           <a:p>
             <a:pPr lvl="4"/>
             <a:r>
-              <a:rPr lang="de-DE" smtClean="0"/>
+              <a:rPr lang="de-DE"/>
               <a:t>Fünfte Ebene</a:t>
             </a:r>
             <a:endParaRPr lang="en-US" dirty="0"/>
@@ -3897,35 +4314,35 @@
           <a:p>
             <a:pPr lvl="0"/>
             <a:r>
-              <a:rPr lang="de-DE" smtClean="0"/>
+              <a:rPr lang="de-DE"/>
               <a:t>Textmasterformat bearbeiten</a:t>
             </a:r>
           </a:p>
           <a:p>
             <a:pPr lvl="1"/>
             <a:r>
-              <a:rPr lang="de-DE" smtClean="0"/>
+              <a:rPr lang="de-DE"/>
               <a:t>Zweite Ebene</a:t>
             </a:r>
           </a:p>
           <a:p>
             <a:pPr lvl="2"/>
             <a:r>
-              <a:rPr lang="de-DE" smtClean="0"/>
+              <a:rPr lang="de-DE"/>
               <a:t>Dritte Ebene</a:t>
             </a:r>
           </a:p>
           <a:p>
             <a:pPr lvl="3"/>
             <a:r>
-              <a:rPr lang="de-DE" smtClean="0"/>
+              <a:rPr lang="de-DE"/>
               <a:t>Vierte Ebene</a:t>
             </a:r>
           </a:p>
           <a:p>
             <a:pPr lvl="4"/>
             <a:r>
-              <a:rPr lang="de-DE" smtClean="0"/>
+              <a:rPr lang="de-DE"/>
               <a:t>Fünfte Ebene</a:t>
             </a:r>
             <a:endParaRPr lang="en-US" dirty="0"/>
@@ -3949,7 +4366,7 @@
           <a:p>
             <a:fld id="{38FEC22D-7D5B-4677-9FAA-EB6027C7F7EE}" type="datetimeFigureOut">
               <a:rPr lang="de-CH" smtClean="0"/>
-              <a:t>05.11.2017</a:t>
+              <a:t>06.11.2017</a:t>
             </a:fld>
             <a:endParaRPr lang="de-CH"/>
           </a:p>
@@ -4104,7 +4521,7 @@
           <a:ln/>
           <a:extLst>
             <a:ext uri="{91240B29-F687-4f45-9708-019B960494DF}">
-              <a14:hiddenLine xmlns:a14="http://schemas.microsoft.com/office/drawing/2010/main" xmlns="" w="9525">
+              <a14:hiddenLine xmlns="" xmlns:a14="http://schemas.microsoft.com/office/drawing/2010/main" w="9525">
                 <a:solidFill>
                   <a:srgbClr val="000000"/>
                 </a:solidFill>
@@ -4150,7 +4567,7 @@
           </a:lstStyle>
           <a:p>
             <a:r>
-              <a:rPr lang="de-DE" smtClean="0"/>
+              <a:rPr lang="de-DE"/>
               <a:t>Titelmasterformat durch Klicken bearbeiten</a:t>
             </a:r>
             <a:endParaRPr lang="en-US" dirty="0"/>
@@ -4218,7 +4635,7 @@
           <a:p>
             <a:pPr lvl="0"/>
             <a:r>
-              <a:rPr lang="de-DE" smtClean="0"/>
+              <a:rPr lang="de-DE"/>
               <a:t>Textmasterformat bearbeiten</a:t>
             </a:r>
           </a:p>
@@ -4248,35 +4665,35 @@
           <a:p>
             <a:pPr lvl="0"/>
             <a:r>
-              <a:rPr lang="de-DE" smtClean="0"/>
+              <a:rPr lang="de-DE"/>
               <a:t>Textmasterformat bearbeiten</a:t>
             </a:r>
           </a:p>
           <a:p>
             <a:pPr lvl="1"/>
             <a:r>
-              <a:rPr lang="de-DE" smtClean="0"/>
+              <a:rPr lang="de-DE"/>
               <a:t>Zweite Ebene</a:t>
             </a:r>
           </a:p>
           <a:p>
             <a:pPr lvl="2"/>
             <a:r>
-              <a:rPr lang="de-DE" smtClean="0"/>
+              <a:rPr lang="de-DE"/>
               <a:t>Dritte Ebene</a:t>
             </a:r>
           </a:p>
           <a:p>
             <a:pPr lvl="3"/>
             <a:r>
-              <a:rPr lang="de-DE" smtClean="0"/>
+              <a:rPr lang="de-DE"/>
               <a:t>Vierte Ebene</a:t>
             </a:r>
           </a:p>
           <a:p>
             <a:pPr lvl="4"/>
             <a:r>
-              <a:rPr lang="de-DE" smtClean="0"/>
+              <a:rPr lang="de-DE"/>
               <a:t>Fünfte Ebene</a:t>
             </a:r>
             <a:endParaRPr lang="en-US" dirty="0"/>
@@ -4344,7 +4761,7 @@
           <a:p>
             <a:pPr lvl="0"/>
             <a:r>
-              <a:rPr lang="de-DE" smtClean="0"/>
+              <a:rPr lang="de-DE"/>
               <a:t>Textmasterformat bearbeiten</a:t>
             </a:r>
           </a:p>
@@ -4374,35 +4791,35 @@
           <a:p>
             <a:pPr lvl="0"/>
             <a:r>
-              <a:rPr lang="de-DE" smtClean="0"/>
+              <a:rPr lang="de-DE"/>
               <a:t>Textmasterformat bearbeiten</a:t>
             </a:r>
           </a:p>
           <a:p>
             <a:pPr lvl="1"/>
             <a:r>
-              <a:rPr lang="de-DE" smtClean="0"/>
+              <a:rPr lang="de-DE"/>
               <a:t>Zweite Ebene</a:t>
             </a:r>
           </a:p>
           <a:p>
             <a:pPr lvl="2"/>
             <a:r>
-              <a:rPr lang="de-DE" smtClean="0"/>
+              <a:rPr lang="de-DE"/>
               <a:t>Dritte Ebene</a:t>
             </a:r>
           </a:p>
           <a:p>
             <a:pPr lvl="3"/>
             <a:r>
-              <a:rPr lang="de-DE" smtClean="0"/>
+              <a:rPr lang="de-DE"/>
               <a:t>Vierte Ebene</a:t>
             </a:r>
           </a:p>
           <a:p>
             <a:pPr lvl="4"/>
             <a:r>
-              <a:rPr lang="de-DE" smtClean="0"/>
+              <a:rPr lang="de-DE"/>
               <a:t>Fünfte Ebene</a:t>
             </a:r>
             <a:endParaRPr lang="en-US" dirty="0"/>
@@ -4426,7 +4843,7 @@
           <a:p>
             <a:fld id="{38FEC22D-7D5B-4677-9FAA-EB6027C7F7EE}" type="datetimeFigureOut">
               <a:rPr lang="de-CH" smtClean="0"/>
-              <a:t>05.11.2017</a:t>
+              <a:t>06.11.2017</a:t>
             </a:fld>
             <a:endParaRPr lang="de-CH"/>
           </a:p>
@@ -4581,7 +4998,7 @@
           <a:ln/>
           <a:extLst>
             <a:ext uri="{91240B29-F687-4f45-9708-019B960494DF}">
-              <a14:hiddenLine xmlns:a14="http://schemas.microsoft.com/office/drawing/2010/main" xmlns="" w="9525">
+              <a14:hiddenLine xmlns="" xmlns:a14="http://schemas.microsoft.com/office/drawing/2010/main" w="9525">
                 <a:solidFill>
                   <a:srgbClr val="000000"/>
                 </a:solidFill>
@@ -4623,7 +5040,7 @@
           <a:lstStyle/>
           <a:p>
             <a:r>
-              <a:rPr lang="de-DE" smtClean="0"/>
+              <a:rPr lang="de-DE"/>
               <a:t>Titelmasterformat durch Klicken bearbeiten</a:t>
             </a:r>
             <a:endParaRPr lang="en-US" dirty="0"/>
@@ -4647,7 +5064,7 @@
           <a:p>
             <a:fld id="{38FEC22D-7D5B-4677-9FAA-EB6027C7F7EE}" type="datetimeFigureOut">
               <a:rPr lang="de-CH" smtClean="0"/>
-              <a:t>05.11.2017</a:t>
+              <a:t>06.11.2017</a:t>
             </a:fld>
             <a:endParaRPr lang="de-CH"/>
           </a:p>
@@ -4742,7 +5159,7 @@
           <a:p>
             <a:fld id="{38FEC22D-7D5B-4677-9FAA-EB6027C7F7EE}" type="datetimeFigureOut">
               <a:rPr lang="de-CH" smtClean="0"/>
-              <a:t>05.11.2017</a:t>
+              <a:t>06.11.2017</a:t>
             </a:fld>
             <a:endParaRPr lang="de-CH"/>
           </a:p>
@@ -5010,7 +5427,7 @@
           <a:ln/>
           <a:extLst>
             <a:ext uri="{91240B29-F687-4f45-9708-019B960494DF}">
-              <a14:hiddenLine xmlns:a14="http://schemas.microsoft.com/office/drawing/2010/main" xmlns="" w="9525">
+              <a14:hiddenLine xmlns="" xmlns:a14="http://schemas.microsoft.com/office/drawing/2010/main" w="9525">
                 <a:solidFill>
                   <a:srgbClr val="000000"/>
                 </a:solidFill>
@@ -5061,7 +5478,7 @@
           </a:lstStyle>
           <a:p>
             <a:r>
-              <a:rPr lang="de-DE" smtClean="0"/>
+              <a:rPr lang="de-DE"/>
               <a:t>Titelmasterformat durch Klicken bearbeiten</a:t>
             </a:r>
             <a:endParaRPr lang="en-US" dirty="0"/>
@@ -5092,35 +5509,35 @@
           <a:p>
             <a:pPr lvl="0"/>
             <a:r>
-              <a:rPr lang="de-DE" smtClean="0"/>
+              <a:rPr lang="de-DE"/>
               <a:t>Textmasterformat bearbeiten</a:t>
             </a:r>
           </a:p>
           <a:p>
             <a:pPr lvl="1"/>
             <a:r>
-              <a:rPr lang="de-DE" smtClean="0"/>
+              <a:rPr lang="de-DE"/>
               <a:t>Zweite Ebene</a:t>
             </a:r>
           </a:p>
           <a:p>
             <a:pPr lvl="2"/>
             <a:r>
-              <a:rPr lang="de-DE" smtClean="0"/>
+              <a:rPr lang="de-DE"/>
               <a:t>Dritte Ebene</a:t>
             </a:r>
           </a:p>
           <a:p>
             <a:pPr lvl="3"/>
             <a:r>
-              <a:rPr lang="de-DE" smtClean="0"/>
+              <a:rPr lang="de-DE"/>
               <a:t>Vierte Ebene</a:t>
             </a:r>
           </a:p>
           <a:p>
             <a:pPr lvl="4"/>
             <a:r>
-              <a:rPr lang="de-DE" smtClean="0"/>
+              <a:rPr lang="de-DE"/>
               <a:t>Fünfte Ebene</a:t>
             </a:r>
             <a:endParaRPr lang="en-US" dirty="0"/>
@@ -5186,7 +5603,7 @@
           <a:p>
             <a:pPr lvl="0"/>
             <a:r>
-              <a:rPr lang="de-DE" smtClean="0"/>
+              <a:rPr lang="de-DE"/>
               <a:t>Textmasterformat bearbeiten</a:t>
             </a:r>
           </a:p>
@@ -5209,7 +5626,7 @@
           <a:p>
             <a:fld id="{38FEC22D-7D5B-4677-9FAA-EB6027C7F7EE}" type="datetimeFigureOut">
               <a:rPr lang="de-CH" smtClean="0"/>
-              <a:t>05.11.2017</a:t>
+              <a:t>06.11.2017</a:t>
             </a:fld>
             <a:endParaRPr lang="de-CH"/>
           </a:p>
@@ -5314,7 +5731,7 @@
           </a:lstStyle>
           <a:p>
             <a:r>
-              <a:rPr lang="de-DE" smtClean="0"/>
+              <a:rPr lang="de-DE"/>
               <a:t>Titelmasterformat durch Klicken bearbeiten</a:t>
             </a:r>
             <a:endParaRPr lang="en-US" dirty="0"/>
@@ -5426,7 +5843,7 @@
           </a:lstStyle>
           <a:p>
             <a:r>
-              <a:rPr lang="de-DE" smtClean="0"/>
+              <a:rPr lang="de-DE"/>
               <a:t>Bild durch Klicken auf Symbol hinzufügen</a:t>
             </a:r>
             <a:endParaRPr lang="en-US" dirty="0"/>
@@ -5494,7 +5911,7 @@
           <a:p>
             <a:pPr lvl="0"/>
             <a:r>
-              <a:rPr lang="de-DE" smtClean="0"/>
+              <a:rPr lang="de-DE"/>
               <a:t>Textmasterformat bearbeiten</a:t>
             </a:r>
           </a:p>
@@ -5522,7 +5939,7 @@
           <a:p>
             <a:fld id="{38FEC22D-7D5B-4677-9FAA-EB6027C7F7EE}" type="datetimeFigureOut">
               <a:rPr lang="de-CH" smtClean="0"/>
-              <a:t>05.11.2017</a:t>
+              <a:t>06.11.2017</a:t>
             </a:fld>
             <a:endParaRPr lang="de-CH"/>
           </a:p>
@@ -5648,7 +6065,7 @@
           <a:lstStyle/>
           <a:p>
             <a:r>
-              <a:rPr lang="de-DE" smtClean="0"/>
+              <a:rPr lang="de-DE"/>
               <a:t>Titelmasterformat durch Klicken bearbeiten</a:t>
             </a:r>
             <a:endParaRPr lang="en-US" dirty="0"/>
@@ -5689,35 +6106,35 @@
           <a:p>
             <a:pPr lvl="0"/>
             <a:r>
-              <a:rPr lang="de-DE" smtClean="0"/>
+              <a:rPr lang="de-DE"/>
               <a:t>Textmasterformat bearbeiten</a:t>
             </a:r>
           </a:p>
           <a:p>
             <a:pPr lvl="1"/>
             <a:r>
-              <a:rPr lang="de-DE" smtClean="0"/>
+              <a:rPr lang="de-DE"/>
               <a:t>Zweite Ebene</a:t>
             </a:r>
           </a:p>
           <a:p>
             <a:pPr lvl="2"/>
             <a:r>
-              <a:rPr lang="de-DE" smtClean="0"/>
+              <a:rPr lang="de-DE"/>
               <a:t>Dritte Ebene</a:t>
             </a:r>
           </a:p>
           <a:p>
             <a:pPr lvl="3"/>
             <a:r>
-              <a:rPr lang="de-DE" smtClean="0"/>
+              <a:rPr lang="de-DE"/>
               <a:t>Vierte Ebene</a:t>
             </a:r>
           </a:p>
           <a:p>
             <a:pPr lvl="4"/>
             <a:r>
-              <a:rPr lang="de-DE" smtClean="0"/>
+              <a:rPr lang="de-DE"/>
               <a:t>Fünfte Ebene</a:t>
             </a:r>
             <a:endParaRPr lang="en-US" dirty="0"/>
@@ -5792,7 +6209,7 @@
           <a:p>
             <a:fld id="{38FEC22D-7D5B-4677-9FAA-EB6027C7F7EE}" type="datetimeFigureOut">
               <a:rPr lang="de-CH" smtClean="0"/>
-              <a:t>05.11.2017</a:t>
+              <a:t>06.11.2017</a:t>
             </a:fld>
             <a:endParaRPr lang="de-CH"/>
           </a:p>
@@ -6257,10 +6674,9 @@
           <a:lstStyle/>
           <a:p>
             <a:r>
-              <a:rPr lang="de-CH" dirty="0" smtClean="0"/>
+              <a:rPr lang="de-CH" dirty="0"/>
               <a:t>ENTERTAINNET	</a:t>
             </a:r>
-            <a:endParaRPr lang="de-CH" dirty="0"/>
           </a:p>
         </p:txBody>
       </p:sp>
@@ -6282,31 +6698,31 @@
           <a:lstStyle/>
           <a:p>
             <a:r>
-              <a:rPr lang="de-CH" dirty="0" smtClean="0"/>
+              <a:rPr lang="de-CH" dirty="0"/>
               <a:t>Von Nico Lutz, Marc Vollenweider, Patrick </a:t>
             </a:r>
             <a:r>
-              <a:rPr lang="de-CH" dirty="0" err="1" smtClean="0"/>
+              <a:rPr lang="de-CH" dirty="0" err="1"/>
               <a:t>Wissiak</a:t>
             </a:r>
             <a:r>
-              <a:rPr lang="de-CH" dirty="0" smtClean="0"/>
+              <a:rPr lang="de-CH" dirty="0"/>
               <a:t>, Gabriel Meier, </a:t>
             </a:r>
             <a:r>
-              <a:rPr lang="de-CH" dirty="0" err="1" smtClean="0"/>
+              <a:rPr lang="de-CH" dirty="0" err="1"/>
               <a:t>Vithun</a:t>
             </a:r>
             <a:r>
-              <a:rPr lang="de-CH" dirty="0" smtClean="0"/>
+              <a:rPr lang="de-CH" dirty="0"/>
               <a:t> </a:t>
             </a:r>
             <a:r>
-              <a:rPr lang="de-CH" dirty="0" err="1" smtClean="0"/>
+              <a:rPr lang="de-CH" dirty="0" err="1"/>
               <a:t>Vamathevan</a:t>
             </a:r>
             <a:r>
-              <a:rPr lang="de-CH" dirty="0" smtClean="0"/>
+              <a:rPr lang="de-CH" dirty="0"/>
               <a:t>, Alex Maurer</a:t>
             </a:r>
           </a:p>
@@ -6381,13 +6797,7 @@
       </p:grpSpPr>
       <p:sp>
         <p:nvSpPr>
-          <p:cNvPr id="2" name="Titel 1">
-            <a:extLst>
-              <a:ext uri="{FF2B5EF4-FFF2-40B4-BE49-F238E27FC236}">
-                <a16:creationId xmlns:a16="http://schemas.microsoft.com/office/drawing/2014/main" xmlns="" id="{0FB79353-3051-490F-BF9B-7E718EAFD1B7}"/>
-              </a:ext>
-            </a:extLst>
-          </p:cNvPr>
+          <p:cNvPr id="2" name="Titel 1"/>
           <p:cNvSpPr>
             <a:spLocks noGrp="1"/>
           </p:cNvSpPr>
@@ -6402,85 +6812,1331 @@
           <a:p>
             <a:r>
               <a:rPr lang="de-CH" dirty="0"/>
-              <a:t>Architektur</a:t>
+              <a:t>Risikoanalyse</a:t>
             </a:r>
           </a:p>
         </p:txBody>
       </p:sp>
-      <p:sp>
-        <p:nvSpPr>
-          <p:cNvPr id="3" name="Inhaltsplatzhalter 2">
+      <p:graphicFrame>
+        <p:nvGraphicFramePr>
+          <p:cNvPr id="5" name="Inhaltsplatzhalter 4">
             <a:extLst>
               <a:ext uri="{FF2B5EF4-FFF2-40B4-BE49-F238E27FC236}">
-                <a16:creationId xmlns:a16="http://schemas.microsoft.com/office/drawing/2014/main" xmlns="" id="{23B1A03A-CC3A-4FDE-A696-B1690AB8D1FB}"/>
+                <a16:creationId xmlns:a16="http://schemas.microsoft.com/office/drawing/2014/main" id="{FF7FE7BC-62B1-42C8-9148-87CD73684683}"/>
               </a:ext>
             </a:extLst>
           </p:cNvPr>
-          <p:cNvSpPr>
-            <a:spLocks noGrp="1"/>
-          </p:cNvSpPr>
+          <p:cNvGraphicFramePr>
+            <a:graphicFrameLocks noGrp="1"/>
+          </p:cNvGraphicFramePr>
           <p:nvPr>
             <p:ph idx="1"/>
+            <p:extLst>
+              <p:ext uri="{D42A27DB-BD31-4B8C-83A1-F6EECF244321}">
+                <p14:modId xmlns:p14="http://schemas.microsoft.com/office/powerpoint/2010/main" val="2682221352"/>
+              </p:ext>
+            </p:extLst>
           </p:nvPr>
-        </p:nvSpPr>
-        <p:spPr/>
-        <p:txBody>
-          <a:bodyPr anchor="t"/>
-          <a:lstStyle/>
-          <a:p>
-            <a:r>
-              <a:rPr lang="de-CH" dirty="0" err="1"/>
-              <a:t>Firebase</a:t>
-            </a:r>
-            <a:r>
-              <a:rPr lang="de-CH" dirty="0"/>
-              <a:t> Backend (Datenbank)</a:t>
-            </a:r>
-          </a:p>
-          <a:p>
-            <a:r>
-              <a:rPr lang="de-CH" dirty="0"/>
-              <a:t>GitHub</a:t>
-            </a:r>
-          </a:p>
-          <a:p>
-            <a:pPr lvl="0"/>
-            <a:r>
-              <a:rPr lang="de-CH" dirty="0" err="1"/>
-              <a:t>Trello</a:t>
-            </a:r>
-            <a:endParaRPr lang="de-CH" dirty="0"/>
-          </a:p>
-          <a:p>
-            <a:pPr lvl="0"/>
-            <a:r>
-              <a:rPr lang="de-CH" dirty="0" err="1"/>
-              <a:t>AndroidStudio</a:t>
-            </a:r>
-            <a:endParaRPr lang="de-CH" dirty="0"/>
-          </a:p>
-          <a:p>
-            <a:pPr lvl="0"/>
-            <a:r>
-              <a:rPr lang="de-CH" dirty="0"/>
-              <a:t>GANTT</a:t>
-            </a:r>
-          </a:p>
-          <a:p>
-            <a:r>
-              <a:rPr lang="de-CH" dirty="0"/>
-              <a:t>Microsoft Office Produkte</a:t>
-            </a:r>
-          </a:p>
-          <a:p>
-            <a:endParaRPr lang="de-CH" dirty="0"/>
-          </a:p>
-        </p:txBody>
-      </p:sp>
+        </p:nvGraphicFramePr>
+        <p:xfrm>
+          <a:off x="-2" y="2226364"/>
+          <a:ext cx="12192002" cy="3565507"/>
+        </p:xfrm>
+        <a:graphic>
+          <a:graphicData uri="http://schemas.openxmlformats.org/drawingml/2006/table">
+            <a:tbl>
+              <a:tblPr>
+                <a:tableStyleId>{D113A9D2-9D6B-4929-AA2D-F23B5EE8CBE7}</a:tableStyleId>
+              </a:tblPr>
+              <a:tblGrid>
+                <a:gridCol w="334501">
+                  <a:extLst>
+                    <a:ext uri="{9D8B030D-6E8A-4147-A177-3AD203B41FA5}">
+                      <a16:colId xmlns:a16="http://schemas.microsoft.com/office/drawing/2014/main" val="1756958949"/>
+                    </a:ext>
+                  </a:extLst>
+                </a:gridCol>
+                <a:gridCol w="1614835">
+                  <a:extLst>
+                    <a:ext uri="{9D8B030D-6E8A-4147-A177-3AD203B41FA5}">
+                      <a16:colId xmlns:a16="http://schemas.microsoft.com/office/drawing/2014/main" val="2119582681"/>
+                    </a:ext>
+                  </a:extLst>
+                </a:gridCol>
+                <a:gridCol w="2030078">
+                  <a:extLst>
+                    <a:ext uri="{9D8B030D-6E8A-4147-A177-3AD203B41FA5}">
+                      <a16:colId xmlns:a16="http://schemas.microsoft.com/office/drawing/2014/main" val="309405549"/>
+                    </a:ext>
+                  </a:extLst>
+                </a:gridCol>
+                <a:gridCol w="3506498">
+                  <a:extLst>
+                    <a:ext uri="{9D8B030D-6E8A-4147-A177-3AD203B41FA5}">
+                      <a16:colId xmlns:a16="http://schemas.microsoft.com/office/drawing/2014/main" val="617832737"/>
+                    </a:ext>
+                  </a:extLst>
+                </a:gridCol>
+                <a:gridCol w="296429">
+                  <a:extLst>
+                    <a:ext uri="{9D8B030D-6E8A-4147-A177-3AD203B41FA5}">
+                      <a16:colId xmlns:a16="http://schemas.microsoft.com/office/drawing/2014/main" val="2844262930"/>
+                    </a:ext>
+                  </a:extLst>
+                </a:gridCol>
+                <a:gridCol w="327991">
+                  <a:extLst>
+                    <a:ext uri="{9D8B030D-6E8A-4147-A177-3AD203B41FA5}">
+                      <a16:colId xmlns:a16="http://schemas.microsoft.com/office/drawing/2014/main" val="3985694485"/>
+                    </a:ext>
+                  </a:extLst>
+                </a:gridCol>
+                <a:gridCol w="337931">
+                  <a:extLst>
+                    <a:ext uri="{9D8B030D-6E8A-4147-A177-3AD203B41FA5}">
+                      <a16:colId xmlns:a16="http://schemas.microsoft.com/office/drawing/2014/main" val="936486431"/>
+                    </a:ext>
+                  </a:extLst>
+                </a:gridCol>
+                <a:gridCol w="1848678">
+                  <a:extLst>
+                    <a:ext uri="{9D8B030D-6E8A-4147-A177-3AD203B41FA5}">
+                      <a16:colId xmlns:a16="http://schemas.microsoft.com/office/drawing/2014/main" val="983719914"/>
+                    </a:ext>
+                  </a:extLst>
+                </a:gridCol>
+                <a:gridCol w="954157">
+                  <a:extLst>
+                    <a:ext uri="{9D8B030D-6E8A-4147-A177-3AD203B41FA5}">
+                      <a16:colId xmlns:a16="http://schemas.microsoft.com/office/drawing/2014/main" val="2979302150"/>
+                    </a:ext>
+                  </a:extLst>
+                </a:gridCol>
+                <a:gridCol w="940904">
+                  <a:extLst>
+                    <a:ext uri="{9D8B030D-6E8A-4147-A177-3AD203B41FA5}">
+                      <a16:colId xmlns:a16="http://schemas.microsoft.com/office/drawing/2014/main" val="3779189737"/>
+                    </a:ext>
+                  </a:extLst>
+                </a:gridCol>
+              </a:tblGrid>
+              <a:tr h="1621391">
+                <a:tc>
+                  <a:txBody>
+                    <a:bodyPr/>
+                    <a:lstStyle/>
+                    <a:p>
+                      <a:pPr algn="l" fontAlgn="b"/>
+                      <a:r>
+                        <a:rPr lang="de-CH" sz="1400" u="none" strike="noStrike" dirty="0">
+                          <a:effectLst/>
+                        </a:rPr>
+                        <a:t>Nr.</a:t>
+                      </a:r>
+                      <a:endParaRPr lang="de-CH" sz="1400" b="1" i="0" u="none" strike="noStrike" dirty="0">
+                        <a:solidFill>
+                          <a:schemeClr val="tx1"/>
+                        </a:solidFill>
+                        <a:effectLst/>
+                        <a:latin typeface="Calibri" panose="020F0502020204030204" pitchFamily="34" charset="0"/>
+                      </a:endParaRPr>
+                    </a:p>
+                  </a:txBody>
+                  <a:tcPr marL="5969" marR="5969" marT="5969" marB="0" anchor="ctr"/>
+                </a:tc>
+                <a:tc>
+                  <a:txBody>
+                    <a:bodyPr/>
+                    <a:lstStyle/>
+                    <a:p>
+                      <a:pPr algn="l" fontAlgn="b"/>
+                      <a:r>
+                        <a:rPr lang="de-CH" sz="1400" u="none" strike="noStrike" dirty="0">
+                          <a:effectLst/>
+                        </a:rPr>
+                        <a:t>Risikogruppe</a:t>
+                      </a:r>
+                      <a:endParaRPr lang="de-CH" sz="1400" b="1" i="0" u="none" strike="noStrike" dirty="0">
+                        <a:solidFill>
+                          <a:schemeClr val="tx1"/>
+                        </a:solidFill>
+                        <a:effectLst/>
+                        <a:latin typeface="Calibri" panose="020F0502020204030204" pitchFamily="34" charset="0"/>
+                      </a:endParaRPr>
+                    </a:p>
+                  </a:txBody>
+                  <a:tcPr marL="5969" marR="5969" marT="5969" marB="0" anchor="ctr"/>
+                </a:tc>
+                <a:tc>
+                  <a:txBody>
+                    <a:bodyPr/>
+                    <a:lstStyle/>
+                    <a:p>
+                      <a:pPr algn="l" fontAlgn="b"/>
+                      <a:r>
+                        <a:rPr lang="de-CH" sz="1400" u="none" strike="noStrike" dirty="0">
+                          <a:effectLst/>
+                        </a:rPr>
+                        <a:t>Risiko</a:t>
+                      </a:r>
+                      <a:endParaRPr lang="de-CH" sz="1400" b="1" i="0" u="none" strike="noStrike" dirty="0">
+                        <a:solidFill>
+                          <a:schemeClr val="tx1"/>
+                        </a:solidFill>
+                        <a:effectLst/>
+                        <a:latin typeface="Calibri" panose="020F0502020204030204" pitchFamily="34" charset="0"/>
+                      </a:endParaRPr>
+                    </a:p>
+                  </a:txBody>
+                  <a:tcPr marL="5969" marR="5969" marT="5969" marB="0" anchor="ctr"/>
+                </a:tc>
+                <a:tc>
+                  <a:txBody>
+                    <a:bodyPr/>
+                    <a:lstStyle/>
+                    <a:p>
+                      <a:pPr algn="l" fontAlgn="b"/>
+                      <a:r>
+                        <a:rPr lang="de-CH" sz="1400" u="none" strike="noStrike">
+                          <a:effectLst/>
+                        </a:rPr>
+                        <a:t>Symptome</a:t>
+                      </a:r>
+                      <a:endParaRPr lang="de-CH" sz="1400" b="1" i="0" u="none" strike="noStrike">
+                        <a:solidFill>
+                          <a:schemeClr val="tx1"/>
+                        </a:solidFill>
+                        <a:effectLst/>
+                        <a:latin typeface="Calibri" panose="020F0502020204030204" pitchFamily="34" charset="0"/>
+                      </a:endParaRPr>
+                    </a:p>
+                  </a:txBody>
+                  <a:tcPr marL="5969" marR="5969" marT="5969" marB="0" anchor="ctr"/>
+                </a:tc>
+                <a:tc>
+                  <a:txBody>
+                    <a:bodyPr/>
+                    <a:lstStyle/>
+                    <a:p>
+                      <a:pPr algn="r" fontAlgn="b"/>
+                      <a:r>
+                        <a:rPr lang="de-CH" sz="1400" u="none" strike="noStrike" dirty="0">
+                          <a:effectLst/>
+                        </a:rPr>
+                        <a:t>Wahrscheinlichkeit</a:t>
+                      </a:r>
+                      <a:endParaRPr lang="de-CH" sz="1400" b="1" i="0" u="none" strike="noStrike" dirty="0">
+                        <a:solidFill>
+                          <a:schemeClr val="tx1"/>
+                        </a:solidFill>
+                        <a:effectLst/>
+                        <a:latin typeface="Calibri" panose="020F0502020204030204" pitchFamily="34" charset="0"/>
+                      </a:endParaRPr>
+                    </a:p>
+                  </a:txBody>
+                  <a:tcPr marL="5969" marR="5969" marT="5969" marB="0" vert="vert270" anchor="ctr"/>
+                </a:tc>
+                <a:tc>
+                  <a:txBody>
+                    <a:bodyPr/>
+                    <a:lstStyle/>
+                    <a:p>
+                      <a:pPr algn="r" fontAlgn="b"/>
+                      <a:r>
+                        <a:rPr lang="de-CH" sz="1400" u="none" strike="noStrike" dirty="0">
+                          <a:effectLst/>
+                        </a:rPr>
+                        <a:t>Tragweite</a:t>
+                      </a:r>
+                      <a:endParaRPr lang="de-CH" sz="1400" b="1" i="0" u="none" strike="noStrike" dirty="0">
+                        <a:solidFill>
+                          <a:schemeClr val="tx1"/>
+                        </a:solidFill>
+                        <a:effectLst/>
+                        <a:latin typeface="Calibri" panose="020F0502020204030204" pitchFamily="34" charset="0"/>
+                      </a:endParaRPr>
+                    </a:p>
+                  </a:txBody>
+                  <a:tcPr marL="5969" marR="5969" marT="5969" marB="0" vert="vert270" anchor="ctr"/>
+                </a:tc>
+                <a:tc>
+                  <a:txBody>
+                    <a:bodyPr/>
+                    <a:lstStyle/>
+                    <a:p>
+                      <a:pPr algn="r" fontAlgn="b"/>
+                      <a:r>
+                        <a:rPr lang="de-CH" sz="1400" u="none" strike="noStrike" dirty="0">
+                          <a:effectLst/>
+                        </a:rPr>
+                        <a:t>Risikofaktor</a:t>
+                      </a:r>
+                      <a:endParaRPr lang="de-CH" sz="1400" b="1" i="0" u="none" strike="noStrike" dirty="0">
+                        <a:solidFill>
+                          <a:schemeClr val="tx1"/>
+                        </a:solidFill>
+                        <a:effectLst/>
+                        <a:latin typeface="Calibri" panose="020F0502020204030204" pitchFamily="34" charset="0"/>
+                      </a:endParaRPr>
+                    </a:p>
+                  </a:txBody>
+                  <a:tcPr marL="5969" marR="5969" marT="5969" marB="0" vert="vert270" anchor="ctr"/>
+                </a:tc>
+                <a:tc>
+                  <a:txBody>
+                    <a:bodyPr/>
+                    <a:lstStyle/>
+                    <a:p>
+                      <a:pPr algn="l" fontAlgn="b"/>
+                      <a:r>
+                        <a:rPr lang="de-CH" sz="1400" u="none" strike="noStrike">
+                          <a:effectLst/>
+                        </a:rPr>
+                        <a:t>Gegenmassnahme</a:t>
+                      </a:r>
+                      <a:endParaRPr lang="de-CH" sz="1400" b="1" i="0" u="none" strike="noStrike">
+                        <a:solidFill>
+                          <a:schemeClr val="tx1"/>
+                        </a:solidFill>
+                        <a:effectLst/>
+                        <a:latin typeface="Calibri" panose="020F0502020204030204" pitchFamily="34" charset="0"/>
+                      </a:endParaRPr>
+                    </a:p>
+                  </a:txBody>
+                  <a:tcPr marL="5969" marR="5969" marT="5969" marB="0" anchor="ctr"/>
+                </a:tc>
+                <a:tc>
+                  <a:txBody>
+                    <a:bodyPr/>
+                    <a:lstStyle/>
+                    <a:p>
+                      <a:pPr algn="l" fontAlgn="b"/>
+                      <a:r>
+                        <a:rPr lang="de-CH" sz="1400" u="none" strike="noStrike">
+                          <a:effectLst/>
+                        </a:rPr>
+                        <a:t>Deadline</a:t>
+                      </a:r>
+                      <a:endParaRPr lang="de-CH" sz="1400" b="1" i="0" u="none" strike="noStrike">
+                        <a:solidFill>
+                          <a:schemeClr val="tx1"/>
+                        </a:solidFill>
+                        <a:effectLst/>
+                        <a:latin typeface="Calibri" panose="020F0502020204030204" pitchFamily="34" charset="0"/>
+                      </a:endParaRPr>
+                    </a:p>
+                  </a:txBody>
+                  <a:tcPr marL="5969" marR="5969" marT="5969" marB="0" anchor="ctr"/>
+                </a:tc>
+                <a:tc>
+                  <a:txBody>
+                    <a:bodyPr/>
+                    <a:lstStyle/>
+                    <a:p>
+                      <a:pPr algn="l" fontAlgn="b"/>
+                      <a:r>
+                        <a:rPr lang="de-CH" sz="1400" u="none" strike="noStrike">
+                          <a:effectLst/>
+                        </a:rPr>
+                        <a:t>Verantwortung</a:t>
+                      </a:r>
+                      <a:endParaRPr lang="de-CH" sz="1400" b="1" i="0" u="none" strike="noStrike">
+                        <a:solidFill>
+                          <a:schemeClr val="tx1"/>
+                        </a:solidFill>
+                        <a:effectLst/>
+                        <a:latin typeface="Calibri" panose="020F0502020204030204" pitchFamily="34" charset="0"/>
+                      </a:endParaRPr>
+                    </a:p>
+                  </a:txBody>
+                  <a:tcPr marL="5969" marR="5969" marT="5969" marB="0" anchor="ctr"/>
+                </a:tc>
+                <a:extLst>
+                  <a:ext uri="{0D108BD9-81ED-4DB2-BD59-A6C34878D82A}">
+                    <a16:rowId xmlns:a16="http://schemas.microsoft.com/office/drawing/2014/main" val="204507381"/>
+                  </a:ext>
+                </a:extLst>
+              </a:tr>
+              <a:tr h="510352">
+                <a:tc>
+                  <a:txBody>
+                    <a:bodyPr/>
+                    <a:lstStyle/>
+                    <a:p>
+                      <a:pPr algn="r" fontAlgn="b"/>
+                      <a:r>
+                        <a:rPr lang="de-CH" sz="1400" u="none" strike="noStrike" dirty="0">
+                          <a:effectLst/>
+                        </a:rPr>
+                        <a:t>1</a:t>
+                      </a:r>
+                      <a:endParaRPr lang="de-CH" sz="1400" b="0" i="0" u="none" strike="noStrike" dirty="0">
+                        <a:solidFill>
+                          <a:schemeClr val="tx1"/>
+                        </a:solidFill>
+                        <a:effectLst/>
+                        <a:latin typeface="Calibri" panose="020F0502020204030204" pitchFamily="34" charset="0"/>
+                      </a:endParaRPr>
+                    </a:p>
+                  </a:txBody>
+                  <a:tcPr marL="5969" marR="5969" marT="5969" marB="0" anchor="ctr"/>
+                </a:tc>
+                <a:tc>
+                  <a:txBody>
+                    <a:bodyPr/>
+                    <a:lstStyle/>
+                    <a:p>
+                      <a:pPr algn="l" fontAlgn="b"/>
+                      <a:r>
+                        <a:rPr lang="de-CH" sz="1400" u="none" strike="noStrike" dirty="0">
+                          <a:effectLst/>
+                        </a:rPr>
+                        <a:t>Organisation</a:t>
+                      </a:r>
+                      <a:endParaRPr lang="de-CH" sz="1400" b="0" i="0" u="none" strike="noStrike" dirty="0">
+                        <a:solidFill>
+                          <a:schemeClr val="tx1"/>
+                        </a:solidFill>
+                        <a:effectLst/>
+                        <a:latin typeface="Calibri" panose="020F0502020204030204" pitchFamily="34" charset="0"/>
+                      </a:endParaRPr>
+                    </a:p>
+                  </a:txBody>
+                  <a:tcPr marL="5969" marR="5969" marT="5969" marB="0" anchor="ctr"/>
+                </a:tc>
+                <a:tc>
+                  <a:txBody>
+                    <a:bodyPr/>
+                    <a:lstStyle/>
+                    <a:p>
+                      <a:pPr algn="l" fontAlgn="b"/>
+                      <a:r>
+                        <a:rPr lang="de-CH" sz="1400" u="none" strike="noStrike" dirty="0">
+                          <a:effectLst/>
+                        </a:rPr>
+                        <a:t>Verspätete Abgabe</a:t>
+                      </a:r>
+                      <a:endParaRPr lang="de-CH" sz="1400" b="0" i="0" u="none" strike="noStrike" dirty="0">
+                        <a:solidFill>
+                          <a:schemeClr val="tx1"/>
+                        </a:solidFill>
+                        <a:effectLst/>
+                        <a:latin typeface="Calibri" panose="020F0502020204030204" pitchFamily="34" charset="0"/>
+                      </a:endParaRPr>
+                    </a:p>
+                  </a:txBody>
+                  <a:tcPr marL="5969" marR="5969" marT="5969" marB="0" anchor="ctr"/>
+                </a:tc>
+                <a:tc>
+                  <a:txBody>
+                    <a:bodyPr/>
+                    <a:lstStyle/>
+                    <a:p>
+                      <a:pPr algn="l" fontAlgn="b"/>
+                      <a:r>
+                        <a:rPr lang="de-CH" sz="1400" u="none" strike="noStrike" dirty="0">
+                          <a:effectLst/>
+                        </a:rPr>
+                        <a:t>sich in gewissen Aufgaben verlieren</a:t>
+                      </a:r>
+                      <a:endParaRPr lang="de-CH" sz="1400" b="0" i="0" u="none" strike="noStrike" dirty="0">
+                        <a:solidFill>
+                          <a:schemeClr val="tx1"/>
+                        </a:solidFill>
+                        <a:effectLst/>
+                        <a:latin typeface="Calibri" panose="020F0502020204030204" pitchFamily="34" charset="0"/>
+                      </a:endParaRPr>
+                    </a:p>
+                  </a:txBody>
+                  <a:tcPr marL="5969" marR="5969" marT="5969" marB="0" anchor="ctr"/>
+                </a:tc>
+                <a:tc>
+                  <a:txBody>
+                    <a:bodyPr/>
+                    <a:lstStyle/>
+                    <a:p>
+                      <a:pPr algn="r" fontAlgn="b"/>
+                      <a:r>
+                        <a:rPr lang="de-CH" sz="1400" u="none" strike="noStrike">
+                          <a:effectLst/>
+                        </a:rPr>
+                        <a:t>2</a:t>
+                      </a:r>
+                      <a:endParaRPr lang="de-CH" sz="1400" b="0" i="0" u="none" strike="noStrike">
+                        <a:solidFill>
+                          <a:schemeClr val="tx1"/>
+                        </a:solidFill>
+                        <a:effectLst/>
+                        <a:latin typeface="Calibri" panose="020F0502020204030204" pitchFamily="34" charset="0"/>
+                      </a:endParaRPr>
+                    </a:p>
+                  </a:txBody>
+                  <a:tcPr marL="5969" marR="5969" marT="5969" marB="0" anchor="ctr"/>
+                </a:tc>
+                <a:tc>
+                  <a:txBody>
+                    <a:bodyPr/>
+                    <a:lstStyle/>
+                    <a:p>
+                      <a:pPr algn="r" fontAlgn="b"/>
+                      <a:r>
+                        <a:rPr lang="de-CH" sz="1400" u="none" strike="noStrike" dirty="0">
+                          <a:effectLst/>
+                        </a:rPr>
+                        <a:t>6</a:t>
+                      </a:r>
+                      <a:endParaRPr lang="de-CH" sz="1400" b="0" i="0" u="none" strike="noStrike" dirty="0">
+                        <a:solidFill>
+                          <a:schemeClr val="tx1"/>
+                        </a:solidFill>
+                        <a:effectLst/>
+                        <a:latin typeface="Calibri" panose="020F0502020204030204" pitchFamily="34" charset="0"/>
+                      </a:endParaRPr>
+                    </a:p>
+                  </a:txBody>
+                  <a:tcPr marL="5969" marR="5969" marT="5969" marB="0" anchor="ctr"/>
+                </a:tc>
+                <a:tc>
+                  <a:txBody>
+                    <a:bodyPr/>
+                    <a:lstStyle/>
+                    <a:p>
+                      <a:pPr algn="r" fontAlgn="b"/>
+                      <a:r>
+                        <a:rPr lang="de-CH" sz="1400" u="none" strike="noStrike" dirty="0">
+                          <a:effectLst/>
+                        </a:rPr>
+                        <a:t>4</a:t>
+                      </a:r>
+                      <a:endParaRPr lang="de-CH" sz="1400" b="0" i="0" u="none" strike="noStrike" dirty="0">
+                        <a:solidFill>
+                          <a:schemeClr val="tx1"/>
+                        </a:solidFill>
+                        <a:effectLst/>
+                        <a:latin typeface="Calibri" panose="020F0502020204030204" pitchFamily="34" charset="0"/>
+                      </a:endParaRPr>
+                    </a:p>
+                  </a:txBody>
+                  <a:tcPr marL="5969" marR="5969" marT="5969" marB="0" anchor="ctr"/>
+                </a:tc>
+                <a:tc>
+                  <a:txBody>
+                    <a:bodyPr/>
+                    <a:lstStyle/>
+                    <a:p>
+                      <a:pPr algn="l" fontAlgn="b"/>
+                      <a:r>
+                        <a:rPr lang="de-CH" sz="1400" u="none" strike="noStrike" dirty="0">
+                          <a:effectLst/>
+                        </a:rPr>
+                        <a:t>Gute Aufgabenverteilung, Sitzungen</a:t>
+                      </a:r>
+                      <a:endParaRPr lang="de-CH" sz="1400" b="0" i="0" u="none" strike="noStrike" dirty="0">
+                        <a:solidFill>
+                          <a:schemeClr val="tx1"/>
+                        </a:solidFill>
+                        <a:effectLst/>
+                        <a:latin typeface="Calibri" panose="020F0502020204030204" pitchFamily="34" charset="0"/>
+                      </a:endParaRPr>
+                    </a:p>
+                  </a:txBody>
+                  <a:tcPr marL="5969" marR="5969" marT="5969" marB="0" anchor="ctr"/>
+                </a:tc>
+                <a:tc>
+                  <a:txBody>
+                    <a:bodyPr/>
+                    <a:lstStyle/>
+                    <a:p>
+                      <a:pPr algn="r" fontAlgn="b"/>
+                      <a:r>
+                        <a:rPr lang="de-CH" sz="1400" u="none" strike="noStrike">
+                          <a:effectLst/>
+                        </a:rPr>
+                        <a:t>30.10.2017</a:t>
+                      </a:r>
+                      <a:endParaRPr lang="de-CH" sz="1400" b="0" i="0" u="none" strike="noStrike">
+                        <a:solidFill>
+                          <a:schemeClr val="tx1"/>
+                        </a:solidFill>
+                        <a:effectLst/>
+                        <a:latin typeface="Calibri" panose="020F0502020204030204" pitchFamily="34" charset="0"/>
+                      </a:endParaRPr>
+                    </a:p>
+                  </a:txBody>
+                  <a:tcPr marL="5969" marR="5969" marT="5969" marB="0" anchor="ctr"/>
+                </a:tc>
+                <a:tc>
+                  <a:txBody>
+                    <a:bodyPr/>
+                    <a:lstStyle/>
+                    <a:p>
+                      <a:pPr algn="l" fontAlgn="b"/>
+                      <a:r>
+                        <a:rPr lang="de-CH" sz="1400" u="none" strike="noStrike">
+                          <a:effectLst/>
+                        </a:rPr>
+                        <a:t>Nico Lutz</a:t>
+                      </a:r>
+                      <a:endParaRPr lang="de-CH" sz="1400" b="0" i="0" u="none" strike="noStrike">
+                        <a:solidFill>
+                          <a:schemeClr val="tx1"/>
+                        </a:solidFill>
+                        <a:effectLst/>
+                        <a:latin typeface="Calibri" panose="020F0502020204030204" pitchFamily="34" charset="0"/>
+                      </a:endParaRPr>
+                    </a:p>
+                  </a:txBody>
+                  <a:tcPr marL="5969" marR="5969" marT="5969" marB="0" anchor="ctr"/>
+                </a:tc>
+                <a:extLst>
+                  <a:ext uri="{0D108BD9-81ED-4DB2-BD59-A6C34878D82A}">
+                    <a16:rowId xmlns:a16="http://schemas.microsoft.com/office/drawing/2014/main" val="2099330729"/>
+                  </a:ext>
+                </a:extLst>
+              </a:tr>
+              <a:tr h="341807">
+                <a:tc>
+                  <a:txBody>
+                    <a:bodyPr/>
+                    <a:lstStyle/>
+                    <a:p>
+                      <a:pPr algn="r" fontAlgn="b"/>
+                      <a:r>
+                        <a:rPr lang="de-CH" sz="1400" u="none" strike="noStrike" dirty="0">
+                          <a:effectLst/>
+                        </a:rPr>
+                        <a:t>2</a:t>
+                      </a:r>
+                      <a:endParaRPr lang="de-CH" sz="1400" b="0" i="0" u="none" strike="noStrike" dirty="0">
+                        <a:solidFill>
+                          <a:schemeClr val="tx1"/>
+                        </a:solidFill>
+                        <a:effectLst/>
+                        <a:latin typeface="Calibri" panose="020F0502020204030204" pitchFamily="34" charset="0"/>
+                      </a:endParaRPr>
+                    </a:p>
+                  </a:txBody>
+                  <a:tcPr marL="5969" marR="5969" marT="5969" marB="0" anchor="ctr"/>
+                </a:tc>
+                <a:tc>
+                  <a:txBody>
+                    <a:bodyPr/>
+                    <a:lstStyle/>
+                    <a:p>
+                      <a:pPr algn="l" fontAlgn="b"/>
+                      <a:r>
+                        <a:rPr lang="de-CH" sz="1400" u="none" strike="noStrike" dirty="0">
+                          <a:effectLst/>
+                        </a:rPr>
+                        <a:t>Organisation, Programmieren</a:t>
+                      </a:r>
+                      <a:endParaRPr lang="de-CH" sz="1400" b="0" i="0" u="none" strike="noStrike" dirty="0">
+                        <a:solidFill>
+                          <a:schemeClr val="tx1"/>
+                        </a:solidFill>
+                        <a:effectLst/>
+                        <a:latin typeface="Calibri" panose="020F0502020204030204" pitchFamily="34" charset="0"/>
+                      </a:endParaRPr>
+                    </a:p>
+                  </a:txBody>
+                  <a:tcPr marL="5969" marR="5969" marT="5969" marB="0" anchor="ctr"/>
+                </a:tc>
+                <a:tc>
+                  <a:txBody>
+                    <a:bodyPr/>
+                    <a:lstStyle/>
+                    <a:p>
+                      <a:pPr algn="l" fontAlgn="b"/>
+                      <a:r>
+                        <a:rPr lang="de-CH" sz="1400" u="none" strike="noStrike" dirty="0">
+                          <a:effectLst/>
+                        </a:rPr>
+                        <a:t>Korrupte Dateien</a:t>
+                      </a:r>
+                      <a:endParaRPr lang="de-CH" sz="1400" b="0" i="0" u="none" strike="noStrike" dirty="0">
+                        <a:solidFill>
+                          <a:schemeClr val="tx1"/>
+                        </a:solidFill>
+                        <a:effectLst/>
+                        <a:latin typeface="Calibri" panose="020F0502020204030204" pitchFamily="34" charset="0"/>
+                      </a:endParaRPr>
+                    </a:p>
+                  </a:txBody>
+                  <a:tcPr marL="5969" marR="5969" marT="5969" marB="0" anchor="ctr"/>
+                </a:tc>
+                <a:tc>
+                  <a:txBody>
+                    <a:bodyPr/>
+                    <a:lstStyle/>
+                    <a:p>
+                      <a:pPr algn="l" fontAlgn="b"/>
+                      <a:r>
+                        <a:rPr lang="de-CH" sz="1400" u="none" strike="noStrike" dirty="0">
+                          <a:effectLst/>
+                        </a:rPr>
+                        <a:t>verschiedene </a:t>
+                      </a:r>
+                      <a:r>
+                        <a:rPr lang="de-CH" sz="1400" u="none" strike="noStrike" dirty="0" err="1">
+                          <a:effectLst/>
+                        </a:rPr>
+                        <a:t>versionen</a:t>
+                      </a:r>
+                      <a:r>
+                        <a:rPr lang="de-CH" sz="1400" u="none" strike="noStrike" dirty="0">
+                          <a:effectLst/>
+                        </a:rPr>
+                        <a:t> einer Datei auf </a:t>
+                      </a:r>
+                      <a:r>
+                        <a:rPr lang="de-CH" sz="1400" u="none" strike="noStrike" dirty="0" err="1">
+                          <a:effectLst/>
+                        </a:rPr>
+                        <a:t>Github</a:t>
+                      </a:r>
+                      <a:r>
+                        <a:rPr lang="de-CH" sz="1400" u="none" strike="noStrike" dirty="0">
+                          <a:effectLst/>
+                        </a:rPr>
+                        <a:t> hochgeladen</a:t>
+                      </a:r>
+                      <a:endParaRPr lang="de-CH" sz="1400" b="0" i="0" u="none" strike="noStrike" dirty="0">
+                        <a:solidFill>
+                          <a:schemeClr val="tx1"/>
+                        </a:solidFill>
+                        <a:effectLst/>
+                        <a:latin typeface="Calibri" panose="020F0502020204030204" pitchFamily="34" charset="0"/>
+                      </a:endParaRPr>
+                    </a:p>
+                  </a:txBody>
+                  <a:tcPr marL="5969" marR="5969" marT="5969" marB="0" anchor="ctr"/>
+                </a:tc>
+                <a:tc>
+                  <a:txBody>
+                    <a:bodyPr/>
+                    <a:lstStyle/>
+                    <a:p>
+                      <a:pPr algn="r" fontAlgn="b"/>
+                      <a:r>
+                        <a:rPr lang="de-CH" sz="1400" u="none" strike="noStrike">
+                          <a:effectLst/>
+                        </a:rPr>
+                        <a:t>3</a:t>
+                      </a:r>
+                      <a:endParaRPr lang="de-CH" sz="1400" b="0" i="0" u="none" strike="noStrike">
+                        <a:solidFill>
+                          <a:schemeClr val="tx1"/>
+                        </a:solidFill>
+                        <a:effectLst/>
+                        <a:latin typeface="Calibri" panose="020F0502020204030204" pitchFamily="34" charset="0"/>
+                      </a:endParaRPr>
+                    </a:p>
+                  </a:txBody>
+                  <a:tcPr marL="5969" marR="5969" marT="5969" marB="0" anchor="ctr"/>
+                </a:tc>
+                <a:tc>
+                  <a:txBody>
+                    <a:bodyPr/>
+                    <a:lstStyle/>
+                    <a:p>
+                      <a:pPr algn="r" fontAlgn="b"/>
+                      <a:r>
+                        <a:rPr lang="de-CH" sz="1400" u="none" strike="noStrike">
+                          <a:effectLst/>
+                        </a:rPr>
+                        <a:t>1</a:t>
+                      </a:r>
+                      <a:endParaRPr lang="de-CH" sz="1400" b="0" i="0" u="none" strike="noStrike">
+                        <a:solidFill>
+                          <a:schemeClr val="tx1"/>
+                        </a:solidFill>
+                        <a:effectLst/>
+                        <a:latin typeface="Calibri" panose="020F0502020204030204" pitchFamily="34" charset="0"/>
+                      </a:endParaRPr>
+                    </a:p>
+                  </a:txBody>
+                  <a:tcPr marL="5969" marR="5969" marT="5969" marB="0" anchor="ctr"/>
+                </a:tc>
+                <a:tc>
+                  <a:txBody>
+                    <a:bodyPr/>
+                    <a:lstStyle/>
+                    <a:p>
+                      <a:pPr algn="r" fontAlgn="b"/>
+                      <a:r>
+                        <a:rPr lang="de-CH" sz="1400" u="none" strike="noStrike" dirty="0">
+                          <a:effectLst/>
+                        </a:rPr>
+                        <a:t>1</a:t>
+                      </a:r>
+                      <a:endParaRPr lang="de-CH" sz="1400" b="0" i="0" u="none" strike="noStrike" dirty="0">
+                        <a:solidFill>
+                          <a:schemeClr val="tx1"/>
+                        </a:solidFill>
+                        <a:effectLst/>
+                        <a:latin typeface="Calibri" panose="020F0502020204030204" pitchFamily="34" charset="0"/>
+                      </a:endParaRPr>
+                    </a:p>
+                  </a:txBody>
+                  <a:tcPr marL="5969" marR="5969" marT="5969" marB="0" anchor="ctr"/>
+                </a:tc>
+                <a:tc>
+                  <a:txBody>
+                    <a:bodyPr/>
+                    <a:lstStyle/>
+                    <a:p>
+                      <a:pPr algn="l" fontAlgn="b"/>
+                      <a:r>
+                        <a:rPr lang="de-CH" sz="1400" u="none" strike="noStrike">
+                          <a:effectLst/>
+                        </a:rPr>
+                        <a:t>Immer Pullen vor Pushen</a:t>
+                      </a:r>
+                      <a:endParaRPr lang="de-CH" sz="1400" b="0" i="0" u="none" strike="noStrike">
+                        <a:solidFill>
+                          <a:schemeClr val="tx1"/>
+                        </a:solidFill>
+                        <a:effectLst/>
+                        <a:latin typeface="Calibri" panose="020F0502020204030204" pitchFamily="34" charset="0"/>
+                      </a:endParaRPr>
+                    </a:p>
+                  </a:txBody>
+                  <a:tcPr marL="5969" marR="5969" marT="5969" marB="0" anchor="ctr"/>
+                </a:tc>
+                <a:tc>
+                  <a:txBody>
+                    <a:bodyPr/>
+                    <a:lstStyle/>
+                    <a:p>
+                      <a:pPr algn="r" fontAlgn="b"/>
+                      <a:r>
+                        <a:rPr lang="de-CH" sz="1400" u="none" strike="noStrike">
+                          <a:effectLst/>
+                        </a:rPr>
+                        <a:t>30.10.2017</a:t>
+                      </a:r>
+                      <a:endParaRPr lang="de-CH" sz="1400" b="0" i="0" u="none" strike="noStrike">
+                        <a:solidFill>
+                          <a:schemeClr val="tx1"/>
+                        </a:solidFill>
+                        <a:effectLst/>
+                        <a:latin typeface="Calibri" panose="020F0502020204030204" pitchFamily="34" charset="0"/>
+                      </a:endParaRPr>
+                    </a:p>
+                  </a:txBody>
+                  <a:tcPr marL="5969" marR="5969" marT="5969" marB="0" anchor="ctr"/>
+                </a:tc>
+                <a:tc>
+                  <a:txBody>
+                    <a:bodyPr/>
+                    <a:lstStyle/>
+                    <a:p>
+                      <a:pPr algn="l" fontAlgn="b"/>
+                      <a:r>
+                        <a:rPr lang="de-CH" sz="1400" u="none" strike="noStrike" dirty="0">
+                          <a:effectLst/>
+                        </a:rPr>
+                        <a:t>Alle</a:t>
+                      </a:r>
+                      <a:endParaRPr lang="de-CH" sz="1400" b="0" i="0" u="none" strike="noStrike" dirty="0">
+                        <a:solidFill>
+                          <a:schemeClr val="tx1"/>
+                        </a:solidFill>
+                        <a:effectLst/>
+                        <a:latin typeface="Calibri" panose="020F0502020204030204" pitchFamily="34" charset="0"/>
+                      </a:endParaRPr>
+                    </a:p>
+                  </a:txBody>
+                  <a:tcPr marL="5969" marR="5969" marT="5969" marB="0" anchor="ctr"/>
+                </a:tc>
+                <a:extLst>
+                  <a:ext uri="{0D108BD9-81ED-4DB2-BD59-A6C34878D82A}">
+                    <a16:rowId xmlns:a16="http://schemas.microsoft.com/office/drawing/2014/main" val="1504547318"/>
+                  </a:ext>
+                </a:extLst>
+              </a:tr>
+              <a:tr h="341807">
+                <a:tc>
+                  <a:txBody>
+                    <a:bodyPr/>
+                    <a:lstStyle/>
+                    <a:p>
+                      <a:pPr algn="r" fontAlgn="b"/>
+                      <a:r>
+                        <a:rPr lang="de-CH" sz="1400" u="none" strike="noStrike" dirty="0">
+                          <a:effectLst/>
+                        </a:rPr>
+                        <a:t>3</a:t>
+                      </a:r>
+                      <a:endParaRPr lang="de-CH" sz="1400" b="0" i="0" u="none" strike="noStrike" dirty="0">
+                        <a:solidFill>
+                          <a:schemeClr val="tx1"/>
+                        </a:solidFill>
+                        <a:effectLst/>
+                        <a:latin typeface="Calibri" panose="020F0502020204030204" pitchFamily="34" charset="0"/>
+                      </a:endParaRPr>
+                    </a:p>
+                  </a:txBody>
+                  <a:tcPr marL="5969" marR="5969" marT="5969" marB="0" anchor="ctr"/>
+                </a:tc>
+                <a:tc>
+                  <a:txBody>
+                    <a:bodyPr/>
+                    <a:lstStyle/>
+                    <a:p>
+                      <a:pPr algn="l" fontAlgn="b"/>
+                      <a:r>
+                        <a:rPr lang="de-CH" sz="1400" u="none" strike="noStrike" dirty="0">
+                          <a:effectLst/>
+                        </a:rPr>
+                        <a:t>Organisation, Kommunikation</a:t>
+                      </a:r>
+                      <a:endParaRPr lang="de-CH" sz="1400" b="0" i="0" u="none" strike="noStrike" dirty="0">
+                        <a:solidFill>
+                          <a:schemeClr val="tx1"/>
+                        </a:solidFill>
+                        <a:effectLst/>
+                        <a:latin typeface="Calibri" panose="020F0502020204030204" pitchFamily="34" charset="0"/>
+                      </a:endParaRPr>
+                    </a:p>
+                  </a:txBody>
+                  <a:tcPr marL="5969" marR="5969" marT="5969" marB="0" anchor="ctr"/>
+                </a:tc>
+                <a:tc>
+                  <a:txBody>
+                    <a:bodyPr/>
+                    <a:lstStyle/>
+                    <a:p>
+                      <a:pPr algn="l" fontAlgn="b"/>
+                      <a:r>
+                        <a:rPr lang="de-CH" sz="1400" u="none" strike="noStrike" dirty="0">
+                          <a:effectLst/>
+                        </a:rPr>
+                        <a:t>Fehlende Kommunikation</a:t>
+                      </a:r>
+                      <a:endParaRPr lang="de-CH" sz="1400" b="0" i="0" u="none" strike="noStrike" dirty="0">
+                        <a:solidFill>
+                          <a:schemeClr val="tx1"/>
+                        </a:solidFill>
+                        <a:effectLst/>
+                        <a:latin typeface="Calibri" panose="020F0502020204030204" pitchFamily="34" charset="0"/>
+                      </a:endParaRPr>
+                    </a:p>
+                  </a:txBody>
+                  <a:tcPr marL="5969" marR="5969" marT="5969" marB="0" anchor="ctr"/>
+                </a:tc>
+                <a:tc>
+                  <a:txBody>
+                    <a:bodyPr/>
+                    <a:lstStyle/>
+                    <a:p>
+                      <a:pPr algn="l" fontAlgn="b"/>
+                      <a:r>
+                        <a:rPr lang="de-CH" sz="1400" u="none" strike="noStrike" dirty="0">
+                          <a:effectLst/>
+                        </a:rPr>
+                        <a:t>Aufgaben bleiben aus</a:t>
+                      </a:r>
+                      <a:endParaRPr lang="de-CH" sz="1400" b="0" i="0" u="none" strike="noStrike" dirty="0">
+                        <a:solidFill>
+                          <a:schemeClr val="tx1"/>
+                        </a:solidFill>
+                        <a:effectLst/>
+                        <a:latin typeface="Calibri" panose="020F0502020204030204" pitchFamily="34" charset="0"/>
+                      </a:endParaRPr>
+                    </a:p>
+                  </a:txBody>
+                  <a:tcPr marL="5969" marR="5969" marT="5969" marB="0" anchor="ctr"/>
+                </a:tc>
+                <a:tc>
+                  <a:txBody>
+                    <a:bodyPr/>
+                    <a:lstStyle/>
+                    <a:p>
+                      <a:pPr algn="r" fontAlgn="b"/>
+                      <a:r>
+                        <a:rPr lang="de-CH" sz="1400" u="none" strike="noStrike">
+                          <a:effectLst/>
+                        </a:rPr>
+                        <a:t>1</a:t>
+                      </a:r>
+                      <a:endParaRPr lang="de-CH" sz="1400" b="0" i="0" u="none" strike="noStrike">
+                        <a:solidFill>
+                          <a:schemeClr val="tx1"/>
+                        </a:solidFill>
+                        <a:effectLst/>
+                        <a:latin typeface="Calibri" panose="020F0502020204030204" pitchFamily="34" charset="0"/>
+                      </a:endParaRPr>
+                    </a:p>
+                  </a:txBody>
+                  <a:tcPr marL="5969" marR="5969" marT="5969" marB="0" anchor="ctr"/>
+                </a:tc>
+                <a:tc>
+                  <a:txBody>
+                    <a:bodyPr/>
+                    <a:lstStyle/>
+                    <a:p>
+                      <a:pPr algn="r" fontAlgn="b"/>
+                      <a:r>
+                        <a:rPr lang="de-CH" sz="1400" u="none" strike="noStrike">
+                          <a:effectLst/>
+                        </a:rPr>
+                        <a:t>3</a:t>
+                      </a:r>
+                      <a:endParaRPr lang="de-CH" sz="1400" b="0" i="0" u="none" strike="noStrike">
+                        <a:solidFill>
+                          <a:schemeClr val="tx1"/>
+                        </a:solidFill>
+                        <a:effectLst/>
+                        <a:latin typeface="Calibri" panose="020F0502020204030204" pitchFamily="34" charset="0"/>
+                      </a:endParaRPr>
+                    </a:p>
+                  </a:txBody>
+                  <a:tcPr marL="5969" marR="5969" marT="5969" marB="0" anchor="ctr"/>
+                </a:tc>
+                <a:tc>
+                  <a:txBody>
+                    <a:bodyPr/>
+                    <a:lstStyle/>
+                    <a:p>
+                      <a:pPr algn="r" fontAlgn="b"/>
+                      <a:r>
+                        <a:rPr lang="de-CH" sz="1400" u="none" strike="noStrike">
+                          <a:effectLst/>
+                        </a:rPr>
+                        <a:t>3</a:t>
+                      </a:r>
+                      <a:endParaRPr lang="de-CH" sz="1400" b="0" i="0" u="none" strike="noStrike">
+                        <a:solidFill>
+                          <a:schemeClr val="tx1"/>
+                        </a:solidFill>
+                        <a:effectLst/>
+                        <a:latin typeface="Calibri" panose="020F0502020204030204" pitchFamily="34" charset="0"/>
+                      </a:endParaRPr>
+                    </a:p>
+                  </a:txBody>
+                  <a:tcPr marL="5969" marR="5969" marT="5969" marB="0" anchor="ctr"/>
+                </a:tc>
+                <a:tc>
+                  <a:txBody>
+                    <a:bodyPr/>
+                    <a:lstStyle/>
+                    <a:p>
+                      <a:pPr algn="l" fontAlgn="b"/>
+                      <a:r>
+                        <a:rPr lang="de-CH" sz="1400" u="none" strike="noStrike">
+                          <a:effectLst/>
+                        </a:rPr>
+                        <a:t>Sitzungen, gutes Absprechen</a:t>
+                      </a:r>
+                      <a:endParaRPr lang="de-CH" sz="1400" b="0" i="0" u="none" strike="noStrike">
+                        <a:solidFill>
+                          <a:schemeClr val="tx1"/>
+                        </a:solidFill>
+                        <a:effectLst/>
+                        <a:latin typeface="Calibri" panose="020F0502020204030204" pitchFamily="34" charset="0"/>
+                      </a:endParaRPr>
+                    </a:p>
+                  </a:txBody>
+                  <a:tcPr marL="5969" marR="5969" marT="5969" marB="0" anchor="ctr"/>
+                </a:tc>
+                <a:tc>
+                  <a:txBody>
+                    <a:bodyPr/>
+                    <a:lstStyle/>
+                    <a:p>
+                      <a:pPr algn="r" fontAlgn="b"/>
+                      <a:r>
+                        <a:rPr lang="de-CH" sz="1400" u="none" strike="noStrike">
+                          <a:effectLst/>
+                        </a:rPr>
+                        <a:t>30.10.2017</a:t>
+                      </a:r>
+                      <a:endParaRPr lang="de-CH" sz="1400" b="0" i="0" u="none" strike="noStrike">
+                        <a:solidFill>
+                          <a:schemeClr val="tx1"/>
+                        </a:solidFill>
+                        <a:effectLst/>
+                        <a:latin typeface="Calibri" panose="020F0502020204030204" pitchFamily="34" charset="0"/>
+                      </a:endParaRPr>
+                    </a:p>
+                  </a:txBody>
+                  <a:tcPr marL="5969" marR="5969" marT="5969" marB="0" anchor="ctr"/>
+                </a:tc>
+                <a:tc>
+                  <a:txBody>
+                    <a:bodyPr/>
+                    <a:lstStyle/>
+                    <a:p>
+                      <a:pPr algn="l" fontAlgn="b"/>
+                      <a:r>
+                        <a:rPr lang="de-CH" sz="1400" u="none" strike="noStrike">
+                          <a:effectLst/>
+                        </a:rPr>
+                        <a:t>Nico Lutz</a:t>
+                      </a:r>
+                      <a:endParaRPr lang="de-CH" sz="1400" b="0" i="0" u="none" strike="noStrike">
+                        <a:solidFill>
+                          <a:schemeClr val="tx1"/>
+                        </a:solidFill>
+                        <a:effectLst/>
+                        <a:latin typeface="Calibri" panose="020F0502020204030204" pitchFamily="34" charset="0"/>
+                      </a:endParaRPr>
+                    </a:p>
+                  </a:txBody>
+                  <a:tcPr marL="5969" marR="5969" marT="5969" marB="0" anchor="ctr"/>
+                </a:tc>
+                <a:extLst>
+                  <a:ext uri="{0D108BD9-81ED-4DB2-BD59-A6C34878D82A}">
+                    <a16:rowId xmlns:a16="http://schemas.microsoft.com/office/drawing/2014/main" val="137664474"/>
+                  </a:ext>
+                </a:extLst>
+              </a:tr>
+              <a:tr h="341807">
+                <a:tc>
+                  <a:txBody>
+                    <a:bodyPr/>
+                    <a:lstStyle/>
+                    <a:p>
+                      <a:pPr algn="r" fontAlgn="b"/>
+                      <a:r>
+                        <a:rPr lang="de-CH" sz="1400" u="none" strike="noStrike" dirty="0">
+                          <a:effectLst/>
+                        </a:rPr>
+                        <a:t>4</a:t>
+                      </a:r>
+                      <a:endParaRPr lang="de-CH" sz="1400" b="0" i="0" u="none" strike="noStrike" dirty="0">
+                        <a:solidFill>
+                          <a:schemeClr val="tx1"/>
+                        </a:solidFill>
+                        <a:effectLst/>
+                        <a:latin typeface="Calibri" panose="020F0502020204030204" pitchFamily="34" charset="0"/>
+                      </a:endParaRPr>
+                    </a:p>
+                  </a:txBody>
+                  <a:tcPr marL="5969" marR="5969" marT="5969" marB="0" anchor="ctr"/>
+                </a:tc>
+                <a:tc>
+                  <a:txBody>
+                    <a:bodyPr/>
+                    <a:lstStyle/>
+                    <a:p>
+                      <a:pPr algn="l" fontAlgn="b"/>
+                      <a:r>
+                        <a:rPr lang="de-CH" sz="1400" u="none" strike="noStrike">
+                          <a:effectLst/>
+                        </a:rPr>
+                        <a:t>Programmieren</a:t>
+                      </a:r>
+                      <a:endParaRPr lang="de-CH" sz="1400" b="0" i="0" u="none" strike="noStrike">
+                        <a:solidFill>
+                          <a:schemeClr val="tx1"/>
+                        </a:solidFill>
+                        <a:effectLst/>
+                        <a:latin typeface="Calibri" panose="020F0502020204030204" pitchFamily="34" charset="0"/>
+                      </a:endParaRPr>
+                    </a:p>
+                  </a:txBody>
+                  <a:tcPr marL="5969" marR="5969" marT="5969" marB="0" anchor="ctr"/>
+                </a:tc>
+                <a:tc>
+                  <a:txBody>
+                    <a:bodyPr/>
+                    <a:lstStyle/>
+                    <a:p>
+                      <a:pPr algn="l" fontAlgn="b"/>
+                      <a:r>
+                        <a:rPr lang="de-CH" sz="1400" u="none" strike="noStrike" dirty="0">
+                          <a:effectLst/>
+                        </a:rPr>
+                        <a:t>Schlechte Wahl der Arbeitswerkzeuge</a:t>
+                      </a:r>
+                      <a:endParaRPr lang="de-CH" sz="1400" b="0" i="0" u="none" strike="noStrike" dirty="0">
+                        <a:solidFill>
+                          <a:schemeClr val="tx1"/>
+                        </a:solidFill>
+                        <a:effectLst/>
+                        <a:latin typeface="Calibri" panose="020F0502020204030204" pitchFamily="34" charset="0"/>
+                      </a:endParaRPr>
+                    </a:p>
+                  </a:txBody>
+                  <a:tcPr marL="5969" marR="5969" marT="5969" marB="0" anchor="ctr"/>
+                </a:tc>
+                <a:tc>
+                  <a:txBody>
+                    <a:bodyPr/>
+                    <a:lstStyle/>
+                    <a:p>
+                      <a:pPr algn="l" fontAlgn="b"/>
+                      <a:r>
+                        <a:rPr lang="de-CH" sz="1400" u="none" strike="noStrike" dirty="0">
+                          <a:effectLst/>
+                        </a:rPr>
+                        <a:t>Arbeiten haben Probleme mit der Ausgewählten Programmiersprache</a:t>
+                      </a:r>
+                      <a:endParaRPr lang="de-CH" sz="1400" b="0" i="0" u="none" strike="noStrike" dirty="0">
+                        <a:solidFill>
+                          <a:schemeClr val="tx1"/>
+                        </a:solidFill>
+                        <a:effectLst/>
+                        <a:latin typeface="Calibri" panose="020F0502020204030204" pitchFamily="34" charset="0"/>
+                      </a:endParaRPr>
+                    </a:p>
+                  </a:txBody>
+                  <a:tcPr marL="5969" marR="5969" marT="5969" marB="0" anchor="ctr"/>
+                </a:tc>
+                <a:tc>
+                  <a:txBody>
+                    <a:bodyPr/>
+                    <a:lstStyle/>
+                    <a:p>
+                      <a:pPr algn="r" fontAlgn="b"/>
+                      <a:r>
+                        <a:rPr lang="de-CH" sz="1400" u="none" strike="noStrike">
+                          <a:effectLst/>
+                        </a:rPr>
+                        <a:t>2</a:t>
+                      </a:r>
+                      <a:endParaRPr lang="de-CH" sz="1400" b="0" i="0" u="none" strike="noStrike">
+                        <a:solidFill>
+                          <a:schemeClr val="tx1"/>
+                        </a:solidFill>
+                        <a:effectLst/>
+                        <a:latin typeface="Calibri" panose="020F0502020204030204" pitchFamily="34" charset="0"/>
+                      </a:endParaRPr>
+                    </a:p>
+                  </a:txBody>
+                  <a:tcPr marL="5969" marR="5969" marT="5969" marB="0" anchor="ctr"/>
+                </a:tc>
+                <a:tc>
+                  <a:txBody>
+                    <a:bodyPr/>
+                    <a:lstStyle/>
+                    <a:p>
+                      <a:pPr algn="r" fontAlgn="b"/>
+                      <a:r>
+                        <a:rPr lang="de-CH" sz="1400" u="none" strike="noStrike">
+                          <a:effectLst/>
+                        </a:rPr>
+                        <a:t>2</a:t>
+                      </a:r>
+                      <a:endParaRPr lang="de-CH" sz="1400" b="0" i="0" u="none" strike="noStrike">
+                        <a:solidFill>
+                          <a:schemeClr val="tx1"/>
+                        </a:solidFill>
+                        <a:effectLst/>
+                        <a:latin typeface="Calibri" panose="020F0502020204030204" pitchFamily="34" charset="0"/>
+                      </a:endParaRPr>
+                    </a:p>
+                  </a:txBody>
+                  <a:tcPr marL="5969" marR="5969" marT="5969" marB="0" anchor="ctr"/>
+                </a:tc>
+                <a:tc>
+                  <a:txBody>
+                    <a:bodyPr/>
+                    <a:lstStyle/>
+                    <a:p>
+                      <a:pPr algn="r" fontAlgn="b"/>
+                      <a:r>
+                        <a:rPr lang="de-CH" sz="1400" u="none" strike="noStrike">
+                          <a:effectLst/>
+                        </a:rPr>
+                        <a:t>2</a:t>
+                      </a:r>
+                      <a:endParaRPr lang="de-CH" sz="1400" b="0" i="0" u="none" strike="noStrike">
+                        <a:solidFill>
+                          <a:schemeClr val="tx1"/>
+                        </a:solidFill>
+                        <a:effectLst/>
+                        <a:latin typeface="Calibri" panose="020F0502020204030204" pitchFamily="34" charset="0"/>
+                      </a:endParaRPr>
+                    </a:p>
+                  </a:txBody>
+                  <a:tcPr marL="5969" marR="5969" marT="5969" marB="0" anchor="ctr"/>
+                </a:tc>
+                <a:tc>
+                  <a:txBody>
+                    <a:bodyPr/>
+                    <a:lstStyle/>
+                    <a:p>
+                      <a:pPr algn="l" fontAlgn="b"/>
+                      <a:r>
+                        <a:rPr lang="de-CH" sz="1400" u="none" strike="noStrike">
+                          <a:effectLst/>
+                        </a:rPr>
+                        <a:t>Kommunikation, informieren</a:t>
+                      </a:r>
+                      <a:endParaRPr lang="de-CH" sz="1400" b="0" i="0" u="none" strike="noStrike">
+                        <a:solidFill>
+                          <a:schemeClr val="tx1"/>
+                        </a:solidFill>
+                        <a:effectLst/>
+                        <a:latin typeface="Calibri" panose="020F0502020204030204" pitchFamily="34" charset="0"/>
+                      </a:endParaRPr>
+                    </a:p>
+                  </a:txBody>
+                  <a:tcPr marL="5969" marR="5969" marT="5969" marB="0" anchor="ctr"/>
+                </a:tc>
+                <a:tc>
+                  <a:txBody>
+                    <a:bodyPr/>
+                    <a:lstStyle/>
+                    <a:p>
+                      <a:pPr algn="r" fontAlgn="b"/>
+                      <a:r>
+                        <a:rPr lang="de-CH" sz="1400" u="none" strike="noStrike">
+                          <a:effectLst/>
+                        </a:rPr>
+                        <a:t>30.10.2017</a:t>
+                      </a:r>
+                      <a:endParaRPr lang="de-CH" sz="1400" b="0" i="0" u="none" strike="noStrike">
+                        <a:solidFill>
+                          <a:schemeClr val="tx1"/>
+                        </a:solidFill>
+                        <a:effectLst/>
+                        <a:latin typeface="Calibri" panose="020F0502020204030204" pitchFamily="34" charset="0"/>
+                      </a:endParaRPr>
+                    </a:p>
+                  </a:txBody>
+                  <a:tcPr marL="5969" marR="5969" marT="5969" marB="0" anchor="ctr"/>
+                </a:tc>
+                <a:tc>
+                  <a:txBody>
+                    <a:bodyPr/>
+                    <a:lstStyle/>
+                    <a:p>
+                      <a:pPr algn="l" fontAlgn="b"/>
+                      <a:r>
+                        <a:rPr lang="de-CH" sz="1400" u="none" strike="noStrike" dirty="0">
+                          <a:effectLst/>
+                        </a:rPr>
+                        <a:t>Developer</a:t>
+                      </a:r>
+                      <a:endParaRPr lang="de-CH" sz="1400" b="0" i="0" u="none" strike="noStrike" dirty="0">
+                        <a:solidFill>
+                          <a:schemeClr val="tx1"/>
+                        </a:solidFill>
+                        <a:effectLst/>
+                        <a:latin typeface="Calibri" panose="020F0502020204030204" pitchFamily="34" charset="0"/>
+                      </a:endParaRPr>
+                    </a:p>
+                  </a:txBody>
+                  <a:tcPr marL="5969" marR="5969" marT="5969" marB="0" anchor="ctr"/>
+                </a:tc>
+                <a:extLst>
+                  <a:ext uri="{0D108BD9-81ED-4DB2-BD59-A6C34878D82A}">
+                    <a16:rowId xmlns:a16="http://schemas.microsoft.com/office/drawing/2014/main" val="943865118"/>
+                  </a:ext>
+                </a:extLst>
+              </a:tr>
+            </a:tbl>
+          </a:graphicData>
+        </a:graphic>
+      </p:graphicFrame>
     </p:spTree>
     <p:extLst>
       <p:ext uri="{BB962C8B-B14F-4D97-AF65-F5344CB8AC3E}">
-        <p14:creationId xmlns:p14="http://schemas.microsoft.com/office/powerpoint/2010/main" val="3909613394"/>
+        <p14:creationId xmlns:p14="http://schemas.microsoft.com/office/powerpoint/2010/main" val="3568731788"/>
       </p:ext>
     </p:extLst>
   </p:cSld>
@@ -6509,10 +8165,10 @@
       </p:grpSpPr>
       <p:sp>
         <p:nvSpPr>
-          <p:cNvPr id="2" name="Title 1">
+          <p:cNvPr id="2" name="Titel 1">
             <a:extLst>
               <a:ext uri="{FF2B5EF4-FFF2-40B4-BE49-F238E27FC236}">
-                <a16:creationId xmlns:a16="http://schemas.microsoft.com/office/drawing/2014/main" xmlns="" id="{B8926472-0B6D-4DBA-B9D8-AE480BB4A588}"/>
+                <a16:creationId xmlns:a16="http://schemas.microsoft.com/office/drawing/2014/main" id="{0FB79353-3051-490F-BF9B-7E718EAFD1B7}"/>
               </a:ext>
             </a:extLst>
           </p:cNvPr>
@@ -6530,17 +8186,17 @@
           <a:p>
             <a:r>
               <a:rPr lang="de-CH" dirty="0"/>
-              <a:t>Firebase</a:t>
+              <a:t>Architektur</a:t>
             </a:r>
           </a:p>
         </p:txBody>
       </p:sp>
       <p:sp>
         <p:nvSpPr>
-          <p:cNvPr id="3" name="Content Placeholder 2">
+          <p:cNvPr id="3" name="Inhaltsplatzhalter 2">
             <a:extLst>
               <a:ext uri="{FF2B5EF4-FFF2-40B4-BE49-F238E27FC236}">
-                <a16:creationId xmlns:a16="http://schemas.microsoft.com/office/drawing/2014/main" xmlns="" id="{B2BEA341-25A6-4BFD-8C2D-09324CED02DC}"/>
+                <a16:creationId xmlns:a16="http://schemas.microsoft.com/office/drawing/2014/main" id="{23B1A03A-CC3A-4FDE-A696-B1690AB8D1FB}"/>
               </a:ext>
             </a:extLst>
           </p:cNvPr>
@@ -6557,100 +8213,58 @@
           <a:lstStyle/>
           <a:p>
             <a:r>
+              <a:rPr lang="de-CH" dirty="0" err="1"/>
+              <a:t>Firebase</a:t>
+            </a:r>
+            <a:r>
               <a:rPr lang="de-CH" dirty="0"/>
-              <a:t>Realtime Database</a:t>
-            </a:r>
-          </a:p>
-          <a:p>
+              <a:t> Backend</a:t>
+            </a:r>
+          </a:p>
+          <a:p>
+            <a:r>
+              <a:rPr lang="de-CH" dirty="0"/>
+              <a:t>GitHub</a:t>
+            </a:r>
+          </a:p>
+          <a:p>
+            <a:pPr lvl="0"/>
+            <a:r>
+              <a:rPr lang="de-CH" dirty="0" err="1"/>
+              <a:t>Trello</a:t>
+            </a:r>
             <a:endParaRPr lang="de-CH" dirty="0"/>
           </a:p>
           <a:p>
+            <a:pPr lvl="0"/>
+            <a:r>
+              <a:rPr lang="de-CH" dirty="0" err="1"/>
+              <a:t>AndroidStudio</a:t>
+            </a:r>
+            <a:endParaRPr lang="de-CH" dirty="0"/>
+          </a:p>
+          <a:p>
+            <a:pPr lvl="0"/>
             <a:r>
               <a:rPr lang="de-CH" dirty="0"/>
-              <a:t>Wieso Firebase?</a:t>
-            </a:r>
-          </a:p>
-          <a:p>
-            <a:pPr lvl="1"/>
+              <a:t>GANTT</a:t>
+            </a:r>
+          </a:p>
+          <a:p>
             <a:r>
               <a:rPr lang="de-CH" dirty="0"/>
-              <a:t>Statische IP</a:t>
-            </a:r>
-          </a:p>
-          <a:p>
-            <a:pPr lvl="1"/>
-            <a:r>
-              <a:rPr lang="de-CH" dirty="0"/>
-              <a:t>Funktionalitäten</a:t>
-            </a:r>
-          </a:p>
-          <a:p>
-            <a:pPr lvl="1"/>
-            <a:r>
-              <a:rPr lang="de-CH" dirty="0"/>
-              <a:t>Performance</a:t>
-            </a:r>
-          </a:p>
-          <a:p>
-            <a:pPr lvl="1"/>
-            <a:r>
-              <a:rPr lang="de-CH" dirty="0"/>
-              <a:t>Einfache Handhabung</a:t>
-            </a:r>
+              <a:t>Microsoft Office Produkte</a:t>
+            </a:r>
+          </a:p>
+          <a:p>
+            <a:endParaRPr lang="de-CH" dirty="0"/>
           </a:p>
         </p:txBody>
       </p:sp>
-      <p:pic>
-        <p:nvPicPr>
-          <p:cNvPr id="6" name="Picture 2" descr="Bildergebnis für firebase">
-            <a:extLst>
-              <a:ext uri="{FF2B5EF4-FFF2-40B4-BE49-F238E27FC236}">
-                <a16:creationId xmlns:a16="http://schemas.microsoft.com/office/drawing/2014/main" xmlns="" id="{B018AA13-8CC0-4DB7-A8C8-D339E9944EB3}"/>
-              </a:ext>
-            </a:extLst>
-          </p:cNvPr>
-          <p:cNvPicPr>
-            <a:picLocks noChangeAspect="1" noChangeArrowheads="1"/>
-          </p:cNvPicPr>
-          <p:nvPr/>
-        </p:nvPicPr>
-        <p:blipFill>
-          <a:blip r:embed="rId2">
-            <a:extLst>
-              <a:ext uri="{28A0092B-C50C-407E-A947-70E740481C1C}">
-                <a14:useLocalDpi xmlns:a14="http://schemas.microsoft.com/office/drawing/2010/main" val="0"/>
-              </a:ext>
-            </a:extLst>
-          </a:blip>
-          <a:srcRect/>
-          <a:stretch>
-            <a:fillRect/>
-          </a:stretch>
-        </p:blipFill>
-        <p:spPr bwMode="auto">
-          <a:xfrm>
-            <a:off x="7197044" y="2849902"/>
-            <a:ext cx="2285714" cy="2285714"/>
-          </a:xfrm>
-          <a:prstGeom prst="rect">
-            <a:avLst/>
-          </a:prstGeom>
-          <a:noFill/>
-          <a:extLst>
-            <a:ext uri="{909E8E84-426E-40DD-AFC4-6F175D3DCCD1}">
-              <a14:hiddenFill xmlns:a14="http://schemas.microsoft.com/office/drawing/2010/main">
-                <a:solidFill>
-                  <a:srgbClr val="FFFFFF"/>
-                </a:solidFill>
-              </a14:hiddenFill>
-            </a:ext>
-          </a:extLst>
-        </p:spPr>
-      </p:pic>
     </p:spTree>
     <p:extLst>
       <p:ext uri="{BB962C8B-B14F-4D97-AF65-F5344CB8AC3E}">
-        <p14:creationId xmlns:p14="http://schemas.microsoft.com/office/powerpoint/2010/main" val="180272136"/>
+        <p14:creationId xmlns:p14="http://schemas.microsoft.com/office/powerpoint/2010/main" val="3909613394"/>
       </p:ext>
     </p:extLst>
   </p:cSld>
@@ -6682,7 +8296,7 @@
           <p:cNvPr id="2" name="Title 1">
             <a:extLst>
               <a:ext uri="{FF2B5EF4-FFF2-40B4-BE49-F238E27FC236}">
-                <a16:creationId xmlns:a16="http://schemas.microsoft.com/office/drawing/2014/main" xmlns="" id="{DE0E7C20-8818-43DE-A21C-F3601C9B2B68}"/>
+                <a16:creationId xmlns:a16="http://schemas.microsoft.com/office/drawing/2014/main" id="{B8926472-0B6D-4DBA-B9D8-AE480BB4A588}"/>
               </a:ext>
             </a:extLst>
           </p:cNvPr>
@@ -6700,7 +8314,7 @@
           <a:p>
             <a:r>
               <a:rPr lang="de-CH" dirty="0"/>
-              <a:t>Login / Registrierung</a:t>
+              <a:t>Firebase</a:t>
             </a:r>
           </a:p>
         </p:txBody>
@@ -6710,7 +8324,7 @@
           <p:cNvPr id="3" name="Content Placeholder 2">
             <a:extLst>
               <a:ext uri="{FF2B5EF4-FFF2-40B4-BE49-F238E27FC236}">
-                <a16:creationId xmlns:a16="http://schemas.microsoft.com/office/drawing/2014/main" xmlns="" id="{12276293-5251-49E9-BEC5-22F217E344F8}"/>
+                <a16:creationId xmlns:a16="http://schemas.microsoft.com/office/drawing/2014/main" id="{B2BEA341-25A6-4BFD-8C2D-09324CED02DC}"/>
               </a:ext>
             </a:extLst>
           </p:cNvPr>
@@ -6728,7 +8342,373 @@
           <a:p>
             <a:r>
               <a:rPr lang="de-CH" dirty="0"/>
-              <a:t>Firebase-Funktionalitäten</a:t>
+              <a:t>Google</a:t>
+            </a:r>
+          </a:p>
+          <a:p>
+            <a:endParaRPr lang="de-CH" dirty="0"/>
+          </a:p>
+          <a:p>
+            <a:r>
+              <a:rPr lang="de-CH" dirty="0"/>
+              <a:t>Wieso Firebase?</a:t>
+            </a:r>
+          </a:p>
+          <a:p>
+            <a:pPr lvl="1"/>
+            <a:r>
+              <a:rPr lang="de-CH" dirty="0"/>
+              <a:t>Statische IP</a:t>
+            </a:r>
+          </a:p>
+          <a:p>
+            <a:pPr lvl="1"/>
+            <a:r>
+              <a:rPr lang="de-CH" dirty="0"/>
+              <a:t>Funktionalitäten</a:t>
+            </a:r>
+          </a:p>
+          <a:p>
+            <a:pPr lvl="1"/>
+            <a:r>
+              <a:rPr lang="de-CH" dirty="0"/>
+              <a:t>Performance</a:t>
+            </a:r>
+          </a:p>
+          <a:p>
+            <a:pPr lvl="1"/>
+            <a:r>
+              <a:rPr lang="de-CH" dirty="0"/>
+              <a:t>Einfache Handhabung</a:t>
+            </a:r>
+          </a:p>
+        </p:txBody>
+      </p:sp>
+      <p:pic>
+        <p:nvPicPr>
+          <p:cNvPr id="6" name="Picture 2" descr="Bildergebnis für firebase">
+            <a:extLst>
+              <a:ext uri="{FF2B5EF4-FFF2-40B4-BE49-F238E27FC236}">
+                <a16:creationId xmlns:a16="http://schemas.microsoft.com/office/drawing/2014/main" id="{B018AA13-8CC0-4DB7-A8C8-D339E9944EB3}"/>
+              </a:ext>
+            </a:extLst>
+          </p:cNvPr>
+          <p:cNvPicPr>
+            <a:picLocks noChangeAspect="1" noChangeArrowheads="1"/>
+          </p:cNvPicPr>
+          <p:nvPr/>
+        </p:nvPicPr>
+        <p:blipFill>
+          <a:blip r:embed="rId3">
+            <a:extLst>
+              <a:ext uri="{28A0092B-C50C-407E-A947-70E740481C1C}">
+                <a14:useLocalDpi xmlns:a14="http://schemas.microsoft.com/office/drawing/2010/main" val="0"/>
+              </a:ext>
+            </a:extLst>
+          </a:blip>
+          <a:srcRect/>
+          <a:stretch>
+            <a:fillRect/>
+          </a:stretch>
+        </p:blipFill>
+        <p:spPr bwMode="auto">
+          <a:xfrm>
+            <a:off x="7308556" y="3072926"/>
+            <a:ext cx="2285714" cy="2285714"/>
+          </a:xfrm>
+          <a:prstGeom prst="rect">
+            <a:avLst/>
+          </a:prstGeom>
+          <a:noFill/>
+          <a:extLst>
+            <a:ext uri="{909E8E84-426E-40DD-AFC4-6F175D3DCCD1}">
+              <a14:hiddenFill xmlns:a14="http://schemas.microsoft.com/office/drawing/2010/main">
+                <a:solidFill>
+                  <a:srgbClr val="FFFFFF"/>
+                </a:solidFill>
+              </a14:hiddenFill>
+            </a:ext>
+          </a:extLst>
+        </p:spPr>
+      </p:pic>
+      <p:pic>
+        <p:nvPicPr>
+          <p:cNvPr id="5" name="Grafik 4" descr="Bildschirmausschnitt">
+            <a:extLst>
+              <a:ext uri="{FF2B5EF4-FFF2-40B4-BE49-F238E27FC236}">
+                <a16:creationId xmlns:a16="http://schemas.microsoft.com/office/drawing/2014/main" id="{2A0214D9-CCA7-4D11-BD3B-551A214DB73B}"/>
+              </a:ext>
+            </a:extLst>
+          </p:cNvPr>
+          <p:cNvPicPr>
+            <a:picLocks noChangeAspect="1"/>
+          </p:cNvPicPr>
+          <p:nvPr/>
+        </p:nvPicPr>
+        <p:blipFill>
+          <a:blip r:embed="rId4">
+            <a:extLst>
+              <a:ext uri="{28A0092B-C50C-407E-A947-70E740481C1C}">
+                <a14:useLocalDpi xmlns:a14="http://schemas.microsoft.com/office/drawing/2010/main" val="0"/>
+              </a:ext>
+            </a:extLst>
+          </a:blip>
+          <a:stretch>
+            <a:fillRect/>
+          </a:stretch>
+        </p:blipFill>
+        <p:spPr>
+          <a:xfrm>
+            <a:off x="7474211" y="2650347"/>
+            <a:ext cx="2635492" cy="3360252"/>
+          </a:xfrm>
+          <a:prstGeom prst="rect">
+            <a:avLst/>
+          </a:prstGeom>
+        </p:spPr>
+      </p:pic>
+      <p:pic>
+        <p:nvPicPr>
+          <p:cNvPr id="8" name="Grafik 7" descr="Bildschirmausschnitt">
+            <a:extLst>
+              <a:ext uri="{FF2B5EF4-FFF2-40B4-BE49-F238E27FC236}">
+                <a16:creationId xmlns:a16="http://schemas.microsoft.com/office/drawing/2014/main" id="{5D6617F5-01C2-4E85-BF55-AF9C5A8C90F0}"/>
+              </a:ext>
+            </a:extLst>
+          </p:cNvPr>
+          <p:cNvPicPr>
+            <a:picLocks noChangeAspect="1"/>
+          </p:cNvPicPr>
+          <p:nvPr/>
+        </p:nvPicPr>
+        <p:blipFill>
+          <a:blip r:embed="rId5">
+            <a:extLst>
+              <a:ext uri="{28A0092B-C50C-407E-A947-70E740481C1C}">
+                <a14:useLocalDpi xmlns:a14="http://schemas.microsoft.com/office/drawing/2010/main" val="0"/>
+              </a:ext>
+            </a:extLst>
+          </a:blip>
+          <a:stretch>
+            <a:fillRect/>
+          </a:stretch>
+        </p:blipFill>
+        <p:spPr>
+          <a:xfrm>
+            <a:off x="7200544" y="2027591"/>
+            <a:ext cx="3182826" cy="4376384"/>
+          </a:xfrm>
+          <a:prstGeom prst="rect">
+            <a:avLst/>
+          </a:prstGeom>
+        </p:spPr>
+      </p:pic>
+    </p:spTree>
+    <p:extLst>
+      <p:ext uri="{BB962C8B-B14F-4D97-AF65-F5344CB8AC3E}">
+        <p14:creationId xmlns:p14="http://schemas.microsoft.com/office/powerpoint/2010/main" val="180272136"/>
+      </p:ext>
+    </p:extLst>
+  </p:cSld>
+  <p:clrMapOvr>
+    <a:masterClrMapping/>
+  </p:clrMapOvr>
+  <p:timing>
+    <p:tnLst>
+      <p:par>
+        <p:cTn id="1" dur="indefinite" restart="never" nodeType="tmRoot">
+          <p:childTnLst>
+            <p:seq concurrent="1" nextAc="seek">
+              <p:cTn id="2" dur="indefinite" nodeType="mainSeq">
+                <p:childTnLst>
+                  <p:par>
+                    <p:cTn id="3" fill="hold">
+                      <p:stCondLst>
+                        <p:cond delay="indefinite"/>
+                      </p:stCondLst>
+                      <p:childTnLst>
+                        <p:par>
+                          <p:cTn id="4" fill="hold">
+                            <p:stCondLst>
+                              <p:cond delay="0"/>
+                            </p:stCondLst>
+                            <p:childTnLst>
+                              <p:par>
+                                <p:cTn id="5" presetID="1" presetClass="entr" presetSubtype="0" fill="hold" nodeType="clickEffect">
+                                  <p:stCondLst>
+                                    <p:cond delay="0"/>
+                                  </p:stCondLst>
+                                  <p:childTnLst>
+                                    <p:set>
+                                      <p:cBhvr>
+                                        <p:cTn id="6" dur="1" fill="hold">
+                                          <p:stCondLst>
+                                            <p:cond delay="0"/>
+                                          </p:stCondLst>
+                                        </p:cTn>
+                                        <p:tgtEl>
+                                          <p:spTgt spid="5"/>
+                                        </p:tgtEl>
+                                        <p:attrNameLst>
+                                          <p:attrName>style.visibility</p:attrName>
+                                        </p:attrNameLst>
+                                      </p:cBhvr>
+                                      <p:to>
+                                        <p:strVal val="visible"/>
+                                      </p:to>
+                                    </p:set>
+                                  </p:childTnLst>
+                                </p:cTn>
+                              </p:par>
+                            </p:childTnLst>
+                          </p:cTn>
+                        </p:par>
+                      </p:childTnLst>
+                    </p:cTn>
+                  </p:par>
+                  <p:par>
+                    <p:cTn id="7" fill="hold">
+                      <p:stCondLst>
+                        <p:cond delay="indefinite"/>
+                      </p:stCondLst>
+                      <p:childTnLst>
+                        <p:par>
+                          <p:cTn id="8" fill="hold">
+                            <p:stCondLst>
+                              <p:cond delay="0"/>
+                            </p:stCondLst>
+                            <p:childTnLst>
+                              <p:par>
+                                <p:cTn id="9" presetID="1" presetClass="entr" presetSubtype="0" fill="hold" nodeType="clickEffect">
+                                  <p:stCondLst>
+                                    <p:cond delay="0"/>
+                                  </p:stCondLst>
+                                  <p:childTnLst>
+                                    <p:set>
+                                      <p:cBhvr>
+                                        <p:cTn id="10" dur="1" fill="hold">
+                                          <p:stCondLst>
+                                            <p:cond delay="0"/>
+                                          </p:stCondLst>
+                                        </p:cTn>
+                                        <p:tgtEl>
+                                          <p:spTgt spid="8"/>
+                                        </p:tgtEl>
+                                        <p:attrNameLst>
+                                          <p:attrName>style.visibility</p:attrName>
+                                        </p:attrNameLst>
+                                      </p:cBhvr>
+                                      <p:to>
+                                        <p:strVal val="visible"/>
+                                      </p:to>
+                                    </p:set>
+                                  </p:childTnLst>
+                                </p:cTn>
+                              </p:par>
+                            </p:childTnLst>
+                          </p:cTn>
+                        </p:par>
+                      </p:childTnLst>
+                    </p:cTn>
+                  </p:par>
+                </p:childTnLst>
+              </p:cTn>
+              <p:prevCondLst>
+                <p:cond evt="onPrev" delay="0">
+                  <p:tgtEl>
+                    <p:sldTgt/>
+                  </p:tgtEl>
+                </p:cond>
+              </p:prevCondLst>
+              <p:nextCondLst>
+                <p:cond evt="onNext" delay="0">
+                  <p:tgtEl>
+                    <p:sldTgt/>
+                  </p:tgtEl>
+                </p:cond>
+              </p:nextCondLst>
+            </p:seq>
+          </p:childTnLst>
+        </p:cTn>
+      </p:par>
+    </p:tnLst>
+  </p:timing>
+</p:sld>
+</file>
+
+<file path=ppt/slides/slide13.xml><?xml version="1.0" encoding="utf-8"?>
+<p:sld xmlns:a="http://schemas.openxmlformats.org/drawingml/2006/main" xmlns:r="http://schemas.openxmlformats.org/officeDocument/2006/relationships" xmlns:p="http://schemas.openxmlformats.org/presentationml/2006/main">
+  <p:cSld>
+    <p:spTree>
+      <p:nvGrpSpPr>
+        <p:cNvPr id="1" name=""/>
+        <p:cNvGrpSpPr/>
+        <p:nvPr/>
+      </p:nvGrpSpPr>
+      <p:grpSpPr>
+        <a:xfrm>
+          <a:off x="0" y="0"/>
+          <a:ext cx="0" cy="0"/>
+          <a:chOff x="0" y="0"/>
+          <a:chExt cx="0" cy="0"/>
+        </a:xfrm>
+      </p:grpSpPr>
+      <p:sp>
+        <p:nvSpPr>
+          <p:cNvPr id="2" name="Title 1">
+            <a:extLst>
+              <a:ext uri="{FF2B5EF4-FFF2-40B4-BE49-F238E27FC236}">
+                <a16:creationId xmlns:a16="http://schemas.microsoft.com/office/drawing/2014/main" id="{DE0E7C20-8818-43DE-A21C-F3601C9B2B68}"/>
+              </a:ext>
+            </a:extLst>
+          </p:cNvPr>
+          <p:cNvSpPr>
+            <a:spLocks noGrp="1"/>
+          </p:cNvSpPr>
+          <p:nvPr>
+            <p:ph type="title"/>
+          </p:nvPr>
+        </p:nvSpPr>
+        <p:spPr/>
+        <p:txBody>
+          <a:bodyPr/>
+          <a:lstStyle/>
+          <a:p>
+            <a:r>
+              <a:rPr lang="de-CH" dirty="0"/>
+              <a:t>Login / Registrierung</a:t>
+            </a:r>
+          </a:p>
+        </p:txBody>
+      </p:sp>
+      <p:sp>
+        <p:nvSpPr>
+          <p:cNvPr id="3" name="Content Placeholder 2">
+            <a:extLst>
+              <a:ext uri="{FF2B5EF4-FFF2-40B4-BE49-F238E27FC236}">
+                <a16:creationId xmlns:a16="http://schemas.microsoft.com/office/drawing/2014/main" id="{12276293-5251-49E9-BEC5-22F217E344F8}"/>
+              </a:ext>
+            </a:extLst>
+          </p:cNvPr>
+          <p:cNvSpPr>
+            <a:spLocks noGrp="1"/>
+          </p:cNvSpPr>
+          <p:nvPr>
+            <p:ph idx="1"/>
+          </p:nvPr>
+        </p:nvSpPr>
+        <p:spPr/>
+        <p:txBody>
+          <a:bodyPr anchor="t"/>
+          <a:lstStyle/>
+          <a:p>
+            <a:r>
+              <a:rPr lang="de-CH" dirty="0" err="1"/>
+              <a:t>Firebase</a:t>
+            </a:r>
+            <a:r>
+              <a:rPr lang="de-CH" dirty="0"/>
+              <a:t>-Authentication</a:t>
             </a:r>
           </a:p>
           <a:p>
@@ -6741,7 +8721,7 @@
             <a:pPr lvl="1"/>
             <a:r>
               <a:rPr lang="de-CH" dirty="0"/>
-              <a:t>User Name</a:t>
+              <a:t>Username</a:t>
             </a:r>
           </a:p>
           <a:p>
@@ -6757,6 +8737,22 @@
               <a:rPr lang="de-CH" dirty="0"/>
               <a:t>Passwort</a:t>
             </a:r>
+          </a:p>
+          <a:p>
+            <a:r>
+              <a:rPr lang="de-CH" dirty="0"/>
+              <a:t>Backend gespeichert</a:t>
+            </a:r>
+          </a:p>
+          <a:p>
+            <a:r>
+              <a:rPr lang="de-CH" dirty="0"/>
+              <a:t>Email versenden</a:t>
+            </a:r>
+          </a:p>
+          <a:p>
+            <a:pPr lvl="1"/>
+            <a:endParaRPr lang="de-CH" dirty="0"/>
           </a:p>
           <a:p>
             <a:endParaRPr lang="de-CH" dirty="0"/>
@@ -6768,7 +8764,7 @@
           <p:cNvPr id="5" name="Picture 4">
             <a:extLst>
               <a:ext uri="{FF2B5EF4-FFF2-40B4-BE49-F238E27FC236}">
-                <a16:creationId xmlns:a16="http://schemas.microsoft.com/office/drawing/2014/main" xmlns="" id="{A77652B3-5F87-4DE2-9321-518C8FE43BF8}"/>
+                <a16:creationId xmlns:a16="http://schemas.microsoft.com/office/drawing/2014/main" id="{A77652B3-5F87-4DE2-9321-518C8FE43BF8}"/>
               </a:ext>
             </a:extLst>
           </p:cNvPr>
@@ -6778,7 +8774,7 @@
           <p:nvPr/>
         </p:nvPicPr>
         <p:blipFill rotWithShape="1">
-          <a:blip r:embed="rId2" cstate="print">
+          <a:blip r:embed="rId3" cstate="print">
             <a:extLst>
               <a:ext uri="{28A0092B-C50C-407E-A947-70E740481C1C}">
                 <a14:useLocalDpi xmlns:a14="http://schemas.microsoft.com/office/drawing/2010/main" val="0"/>
@@ -6818,89 +8814,6 @@
 </p:sld>
 </file>
 
-<file path=ppt/slides/slide13.xml><?xml version="1.0" encoding="utf-8"?>
-<p:sld xmlns:a="http://schemas.openxmlformats.org/drawingml/2006/main" xmlns:r="http://schemas.openxmlformats.org/officeDocument/2006/relationships" xmlns:p="http://schemas.openxmlformats.org/presentationml/2006/main">
-  <p:cSld>
-    <p:spTree>
-      <p:nvGrpSpPr>
-        <p:cNvPr id="1" name=""/>
-        <p:cNvGrpSpPr/>
-        <p:nvPr/>
-      </p:nvGrpSpPr>
-      <p:grpSpPr>
-        <a:xfrm>
-          <a:off x="0" y="0"/>
-          <a:ext cx="0" cy="0"/>
-          <a:chOff x="0" y="0"/>
-          <a:chExt cx="0" cy="0"/>
-        </a:xfrm>
-      </p:grpSpPr>
-      <p:sp>
-        <p:nvSpPr>
-          <p:cNvPr id="2" name="Titel 1"/>
-          <p:cNvSpPr>
-            <a:spLocks noGrp="1"/>
-          </p:cNvSpPr>
-          <p:nvPr>
-            <p:ph type="title"/>
-          </p:nvPr>
-        </p:nvSpPr>
-        <p:spPr/>
-        <p:txBody>
-          <a:bodyPr/>
-          <a:lstStyle/>
-          <a:p>
-            <a:r>
-              <a:rPr lang="de-CH" dirty="0" smtClean="0"/>
-              <a:t>Die Funktionen der App</a:t>
-            </a:r>
-            <a:endParaRPr lang="de-CH" dirty="0"/>
-          </a:p>
-        </p:txBody>
-      </p:sp>
-      <p:sp>
-        <p:nvSpPr>
-          <p:cNvPr id="3" name="Inhaltsplatzhalter 2"/>
-          <p:cNvSpPr>
-            <a:spLocks noGrp="1"/>
-          </p:cNvSpPr>
-          <p:nvPr>
-            <p:ph idx="1"/>
-          </p:nvPr>
-        </p:nvSpPr>
-        <p:spPr/>
-        <p:txBody>
-          <a:bodyPr anchor="t"/>
-          <a:lstStyle/>
-          <a:p>
-            <a:r>
-              <a:rPr lang="de-CH" dirty="0" smtClean="0"/>
-              <a:t>Live-Demo durch Marc Vollenweider</a:t>
-            </a:r>
-            <a:endParaRPr lang="de-CH" dirty="0"/>
-          </a:p>
-        </p:txBody>
-      </p:sp>
-    </p:spTree>
-    <p:extLst>
-      <p:ext uri="{BB962C8B-B14F-4D97-AF65-F5344CB8AC3E}">
-        <p14:creationId xmlns:p14="http://schemas.microsoft.com/office/powerpoint/2010/main" val="2408178766"/>
-      </p:ext>
-    </p:extLst>
-  </p:cSld>
-  <p:clrMapOvr>
-    <a:masterClrMapping/>
-  </p:clrMapOvr>
-  <p:timing>
-    <p:tnLst>
-      <p:par>
-        <p:cTn id="1" dur="indefinite" restart="never" nodeType="tmRoot"/>
-      </p:par>
-    </p:tnLst>
-  </p:timing>
-</p:sld>
-</file>
-
 <file path=ppt/slides/slide14.xml><?xml version="1.0" encoding="utf-8"?>
 <p:sld xmlns:a="http://schemas.openxmlformats.org/drawingml/2006/main" xmlns:r="http://schemas.openxmlformats.org/officeDocument/2006/relationships" xmlns:p="http://schemas.openxmlformats.org/presentationml/2006/main">
   <p:cSld>
@@ -6934,10 +8847,9 @@
           <a:lstStyle/>
           <a:p>
             <a:r>
-              <a:rPr lang="de-CH" dirty="0" smtClean="0"/>
-              <a:t>Fazit</a:t>
-            </a:r>
-            <a:endParaRPr lang="de-CH" dirty="0"/>
+              <a:rPr lang="de-CH" dirty="0"/>
+              <a:t>Die Funktionen der App</a:t>
+            </a:r>
           </a:p>
         </p:txBody>
       </p:sp>
@@ -6953,6 +8865,80 @@
         </p:nvSpPr>
         <p:spPr/>
         <p:txBody>
+          <a:bodyPr anchor="t"/>
+          <a:lstStyle/>
+          <a:p>
+            <a:r>
+              <a:rPr lang="de-CH" dirty="0"/>
+              <a:t>Live-Demo durch Marc Vollenweider</a:t>
+            </a:r>
+          </a:p>
+        </p:txBody>
+      </p:sp>
+    </p:spTree>
+    <p:extLst>
+      <p:ext uri="{BB962C8B-B14F-4D97-AF65-F5344CB8AC3E}">
+        <p14:creationId xmlns:p14="http://schemas.microsoft.com/office/powerpoint/2010/main" val="2408178766"/>
+      </p:ext>
+    </p:extLst>
+  </p:cSld>
+  <p:clrMapOvr>
+    <a:masterClrMapping/>
+  </p:clrMapOvr>
+</p:sld>
+</file>
+
+<file path=ppt/slides/slide15.xml><?xml version="1.0" encoding="utf-8"?>
+<p:sld xmlns:a="http://schemas.openxmlformats.org/drawingml/2006/main" xmlns:r="http://schemas.openxmlformats.org/officeDocument/2006/relationships" xmlns:p="http://schemas.openxmlformats.org/presentationml/2006/main">
+  <p:cSld>
+    <p:spTree>
+      <p:nvGrpSpPr>
+        <p:cNvPr id="1" name=""/>
+        <p:cNvGrpSpPr/>
+        <p:nvPr/>
+      </p:nvGrpSpPr>
+      <p:grpSpPr>
+        <a:xfrm>
+          <a:off x="0" y="0"/>
+          <a:ext cx="0" cy="0"/>
+          <a:chOff x="0" y="0"/>
+          <a:chExt cx="0" cy="0"/>
+        </a:xfrm>
+      </p:grpSpPr>
+      <p:sp>
+        <p:nvSpPr>
+          <p:cNvPr id="2" name="Titel 1"/>
+          <p:cNvSpPr>
+            <a:spLocks noGrp="1"/>
+          </p:cNvSpPr>
+          <p:nvPr>
+            <p:ph type="title"/>
+          </p:nvPr>
+        </p:nvSpPr>
+        <p:spPr/>
+        <p:txBody>
+          <a:bodyPr/>
+          <a:lstStyle/>
+          <a:p>
+            <a:r>
+              <a:rPr lang="de-CH" dirty="0"/>
+              <a:t>Fazit</a:t>
+            </a:r>
+          </a:p>
+        </p:txBody>
+      </p:sp>
+      <p:sp>
+        <p:nvSpPr>
+          <p:cNvPr id="3" name="Inhaltsplatzhalter 2"/>
+          <p:cNvSpPr>
+            <a:spLocks noGrp="1"/>
+          </p:cNvSpPr>
+          <p:nvPr>
+            <p:ph idx="1"/>
+          </p:nvPr>
+        </p:nvSpPr>
+        <p:spPr/>
+        <p:txBody>
           <a:bodyPr anchor="t">
             <a:normAutofit lnSpcReduction="10000"/>
           </a:bodyPr>
@@ -7031,7 +9017,7 @@
               <a:t>Anwendung von </a:t>
             </a:r>
             <a:r>
-              <a:rPr lang="de-CH" dirty="0" err="1" smtClean="0"/>
+              <a:rPr lang="de-CH" dirty="0" err="1"/>
               <a:t>Scrum</a:t>
             </a:r>
             <a:endParaRPr lang="de-CH" dirty="0"/>
@@ -7043,7 +9029,7 @@
           <p:cNvPr id="4" name="Textfeld 3">
             <a:extLst>
               <a:ext uri="{FF2B5EF4-FFF2-40B4-BE49-F238E27FC236}">
-                <a16:creationId xmlns:a16="http://schemas.microsoft.com/office/drawing/2014/main" xmlns="" id="{A01110CF-E067-4F40-A440-F9C49C4998C7}"/>
+                <a16:creationId xmlns:a16="http://schemas.microsoft.com/office/drawing/2014/main" id="{A01110CF-E067-4F40-A440-F9C49C4998C7}"/>
               </a:ext>
             </a:extLst>
           </p:cNvPr>
@@ -7203,13 +9189,8 @@
             </a:pPr>
             <a:r>
               <a:rPr lang="de-CH" dirty="0"/>
-              <a:t>Gute Kommunikation und Arbeitsaufteilung sind die wesentlichsten Punkte für ein g</a:t>
-            </a:r>
-            <a:r>
-              <a:rPr lang="de-CH" dirty="0" smtClean="0"/>
-              <a:t>utes Ergebnis.</a:t>
-            </a:r>
-            <a:endParaRPr lang="de-CH" dirty="0"/>
+              <a:t>Gute Kommunikation und Arbeitsaufteilung sind die wesentlichsten Punkte für ein gutes Ergebnis.</a:t>
+            </a:r>
           </a:p>
         </p:txBody>
       </p:sp>
@@ -7217,95 +9198,6 @@
     <p:extLst>
       <p:ext uri="{BB962C8B-B14F-4D97-AF65-F5344CB8AC3E}">
         <p14:creationId xmlns:p14="http://schemas.microsoft.com/office/powerpoint/2010/main" val="3853776298"/>
-      </p:ext>
-    </p:extLst>
-  </p:cSld>
-  <p:clrMapOvr>
-    <a:masterClrMapping/>
-  </p:clrMapOvr>
-  <p:timing>
-    <p:tnLst>
-      <p:par>
-        <p:cTn id="1" dur="indefinite" restart="never" nodeType="tmRoot"/>
-      </p:par>
-    </p:tnLst>
-  </p:timing>
-</p:sld>
-</file>
-
-<file path=ppt/slides/slide15.xml><?xml version="1.0" encoding="utf-8"?>
-<p:sld xmlns:a="http://schemas.openxmlformats.org/drawingml/2006/main" xmlns:r="http://schemas.openxmlformats.org/officeDocument/2006/relationships" xmlns:p="http://schemas.openxmlformats.org/presentationml/2006/main">
-  <p:cSld>
-    <p:spTree>
-      <p:nvGrpSpPr>
-        <p:cNvPr id="1" name=""/>
-        <p:cNvGrpSpPr/>
-        <p:nvPr/>
-      </p:nvGrpSpPr>
-      <p:grpSpPr>
-        <a:xfrm>
-          <a:off x="0" y="0"/>
-          <a:ext cx="0" cy="0"/>
-          <a:chOff x="0" y="0"/>
-          <a:chExt cx="0" cy="0"/>
-        </a:xfrm>
-      </p:grpSpPr>
-      <p:sp>
-        <p:nvSpPr>
-          <p:cNvPr id="2" name="Titel 1"/>
-          <p:cNvSpPr>
-            <a:spLocks noGrp="1"/>
-          </p:cNvSpPr>
-          <p:nvPr>
-            <p:ph type="title"/>
-          </p:nvPr>
-        </p:nvSpPr>
-        <p:spPr/>
-        <p:txBody>
-          <a:bodyPr/>
-          <a:lstStyle/>
-          <a:p>
-            <a:r>
-              <a:rPr lang="de-CH" dirty="0" smtClean="0"/>
-              <a:t>Fragen?</a:t>
-            </a:r>
-            <a:endParaRPr lang="de-CH" dirty="0"/>
-          </a:p>
-        </p:txBody>
-      </p:sp>
-      <p:sp>
-        <p:nvSpPr>
-          <p:cNvPr id="3" name="Inhaltsplatzhalter 2"/>
-          <p:cNvSpPr>
-            <a:spLocks noGrp="1"/>
-          </p:cNvSpPr>
-          <p:nvPr>
-            <p:ph idx="1"/>
-          </p:nvPr>
-        </p:nvSpPr>
-        <p:spPr/>
-        <p:txBody>
-          <a:bodyPr anchor="t">
-            <a:normAutofit/>
-          </a:bodyPr>
-          <a:lstStyle/>
-          <a:p>
-            <a:r>
-              <a:rPr lang="de-CH" dirty="0"/>
-              <a:t>Falls noch fragen offen sind, können diese jetzt gestellt werden</a:t>
-            </a:r>
-            <a:r>
-              <a:rPr lang="de-CH" dirty="0" smtClean="0"/>
-              <a:t>.</a:t>
-            </a:r>
-            <a:endParaRPr lang="de-CH" dirty="0"/>
-          </a:p>
-        </p:txBody>
-      </p:sp>
-    </p:spTree>
-    <p:extLst>
-      <p:ext uri="{BB962C8B-B14F-4D97-AF65-F5344CB8AC3E}">
-        <p14:creationId xmlns:p14="http://schemas.microsoft.com/office/powerpoint/2010/main" val="1913360149"/>
       </p:ext>
     </p:extLst>
   </p:cSld>
@@ -7348,10 +9240,9 @@
           <a:lstStyle/>
           <a:p>
             <a:r>
-              <a:rPr lang="de-CH" dirty="0" smtClean="0"/>
-              <a:t>Ende</a:t>
-            </a:r>
-            <a:endParaRPr lang="de-CH" dirty="0"/>
+              <a:rPr lang="de-CH" dirty="0"/>
+              <a:t>Fragen?</a:t>
+            </a:r>
           </a:p>
         </p:txBody>
       </p:sp>
@@ -7373,10 +9264,85 @@
           <a:lstStyle/>
           <a:p>
             <a:r>
-              <a:rPr lang="de-CH" dirty="0" smtClean="0"/>
+              <a:rPr lang="de-CH" dirty="0"/>
+              <a:t>Falls noch fragen offen sind, können diese jetzt gestellt werden.</a:t>
+            </a:r>
+          </a:p>
+        </p:txBody>
+      </p:sp>
+    </p:spTree>
+    <p:extLst>
+      <p:ext uri="{BB962C8B-B14F-4D97-AF65-F5344CB8AC3E}">
+        <p14:creationId xmlns:p14="http://schemas.microsoft.com/office/powerpoint/2010/main" val="1913360149"/>
+      </p:ext>
+    </p:extLst>
+  </p:cSld>
+  <p:clrMapOvr>
+    <a:masterClrMapping/>
+  </p:clrMapOvr>
+</p:sld>
+</file>
+
+<file path=ppt/slides/slide17.xml><?xml version="1.0" encoding="utf-8"?>
+<p:sld xmlns:a="http://schemas.openxmlformats.org/drawingml/2006/main" xmlns:r="http://schemas.openxmlformats.org/officeDocument/2006/relationships" xmlns:p="http://schemas.openxmlformats.org/presentationml/2006/main">
+  <p:cSld>
+    <p:spTree>
+      <p:nvGrpSpPr>
+        <p:cNvPr id="1" name=""/>
+        <p:cNvGrpSpPr/>
+        <p:nvPr/>
+      </p:nvGrpSpPr>
+      <p:grpSpPr>
+        <a:xfrm>
+          <a:off x="0" y="0"/>
+          <a:ext cx="0" cy="0"/>
+          <a:chOff x="0" y="0"/>
+          <a:chExt cx="0" cy="0"/>
+        </a:xfrm>
+      </p:grpSpPr>
+      <p:sp>
+        <p:nvSpPr>
+          <p:cNvPr id="2" name="Titel 1"/>
+          <p:cNvSpPr>
+            <a:spLocks noGrp="1"/>
+          </p:cNvSpPr>
+          <p:nvPr>
+            <p:ph type="title"/>
+          </p:nvPr>
+        </p:nvSpPr>
+        <p:spPr/>
+        <p:txBody>
+          <a:bodyPr/>
+          <a:lstStyle/>
+          <a:p>
+            <a:r>
+              <a:rPr lang="de-CH" dirty="0"/>
+              <a:t>Ende</a:t>
+            </a:r>
+          </a:p>
+        </p:txBody>
+      </p:sp>
+      <p:sp>
+        <p:nvSpPr>
+          <p:cNvPr id="3" name="Inhaltsplatzhalter 2"/>
+          <p:cNvSpPr>
+            <a:spLocks noGrp="1"/>
+          </p:cNvSpPr>
+          <p:nvPr>
+            <p:ph idx="1"/>
+          </p:nvPr>
+        </p:nvSpPr>
+        <p:spPr/>
+        <p:txBody>
+          <a:bodyPr anchor="t">
+            <a:normAutofit/>
+          </a:bodyPr>
+          <a:lstStyle/>
+          <a:p>
+            <a:r>
+              <a:rPr lang="de-CH" dirty="0"/>
               <a:t>Vielen Dank für Ihre Aufmerksamkeit.</a:t>
             </a:r>
-            <a:endParaRPr lang="de-CH" dirty="0"/>
           </a:p>
         </p:txBody>
       </p:sp>
@@ -7426,10 +9392,9 @@
           <a:lstStyle/>
           <a:p>
             <a:r>
-              <a:rPr lang="de-CH" dirty="0" smtClean="0"/>
+              <a:rPr lang="de-CH" dirty="0"/>
               <a:t>Ablauf</a:t>
             </a:r>
-            <a:endParaRPr lang="de-CH" dirty="0"/>
           </a:p>
         </p:txBody>
       </p:sp>
@@ -7451,105 +9416,86 @@
         </p:spPr>
         <p:txBody>
           <a:bodyPr anchor="t">
-            <a:normAutofit fontScale="85000" lnSpcReduction="20000"/>
+            <a:normAutofit fontScale="77500" lnSpcReduction="20000"/>
           </a:bodyPr>
           <a:lstStyle/>
           <a:p>
             <a:r>
-              <a:rPr lang="de-CH" dirty="0" smtClean="0"/>
+              <a:rPr lang="de-CH" dirty="0"/>
               <a:t>Problemdarstellung</a:t>
             </a:r>
           </a:p>
           <a:p>
             <a:r>
-              <a:rPr lang="de-CH" dirty="0" smtClean="0"/>
-              <a:t>ENTERTAINNET – </a:t>
-            </a:r>
-            <a:r>
               <a:rPr lang="de-CH" dirty="0"/>
-              <a:t>W</a:t>
-            </a:r>
-            <a:r>
-              <a:rPr lang="de-CH" dirty="0" smtClean="0"/>
-              <a:t>as ist das?</a:t>
-            </a:r>
-          </a:p>
-          <a:p>
-            <a:r>
-              <a:rPr lang="de-CH" dirty="0" smtClean="0"/>
+              <a:t>ENTERTAINNET – Was ist das?</a:t>
+            </a:r>
+          </a:p>
+          <a:p>
+            <a:r>
+              <a:rPr lang="de-CH" dirty="0"/>
               <a:t>Vorteile</a:t>
             </a:r>
           </a:p>
           <a:p>
             <a:r>
-              <a:rPr lang="de-CH" dirty="0" smtClean="0"/>
+              <a:rPr lang="de-CH" dirty="0"/>
               <a:t>Ziele</a:t>
             </a:r>
+          </a:p>
+          <a:p>
+            <a:r>
+              <a:rPr lang="de-CH" dirty="0"/>
+              <a:t>Planung</a:t>
+            </a:r>
+          </a:p>
+          <a:p>
+            <a:r>
+              <a:rPr lang="de-CH" dirty="0"/>
+              <a:t>Zeitplanung</a:t>
+            </a:r>
+          </a:p>
+          <a:p>
+            <a:r>
+              <a:rPr lang="de-CH" dirty="0"/>
+              <a:t>Kommunikation</a:t>
+            </a:r>
+          </a:p>
+          <a:p>
+            <a:r>
+              <a:rPr lang="de-CH" dirty="0"/>
+              <a:t>Risikoanalyse</a:t>
+            </a:r>
+          </a:p>
+          <a:p>
+            <a:r>
+              <a:rPr lang="de-CH" dirty="0"/>
+              <a:t>Architektur</a:t>
+            </a:r>
+          </a:p>
+          <a:p>
+            <a:r>
+              <a:rPr lang="de-CH" dirty="0" err="1"/>
+              <a:t>Firebase</a:t>
+            </a:r>
             <a:endParaRPr lang="de-CH" dirty="0"/>
           </a:p>
           <a:p>
             <a:r>
-              <a:rPr lang="de-CH" dirty="0" smtClean="0"/>
-              <a:t>Planung</a:t>
-            </a:r>
-          </a:p>
-          <a:p>
-            <a:r>
-              <a:rPr lang="de-CH" dirty="0" smtClean="0"/>
-              <a:t>Kommunikation</a:t>
-            </a:r>
-            <a:endParaRPr lang="de-CH" dirty="0"/>
-          </a:p>
-          <a:p>
-            <a:r>
-              <a:rPr lang="de-CH" dirty="0" smtClean="0"/>
-              <a:t>Risikoanalyse</a:t>
-            </a:r>
-            <a:endParaRPr lang="de-CH" dirty="0" smtClean="0"/>
-          </a:p>
-          <a:p>
-            <a:r>
-              <a:rPr lang="de-CH" dirty="0" smtClean="0"/>
-              <a:t>Architektur</a:t>
-            </a:r>
-            <a:endParaRPr lang="de-CH" dirty="0"/>
-          </a:p>
-          <a:p>
-            <a:r>
-              <a:rPr lang="de-CH" dirty="0" err="1" smtClean="0"/>
-              <a:t>Firebase</a:t>
-            </a:r>
-            <a:endParaRPr lang="de-CH" dirty="0" smtClean="0"/>
-          </a:p>
-          <a:p>
-            <a:r>
-              <a:rPr lang="de-CH" dirty="0" smtClean="0"/>
+              <a:rPr lang="de-CH" dirty="0"/>
               <a:t>Login</a:t>
             </a:r>
-            <a:endParaRPr lang="de-CH" dirty="0"/>
           </a:p>
           <a:p>
             <a:r>
               <a:rPr lang="de-CH" dirty="0"/>
-              <a:t>Die Funktionen der </a:t>
-            </a:r>
-            <a:r>
-              <a:rPr lang="de-CH" dirty="0" smtClean="0"/>
-              <a:t>App</a:t>
-            </a:r>
-          </a:p>
-          <a:p>
-            <a:r>
-              <a:rPr lang="de-CH" dirty="0" smtClean="0"/>
-              <a:t>Fazit </a:t>
-            </a:r>
+              <a:t>Die Funktionen der App</a:t>
+            </a:r>
+          </a:p>
+          <a:p>
             <a:r>
               <a:rPr lang="de-CH" dirty="0"/>
-              <a:t>und </a:t>
-            </a:r>
-            <a:r>
-              <a:rPr lang="de-CH" dirty="0" smtClean="0"/>
-              <a:t>Reflexion</a:t>
+              <a:t>Fazit und Reflexion</a:t>
             </a:r>
           </a:p>
         </p:txBody>
@@ -7600,10 +9546,9 @@
           <a:lstStyle/>
           <a:p>
             <a:r>
-              <a:rPr lang="de-CH" dirty="0" smtClean="0"/>
+              <a:rPr lang="de-CH" dirty="0"/>
               <a:t>Problemdarstellung</a:t>
             </a:r>
-            <a:endParaRPr lang="de-CH" dirty="0"/>
           </a:p>
         </p:txBody>
       </p:sp>
@@ -7623,13 +9568,13 @@
           <a:lstStyle/>
           <a:p>
             <a:r>
-              <a:rPr lang="de-CH" dirty="0" smtClean="0"/>
+              <a:rPr lang="de-CH" dirty="0"/>
               <a:t>Unterhaltung fehlt</a:t>
             </a:r>
           </a:p>
           <a:p>
             <a:r>
-              <a:rPr lang="de-CH" dirty="0" smtClean="0"/>
+              <a:rPr lang="de-CH" dirty="0"/>
               <a:t>Humor nicht weit verbreitet</a:t>
             </a:r>
           </a:p>
@@ -7684,18 +9629,9 @@
           <a:lstStyle/>
           <a:p>
             <a:r>
-              <a:rPr lang="de-CH" dirty="0" smtClean="0"/>
-              <a:t>ENTERTAINNET – </a:t>
-            </a:r>
-            <a:r>
               <a:rPr lang="de-CH" dirty="0"/>
-              <a:t>Was ist das</a:t>
-            </a:r>
-            <a:r>
-              <a:rPr lang="de-CH" dirty="0" smtClean="0"/>
-              <a:t>?</a:t>
-            </a:r>
-            <a:endParaRPr lang="de-CH" dirty="0"/>
+              <a:t>ENTERTAINNET – Was ist das?</a:t>
+            </a:r>
           </a:p>
         </p:txBody>
       </p:sp>
@@ -7715,82 +9651,73 @@
           <a:lstStyle/>
           <a:p>
             <a:r>
-              <a:rPr lang="de-CH" dirty="0" smtClean="0"/>
+              <a:rPr lang="de-CH" dirty="0"/>
               <a:t>Entertainment + Network</a:t>
             </a:r>
           </a:p>
           <a:p>
             <a:r>
-              <a:rPr lang="en-US" dirty="0" err="1" smtClean="0"/>
+              <a:rPr lang="en-US" dirty="0" err="1"/>
               <a:t>Witze</a:t>
             </a:r>
-            <a:endParaRPr lang="en-US" dirty="0" smtClean="0"/>
-          </a:p>
-          <a:p>
-            <a:r>
-              <a:rPr lang="en-US" dirty="0" err="1" smtClean="0">
+            <a:endParaRPr lang="en-US" dirty="0"/>
+          </a:p>
+          <a:p>
+            <a:r>
+              <a:rPr lang="en-US" dirty="0" err="1">
                 <a:sym typeface="Wingdings" panose="05000000000000000000" pitchFamily="2" charset="2"/>
               </a:rPr>
               <a:t>Teilen</a:t>
             </a:r>
             <a:r>
-              <a:rPr lang="en-US" dirty="0" smtClean="0">
+              <a:rPr lang="en-US" dirty="0">
                 <a:sym typeface="Wingdings" panose="05000000000000000000" pitchFamily="2" charset="2"/>
               </a:rPr>
               <a:t> </a:t>
             </a:r>
             <a:r>
-              <a:rPr lang="en-US" dirty="0" err="1" smtClean="0">
+              <a:rPr lang="en-US" dirty="0" err="1">
                 <a:sym typeface="Wingdings" panose="05000000000000000000" pitchFamily="2" charset="2"/>
               </a:rPr>
               <a:t>mit</a:t>
             </a:r>
             <a:r>
-              <a:rPr lang="en-US" dirty="0" smtClean="0">
+              <a:rPr lang="en-US" dirty="0">
                 <a:sym typeface="Wingdings" panose="05000000000000000000" pitchFamily="2" charset="2"/>
               </a:rPr>
               <a:t> </a:t>
             </a:r>
             <a:r>
-              <a:rPr lang="en-US" dirty="0" err="1" smtClean="0"/>
+              <a:rPr lang="en-US" dirty="0" err="1"/>
               <a:t>guten</a:t>
             </a:r>
             <a:r>
-              <a:rPr lang="en-US" dirty="0" smtClean="0"/>
+              <a:rPr lang="en-US" dirty="0"/>
               <a:t> </a:t>
             </a:r>
             <a:r>
-              <a:rPr lang="en-US" dirty="0" err="1" smtClean="0"/>
+              <a:rPr lang="en-US" dirty="0" err="1"/>
               <a:t>Freunden</a:t>
             </a:r>
             <a:endParaRPr lang="en-US" dirty="0"/>
           </a:p>
           <a:p>
             <a:r>
-              <a:rPr lang="en-US" dirty="0" err="1" smtClean="0"/>
+              <a:rPr lang="en-US" dirty="0" err="1"/>
               <a:t>Fördert</a:t>
             </a:r>
             <a:r>
-              <a:rPr lang="en-US" dirty="0" smtClean="0"/>
-              <a:t> </a:t>
-            </a:r>
-            <a:r>
               <a:rPr lang="en-US" dirty="0"/>
-              <a:t>Sinn </a:t>
-            </a:r>
-            <a:r>
-              <a:rPr lang="en-US" dirty="0" err="1" smtClean="0"/>
+              <a:t> Sinn </a:t>
+            </a:r>
+            <a:r>
+              <a:rPr lang="en-US" dirty="0" err="1"/>
               <a:t>für</a:t>
             </a:r>
             <a:r>
-              <a:rPr lang="en-US" dirty="0" smtClean="0"/>
-              <a:t> </a:t>
-            </a:r>
-            <a:r>
-              <a:rPr lang="en-US" dirty="0" smtClean="0"/>
-              <a:t>Humor</a:t>
-            </a:r>
-            <a:endParaRPr lang="en-US" dirty="0"/>
+              <a:rPr lang="en-US" dirty="0"/>
+              <a:t> Humor</a:t>
+            </a:r>
           </a:p>
         </p:txBody>
       </p:sp>
@@ -7829,7 +9756,7 @@
           <p:cNvPr id="3" name="Inhaltsplatzhalter 2">
             <a:extLst>
               <a:ext uri="{FF2B5EF4-FFF2-40B4-BE49-F238E27FC236}">
-                <a16:creationId xmlns:a16="http://schemas.microsoft.com/office/drawing/2014/main" xmlns="" id="{B1AF1FFC-5E6C-4479-823F-3AB29798F86A}"/>
+                <a16:creationId xmlns:a16="http://schemas.microsoft.com/office/drawing/2014/main" id="{B1AF1FFC-5E6C-4479-823F-3AB29798F86A}"/>
               </a:ext>
             </a:extLst>
           </p:cNvPr>
@@ -7864,10 +9791,9 @@
           </a:p>
           <a:p>
             <a:r>
-              <a:rPr lang="de-CH" dirty="0" smtClean="0"/>
+              <a:rPr lang="de-CH" dirty="0"/>
               <a:t>Auflockerung</a:t>
             </a:r>
-            <a:endParaRPr lang="de-CH" dirty="0"/>
           </a:p>
           <a:p>
             <a:endParaRPr lang="de-CH" dirty="0"/>
@@ -8028,10 +9954,9 @@
           <a:lstStyle/>
           <a:p>
             <a:r>
-              <a:rPr lang="de-CH" dirty="0" smtClean="0"/>
+              <a:rPr lang="de-CH" dirty="0"/>
               <a:t>Ziele</a:t>
             </a:r>
-            <a:endParaRPr lang="de-CH" dirty="0"/>
           </a:p>
         </p:txBody>
       </p:sp>
@@ -8078,7 +10003,6 @@
               <a:rPr lang="de-CH" dirty="0"/>
               <a:t>Minimum 20 Benutzer im ersten Monat</a:t>
             </a:r>
-            <a:endParaRPr lang="de-CH" dirty="0"/>
           </a:p>
         </p:txBody>
       </p:sp>
@@ -8092,13 +10016,6 @@
   <p:clrMapOvr>
     <a:masterClrMapping/>
   </p:clrMapOvr>
-  <p:timing>
-    <p:tnLst>
-      <p:par>
-        <p:cTn id="1" dur="indefinite" restart="never" nodeType="tmRoot"/>
-      </p:par>
-    </p:tnLst>
-  </p:timing>
 </p:sld>
 </file>
 
@@ -8135,10 +10052,9 @@
           <a:lstStyle/>
           <a:p>
             <a:r>
-              <a:rPr lang="de-CH" dirty="0" smtClean="0"/>
+              <a:rPr lang="de-CH" dirty="0"/>
               <a:t>Planung</a:t>
             </a:r>
-            <a:endParaRPr lang="de-CH" dirty="0"/>
           </a:p>
         </p:txBody>
       </p:sp>
@@ -8158,28 +10074,24 @@
           <a:lstStyle/>
           <a:p>
             <a:r>
-              <a:rPr lang="de-CH" dirty="0" smtClean="0"/>
-              <a:t>GANTT </a:t>
-            </a:r>
-            <a:r>
-              <a:rPr lang="de-CH" dirty="0" smtClean="0"/>
-              <a:t>Zeitplan</a:t>
-            </a:r>
-          </a:p>
-          <a:p>
-            <a:r>
-              <a:rPr lang="en-US" dirty="0" smtClean="0"/>
+              <a:rPr lang="de-CH" dirty="0"/>
+              <a:t>GANTT Zeitplan</a:t>
+            </a:r>
+          </a:p>
+          <a:p>
+            <a:r>
+              <a:rPr lang="en-US" dirty="0"/>
               <a:t>GitHub </a:t>
             </a:r>
             <a:r>
-              <a:rPr lang="en-US" dirty="0" err="1" smtClean="0"/>
+              <a:rPr lang="en-US" dirty="0" err="1"/>
               <a:t>Versionierung</a:t>
             </a:r>
-            <a:endParaRPr lang="en-US" dirty="0" smtClean="0"/>
-          </a:p>
-          <a:p>
-            <a:r>
-              <a:rPr lang="en-US" dirty="0" smtClean="0">
+            <a:endParaRPr lang="en-US" dirty="0"/>
+          </a:p>
+          <a:p>
+            <a:r>
+              <a:rPr lang="en-US" dirty="0">
                 <a:sym typeface="Wingdings" panose="05000000000000000000" pitchFamily="2" charset="2"/>
               </a:rPr>
               <a:t>SCRUM</a:t>
@@ -8187,21 +10099,13 @@
           </a:p>
           <a:p>
             <a:r>
-              <a:rPr lang="de-CH" dirty="0" smtClean="0"/>
-              <a:t>Kosten</a:t>
-            </a:r>
-            <a:r>
               <a:rPr lang="de-CH" dirty="0"/>
-              <a:t>: CHF 1458</a:t>
-            </a:r>
-            <a:r>
-              <a:rPr lang="de-CH" dirty="0" smtClean="0"/>
-              <a:t>.-</a:t>
-            </a:r>
-          </a:p>
-          <a:p>
-            <a:r>
-              <a:rPr lang="de-CH" dirty="0" smtClean="0"/>
+              <a:t>Kosten: CHF 1458.-</a:t>
+            </a:r>
+          </a:p>
+          <a:p>
+            <a:r>
+              <a:rPr lang="de-CH" dirty="0"/>
               <a:t>Teammeetings</a:t>
             </a:r>
             <a:endParaRPr lang="en-US" dirty="0"/>
@@ -8259,18 +10163,13 @@
             <a:p>
               <a:pPr algn="ctr"/>
               <a:r>
-                <a:rPr lang="de-CH" dirty="0" smtClean="0">
+                <a:rPr lang="de-CH" dirty="0">
                   <a:solidFill>
                     <a:schemeClr val="bg1"/>
                   </a:solidFill>
                 </a:rPr>
                 <a:t>Nico Lutz</a:t>
               </a:r>
-              <a:endParaRPr lang="de-CH" dirty="0">
-                <a:solidFill>
-                  <a:schemeClr val="bg1"/>
-                </a:solidFill>
-              </a:endParaRPr>
             </a:p>
           </p:txBody>
         </p:sp>
@@ -8311,18 +10210,13 @@
             <a:p>
               <a:pPr algn="ctr"/>
               <a:r>
-                <a:rPr lang="de-CH" sz="1400" dirty="0" smtClean="0">
+                <a:rPr lang="de-CH" sz="1400" dirty="0">
                   <a:solidFill>
                     <a:schemeClr val="bg1"/>
                   </a:solidFill>
                 </a:rPr>
                 <a:t>Marc Vollenweider</a:t>
               </a:r>
-              <a:endParaRPr lang="de-CH" sz="1400" dirty="0">
-                <a:solidFill>
-                  <a:schemeClr val="bg1"/>
-                </a:solidFill>
-              </a:endParaRPr>
             </a:p>
           </p:txBody>
         </p:sp>
@@ -8363,18 +10257,13 @@
             <a:p>
               <a:pPr algn="ctr"/>
               <a:r>
-                <a:rPr lang="de-CH" sz="1400" dirty="0" smtClean="0">
+                <a:rPr lang="de-CH" sz="1400" dirty="0">
                   <a:solidFill>
                     <a:schemeClr val="bg1"/>
                   </a:solidFill>
                 </a:rPr>
                 <a:t>Nico Lutz</a:t>
               </a:r>
-              <a:endParaRPr lang="de-CH" sz="1400" dirty="0">
-                <a:solidFill>
-                  <a:schemeClr val="bg1"/>
-                </a:solidFill>
-              </a:endParaRPr>
             </a:p>
           </p:txBody>
         </p:sp>
@@ -8415,7 +10304,7 @@
             <a:p>
               <a:pPr algn="ctr"/>
               <a:r>
-                <a:rPr lang="de-CH" sz="1400" dirty="0" err="1" smtClean="0">
+                <a:rPr lang="de-CH" sz="1400" dirty="0" err="1">
                   <a:solidFill>
                     <a:schemeClr val="bg1"/>
                   </a:solidFill>
@@ -8423,7 +10312,7 @@
                 <a:t>Vithun</a:t>
               </a:r>
               <a:r>
-                <a:rPr lang="de-CH" sz="1400" dirty="0" smtClean="0">
+                <a:rPr lang="de-CH" sz="1400" dirty="0">
                   <a:solidFill>
                     <a:schemeClr val="bg1"/>
                   </a:solidFill>
@@ -8431,7 +10320,7 @@
                 <a:t> </a:t>
               </a:r>
               <a:r>
-                <a:rPr lang="de-CH" sz="1400" dirty="0" err="1" smtClean="0">
+                <a:rPr lang="de-CH" sz="1400" dirty="0" err="1">
                   <a:solidFill>
                     <a:schemeClr val="bg1"/>
                   </a:solidFill>
@@ -8483,18 +10372,13 @@
             <a:p>
               <a:pPr algn="ctr"/>
               <a:r>
-                <a:rPr lang="de-CH" sz="1400" dirty="0" smtClean="0">
+                <a:rPr lang="de-CH" sz="1400" dirty="0">
                   <a:solidFill>
                     <a:schemeClr val="bg1"/>
                   </a:solidFill>
                 </a:rPr>
                 <a:t>Alex Maurer</a:t>
               </a:r>
-              <a:endParaRPr lang="de-CH" sz="1400" dirty="0">
-                <a:solidFill>
-                  <a:schemeClr val="bg1"/>
-                </a:solidFill>
-              </a:endParaRPr>
             </a:p>
           </p:txBody>
         </p:sp>
@@ -8535,7 +10419,7 @@
             <a:p>
               <a:pPr algn="ctr"/>
               <a:r>
-                <a:rPr lang="de-CH" sz="1400" dirty="0" smtClean="0">
+                <a:rPr lang="de-CH" sz="1400" dirty="0">
                   <a:solidFill>
                     <a:schemeClr val="bg1"/>
                   </a:solidFill>
@@ -8543,7 +10427,7 @@
                 <a:t>Patrick </a:t>
               </a:r>
               <a:r>
-                <a:rPr lang="de-CH" sz="1400" dirty="0" err="1" smtClean="0">
+                <a:rPr lang="de-CH" sz="1400" dirty="0" err="1">
                   <a:solidFill>
                     <a:schemeClr val="bg1"/>
                   </a:solidFill>
@@ -8595,18 +10479,13 @@
             <a:p>
               <a:pPr algn="ctr"/>
               <a:r>
-                <a:rPr lang="de-CH" sz="1400" dirty="0" smtClean="0">
+                <a:rPr lang="de-CH" sz="1400" dirty="0">
                   <a:solidFill>
                     <a:schemeClr val="bg1"/>
                   </a:solidFill>
                 </a:rPr>
                 <a:t>Gabriel Meier</a:t>
               </a:r>
-              <a:endParaRPr lang="de-CH" sz="1400" dirty="0">
-                <a:solidFill>
-                  <a:schemeClr val="bg1"/>
-                </a:solidFill>
-              </a:endParaRPr>
             </a:p>
           </p:txBody>
         </p:sp>
@@ -8884,10 +10763,9 @@
           <a:lstStyle/>
           <a:p>
             <a:r>
-              <a:rPr lang="de-CH" dirty="0" smtClean="0"/>
+              <a:rPr lang="de-CH" dirty="0"/>
               <a:t>Qualität</a:t>
             </a:r>
-            <a:endParaRPr lang="de-CH" dirty="0"/>
           </a:p>
         </p:txBody>
       </p:sp>
@@ -8914,10 +10792,9 @@
           <a:lstStyle/>
           <a:p>
             <a:r>
-              <a:rPr lang="de-CH" dirty="0" smtClean="0"/>
+              <a:rPr lang="de-CH" dirty="0"/>
               <a:t>Kosten</a:t>
             </a:r>
-            <a:endParaRPr lang="de-CH" dirty="0"/>
           </a:p>
         </p:txBody>
       </p:sp>
@@ -8944,10 +10821,9 @@
           <a:lstStyle/>
           <a:p>
             <a:r>
-              <a:rPr lang="de-CH" dirty="0" smtClean="0"/>
+              <a:rPr lang="de-CH" dirty="0"/>
               <a:t>Zeit</a:t>
             </a:r>
-            <a:endParaRPr lang="de-CH" dirty="0"/>
           </a:p>
         </p:txBody>
       </p:sp>
@@ -9049,10 +10925,9 @@
           <a:lstStyle/>
           <a:p>
             <a:r>
-              <a:rPr lang="de-CH" sz="1400" dirty="0" smtClean="0"/>
+              <a:rPr lang="de-CH" sz="1400" dirty="0"/>
               <a:t>Entwicklung</a:t>
             </a:r>
-            <a:endParaRPr lang="de-CH" sz="1400" dirty="0"/>
           </a:p>
         </p:txBody>
       </p:sp>
@@ -9079,10 +10954,9 @@
           <a:lstStyle/>
           <a:p>
             <a:r>
-              <a:rPr lang="de-CH" sz="1400" dirty="0" smtClean="0"/>
+              <a:rPr lang="de-CH" sz="1400" dirty="0"/>
               <a:t>Dokumente</a:t>
             </a:r>
-            <a:endParaRPr lang="de-CH" sz="1400" dirty="0"/>
           </a:p>
         </p:txBody>
       </p:sp>
@@ -9096,13 +10970,6 @@
   <p:clrMapOvr>
     <a:masterClrMapping/>
   </p:clrMapOvr>
-  <p:timing>
-    <p:tnLst>
-      <p:par>
-        <p:cTn id="1" dur="indefinite" restart="never" nodeType="tmRoot"/>
-      </p:par>
-    </p:tnLst>
-  </p:timing>
 </p:sld>
 </file>
 
@@ -9125,6 +10992,99 @@
       </p:grpSpPr>
       <p:sp>
         <p:nvSpPr>
+          <p:cNvPr id="2" name="Titel 1">
+            <a:extLst>
+              <a:ext uri="{FF2B5EF4-FFF2-40B4-BE49-F238E27FC236}">
+                <a16:creationId xmlns:a16="http://schemas.microsoft.com/office/drawing/2014/main" id="{B3879566-10F2-46D1-AAC1-9399851CDD2E}"/>
+              </a:ext>
+            </a:extLst>
+          </p:cNvPr>
+          <p:cNvSpPr>
+            <a:spLocks noGrp="1"/>
+          </p:cNvSpPr>
+          <p:nvPr>
+            <p:ph type="title"/>
+          </p:nvPr>
+        </p:nvSpPr>
+        <p:spPr/>
+        <p:txBody>
+          <a:bodyPr/>
+          <a:lstStyle/>
+          <a:p>
+            <a:r>
+              <a:rPr lang="de-CH" dirty="0"/>
+              <a:t>Zeitplanung</a:t>
+            </a:r>
+          </a:p>
+        </p:txBody>
+      </p:sp>
+      <p:pic>
+        <p:nvPicPr>
+          <p:cNvPr id="5" name="Inhaltsplatzhalter 4" descr="Bildschirmausschnitt">
+            <a:extLst>
+              <a:ext uri="{FF2B5EF4-FFF2-40B4-BE49-F238E27FC236}">
+                <a16:creationId xmlns:a16="http://schemas.microsoft.com/office/drawing/2014/main" id="{FD03C051-23A3-43DE-B001-07A531E83361}"/>
+              </a:ext>
+            </a:extLst>
+          </p:cNvPr>
+          <p:cNvPicPr>
+            <a:picLocks noGrp="1" noChangeAspect="1"/>
+          </p:cNvPicPr>
+          <p:nvPr>
+            <p:ph idx="1"/>
+          </p:nvPr>
+        </p:nvPicPr>
+        <p:blipFill>
+          <a:blip r:embed="rId2">
+            <a:extLst>
+              <a:ext uri="{28A0092B-C50C-407E-A947-70E740481C1C}">
+                <a14:useLocalDpi xmlns:a14="http://schemas.microsoft.com/office/drawing/2010/main" val="0"/>
+              </a:ext>
+            </a:extLst>
+          </a:blip>
+          <a:stretch>
+            <a:fillRect/>
+          </a:stretch>
+        </p:blipFill>
+        <p:spPr>
+          <a:xfrm>
+            <a:off x="276543" y="2207941"/>
+            <a:ext cx="11638914" cy="3666080"/>
+          </a:xfrm>
+        </p:spPr>
+      </p:pic>
+    </p:spTree>
+    <p:extLst>
+      <p:ext uri="{BB962C8B-B14F-4D97-AF65-F5344CB8AC3E}">
+        <p14:creationId xmlns:p14="http://schemas.microsoft.com/office/powerpoint/2010/main" val="1671470458"/>
+      </p:ext>
+    </p:extLst>
+  </p:cSld>
+  <p:clrMapOvr>
+    <a:masterClrMapping/>
+  </p:clrMapOvr>
+</p:sld>
+</file>
+
+<file path=ppt/slides/slide9.xml><?xml version="1.0" encoding="utf-8"?>
+<p:sld xmlns:a="http://schemas.openxmlformats.org/drawingml/2006/main" xmlns:r="http://schemas.openxmlformats.org/officeDocument/2006/relationships" xmlns:p="http://schemas.openxmlformats.org/presentationml/2006/main">
+  <p:cSld>
+    <p:spTree>
+      <p:nvGrpSpPr>
+        <p:cNvPr id="1" name=""/>
+        <p:cNvGrpSpPr/>
+        <p:nvPr/>
+      </p:nvGrpSpPr>
+      <p:grpSpPr>
+        <a:xfrm>
+          <a:off x="0" y="0"/>
+          <a:ext cx="0" cy="0"/>
+          <a:chOff x="0" y="0"/>
+          <a:chExt cx="0" cy="0"/>
+        </a:xfrm>
+      </p:grpSpPr>
+      <p:sp>
+        <p:nvSpPr>
           <p:cNvPr id="2" name="Titel 1"/>
           <p:cNvSpPr>
             <a:spLocks noGrp="1"/>
@@ -9139,10 +11099,9 @@
           <a:lstStyle/>
           <a:p>
             <a:r>
-              <a:rPr lang="de-CH" dirty="0" smtClean="0"/>
+              <a:rPr lang="de-CH" dirty="0"/>
               <a:t>Kommunikation</a:t>
             </a:r>
-            <a:endParaRPr lang="de-CH" dirty="0"/>
           </a:p>
         </p:txBody>
       </p:sp>
@@ -9162,45 +11121,37 @@
           <a:lstStyle/>
           <a:p>
             <a:r>
-              <a:rPr lang="de-CH" dirty="0" smtClean="0"/>
+              <a:rPr lang="de-CH" dirty="0"/>
               <a:t>Aufgabenteilung</a:t>
             </a:r>
           </a:p>
           <a:p>
             <a:r>
-              <a:rPr lang="de-CH" dirty="0" smtClean="0"/>
+              <a:rPr lang="de-CH" dirty="0"/>
               <a:t>Geregelt nach </a:t>
             </a:r>
             <a:r>
-              <a:rPr lang="de-CH" dirty="0" err="1" smtClean="0"/>
+              <a:rPr lang="de-CH" dirty="0" err="1"/>
               <a:t>Tuckman</a:t>
             </a:r>
             <a:endParaRPr lang="en-US" dirty="0"/>
           </a:p>
           <a:p>
             <a:r>
-              <a:rPr lang="en-US" dirty="0" smtClean="0"/>
-              <a:t>Trello, </a:t>
-            </a:r>
-            <a:r>
-              <a:rPr lang="en-US" dirty="0" smtClean="0"/>
-              <a:t>WhatsApp, </a:t>
-            </a:r>
-            <a:r>
-              <a:rPr lang="en-US" dirty="0" smtClean="0"/>
-              <a:t>Slack, </a:t>
-            </a:r>
-            <a:r>
-              <a:rPr lang="de-CH" dirty="0" smtClean="0"/>
+              <a:rPr lang="en-US" dirty="0"/>
+              <a:t>Trello, WhatsApp, Slack, </a:t>
+            </a:r>
+            <a:r>
+              <a:rPr lang="de-CH" dirty="0"/>
               <a:t>Mail</a:t>
             </a:r>
           </a:p>
           <a:p>
             <a:r>
-              <a:rPr lang="de-CH" dirty="0" smtClean="0"/>
+              <a:rPr lang="de-CH" dirty="0"/>
               <a:t>RACI</a:t>
             </a:r>
-            <a:endParaRPr lang="en-US" dirty="0" smtClean="0"/>
+            <a:endParaRPr lang="en-US" dirty="0"/>
           </a:p>
         </p:txBody>
       </p:sp>
@@ -9229,15 +11180,69 @@
                 <a:tableStyleId>{D113A9D2-9D6B-4929-AA2D-F23B5EE8CBE7}</a:tableStyleId>
               </a:tblPr>
               <a:tblGrid>
-                <a:gridCol w="1970898"/>
-                <a:gridCol w="120408"/>
-                <a:gridCol w="804836"/>
-                <a:gridCol w="804836"/>
-                <a:gridCol w="804836"/>
-                <a:gridCol w="804836"/>
-                <a:gridCol w="804836"/>
-                <a:gridCol w="802723"/>
-                <a:gridCol w="802723"/>
+                <a:gridCol w="1970898">
+                  <a:extLst>
+                    <a:ext uri="{9D8B030D-6E8A-4147-A177-3AD203B41FA5}">
+                      <a16:colId xmlns:a16="http://schemas.microsoft.com/office/drawing/2014/main" val="20000"/>
+                    </a:ext>
+                  </a:extLst>
+                </a:gridCol>
+                <a:gridCol w="120408">
+                  <a:extLst>
+                    <a:ext uri="{9D8B030D-6E8A-4147-A177-3AD203B41FA5}">
+                      <a16:colId xmlns:a16="http://schemas.microsoft.com/office/drawing/2014/main" val="20001"/>
+                    </a:ext>
+                  </a:extLst>
+                </a:gridCol>
+                <a:gridCol w="804836">
+                  <a:extLst>
+                    <a:ext uri="{9D8B030D-6E8A-4147-A177-3AD203B41FA5}">
+                      <a16:colId xmlns:a16="http://schemas.microsoft.com/office/drawing/2014/main" val="20002"/>
+                    </a:ext>
+                  </a:extLst>
+                </a:gridCol>
+                <a:gridCol w="804836">
+                  <a:extLst>
+                    <a:ext uri="{9D8B030D-6E8A-4147-A177-3AD203B41FA5}">
+                      <a16:colId xmlns:a16="http://schemas.microsoft.com/office/drawing/2014/main" val="20003"/>
+                    </a:ext>
+                  </a:extLst>
+                </a:gridCol>
+                <a:gridCol w="804836">
+                  <a:extLst>
+                    <a:ext uri="{9D8B030D-6E8A-4147-A177-3AD203B41FA5}">
+                      <a16:colId xmlns:a16="http://schemas.microsoft.com/office/drawing/2014/main" val="20004"/>
+                    </a:ext>
+                  </a:extLst>
+                </a:gridCol>
+                <a:gridCol w="804836">
+                  <a:extLst>
+                    <a:ext uri="{9D8B030D-6E8A-4147-A177-3AD203B41FA5}">
+                      <a16:colId xmlns:a16="http://schemas.microsoft.com/office/drawing/2014/main" val="20005"/>
+                    </a:ext>
+                  </a:extLst>
+                </a:gridCol>
+                <a:gridCol w="804836">
+                  <a:extLst>
+                    <a:ext uri="{9D8B030D-6E8A-4147-A177-3AD203B41FA5}">
+                      <a16:colId xmlns:a16="http://schemas.microsoft.com/office/drawing/2014/main" val="20006"/>
+                    </a:ext>
+                  </a:extLst>
+                </a:gridCol>
+                <a:gridCol w="802723">
+                  <a:extLst>
+                    <a:ext uri="{9D8B030D-6E8A-4147-A177-3AD203B41FA5}">
+                      <a16:colId xmlns:a16="http://schemas.microsoft.com/office/drawing/2014/main" val="20007"/>
+                    </a:ext>
+                  </a:extLst>
+                </a:gridCol>
+                <a:gridCol w="802723">
+                  <a:extLst>
+                    <a:ext uri="{9D8B030D-6E8A-4147-A177-3AD203B41FA5}">
+                      <a16:colId xmlns:a16="http://schemas.microsoft.com/office/drawing/2014/main" val="20008"/>
+                    </a:ext>
+                  </a:extLst>
+                </a:gridCol>
               </a:tblGrid>
               <a:tr h="220961">
                 <a:tc>
@@ -9447,6 +11452,11 @@
                   </a:txBody>
                   <a:tcPr marL="6349" marR="6349" marT="6349" marB="0"/>
                 </a:tc>
+                <a:extLst>
+                  <a:ext uri="{0D108BD9-81ED-4DB2-BD59-A6C34878D82A}">
+                    <a16:rowId xmlns:a16="http://schemas.microsoft.com/office/drawing/2014/main" val="10000"/>
+                  </a:ext>
+                </a:extLst>
               </a:tr>
               <a:tr h="338214">
                 <a:tc>
@@ -9656,6 +11666,11 @@
                   </a:txBody>
                   <a:tcPr marL="6349" marR="6349" marT="6349" marB="0" anchor="ctr"/>
                 </a:tc>
+                <a:extLst>
+                  <a:ext uri="{0D108BD9-81ED-4DB2-BD59-A6C34878D82A}">
+                    <a16:rowId xmlns:a16="http://schemas.microsoft.com/office/drawing/2014/main" val="10001"/>
+                  </a:ext>
+                </a:extLst>
               </a:tr>
               <a:tr h="338214">
                 <a:tc>
@@ -9865,6 +11880,11 @@
                   </a:txBody>
                   <a:tcPr marL="6349" marR="6349" marT="6349" marB="0" anchor="ctr"/>
                 </a:tc>
+                <a:extLst>
+                  <a:ext uri="{0D108BD9-81ED-4DB2-BD59-A6C34878D82A}">
+                    <a16:rowId xmlns:a16="http://schemas.microsoft.com/office/drawing/2014/main" val="10002"/>
+                  </a:ext>
+                </a:extLst>
               </a:tr>
               <a:tr h="338214">
                 <a:tc>
@@ -10074,6 +12094,11 @@
                   </a:txBody>
                   <a:tcPr marL="6349" marR="6349" marT="6349" marB="0" anchor="ctr"/>
                 </a:tc>
+                <a:extLst>
+                  <a:ext uri="{0D108BD9-81ED-4DB2-BD59-A6C34878D82A}">
+                    <a16:rowId xmlns:a16="http://schemas.microsoft.com/office/drawing/2014/main" val="10003"/>
+                  </a:ext>
+                </a:extLst>
               </a:tr>
               <a:tr h="338214">
                 <a:tc>
@@ -10283,6 +12308,11 @@
                   </a:txBody>
                   <a:tcPr marL="6349" marR="6349" marT="6349" marB="0" anchor="ctr"/>
                 </a:tc>
+                <a:extLst>
+                  <a:ext uri="{0D108BD9-81ED-4DB2-BD59-A6C34878D82A}">
+                    <a16:rowId xmlns:a16="http://schemas.microsoft.com/office/drawing/2014/main" val="10004"/>
+                  </a:ext>
+                </a:extLst>
               </a:tr>
               <a:tr h="338214">
                 <a:tc>
@@ -10492,6 +12522,11 @@
                   </a:txBody>
                   <a:tcPr marL="6349" marR="6349" marT="6349" marB="0" anchor="ctr"/>
                 </a:tc>
+                <a:extLst>
+                  <a:ext uri="{0D108BD9-81ED-4DB2-BD59-A6C34878D82A}">
+                    <a16:rowId xmlns:a16="http://schemas.microsoft.com/office/drawing/2014/main" val="10005"/>
+                  </a:ext>
+                </a:extLst>
               </a:tr>
               <a:tr h="338214">
                 <a:tc>
@@ -10701,6 +12736,11 @@
                   </a:txBody>
                   <a:tcPr marL="6349" marR="6349" marT="6349" marB="0" anchor="ctr"/>
                 </a:tc>
+                <a:extLst>
+                  <a:ext uri="{0D108BD9-81ED-4DB2-BD59-A6C34878D82A}">
+                    <a16:rowId xmlns:a16="http://schemas.microsoft.com/office/drawing/2014/main" val="10006"/>
+                  </a:ext>
+                </a:extLst>
               </a:tr>
               <a:tr h="474939">
                 <a:tc>
@@ -10910,6 +12950,11 @@
                   </a:txBody>
                   <a:tcPr marL="6349" marR="6349" marT="6349" marB="0" anchor="ctr"/>
                 </a:tc>
+                <a:extLst>
+                  <a:ext uri="{0D108BD9-81ED-4DB2-BD59-A6C34878D82A}">
+                    <a16:rowId xmlns:a16="http://schemas.microsoft.com/office/drawing/2014/main" val="10007"/>
+                  </a:ext>
+                </a:extLst>
               </a:tr>
               <a:tr h="474939">
                 <a:tc>
@@ -11119,6 +13164,11 @@
                   </a:txBody>
                   <a:tcPr marL="6349" marR="6349" marT="6349" marB="0" anchor="ctr"/>
                 </a:tc>
+                <a:extLst>
+                  <a:ext uri="{0D108BD9-81ED-4DB2-BD59-A6C34878D82A}">
+                    <a16:rowId xmlns:a16="http://schemas.microsoft.com/office/drawing/2014/main" val="10008"/>
+                  </a:ext>
+                </a:extLst>
               </a:tr>
               <a:tr h="474939">
                 <a:tc>
@@ -11328,6 +13378,11 @@
                   </a:txBody>
                   <a:tcPr marL="6349" marR="6349" marT="6349" marB="0" anchor="ctr"/>
                 </a:tc>
+                <a:extLst>
+                  <a:ext uri="{0D108BD9-81ED-4DB2-BD59-A6C34878D82A}">
+                    <a16:rowId xmlns:a16="http://schemas.microsoft.com/office/drawing/2014/main" val="10009"/>
+                  </a:ext>
+                </a:extLst>
               </a:tr>
             </a:tbl>
           </a:graphicData>
@@ -11343,1413 +13398,6 @@
   <p:clrMapOvr>
     <a:masterClrMapping/>
   </p:clrMapOvr>
-  <p:timing>
-    <p:tnLst>
-      <p:par>
-        <p:cTn id="1" dur="indefinite" restart="never" nodeType="tmRoot"/>
-      </p:par>
-    </p:tnLst>
-  </p:timing>
-</p:sld>
-</file>
-
-<file path=ppt/slides/slide9.xml><?xml version="1.0" encoding="utf-8"?>
-<p:sld xmlns:a="http://schemas.openxmlformats.org/drawingml/2006/main" xmlns:r="http://schemas.openxmlformats.org/officeDocument/2006/relationships" xmlns:p="http://schemas.openxmlformats.org/presentationml/2006/main">
-  <p:cSld>
-    <p:spTree>
-      <p:nvGrpSpPr>
-        <p:cNvPr id="1" name=""/>
-        <p:cNvGrpSpPr/>
-        <p:nvPr/>
-      </p:nvGrpSpPr>
-      <p:grpSpPr>
-        <a:xfrm>
-          <a:off x="0" y="0"/>
-          <a:ext cx="0" cy="0"/>
-          <a:chOff x="0" y="0"/>
-          <a:chExt cx="0" cy="0"/>
-        </a:xfrm>
-      </p:grpSpPr>
-      <p:sp>
-        <p:nvSpPr>
-          <p:cNvPr id="2" name="Titel 1"/>
-          <p:cNvSpPr>
-            <a:spLocks noGrp="1"/>
-          </p:cNvSpPr>
-          <p:nvPr>
-            <p:ph type="title"/>
-          </p:nvPr>
-        </p:nvSpPr>
-        <p:spPr/>
-        <p:txBody>
-          <a:bodyPr/>
-          <a:lstStyle/>
-          <a:p>
-            <a:r>
-              <a:rPr lang="de-CH" dirty="0" smtClean="0"/>
-              <a:t>Risikoanalyse</a:t>
-            </a:r>
-            <a:endParaRPr lang="de-CH" dirty="0"/>
-          </a:p>
-        </p:txBody>
-      </p:sp>
-      <p:graphicFrame>
-        <p:nvGraphicFramePr>
-          <p:cNvPr id="5" name="Inhaltsplatzhalter 4">
-            <a:extLst>
-              <a:ext uri="{FF2B5EF4-FFF2-40B4-BE49-F238E27FC236}">
-                <a16:creationId xmlns:a16="http://schemas.microsoft.com/office/drawing/2014/main" xmlns="" id="{FF7FE7BC-62B1-42C8-9148-87CD73684683}"/>
-              </a:ext>
-            </a:extLst>
-          </p:cNvPr>
-          <p:cNvGraphicFramePr>
-            <a:graphicFrameLocks noGrp="1"/>
-          </p:cNvGraphicFramePr>
-          <p:nvPr>
-            <p:ph idx="1"/>
-            <p:extLst>
-              <p:ext uri="{D42A27DB-BD31-4B8C-83A1-F6EECF244321}">
-                <p14:modId xmlns:p14="http://schemas.microsoft.com/office/powerpoint/2010/main" val="2682221352"/>
-              </p:ext>
-            </p:extLst>
-          </p:nvPr>
-        </p:nvGraphicFramePr>
-        <p:xfrm>
-          <a:off x="-2" y="2226364"/>
-          <a:ext cx="12192002" cy="3565507"/>
-        </p:xfrm>
-        <a:graphic>
-          <a:graphicData uri="http://schemas.openxmlformats.org/drawingml/2006/table">
-            <a:tbl>
-              <a:tblPr>
-                <a:tableStyleId>{D113A9D2-9D6B-4929-AA2D-F23B5EE8CBE7}</a:tableStyleId>
-              </a:tblPr>
-              <a:tblGrid>
-                <a:gridCol w="334501">
-                  <a:extLst>
-                    <a:ext uri="{9D8B030D-6E8A-4147-A177-3AD203B41FA5}">
-                      <a16:colId xmlns:a16="http://schemas.microsoft.com/office/drawing/2014/main" xmlns="" val="1756958949"/>
-                    </a:ext>
-                  </a:extLst>
-                </a:gridCol>
-                <a:gridCol w="1614835">
-                  <a:extLst>
-                    <a:ext uri="{9D8B030D-6E8A-4147-A177-3AD203B41FA5}">
-                      <a16:colId xmlns:a16="http://schemas.microsoft.com/office/drawing/2014/main" xmlns="" val="2119582681"/>
-                    </a:ext>
-                  </a:extLst>
-                </a:gridCol>
-                <a:gridCol w="2030078">
-                  <a:extLst>
-                    <a:ext uri="{9D8B030D-6E8A-4147-A177-3AD203B41FA5}">
-                      <a16:colId xmlns:a16="http://schemas.microsoft.com/office/drawing/2014/main" xmlns="" val="309405549"/>
-                    </a:ext>
-                  </a:extLst>
-                </a:gridCol>
-                <a:gridCol w="3506498">
-                  <a:extLst>
-                    <a:ext uri="{9D8B030D-6E8A-4147-A177-3AD203B41FA5}">
-                      <a16:colId xmlns:a16="http://schemas.microsoft.com/office/drawing/2014/main" xmlns="" val="617832737"/>
-                    </a:ext>
-                  </a:extLst>
-                </a:gridCol>
-                <a:gridCol w="296429">
-                  <a:extLst>
-                    <a:ext uri="{9D8B030D-6E8A-4147-A177-3AD203B41FA5}">
-                      <a16:colId xmlns:a16="http://schemas.microsoft.com/office/drawing/2014/main" xmlns="" val="2844262930"/>
-                    </a:ext>
-                  </a:extLst>
-                </a:gridCol>
-                <a:gridCol w="327991">
-                  <a:extLst>
-                    <a:ext uri="{9D8B030D-6E8A-4147-A177-3AD203B41FA5}">
-                      <a16:colId xmlns:a16="http://schemas.microsoft.com/office/drawing/2014/main" xmlns="" val="3985694485"/>
-                    </a:ext>
-                  </a:extLst>
-                </a:gridCol>
-                <a:gridCol w="337931">
-                  <a:extLst>
-                    <a:ext uri="{9D8B030D-6E8A-4147-A177-3AD203B41FA5}">
-                      <a16:colId xmlns:a16="http://schemas.microsoft.com/office/drawing/2014/main" xmlns="" val="936486431"/>
-                    </a:ext>
-                  </a:extLst>
-                </a:gridCol>
-                <a:gridCol w="1848678">
-                  <a:extLst>
-                    <a:ext uri="{9D8B030D-6E8A-4147-A177-3AD203B41FA5}">
-                      <a16:colId xmlns:a16="http://schemas.microsoft.com/office/drawing/2014/main" xmlns="" val="983719914"/>
-                    </a:ext>
-                  </a:extLst>
-                </a:gridCol>
-                <a:gridCol w="954157">
-                  <a:extLst>
-                    <a:ext uri="{9D8B030D-6E8A-4147-A177-3AD203B41FA5}">
-                      <a16:colId xmlns:a16="http://schemas.microsoft.com/office/drawing/2014/main" xmlns="" val="2979302150"/>
-                    </a:ext>
-                  </a:extLst>
-                </a:gridCol>
-                <a:gridCol w="940904">
-                  <a:extLst>
-                    <a:ext uri="{9D8B030D-6E8A-4147-A177-3AD203B41FA5}">
-                      <a16:colId xmlns:a16="http://schemas.microsoft.com/office/drawing/2014/main" xmlns="" val="3779189737"/>
-                    </a:ext>
-                  </a:extLst>
-                </a:gridCol>
-              </a:tblGrid>
-              <a:tr h="1621391">
-                <a:tc>
-                  <a:txBody>
-                    <a:bodyPr/>
-                    <a:lstStyle/>
-                    <a:p>
-                      <a:pPr algn="l" fontAlgn="b"/>
-                      <a:r>
-                        <a:rPr lang="de-CH" sz="1400" u="none" strike="noStrike" dirty="0" smtClean="0">
-                          <a:effectLst/>
-                        </a:rPr>
-                        <a:t>Nr.</a:t>
-                      </a:r>
-                      <a:endParaRPr lang="de-CH" sz="1400" b="1" i="0" u="none" strike="noStrike" dirty="0">
-                        <a:solidFill>
-                          <a:schemeClr val="tx1"/>
-                        </a:solidFill>
-                        <a:effectLst/>
-                        <a:latin typeface="Calibri" panose="020F0502020204030204" pitchFamily="34" charset="0"/>
-                      </a:endParaRPr>
-                    </a:p>
-                  </a:txBody>
-                  <a:tcPr marL="5969" marR="5969" marT="5969" marB="0" anchor="ctr"/>
-                </a:tc>
-                <a:tc>
-                  <a:txBody>
-                    <a:bodyPr/>
-                    <a:lstStyle/>
-                    <a:p>
-                      <a:pPr algn="l" fontAlgn="b"/>
-                      <a:r>
-                        <a:rPr lang="de-CH" sz="1400" u="none" strike="noStrike" dirty="0">
-                          <a:effectLst/>
-                        </a:rPr>
-                        <a:t>Risikogruppe</a:t>
-                      </a:r>
-                      <a:endParaRPr lang="de-CH" sz="1400" b="1" i="0" u="none" strike="noStrike" dirty="0">
-                        <a:solidFill>
-                          <a:schemeClr val="tx1"/>
-                        </a:solidFill>
-                        <a:effectLst/>
-                        <a:latin typeface="Calibri" panose="020F0502020204030204" pitchFamily="34" charset="0"/>
-                      </a:endParaRPr>
-                    </a:p>
-                  </a:txBody>
-                  <a:tcPr marL="5969" marR="5969" marT="5969" marB="0" anchor="ctr"/>
-                </a:tc>
-                <a:tc>
-                  <a:txBody>
-                    <a:bodyPr/>
-                    <a:lstStyle/>
-                    <a:p>
-                      <a:pPr algn="l" fontAlgn="b"/>
-                      <a:r>
-                        <a:rPr lang="de-CH" sz="1400" u="none" strike="noStrike" dirty="0">
-                          <a:effectLst/>
-                        </a:rPr>
-                        <a:t>Risiko</a:t>
-                      </a:r>
-                      <a:endParaRPr lang="de-CH" sz="1400" b="1" i="0" u="none" strike="noStrike" dirty="0">
-                        <a:solidFill>
-                          <a:schemeClr val="tx1"/>
-                        </a:solidFill>
-                        <a:effectLst/>
-                        <a:latin typeface="Calibri" panose="020F0502020204030204" pitchFamily="34" charset="0"/>
-                      </a:endParaRPr>
-                    </a:p>
-                  </a:txBody>
-                  <a:tcPr marL="5969" marR="5969" marT="5969" marB="0" anchor="ctr"/>
-                </a:tc>
-                <a:tc>
-                  <a:txBody>
-                    <a:bodyPr/>
-                    <a:lstStyle/>
-                    <a:p>
-                      <a:pPr algn="l" fontAlgn="b"/>
-                      <a:r>
-                        <a:rPr lang="de-CH" sz="1400" u="none" strike="noStrike">
-                          <a:effectLst/>
-                        </a:rPr>
-                        <a:t>Symptome</a:t>
-                      </a:r>
-                      <a:endParaRPr lang="de-CH" sz="1400" b="1" i="0" u="none" strike="noStrike">
-                        <a:solidFill>
-                          <a:schemeClr val="tx1"/>
-                        </a:solidFill>
-                        <a:effectLst/>
-                        <a:latin typeface="Calibri" panose="020F0502020204030204" pitchFamily="34" charset="0"/>
-                      </a:endParaRPr>
-                    </a:p>
-                  </a:txBody>
-                  <a:tcPr marL="5969" marR="5969" marT="5969" marB="0" anchor="ctr"/>
-                </a:tc>
-                <a:tc>
-                  <a:txBody>
-                    <a:bodyPr/>
-                    <a:lstStyle/>
-                    <a:p>
-                      <a:pPr algn="r" fontAlgn="b"/>
-                      <a:r>
-                        <a:rPr lang="de-CH" sz="1400" u="none" strike="noStrike" dirty="0" smtClean="0">
-                          <a:effectLst/>
-                        </a:rPr>
-                        <a:t>Wahrscheinlichkeit</a:t>
-                      </a:r>
-                      <a:endParaRPr lang="de-CH" sz="1400" b="1" i="0" u="none" strike="noStrike" dirty="0">
-                        <a:solidFill>
-                          <a:schemeClr val="tx1"/>
-                        </a:solidFill>
-                        <a:effectLst/>
-                        <a:latin typeface="Calibri" panose="020F0502020204030204" pitchFamily="34" charset="0"/>
-                      </a:endParaRPr>
-                    </a:p>
-                  </a:txBody>
-                  <a:tcPr marL="5969" marR="5969" marT="5969" marB="0" vert="vert270" anchor="ctr"/>
-                </a:tc>
-                <a:tc>
-                  <a:txBody>
-                    <a:bodyPr/>
-                    <a:lstStyle/>
-                    <a:p>
-                      <a:pPr algn="r" fontAlgn="b"/>
-                      <a:r>
-                        <a:rPr lang="de-CH" sz="1400" u="none" strike="noStrike" dirty="0" smtClean="0">
-                          <a:effectLst/>
-                        </a:rPr>
-                        <a:t>Tragweite</a:t>
-                      </a:r>
-                      <a:endParaRPr lang="de-CH" sz="1400" b="1" i="0" u="none" strike="noStrike" dirty="0">
-                        <a:solidFill>
-                          <a:schemeClr val="tx1"/>
-                        </a:solidFill>
-                        <a:effectLst/>
-                        <a:latin typeface="Calibri" panose="020F0502020204030204" pitchFamily="34" charset="0"/>
-                      </a:endParaRPr>
-                    </a:p>
-                  </a:txBody>
-                  <a:tcPr marL="5969" marR="5969" marT="5969" marB="0" vert="vert270" anchor="ctr"/>
-                </a:tc>
-                <a:tc>
-                  <a:txBody>
-                    <a:bodyPr/>
-                    <a:lstStyle/>
-                    <a:p>
-                      <a:pPr algn="r" fontAlgn="b"/>
-                      <a:r>
-                        <a:rPr lang="de-CH" sz="1400" u="none" strike="noStrike" dirty="0">
-                          <a:effectLst/>
-                        </a:rPr>
-                        <a:t>Risikofaktor</a:t>
-                      </a:r>
-                      <a:endParaRPr lang="de-CH" sz="1400" b="1" i="0" u="none" strike="noStrike" dirty="0">
-                        <a:solidFill>
-                          <a:schemeClr val="tx1"/>
-                        </a:solidFill>
-                        <a:effectLst/>
-                        <a:latin typeface="Calibri" panose="020F0502020204030204" pitchFamily="34" charset="0"/>
-                      </a:endParaRPr>
-                    </a:p>
-                  </a:txBody>
-                  <a:tcPr marL="5969" marR="5969" marT="5969" marB="0" vert="vert270" anchor="ctr"/>
-                </a:tc>
-                <a:tc>
-                  <a:txBody>
-                    <a:bodyPr/>
-                    <a:lstStyle/>
-                    <a:p>
-                      <a:pPr algn="l" fontAlgn="b"/>
-                      <a:r>
-                        <a:rPr lang="de-CH" sz="1400" u="none" strike="noStrike">
-                          <a:effectLst/>
-                        </a:rPr>
-                        <a:t>Gegenmassnahme</a:t>
-                      </a:r>
-                      <a:endParaRPr lang="de-CH" sz="1400" b="1" i="0" u="none" strike="noStrike">
-                        <a:solidFill>
-                          <a:schemeClr val="tx1"/>
-                        </a:solidFill>
-                        <a:effectLst/>
-                        <a:latin typeface="Calibri" panose="020F0502020204030204" pitchFamily="34" charset="0"/>
-                      </a:endParaRPr>
-                    </a:p>
-                  </a:txBody>
-                  <a:tcPr marL="5969" marR="5969" marT="5969" marB="0" anchor="ctr"/>
-                </a:tc>
-                <a:tc>
-                  <a:txBody>
-                    <a:bodyPr/>
-                    <a:lstStyle/>
-                    <a:p>
-                      <a:pPr algn="l" fontAlgn="b"/>
-                      <a:r>
-                        <a:rPr lang="de-CH" sz="1400" u="none" strike="noStrike">
-                          <a:effectLst/>
-                        </a:rPr>
-                        <a:t>Deadline</a:t>
-                      </a:r>
-                      <a:endParaRPr lang="de-CH" sz="1400" b="1" i="0" u="none" strike="noStrike">
-                        <a:solidFill>
-                          <a:schemeClr val="tx1"/>
-                        </a:solidFill>
-                        <a:effectLst/>
-                        <a:latin typeface="Calibri" panose="020F0502020204030204" pitchFamily="34" charset="0"/>
-                      </a:endParaRPr>
-                    </a:p>
-                  </a:txBody>
-                  <a:tcPr marL="5969" marR="5969" marT="5969" marB="0" anchor="ctr"/>
-                </a:tc>
-                <a:tc>
-                  <a:txBody>
-                    <a:bodyPr/>
-                    <a:lstStyle/>
-                    <a:p>
-                      <a:pPr algn="l" fontAlgn="b"/>
-                      <a:r>
-                        <a:rPr lang="de-CH" sz="1400" u="none" strike="noStrike">
-                          <a:effectLst/>
-                        </a:rPr>
-                        <a:t>Verantwortung</a:t>
-                      </a:r>
-                      <a:endParaRPr lang="de-CH" sz="1400" b="1" i="0" u="none" strike="noStrike">
-                        <a:solidFill>
-                          <a:schemeClr val="tx1"/>
-                        </a:solidFill>
-                        <a:effectLst/>
-                        <a:latin typeface="Calibri" panose="020F0502020204030204" pitchFamily="34" charset="0"/>
-                      </a:endParaRPr>
-                    </a:p>
-                  </a:txBody>
-                  <a:tcPr marL="5969" marR="5969" marT="5969" marB="0" anchor="ctr"/>
-                </a:tc>
-                <a:extLst>
-                  <a:ext uri="{0D108BD9-81ED-4DB2-BD59-A6C34878D82A}">
-                    <a16:rowId xmlns:a16="http://schemas.microsoft.com/office/drawing/2014/main" xmlns="" val="204507381"/>
-                  </a:ext>
-                </a:extLst>
-              </a:tr>
-              <a:tr h="510352">
-                <a:tc>
-                  <a:txBody>
-                    <a:bodyPr/>
-                    <a:lstStyle/>
-                    <a:p>
-                      <a:pPr algn="r" fontAlgn="b"/>
-                      <a:r>
-                        <a:rPr lang="de-CH" sz="1400" u="none" strike="noStrike" dirty="0" smtClean="0">
-                          <a:effectLst/>
-                        </a:rPr>
-                        <a:t>1</a:t>
-                      </a:r>
-                      <a:endParaRPr lang="de-CH" sz="1400" b="0" i="0" u="none" strike="noStrike" dirty="0">
-                        <a:solidFill>
-                          <a:schemeClr val="tx1"/>
-                        </a:solidFill>
-                        <a:effectLst/>
-                        <a:latin typeface="Calibri" panose="020F0502020204030204" pitchFamily="34" charset="0"/>
-                      </a:endParaRPr>
-                    </a:p>
-                  </a:txBody>
-                  <a:tcPr marL="5969" marR="5969" marT="5969" marB="0" anchor="ctr"/>
-                </a:tc>
-                <a:tc>
-                  <a:txBody>
-                    <a:bodyPr/>
-                    <a:lstStyle/>
-                    <a:p>
-                      <a:pPr algn="l" fontAlgn="b"/>
-                      <a:r>
-                        <a:rPr lang="de-CH" sz="1400" u="none" strike="noStrike" dirty="0">
-                          <a:effectLst/>
-                        </a:rPr>
-                        <a:t>Organisation</a:t>
-                      </a:r>
-                      <a:endParaRPr lang="de-CH" sz="1400" b="0" i="0" u="none" strike="noStrike" dirty="0">
-                        <a:solidFill>
-                          <a:schemeClr val="tx1"/>
-                        </a:solidFill>
-                        <a:effectLst/>
-                        <a:latin typeface="Calibri" panose="020F0502020204030204" pitchFamily="34" charset="0"/>
-                      </a:endParaRPr>
-                    </a:p>
-                  </a:txBody>
-                  <a:tcPr marL="5969" marR="5969" marT="5969" marB="0" anchor="ctr"/>
-                </a:tc>
-                <a:tc>
-                  <a:txBody>
-                    <a:bodyPr/>
-                    <a:lstStyle/>
-                    <a:p>
-                      <a:pPr algn="l" fontAlgn="b"/>
-                      <a:r>
-                        <a:rPr lang="de-CH" sz="1400" u="none" strike="noStrike">
-                          <a:effectLst/>
-                        </a:rPr>
-                        <a:t>Verspätete Abgabe</a:t>
-                      </a:r>
-                      <a:endParaRPr lang="de-CH" sz="1400" b="0" i="0" u="none" strike="noStrike">
-                        <a:solidFill>
-                          <a:schemeClr val="tx1"/>
-                        </a:solidFill>
-                        <a:effectLst/>
-                        <a:latin typeface="Calibri" panose="020F0502020204030204" pitchFamily="34" charset="0"/>
-                      </a:endParaRPr>
-                    </a:p>
-                  </a:txBody>
-                  <a:tcPr marL="5969" marR="5969" marT="5969" marB="0" anchor="ctr"/>
-                </a:tc>
-                <a:tc>
-                  <a:txBody>
-                    <a:bodyPr/>
-                    <a:lstStyle/>
-                    <a:p>
-                      <a:pPr algn="l" fontAlgn="b"/>
-                      <a:r>
-                        <a:rPr lang="de-CH" sz="1400" u="none" strike="noStrike">
-                          <a:effectLst/>
-                        </a:rPr>
-                        <a:t>sich in gewissen Aufgaben verlieren</a:t>
-                      </a:r>
-                      <a:endParaRPr lang="de-CH" sz="1400" b="0" i="0" u="none" strike="noStrike">
-                        <a:solidFill>
-                          <a:schemeClr val="tx1"/>
-                        </a:solidFill>
-                        <a:effectLst/>
-                        <a:latin typeface="Calibri" panose="020F0502020204030204" pitchFamily="34" charset="0"/>
-                      </a:endParaRPr>
-                    </a:p>
-                  </a:txBody>
-                  <a:tcPr marL="5969" marR="5969" marT="5969" marB="0" anchor="ctr"/>
-                </a:tc>
-                <a:tc>
-                  <a:txBody>
-                    <a:bodyPr/>
-                    <a:lstStyle/>
-                    <a:p>
-                      <a:pPr algn="r" fontAlgn="b"/>
-                      <a:r>
-                        <a:rPr lang="de-CH" sz="1400" u="none" strike="noStrike">
-                          <a:effectLst/>
-                        </a:rPr>
-                        <a:t>2</a:t>
-                      </a:r>
-                      <a:endParaRPr lang="de-CH" sz="1400" b="0" i="0" u="none" strike="noStrike">
-                        <a:solidFill>
-                          <a:schemeClr val="tx1"/>
-                        </a:solidFill>
-                        <a:effectLst/>
-                        <a:latin typeface="Calibri" panose="020F0502020204030204" pitchFamily="34" charset="0"/>
-                      </a:endParaRPr>
-                    </a:p>
-                  </a:txBody>
-                  <a:tcPr marL="5969" marR="5969" marT="5969" marB="0" anchor="ctr"/>
-                </a:tc>
-                <a:tc>
-                  <a:txBody>
-                    <a:bodyPr/>
-                    <a:lstStyle/>
-                    <a:p>
-                      <a:pPr algn="r" fontAlgn="b"/>
-                      <a:r>
-                        <a:rPr lang="de-CH" sz="1400" u="none" strike="noStrike" dirty="0">
-                          <a:effectLst/>
-                        </a:rPr>
-                        <a:t>6</a:t>
-                      </a:r>
-                      <a:endParaRPr lang="de-CH" sz="1400" b="0" i="0" u="none" strike="noStrike" dirty="0">
-                        <a:solidFill>
-                          <a:schemeClr val="tx1"/>
-                        </a:solidFill>
-                        <a:effectLst/>
-                        <a:latin typeface="Calibri" panose="020F0502020204030204" pitchFamily="34" charset="0"/>
-                      </a:endParaRPr>
-                    </a:p>
-                  </a:txBody>
-                  <a:tcPr marL="5969" marR="5969" marT="5969" marB="0" anchor="ctr"/>
-                </a:tc>
-                <a:tc>
-                  <a:txBody>
-                    <a:bodyPr/>
-                    <a:lstStyle/>
-                    <a:p>
-                      <a:pPr algn="r" fontAlgn="b"/>
-                      <a:r>
-                        <a:rPr lang="de-CH" sz="1400" u="none" strike="noStrike" dirty="0">
-                          <a:effectLst/>
-                        </a:rPr>
-                        <a:t>4</a:t>
-                      </a:r>
-                      <a:endParaRPr lang="de-CH" sz="1400" b="0" i="0" u="none" strike="noStrike" dirty="0">
-                        <a:solidFill>
-                          <a:schemeClr val="tx1"/>
-                        </a:solidFill>
-                        <a:effectLst/>
-                        <a:latin typeface="Calibri" panose="020F0502020204030204" pitchFamily="34" charset="0"/>
-                      </a:endParaRPr>
-                    </a:p>
-                  </a:txBody>
-                  <a:tcPr marL="5969" marR="5969" marT="5969" marB="0" anchor="ctr"/>
-                </a:tc>
-                <a:tc>
-                  <a:txBody>
-                    <a:bodyPr/>
-                    <a:lstStyle/>
-                    <a:p>
-                      <a:pPr algn="l" fontAlgn="b"/>
-                      <a:r>
-                        <a:rPr lang="de-CH" sz="1400" u="none" strike="noStrike" dirty="0">
-                          <a:effectLst/>
-                        </a:rPr>
-                        <a:t>Gute Aufgabenverteilung, S</a:t>
-                      </a:r>
-                      <a:r>
-                        <a:rPr lang="de-CH" sz="1400" u="none" strike="noStrike" dirty="0" smtClean="0">
-                          <a:effectLst/>
-                        </a:rPr>
-                        <a:t>itzungen</a:t>
-                      </a:r>
-                      <a:endParaRPr lang="de-CH" sz="1400" b="0" i="0" u="none" strike="noStrike" dirty="0">
-                        <a:solidFill>
-                          <a:schemeClr val="tx1"/>
-                        </a:solidFill>
-                        <a:effectLst/>
-                        <a:latin typeface="Calibri" panose="020F0502020204030204" pitchFamily="34" charset="0"/>
-                      </a:endParaRPr>
-                    </a:p>
-                  </a:txBody>
-                  <a:tcPr marL="5969" marR="5969" marT="5969" marB="0" anchor="ctr"/>
-                </a:tc>
-                <a:tc>
-                  <a:txBody>
-                    <a:bodyPr/>
-                    <a:lstStyle/>
-                    <a:p>
-                      <a:pPr algn="r" fontAlgn="b"/>
-                      <a:r>
-                        <a:rPr lang="de-CH" sz="1400" u="none" strike="noStrike">
-                          <a:effectLst/>
-                        </a:rPr>
-                        <a:t>30.10.2017</a:t>
-                      </a:r>
-                      <a:endParaRPr lang="de-CH" sz="1400" b="0" i="0" u="none" strike="noStrike">
-                        <a:solidFill>
-                          <a:schemeClr val="tx1"/>
-                        </a:solidFill>
-                        <a:effectLst/>
-                        <a:latin typeface="Calibri" panose="020F0502020204030204" pitchFamily="34" charset="0"/>
-                      </a:endParaRPr>
-                    </a:p>
-                  </a:txBody>
-                  <a:tcPr marL="5969" marR="5969" marT="5969" marB="0" anchor="ctr"/>
-                </a:tc>
-                <a:tc>
-                  <a:txBody>
-                    <a:bodyPr/>
-                    <a:lstStyle/>
-                    <a:p>
-                      <a:pPr algn="l" fontAlgn="b"/>
-                      <a:r>
-                        <a:rPr lang="de-CH" sz="1400" u="none" strike="noStrike">
-                          <a:effectLst/>
-                        </a:rPr>
-                        <a:t>Nico Lutz</a:t>
-                      </a:r>
-                      <a:endParaRPr lang="de-CH" sz="1400" b="0" i="0" u="none" strike="noStrike">
-                        <a:solidFill>
-                          <a:schemeClr val="tx1"/>
-                        </a:solidFill>
-                        <a:effectLst/>
-                        <a:latin typeface="Calibri" panose="020F0502020204030204" pitchFamily="34" charset="0"/>
-                      </a:endParaRPr>
-                    </a:p>
-                  </a:txBody>
-                  <a:tcPr marL="5969" marR="5969" marT="5969" marB="0" anchor="ctr"/>
-                </a:tc>
-                <a:extLst>
-                  <a:ext uri="{0D108BD9-81ED-4DB2-BD59-A6C34878D82A}">
-                    <a16:rowId xmlns:a16="http://schemas.microsoft.com/office/drawing/2014/main" xmlns="" val="2099330729"/>
-                  </a:ext>
-                </a:extLst>
-              </a:tr>
-              <a:tr h="341807">
-                <a:tc>
-                  <a:txBody>
-                    <a:bodyPr/>
-                    <a:lstStyle/>
-                    <a:p>
-                      <a:pPr algn="r" fontAlgn="b"/>
-                      <a:r>
-                        <a:rPr lang="de-CH" sz="1400" u="none" strike="noStrike" dirty="0" smtClean="0">
-                          <a:effectLst/>
-                        </a:rPr>
-                        <a:t>2</a:t>
-                      </a:r>
-                      <a:endParaRPr lang="de-CH" sz="1400" b="0" i="0" u="none" strike="noStrike" dirty="0">
-                        <a:solidFill>
-                          <a:schemeClr val="tx1"/>
-                        </a:solidFill>
-                        <a:effectLst/>
-                        <a:latin typeface="Calibri" panose="020F0502020204030204" pitchFamily="34" charset="0"/>
-                      </a:endParaRPr>
-                    </a:p>
-                  </a:txBody>
-                  <a:tcPr marL="5969" marR="5969" marT="5969" marB="0" anchor="ctr"/>
-                </a:tc>
-                <a:tc>
-                  <a:txBody>
-                    <a:bodyPr/>
-                    <a:lstStyle/>
-                    <a:p>
-                      <a:pPr algn="l" fontAlgn="b"/>
-                      <a:r>
-                        <a:rPr lang="de-CH" sz="1400" u="none" strike="noStrike" dirty="0">
-                          <a:effectLst/>
-                        </a:rPr>
-                        <a:t>O</a:t>
-                      </a:r>
-                      <a:r>
-                        <a:rPr lang="de-CH" sz="1400" u="none" strike="noStrike" dirty="0" smtClean="0">
-                          <a:effectLst/>
-                        </a:rPr>
-                        <a:t>rganisation</a:t>
-                      </a:r>
-                      <a:r>
-                        <a:rPr lang="de-CH" sz="1400" u="none" strike="noStrike" dirty="0">
-                          <a:effectLst/>
-                        </a:rPr>
-                        <a:t>, Programmieren</a:t>
-                      </a:r>
-                      <a:endParaRPr lang="de-CH" sz="1400" b="0" i="0" u="none" strike="noStrike" dirty="0">
-                        <a:solidFill>
-                          <a:schemeClr val="tx1"/>
-                        </a:solidFill>
-                        <a:effectLst/>
-                        <a:latin typeface="Calibri" panose="020F0502020204030204" pitchFamily="34" charset="0"/>
-                      </a:endParaRPr>
-                    </a:p>
-                  </a:txBody>
-                  <a:tcPr marL="5969" marR="5969" marT="5969" marB="0" anchor="ctr"/>
-                </a:tc>
-                <a:tc>
-                  <a:txBody>
-                    <a:bodyPr/>
-                    <a:lstStyle/>
-                    <a:p>
-                      <a:pPr algn="l" fontAlgn="b"/>
-                      <a:r>
-                        <a:rPr lang="de-CH" sz="1400" u="none" strike="noStrike" dirty="0">
-                          <a:effectLst/>
-                        </a:rPr>
-                        <a:t>Korrupte D</a:t>
-                      </a:r>
-                      <a:r>
-                        <a:rPr lang="de-CH" sz="1400" u="none" strike="noStrike" dirty="0" smtClean="0">
-                          <a:effectLst/>
-                        </a:rPr>
-                        <a:t>ateien</a:t>
-                      </a:r>
-                      <a:endParaRPr lang="de-CH" sz="1400" b="0" i="0" u="none" strike="noStrike" dirty="0">
-                        <a:solidFill>
-                          <a:schemeClr val="tx1"/>
-                        </a:solidFill>
-                        <a:effectLst/>
-                        <a:latin typeface="Calibri" panose="020F0502020204030204" pitchFamily="34" charset="0"/>
-                      </a:endParaRPr>
-                    </a:p>
-                  </a:txBody>
-                  <a:tcPr marL="5969" marR="5969" marT="5969" marB="0" anchor="ctr"/>
-                </a:tc>
-                <a:tc>
-                  <a:txBody>
-                    <a:bodyPr/>
-                    <a:lstStyle/>
-                    <a:p>
-                      <a:pPr algn="l" fontAlgn="b"/>
-                      <a:r>
-                        <a:rPr lang="de-CH" sz="1400" u="none" strike="noStrike">
-                          <a:effectLst/>
-                        </a:rPr>
-                        <a:t>verschiedene versionen einer Datei auf Github hochgeladen</a:t>
-                      </a:r>
-                      <a:endParaRPr lang="de-CH" sz="1400" b="0" i="0" u="none" strike="noStrike">
-                        <a:solidFill>
-                          <a:schemeClr val="tx1"/>
-                        </a:solidFill>
-                        <a:effectLst/>
-                        <a:latin typeface="Calibri" panose="020F0502020204030204" pitchFamily="34" charset="0"/>
-                      </a:endParaRPr>
-                    </a:p>
-                  </a:txBody>
-                  <a:tcPr marL="5969" marR="5969" marT="5969" marB="0" anchor="ctr"/>
-                </a:tc>
-                <a:tc>
-                  <a:txBody>
-                    <a:bodyPr/>
-                    <a:lstStyle/>
-                    <a:p>
-                      <a:pPr algn="r" fontAlgn="b"/>
-                      <a:r>
-                        <a:rPr lang="de-CH" sz="1400" u="none" strike="noStrike">
-                          <a:effectLst/>
-                        </a:rPr>
-                        <a:t>3</a:t>
-                      </a:r>
-                      <a:endParaRPr lang="de-CH" sz="1400" b="0" i="0" u="none" strike="noStrike">
-                        <a:solidFill>
-                          <a:schemeClr val="tx1"/>
-                        </a:solidFill>
-                        <a:effectLst/>
-                        <a:latin typeface="Calibri" panose="020F0502020204030204" pitchFamily="34" charset="0"/>
-                      </a:endParaRPr>
-                    </a:p>
-                  </a:txBody>
-                  <a:tcPr marL="5969" marR="5969" marT="5969" marB="0" anchor="ctr"/>
-                </a:tc>
-                <a:tc>
-                  <a:txBody>
-                    <a:bodyPr/>
-                    <a:lstStyle/>
-                    <a:p>
-                      <a:pPr algn="r" fontAlgn="b"/>
-                      <a:r>
-                        <a:rPr lang="de-CH" sz="1400" u="none" strike="noStrike">
-                          <a:effectLst/>
-                        </a:rPr>
-                        <a:t>1</a:t>
-                      </a:r>
-                      <a:endParaRPr lang="de-CH" sz="1400" b="0" i="0" u="none" strike="noStrike">
-                        <a:solidFill>
-                          <a:schemeClr val="tx1"/>
-                        </a:solidFill>
-                        <a:effectLst/>
-                        <a:latin typeface="Calibri" panose="020F0502020204030204" pitchFamily="34" charset="0"/>
-                      </a:endParaRPr>
-                    </a:p>
-                  </a:txBody>
-                  <a:tcPr marL="5969" marR="5969" marT="5969" marB="0" anchor="ctr"/>
-                </a:tc>
-                <a:tc>
-                  <a:txBody>
-                    <a:bodyPr/>
-                    <a:lstStyle/>
-                    <a:p>
-                      <a:pPr algn="r" fontAlgn="b"/>
-                      <a:r>
-                        <a:rPr lang="de-CH" sz="1400" u="none" strike="noStrike">
-                          <a:effectLst/>
-                        </a:rPr>
-                        <a:t>1</a:t>
-                      </a:r>
-                      <a:endParaRPr lang="de-CH" sz="1400" b="0" i="0" u="none" strike="noStrike">
-                        <a:solidFill>
-                          <a:schemeClr val="tx1"/>
-                        </a:solidFill>
-                        <a:effectLst/>
-                        <a:latin typeface="Calibri" panose="020F0502020204030204" pitchFamily="34" charset="0"/>
-                      </a:endParaRPr>
-                    </a:p>
-                  </a:txBody>
-                  <a:tcPr marL="5969" marR="5969" marT="5969" marB="0" anchor="ctr"/>
-                </a:tc>
-                <a:tc>
-                  <a:txBody>
-                    <a:bodyPr/>
-                    <a:lstStyle/>
-                    <a:p>
-                      <a:pPr algn="l" fontAlgn="b"/>
-                      <a:r>
-                        <a:rPr lang="de-CH" sz="1400" u="none" strike="noStrike">
-                          <a:effectLst/>
-                        </a:rPr>
-                        <a:t>Immer Pullen vor Pushen</a:t>
-                      </a:r>
-                      <a:endParaRPr lang="de-CH" sz="1400" b="0" i="0" u="none" strike="noStrike">
-                        <a:solidFill>
-                          <a:schemeClr val="tx1"/>
-                        </a:solidFill>
-                        <a:effectLst/>
-                        <a:latin typeface="Calibri" panose="020F0502020204030204" pitchFamily="34" charset="0"/>
-                      </a:endParaRPr>
-                    </a:p>
-                  </a:txBody>
-                  <a:tcPr marL="5969" marR="5969" marT="5969" marB="0" anchor="ctr"/>
-                </a:tc>
-                <a:tc>
-                  <a:txBody>
-                    <a:bodyPr/>
-                    <a:lstStyle/>
-                    <a:p>
-                      <a:pPr algn="r" fontAlgn="b"/>
-                      <a:r>
-                        <a:rPr lang="de-CH" sz="1400" u="none" strike="noStrike">
-                          <a:effectLst/>
-                        </a:rPr>
-                        <a:t>30.10.2017</a:t>
-                      </a:r>
-                      <a:endParaRPr lang="de-CH" sz="1400" b="0" i="0" u="none" strike="noStrike">
-                        <a:solidFill>
-                          <a:schemeClr val="tx1"/>
-                        </a:solidFill>
-                        <a:effectLst/>
-                        <a:latin typeface="Calibri" panose="020F0502020204030204" pitchFamily="34" charset="0"/>
-                      </a:endParaRPr>
-                    </a:p>
-                  </a:txBody>
-                  <a:tcPr marL="5969" marR="5969" marT="5969" marB="0" anchor="ctr"/>
-                </a:tc>
-                <a:tc>
-                  <a:txBody>
-                    <a:bodyPr/>
-                    <a:lstStyle/>
-                    <a:p>
-                      <a:pPr algn="l" fontAlgn="b"/>
-                      <a:r>
-                        <a:rPr lang="de-CH" sz="1400" u="none" strike="noStrike" dirty="0">
-                          <a:effectLst/>
-                        </a:rPr>
-                        <a:t>Alle</a:t>
-                      </a:r>
-                      <a:endParaRPr lang="de-CH" sz="1400" b="0" i="0" u="none" strike="noStrike" dirty="0">
-                        <a:solidFill>
-                          <a:schemeClr val="tx1"/>
-                        </a:solidFill>
-                        <a:effectLst/>
-                        <a:latin typeface="Calibri" panose="020F0502020204030204" pitchFamily="34" charset="0"/>
-                      </a:endParaRPr>
-                    </a:p>
-                  </a:txBody>
-                  <a:tcPr marL="5969" marR="5969" marT="5969" marB="0" anchor="ctr"/>
-                </a:tc>
-                <a:extLst>
-                  <a:ext uri="{0D108BD9-81ED-4DB2-BD59-A6C34878D82A}">
-                    <a16:rowId xmlns:a16="http://schemas.microsoft.com/office/drawing/2014/main" xmlns="" val="1504547318"/>
-                  </a:ext>
-                </a:extLst>
-              </a:tr>
-              <a:tr h="341807">
-                <a:tc>
-                  <a:txBody>
-                    <a:bodyPr/>
-                    <a:lstStyle/>
-                    <a:p>
-                      <a:pPr algn="r" fontAlgn="b"/>
-                      <a:r>
-                        <a:rPr lang="de-CH" sz="1400" u="none" strike="noStrike" dirty="0" smtClean="0">
-                          <a:effectLst/>
-                        </a:rPr>
-                        <a:t>3</a:t>
-                      </a:r>
-                      <a:endParaRPr lang="de-CH" sz="1400" b="0" i="0" u="none" strike="noStrike" dirty="0">
-                        <a:solidFill>
-                          <a:schemeClr val="tx1"/>
-                        </a:solidFill>
-                        <a:effectLst/>
-                        <a:latin typeface="Calibri" panose="020F0502020204030204" pitchFamily="34" charset="0"/>
-                      </a:endParaRPr>
-                    </a:p>
-                  </a:txBody>
-                  <a:tcPr marL="5969" marR="5969" marT="5969" marB="0" anchor="ctr"/>
-                </a:tc>
-                <a:tc>
-                  <a:txBody>
-                    <a:bodyPr/>
-                    <a:lstStyle/>
-                    <a:p>
-                      <a:pPr algn="l" fontAlgn="b"/>
-                      <a:r>
-                        <a:rPr lang="de-CH" sz="1400" u="none" strike="noStrike" dirty="0">
-                          <a:effectLst/>
-                        </a:rPr>
-                        <a:t>Organisation</a:t>
-                      </a:r>
-                      <a:r>
-                        <a:rPr lang="de-CH" sz="1400" u="none" strike="noStrike" dirty="0" smtClean="0">
-                          <a:effectLst/>
-                        </a:rPr>
-                        <a:t>, Kommunikation</a:t>
-                      </a:r>
-                      <a:endParaRPr lang="de-CH" sz="1400" b="0" i="0" u="none" strike="noStrike" dirty="0">
-                        <a:solidFill>
-                          <a:schemeClr val="tx1"/>
-                        </a:solidFill>
-                        <a:effectLst/>
-                        <a:latin typeface="Calibri" panose="020F0502020204030204" pitchFamily="34" charset="0"/>
-                      </a:endParaRPr>
-                    </a:p>
-                  </a:txBody>
-                  <a:tcPr marL="5969" marR="5969" marT="5969" marB="0" anchor="ctr"/>
-                </a:tc>
-                <a:tc>
-                  <a:txBody>
-                    <a:bodyPr/>
-                    <a:lstStyle/>
-                    <a:p>
-                      <a:pPr algn="l" fontAlgn="b"/>
-                      <a:r>
-                        <a:rPr lang="de-CH" sz="1400" u="none" strike="noStrike">
-                          <a:effectLst/>
-                        </a:rPr>
-                        <a:t>Fehlende Kommunikation</a:t>
-                      </a:r>
-                      <a:endParaRPr lang="de-CH" sz="1400" b="0" i="0" u="none" strike="noStrike">
-                        <a:solidFill>
-                          <a:schemeClr val="tx1"/>
-                        </a:solidFill>
-                        <a:effectLst/>
-                        <a:latin typeface="Calibri" panose="020F0502020204030204" pitchFamily="34" charset="0"/>
-                      </a:endParaRPr>
-                    </a:p>
-                  </a:txBody>
-                  <a:tcPr marL="5969" marR="5969" marT="5969" marB="0" anchor="ctr"/>
-                </a:tc>
-                <a:tc>
-                  <a:txBody>
-                    <a:bodyPr/>
-                    <a:lstStyle/>
-                    <a:p>
-                      <a:pPr algn="l" fontAlgn="b"/>
-                      <a:r>
-                        <a:rPr lang="de-CH" sz="1400" u="none" strike="noStrike" dirty="0">
-                          <a:effectLst/>
-                        </a:rPr>
-                        <a:t>Aufgaben bleiben aus</a:t>
-                      </a:r>
-                      <a:endParaRPr lang="de-CH" sz="1400" b="0" i="0" u="none" strike="noStrike" dirty="0">
-                        <a:solidFill>
-                          <a:schemeClr val="tx1"/>
-                        </a:solidFill>
-                        <a:effectLst/>
-                        <a:latin typeface="Calibri" panose="020F0502020204030204" pitchFamily="34" charset="0"/>
-                      </a:endParaRPr>
-                    </a:p>
-                  </a:txBody>
-                  <a:tcPr marL="5969" marR="5969" marT="5969" marB="0" anchor="ctr"/>
-                </a:tc>
-                <a:tc>
-                  <a:txBody>
-                    <a:bodyPr/>
-                    <a:lstStyle/>
-                    <a:p>
-                      <a:pPr algn="r" fontAlgn="b"/>
-                      <a:r>
-                        <a:rPr lang="de-CH" sz="1400" u="none" strike="noStrike">
-                          <a:effectLst/>
-                        </a:rPr>
-                        <a:t>1</a:t>
-                      </a:r>
-                      <a:endParaRPr lang="de-CH" sz="1400" b="0" i="0" u="none" strike="noStrike">
-                        <a:solidFill>
-                          <a:schemeClr val="tx1"/>
-                        </a:solidFill>
-                        <a:effectLst/>
-                        <a:latin typeface="Calibri" panose="020F0502020204030204" pitchFamily="34" charset="0"/>
-                      </a:endParaRPr>
-                    </a:p>
-                  </a:txBody>
-                  <a:tcPr marL="5969" marR="5969" marT="5969" marB="0" anchor="ctr"/>
-                </a:tc>
-                <a:tc>
-                  <a:txBody>
-                    <a:bodyPr/>
-                    <a:lstStyle/>
-                    <a:p>
-                      <a:pPr algn="r" fontAlgn="b"/>
-                      <a:r>
-                        <a:rPr lang="de-CH" sz="1400" u="none" strike="noStrike">
-                          <a:effectLst/>
-                        </a:rPr>
-                        <a:t>3</a:t>
-                      </a:r>
-                      <a:endParaRPr lang="de-CH" sz="1400" b="0" i="0" u="none" strike="noStrike">
-                        <a:solidFill>
-                          <a:schemeClr val="tx1"/>
-                        </a:solidFill>
-                        <a:effectLst/>
-                        <a:latin typeface="Calibri" panose="020F0502020204030204" pitchFamily="34" charset="0"/>
-                      </a:endParaRPr>
-                    </a:p>
-                  </a:txBody>
-                  <a:tcPr marL="5969" marR="5969" marT="5969" marB="0" anchor="ctr"/>
-                </a:tc>
-                <a:tc>
-                  <a:txBody>
-                    <a:bodyPr/>
-                    <a:lstStyle/>
-                    <a:p>
-                      <a:pPr algn="r" fontAlgn="b"/>
-                      <a:r>
-                        <a:rPr lang="de-CH" sz="1400" u="none" strike="noStrike">
-                          <a:effectLst/>
-                        </a:rPr>
-                        <a:t>3</a:t>
-                      </a:r>
-                      <a:endParaRPr lang="de-CH" sz="1400" b="0" i="0" u="none" strike="noStrike">
-                        <a:solidFill>
-                          <a:schemeClr val="tx1"/>
-                        </a:solidFill>
-                        <a:effectLst/>
-                        <a:latin typeface="Calibri" panose="020F0502020204030204" pitchFamily="34" charset="0"/>
-                      </a:endParaRPr>
-                    </a:p>
-                  </a:txBody>
-                  <a:tcPr marL="5969" marR="5969" marT="5969" marB="0" anchor="ctr"/>
-                </a:tc>
-                <a:tc>
-                  <a:txBody>
-                    <a:bodyPr/>
-                    <a:lstStyle/>
-                    <a:p>
-                      <a:pPr algn="l" fontAlgn="b"/>
-                      <a:r>
-                        <a:rPr lang="de-CH" sz="1400" u="none" strike="noStrike">
-                          <a:effectLst/>
-                        </a:rPr>
-                        <a:t>Sitzungen, gutes Absprechen</a:t>
-                      </a:r>
-                      <a:endParaRPr lang="de-CH" sz="1400" b="0" i="0" u="none" strike="noStrike">
-                        <a:solidFill>
-                          <a:schemeClr val="tx1"/>
-                        </a:solidFill>
-                        <a:effectLst/>
-                        <a:latin typeface="Calibri" panose="020F0502020204030204" pitchFamily="34" charset="0"/>
-                      </a:endParaRPr>
-                    </a:p>
-                  </a:txBody>
-                  <a:tcPr marL="5969" marR="5969" marT="5969" marB="0" anchor="ctr"/>
-                </a:tc>
-                <a:tc>
-                  <a:txBody>
-                    <a:bodyPr/>
-                    <a:lstStyle/>
-                    <a:p>
-                      <a:pPr algn="r" fontAlgn="b"/>
-                      <a:r>
-                        <a:rPr lang="de-CH" sz="1400" u="none" strike="noStrike">
-                          <a:effectLst/>
-                        </a:rPr>
-                        <a:t>30.10.2017</a:t>
-                      </a:r>
-                      <a:endParaRPr lang="de-CH" sz="1400" b="0" i="0" u="none" strike="noStrike">
-                        <a:solidFill>
-                          <a:schemeClr val="tx1"/>
-                        </a:solidFill>
-                        <a:effectLst/>
-                        <a:latin typeface="Calibri" panose="020F0502020204030204" pitchFamily="34" charset="0"/>
-                      </a:endParaRPr>
-                    </a:p>
-                  </a:txBody>
-                  <a:tcPr marL="5969" marR="5969" marT="5969" marB="0" anchor="ctr"/>
-                </a:tc>
-                <a:tc>
-                  <a:txBody>
-                    <a:bodyPr/>
-                    <a:lstStyle/>
-                    <a:p>
-                      <a:pPr algn="l" fontAlgn="b"/>
-                      <a:r>
-                        <a:rPr lang="de-CH" sz="1400" u="none" strike="noStrike">
-                          <a:effectLst/>
-                        </a:rPr>
-                        <a:t>Nico Lutz</a:t>
-                      </a:r>
-                      <a:endParaRPr lang="de-CH" sz="1400" b="0" i="0" u="none" strike="noStrike">
-                        <a:solidFill>
-                          <a:schemeClr val="tx1"/>
-                        </a:solidFill>
-                        <a:effectLst/>
-                        <a:latin typeface="Calibri" panose="020F0502020204030204" pitchFamily="34" charset="0"/>
-                      </a:endParaRPr>
-                    </a:p>
-                  </a:txBody>
-                  <a:tcPr marL="5969" marR="5969" marT="5969" marB="0" anchor="ctr"/>
-                </a:tc>
-                <a:extLst>
-                  <a:ext uri="{0D108BD9-81ED-4DB2-BD59-A6C34878D82A}">
-                    <a16:rowId xmlns:a16="http://schemas.microsoft.com/office/drawing/2014/main" xmlns="" val="137664474"/>
-                  </a:ext>
-                </a:extLst>
-              </a:tr>
-              <a:tr h="341807">
-                <a:tc>
-                  <a:txBody>
-                    <a:bodyPr/>
-                    <a:lstStyle/>
-                    <a:p>
-                      <a:pPr algn="r" fontAlgn="b"/>
-                      <a:r>
-                        <a:rPr lang="de-CH" sz="1400" u="none" strike="noStrike" dirty="0" smtClean="0">
-                          <a:effectLst/>
-                        </a:rPr>
-                        <a:t>4</a:t>
-                      </a:r>
-                      <a:endParaRPr lang="de-CH" sz="1400" b="0" i="0" u="none" strike="noStrike" dirty="0">
-                        <a:solidFill>
-                          <a:schemeClr val="tx1"/>
-                        </a:solidFill>
-                        <a:effectLst/>
-                        <a:latin typeface="Calibri" panose="020F0502020204030204" pitchFamily="34" charset="0"/>
-                      </a:endParaRPr>
-                    </a:p>
-                  </a:txBody>
-                  <a:tcPr marL="5969" marR="5969" marT="5969" marB="0" anchor="ctr"/>
-                </a:tc>
-                <a:tc>
-                  <a:txBody>
-                    <a:bodyPr/>
-                    <a:lstStyle/>
-                    <a:p>
-                      <a:pPr algn="l" fontAlgn="b"/>
-                      <a:r>
-                        <a:rPr lang="de-CH" sz="1400" u="none" strike="noStrike">
-                          <a:effectLst/>
-                        </a:rPr>
-                        <a:t>Programmieren</a:t>
-                      </a:r>
-                      <a:endParaRPr lang="de-CH" sz="1400" b="0" i="0" u="none" strike="noStrike">
-                        <a:solidFill>
-                          <a:schemeClr val="tx1"/>
-                        </a:solidFill>
-                        <a:effectLst/>
-                        <a:latin typeface="Calibri" panose="020F0502020204030204" pitchFamily="34" charset="0"/>
-                      </a:endParaRPr>
-                    </a:p>
-                  </a:txBody>
-                  <a:tcPr marL="5969" marR="5969" marT="5969" marB="0" anchor="ctr"/>
-                </a:tc>
-                <a:tc>
-                  <a:txBody>
-                    <a:bodyPr/>
-                    <a:lstStyle/>
-                    <a:p>
-                      <a:pPr algn="l" fontAlgn="b"/>
-                      <a:r>
-                        <a:rPr lang="de-CH" sz="1400" u="none" strike="noStrike" dirty="0">
-                          <a:effectLst/>
-                        </a:rPr>
-                        <a:t>Schlechte Wahl der Arbeitswerkzeuge</a:t>
-                      </a:r>
-                      <a:endParaRPr lang="de-CH" sz="1400" b="0" i="0" u="none" strike="noStrike" dirty="0">
-                        <a:solidFill>
-                          <a:schemeClr val="tx1"/>
-                        </a:solidFill>
-                        <a:effectLst/>
-                        <a:latin typeface="Calibri" panose="020F0502020204030204" pitchFamily="34" charset="0"/>
-                      </a:endParaRPr>
-                    </a:p>
-                  </a:txBody>
-                  <a:tcPr marL="5969" marR="5969" marT="5969" marB="0" anchor="ctr"/>
-                </a:tc>
-                <a:tc>
-                  <a:txBody>
-                    <a:bodyPr/>
-                    <a:lstStyle/>
-                    <a:p>
-                      <a:pPr algn="l" fontAlgn="b"/>
-                      <a:r>
-                        <a:rPr lang="de-CH" sz="1400" u="none" strike="noStrike" dirty="0">
-                          <a:effectLst/>
-                        </a:rPr>
-                        <a:t>Arbeiten haben </a:t>
-                      </a:r>
-                      <a:r>
-                        <a:rPr lang="de-CH" sz="1400" u="none" strike="noStrike" dirty="0" smtClean="0">
-                          <a:effectLst/>
-                        </a:rPr>
-                        <a:t>Probleme </a:t>
-                      </a:r>
-                      <a:r>
-                        <a:rPr lang="de-CH" sz="1400" u="none" strike="noStrike" dirty="0">
-                          <a:effectLst/>
-                        </a:rPr>
-                        <a:t>mit der Ausgewählten </a:t>
-                      </a:r>
-                      <a:r>
-                        <a:rPr lang="de-CH" sz="1400" u="none" strike="noStrike" dirty="0" smtClean="0">
-                          <a:effectLst/>
-                        </a:rPr>
-                        <a:t>Programmiersprache</a:t>
-                      </a:r>
-                      <a:endParaRPr lang="de-CH" sz="1400" b="0" i="0" u="none" strike="noStrike" dirty="0">
-                        <a:solidFill>
-                          <a:schemeClr val="tx1"/>
-                        </a:solidFill>
-                        <a:effectLst/>
-                        <a:latin typeface="Calibri" panose="020F0502020204030204" pitchFamily="34" charset="0"/>
-                      </a:endParaRPr>
-                    </a:p>
-                  </a:txBody>
-                  <a:tcPr marL="5969" marR="5969" marT="5969" marB="0" anchor="ctr"/>
-                </a:tc>
-                <a:tc>
-                  <a:txBody>
-                    <a:bodyPr/>
-                    <a:lstStyle/>
-                    <a:p>
-                      <a:pPr algn="r" fontAlgn="b"/>
-                      <a:r>
-                        <a:rPr lang="de-CH" sz="1400" u="none" strike="noStrike">
-                          <a:effectLst/>
-                        </a:rPr>
-                        <a:t>2</a:t>
-                      </a:r>
-                      <a:endParaRPr lang="de-CH" sz="1400" b="0" i="0" u="none" strike="noStrike">
-                        <a:solidFill>
-                          <a:schemeClr val="tx1"/>
-                        </a:solidFill>
-                        <a:effectLst/>
-                        <a:latin typeface="Calibri" panose="020F0502020204030204" pitchFamily="34" charset="0"/>
-                      </a:endParaRPr>
-                    </a:p>
-                  </a:txBody>
-                  <a:tcPr marL="5969" marR="5969" marT="5969" marB="0" anchor="ctr"/>
-                </a:tc>
-                <a:tc>
-                  <a:txBody>
-                    <a:bodyPr/>
-                    <a:lstStyle/>
-                    <a:p>
-                      <a:pPr algn="r" fontAlgn="b"/>
-                      <a:r>
-                        <a:rPr lang="de-CH" sz="1400" u="none" strike="noStrike">
-                          <a:effectLst/>
-                        </a:rPr>
-                        <a:t>2</a:t>
-                      </a:r>
-                      <a:endParaRPr lang="de-CH" sz="1400" b="0" i="0" u="none" strike="noStrike">
-                        <a:solidFill>
-                          <a:schemeClr val="tx1"/>
-                        </a:solidFill>
-                        <a:effectLst/>
-                        <a:latin typeface="Calibri" panose="020F0502020204030204" pitchFamily="34" charset="0"/>
-                      </a:endParaRPr>
-                    </a:p>
-                  </a:txBody>
-                  <a:tcPr marL="5969" marR="5969" marT="5969" marB="0" anchor="ctr"/>
-                </a:tc>
-                <a:tc>
-                  <a:txBody>
-                    <a:bodyPr/>
-                    <a:lstStyle/>
-                    <a:p>
-                      <a:pPr algn="r" fontAlgn="b"/>
-                      <a:r>
-                        <a:rPr lang="de-CH" sz="1400" u="none" strike="noStrike">
-                          <a:effectLst/>
-                        </a:rPr>
-                        <a:t>2</a:t>
-                      </a:r>
-                      <a:endParaRPr lang="de-CH" sz="1400" b="0" i="0" u="none" strike="noStrike">
-                        <a:solidFill>
-                          <a:schemeClr val="tx1"/>
-                        </a:solidFill>
-                        <a:effectLst/>
-                        <a:latin typeface="Calibri" panose="020F0502020204030204" pitchFamily="34" charset="0"/>
-                      </a:endParaRPr>
-                    </a:p>
-                  </a:txBody>
-                  <a:tcPr marL="5969" marR="5969" marT="5969" marB="0" anchor="ctr"/>
-                </a:tc>
-                <a:tc>
-                  <a:txBody>
-                    <a:bodyPr/>
-                    <a:lstStyle/>
-                    <a:p>
-                      <a:pPr algn="l" fontAlgn="b"/>
-                      <a:r>
-                        <a:rPr lang="de-CH" sz="1400" u="none" strike="noStrike">
-                          <a:effectLst/>
-                        </a:rPr>
-                        <a:t>Kommunikation, informieren</a:t>
-                      </a:r>
-                      <a:endParaRPr lang="de-CH" sz="1400" b="0" i="0" u="none" strike="noStrike">
-                        <a:solidFill>
-                          <a:schemeClr val="tx1"/>
-                        </a:solidFill>
-                        <a:effectLst/>
-                        <a:latin typeface="Calibri" panose="020F0502020204030204" pitchFamily="34" charset="0"/>
-                      </a:endParaRPr>
-                    </a:p>
-                  </a:txBody>
-                  <a:tcPr marL="5969" marR="5969" marT="5969" marB="0" anchor="ctr"/>
-                </a:tc>
-                <a:tc>
-                  <a:txBody>
-                    <a:bodyPr/>
-                    <a:lstStyle/>
-                    <a:p>
-                      <a:pPr algn="r" fontAlgn="b"/>
-                      <a:r>
-                        <a:rPr lang="de-CH" sz="1400" u="none" strike="noStrike">
-                          <a:effectLst/>
-                        </a:rPr>
-                        <a:t>30.10.2017</a:t>
-                      </a:r>
-                      <a:endParaRPr lang="de-CH" sz="1400" b="0" i="0" u="none" strike="noStrike">
-                        <a:solidFill>
-                          <a:schemeClr val="tx1"/>
-                        </a:solidFill>
-                        <a:effectLst/>
-                        <a:latin typeface="Calibri" panose="020F0502020204030204" pitchFamily="34" charset="0"/>
-                      </a:endParaRPr>
-                    </a:p>
-                  </a:txBody>
-                  <a:tcPr marL="5969" marR="5969" marT="5969" marB="0" anchor="ctr"/>
-                </a:tc>
-                <a:tc>
-                  <a:txBody>
-                    <a:bodyPr/>
-                    <a:lstStyle/>
-                    <a:p>
-                      <a:pPr algn="l" fontAlgn="b"/>
-                      <a:r>
-                        <a:rPr lang="de-CH" sz="1400" u="none" strike="noStrike" dirty="0">
-                          <a:effectLst/>
-                        </a:rPr>
-                        <a:t>Developer</a:t>
-                      </a:r>
-                      <a:endParaRPr lang="de-CH" sz="1400" b="0" i="0" u="none" strike="noStrike" dirty="0">
-                        <a:solidFill>
-                          <a:schemeClr val="tx1"/>
-                        </a:solidFill>
-                        <a:effectLst/>
-                        <a:latin typeface="Calibri" panose="020F0502020204030204" pitchFamily="34" charset="0"/>
-                      </a:endParaRPr>
-                    </a:p>
-                  </a:txBody>
-                  <a:tcPr marL="5969" marR="5969" marT="5969" marB="0" anchor="ctr"/>
-                </a:tc>
-                <a:extLst>
-                  <a:ext uri="{0D108BD9-81ED-4DB2-BD59-A6C34878D82A}">
-                    <a16:rowId xmlns:a16="http://schemas.microsoft.com/office/drawing/2014/main" xmlns="" val="943865118"/>
-                  </a:ext>
-                </a:extLst>
-              </a:tr>
-            </a:tbl>
-          </a:graphicData>
-        </a:graphic>
-      </p:graphicFrame>
-    </p:spTree>
-    <p:extLst>
-      <p:ext uri="{BB962C8B-B14F-4D97-AF65-F5344CB8AC3E}">
-        <p14:creationId xmlns:p14="http://schemas.microsoft.com/office/powerpoint/2010/main" val="3568731788"/>
-      </p:ext>
-    </p:extLst>
-  </p:cSld>
-  <p:clrMapOvr>
-    <a:masterClrMapping/>
-  </p:clrMapOvr>
-  <p:timing>
-    <p:tnLst>
-      <p:par>
-        <p:cTn id="1" dur="indefinite" restart="never" nodeType="tmRoot"/>
-      </p:par>
-    </p:tnLst>
-  </p:timing>
 </p:sld>
 </file>
 

--- a/Dokuordner/ENTERTAINNET.pptx
+++ b/Dokuordner/ENTERTAINNET.pptx
@@ -1466,7 +1466,7 @@
           <a:effectLst/>
           <a:extLst>
             <a:ext uri="{91240B29-F687-4f45-9708-019B960494DF}">
-              <a14:hiddenLine xmlns:a14="http://schemas.microsoft.com/office/drawing/2010/main" xmlns="" w="9525">
+              <a14:hiddenLine xmlns="" xmlns:a14="http://schemas.microsoft.com/office/drawing/2010/main" w="9525">
                 <a:solidFill>
                   <a:srgbClr val="000000"/>
                 </a:solidFill>
@@ -2988,7 +2988,7 @@
           <a:ln/>
           <a:extLst>
             <a:ext uri="{91240B29-F687-4f45-9708-019B960494DF}">
-              <a14:hiddenLine xmlns:a14="http://schemas.microsoft.com/office/drawing/2010/main" xmlns="" w="9525">
+              <a14:hiddenLine xmlns="" xmlns:a14="http://schemas.microsoft.com/office/drawing/2010/main" w="9525">
                 <a:solidFill>
                   <a:srgbClr val="000000"/>
                 </a:solidFill>
@@ -3263,7 +3263,7 @@
           <a:ln/>
           <a:extLst>
             <a:ext uri="{91240B29-F687-4f45-9708-019B960494DF}">
-              <a14:hiddenLine xmlns:a14="http://schemas.microsoft.com/office/drawing/2010/main" xmlns="" w="9525">
+              <a14:hiddenLine xmlns="" xmlns:a14="http://schemas.microsoft.com/office/drawing/2010/main" w="9525">
                 <a:solidFill>
                   <a:srgbClr val="000000"/>
                 </a:solidFill>
@@ -3546,7 +3546,7 @@
           <a:ln/>
           <a:extLst>
             <a:ext uri="{91240B29-F687-4f45-9708-019B960494DF}">
-              <a14:hiddenLine xmlns:a14="http://schemas.microsoft.com/office/drawing/2010/main" xmlns="" w="9525">
+              <a14:hiddenLine xmlns="" xmlns:a14="http://schemas.microsoft.com/office/drawing/2010/main" w="9525">
                 <a:solidFill>
                   <a:srgbClr val="000000"/>
                 </a:solidFill>
@@ -4267,7 +4267,7 @@
           <a:ln/>
           <a:extLst>
             <a:ext uri="{91240B29-F687-4f45-9708-019B960494DF}">
-              <a14:hiddenLine xmlns:a14="http://schemas.microsoft.com/office/drawing/2010/main" xmlns="" w="9525">
+              <a14:hiddenLine xmlns="" xmlns:a14="http://schemas.microsoft.com/office/drawing/2010/main" w="9525">
                 <a:solidFill>
                   <a:srgbClr val="000000"/>
                 </a:solidFill>
@@ -4606,7 +4606,7 @@
           <a:ln/>
           <a:extLst>
             <a:ext uri="{91240B29-F687-4f45-9708-019B960494DF}">
-              <a14:hiddenLine xmlns:a14="http://schemas.microsoft.com/office/drawing/2010/main" xmlns="" w="9525">
+              <a14:hiddenLine xmlns="" xmlns:a14="http://schemas.microsoft.com/office/drawing/2010/main" w="9525">
                 <a:solidFill>
                   <a:srgbClr val="000000"/>
                 </a:solidFill>
@@ -5083,7 +5083,7 @@
           <a:ln/>
           <a:extLst>
             <a:ext uri="{91240B29-F687-4f45-9708-019B960494DF}">
-              <a14:hiddenLine xmlns:a14="http://schemas.microsoft.com/office/drawing/2010/main" xmlns="" w="9525">
+              <a14:hiddenLine xmlns="" xmlns:a14="http://schemas.microsoft.com/office/drawing/2010/main" w="9525">
                 <a:solidFill>
                   <a:srgbClr val="000000"/>
                 </a:solidFill>
@@ -5512,7 +5512,7 @@
           <a:ln/>
           <a:extLst>
             <a:ext uri="{91240B29-F687-4f45-9708-019B960494DF}">
-              <a14:hiddenLine xmlns:a14="http://schemas.microsoft.com/office/drawing/2010/main" xmlns="" w="9525">
+              <a14:hiddenLine xmlns="" xmlns:a14="http://schemas.microsoft.com/office/drawing/2010/main" w="9525">
                 <a:solidFill>
                   <a:srgbClr val="000000"/>
                 </a:solidFill>
@@ -6980,63 +6980,63 @@
                 <a:gridCol w="1970898">
                   <a:extLst>
                     <a:ext uri="{9D8B030D-6E8A-4147-A177-3AD203B41FA5}">
-                      <a16:colId xmlns:a16="http://schemas.microsoft.com/office/drawing/2014/main" xmlns="" val="20000"/>
+                      <a16:colId xmlns="" xmlns:a16="http://schemas.microsoft.com/office/drawing/2014/main" val="20000"/>
                     </a:ext>
                   </a:extLst>
                 </a:gridCol>
                 <a:gridCol w="120408">
                   <a:extLst>
                     <a:ext uri="{9D8B030D-6E8A-4147-A177-3AD203B41FA5}">
-                      <a16:colId xmlns:a16="http://schemas.microsoft.com/office/drawing/2014/main" xmlns="" val="20001"/>
+                      <a16:colId xmlns="" xmlns:a16="http://schemas.microsoft.com/office/drawing/2014/main" val="20001"/>
                     </a:ext>
                   </a:extLst>
                 </a:gridCol>
                 <a:gridCol w="804836">
                   <a:extLst>
                     <a:ext uri="{9D8B030D-6E8A-4147-A177-3AD203B41FA5}">
-                      <a16:colId xmlns:a16="http://schemas.microsoft.com/office/drawing/2014/main" xmlns="" val="20002"/>
+                      <a16:colId xmlns="" xmlns:a16="http://schemas.microsoft.com/office/drawing/2014/main" val="20002"/>
                     </a:ext>
                   </a:extLst>
                 </a:gridCol>
                 <a:gridCol w="804836">
                   <a:extLst>
                     <a:ext uri="{9D8B030D-6E8A-4147-A177-3AD203B41FA5}">
-                      <a16:colId xmlns:a16="http://schemas.microsoft.com/office/drawing/2014/main" xmlns="" val="20003"/>
+                      <a16:colId xmlns="" xmlns:a16="http://schemas.microsoft.com/office/drawing/2014/main" val="20003"/>
                     </a:ext>
                   </a:extLst>
                 </a:gridCol>
                 <a:gridCol w="804836">
                   <a:extLst>
                     <a:ext uri="{9D8B030D-6E8A-4147-A177-3AD203B41FA5}">
-                      <a16:colId xmlns:a16="http://schemas.microsoft.com/office/drawing/2014/main" xmlns="" val="20004"/>
+                      <a16:colId xmlns="" xmlns:a16="http://schemas.microsoft.com/office/drawing/2014/main" val="20004"/>
                     </a:ext>
                   </a:extLst>
                 </a:gridCol>
                 <a:gridCol w="804836">
                   <a:extLst>
                     <a:ext uri="{9D8B030D-6E8A-4147-A177-3AD203B41FA5}">
-                      <a16:colId xmlns:a16="http://schemas.microsoft.com/office/drawing/2014/main" xmlns="" val="20005"/>
+                      <a16:colId xmlns="" xmlns:a16="http://schemas.microsoft.com/office/drawing/2014/main" val="20005"/>
                     </a:ext>
                   </a:extLst>
                 </a:gridCol>
                 <a:gridCol w="804836">
                   <a:extLst>
                     <a:ext uri="{9D8B030D-6E8A-4147-A177-3AD203B41FA5}">
-                      <a16:colId xmlns:a16="http://schemas.microsoft.com/office/drawing/2014/main" xmlns="" val="20006"/>
+                      <a16:colId xmlns="" xmlns:a16="http://schemas.microsoft.com/office/drawing/2014/main" val="20006"/>
                     </a:ext>
                   </a:extLst>
                 </a:gridCol>
                 <a:gridCol w="802723">
                   <a:extLst>
                     <a:ext uri="{9D8B030D-6E8A-4147-A177-3AD203B41FA5}">
-                      <a16:colId xmlns:a16="http://schemas.microsoft.com/office/drawing/2014/main" xmlns="" val="20007"/>
+                      <a16:colId xmlns="" xmlns:a16="http://schemas.microsoft.com/office/drawing/2014/main" val="20007"/>
                     </a:ext>
                   </a:extLst>
                 </a:gridCol>
                 <a:gridCol w="802723">
                   <a:extLst>
                     <a:ext uri="{9D8B030D-6E8A-4147-A177-3AD203B41FA5}">
-                      <a16:colId xmlns:a16="http://schemas.microsoft.com/office/drawing/2014/main" xmlns="" val="20008"/>
+                      <a16:colId xmlns="" xmlns:a16="http://schemas.microsoft.com/office/drawing/2014/main" val="20008"/>
                     </a:ext>
                   </a:extLst>
                 </a:gridCol>
@@ -7251,7 +7251,7 @@
                 </a:tc>
                 <a:extLst>
                   <a:ext uri="{0D108BD9-81ED-4DB2-BD59-A6C34878D82A}">
-                    <a16:rowId xmlns:a16="http://schemas.microsoft.com/office/drawing/2014/main" xmlns="" val="10000"/>
+                    <a16:rowId xmlns="" xmlns:a16="http://schemas.microsoft.com/office/drawing/2014/main" val="10000"/>
                   </a:ext>
                 </a:extLst>
               </a:tr>
@@ -7465,7 +7465,7 @@
                 </a:tc>
                 <a:extLst>
                   <a:ext uri="{0D108BD9-81ED-4DB2-BD59-A6C34878D82A}">
-                    <a16:rowId xmlns:a16="http://schemas.microsoft.com/office/drawing/2014/main" xmlns="" val="10001"/>
+                    <a16:rowId xmlns="" xmlns:a16="http://schemas.microsoft.com/office/drawing/2014/main" val="10001"/>
                   </a:ext>
                 </a:extLst>
               </a:tr>
@@ -7679,7 +7679,7 @@
                 </a:tc>
                 <a:extLst>
                   <a:ext uri="{0D108BD9-81ED-4DB2-BD59-A6C34878D82A}">
-                    <a16:rowId xmlns:a16="http://schemas.microsoft.com/office/drawing/2014/main" xmlns="" val="10002"/>
+                    <a16:rowId xmlns="" xmlns:a16="http://schemas.microsoft.com/office/drawing/2014/main" val="10002"/>
                   </a:ext>
                 </a:extLst>
               </a:tr>
@@ -7893,7 +7893,7 @@
                 </a:tc>
                 <a:extLst>
                   <a:ext uri="{0D108BD9-81ED-4DB2-BD59-A6C34878D82A}">
-                    <a16:rowId xmlns:a16="http://schemas.microsoft.com/office/drawing/2014/main" xmlns="" val="10003"/>
+                    <a16:rowId xmlns="" xmlns:a16="http://schemas.microsoft.com/office/drawing/2014/main" val="10003"/>
                   </a:ext>
                 </a:extLst>
               </a:tr>
@@ -8107,7 +8107,7 @@
                 </a:tc>
                 <a:extLst>
                   <a:ext uri="{0D108BD9-81ED-4DB2-BD59-A6C34878D82A}">
-                    <a16:rowId xmlns:a16="http://schemas.microsoft.com/office/drawing/2014/main" xmlns="" val="10004"/>
+                    <a16:rowId xmlns="" xmlns:a16="http://schemas.microsoft.com/office/drawing/2014/main" val="10004"/>
                   </a:ext>
                 </a:extLst>
               </a:tr>
@@ -8321,7 +8321,7 @@
                 </a:tc>
                 <a:extLst>
                   <a:ext uri="{0D108BD9-81ED-4DB2-BD59-A6C34878D82A}">
-                    <a16:rowId xmlns:a16="http://schemas.microsoft.com/office/drawing/2014/main" xmlns="" val="10005"/>
+                    <a16:rowId xmlns="" xmlns:a16="http://schemas.microsoft.com/office/drawing/2014/main" val="10005"/>
                   </a:ext>
                 </a:extLst>
               </a:tr>
@@ -8535,7 +8535,7 @@
                 </a:tc>
                 <a:extLst>
                   <a:ext uri="{0D108BD9-81ED-4DB2-BD59-A6C34878D82A}">
-                    <a16:rowId xmlns:a16="http://schemas.microsoft.com/office/drawing/2014/main" xmlns="" val="10006"/>
+                    <a16:rowId xmlns="" xmlns:a16="http://schemas.microsoft.com/office/drawing/2014/main" val="10006"/>
                   </a:ext>
                 </a:extLst>
               </a:tr>
@@ -8749,7 +8749,7 @@
                 </a:tc>
                 <a:extLst>
                   <a:ext uri="{0D108BD9-81ED-4DB2-BD59-A6C34878D82A}">
-                    <a16:rowId xmlns:a16="http://schemas.microsoft.com/office/drawing/2014/main" xmlns="" val="10007"/>
+                    <a16:rowId xmlns="" xmlns:a16="http://schemas.microsoft.com/office/drawing/2014/main" val="10007"/>
                   </a:ext>
                 </a:extLst>
               </a:tr>
@@ -8963,7 +8963,7 @@
                 </a:tc>
                 <a:extLst>
                   <a:ext uri="{0D108BD9-81ED-4DB2-BD59-A6C34878D82A}">
-                    <a16:rowId xmlns:a16="http://schemas.microsoft.com/office/drawing/2014/main" xmlns="" val="10008"/>
+                    <a16:rowId xmlns="" xmlns:a16="http://schemas.microsoft.com/office/drawing/2014/main" val="10008"/>
                   </a:ext>
                 </a:extLst>
               </a:tr>
@@ -9177,7 +9177,7 @@
                 </a:tc>
                 <a:extLst>
                   <a:ext uri="{0D108BD9-81ED-4DB2-BD59-A6C34878D82A}">
-                    <a16:rowId xmlns:a16="http://schemas.microsoft.com/office/drawing/2014/main" xmlns="" val="10009"/>
+                    <a16:rowId xmlns="" xmlns:a16="http://schemas.microsoft.com/office/drawing/2014/main" val="10009"/>
                   </a:ext>
                 </a:extLst>
               </a:tr>
@@ -9242,7 +9242,7 @@
           <p:cNvPr id="5" name="Inhaltsplatzhalter 4">
             <a:extLst>
               <a:ext uri="{FF2B5EF4-FFF2-40B4-BE49-F238E27FC236}">
-                <a16:creationId xmlns:a16="http://schemas.microsoft.com/office/drawing/2014/main" xmlns="" id="{FF7FE7BC-62B1-42C8-9148-87CD73684683}"/>
+                <a16:creationId xmlns="" xmlns:a16="http://schemas.microsoft.com/office/drawing/2014/main" id="{FF7FE7BC-62B1-42C8-9148-87CD73684683}"/>
               </a:ext>
             </a:extLst>
           </p:cNvPr>
@@ -9272,70 +9272,70 @@
                 <a:gridCol w="334501">
                   <a:extLst>
                     <a:ext uri="{9D8B030D-6E8A-4147-A177-3AD203B41FA5}">
-                      <a16:colId xmlns:a16="http://schemas.microsoft.com/office/drawing/2014/main" xmlns="" val="1756958949"/>
+                      <a16:colId xmlns="" xmlns:a16="http://schemas.microsoft.com/office/drawing/2014/main" val="1756958949"/>
                     </a:ext>
                   </a:extLst>
                 </a:gridCol>
                 <a:gridCol w="1614835">
                   <a:extLst>
                     <a:ext uri="{9D8B030D-6E8A-4147-A177-3AD203B41FA5}">
-                      <a16:colId xmlns:a16="http://schemas.microsoft.com/office/drawing/2014/main" xmlns="" val="2119582681"/>
+                      <a16:colId xmlns="" xmlns:a16="http://schemas.microsoft.com/office/drawing/2014/main" val="2119582681"/>
                     </a:ext>
                   </a:extLst>
                 </a:gridCol>
                 <a:gridCol w="2030078">
                   <a:extLst>
                     <a:ext uri="{9D8B030D-6E8A-4147-A177-3AD203B41FA5}">
-                      <a16:colId xmlns:a16="http://schemas.microsoft.com/office/drawing/2014/main" xmlns="" val="309405549"/>
+                      <a16:colId xmlns="" xmlns:a16="http://schemas.microsoft.com/office/drawing/2014/main" val="309405549"/>
                     </a:ext>
                   </a:extLst>
                 </a:gridCol>
                 <a:gridCol w="3506498">
                   <a:extLst>
                     <a:ext uri="{9D8B030D-6E8A-4147-A177-3AD203B41FA5}">
-                      <a16:colId xmlns:a16="http://schemas.microsoft.com/office/drawing/2014/main" xmlns="" val="617832737"/>
+                      <a16:colId xmlns="" xmlns:a16="http://schemas.microsoft.com/office/drawing/2014/main" val="617832737"/>
                     </a:ext>
                   </a:extLst>
                 </a:gridCol>
                 <a:gridCol w="296429">
                   <a:extLst>
                     <a:ext uri="{9D8B030D-6E8A-4147-A177-3AD203B41FA5}">
-                      <a16:colId xmlns:a16="http://schemas.microsoft.com/office/drawing/2014/main" xmlns="" val="2844262930"/>
+                      <a16:colId xmlns="" xmlns:a16="http://schemas.microsoft.com/office/drawing/2014/main" val="2844262930"/>
                     </a:ext>
                   </a:extLst>
                 </a:gridCol>
                 <a:gridCol w="327991">
                   <a:extLst>
                     <a:ext uri="{9D8B030D-6E8A-4147-A177-3AD203B41FA5}">
-                      <a16:colId xmlns:a16="http://schemas.microsoft.com/office/drawing/2014/main" xmlns="" val="3985694485"/>
+                      <a16:colId xmlns="" xmlns:a16="http://schemas.microsoft.com/office/drawing/2014/main" val="3985694485"/>
                     </a:ext>
                   </a:extLst>
                 </a:gridCol>
                 <a:gridCol w="337931">
                   <a:extLst>
                     <a:ext uri="{9D8B030D-6E8A-4147-A177-3AD203B41FA5}">
-                      <a16:colId xmlns:a16="http://schemas.microsoft.com/office/drawing/2014/main" xmlns="" val="936486431"/>
+                      <a16:colId xmlns="" xmlns:a16="http://schemas.microsoft.com/office/drawing/2014/main" val="936486431"/>
                     </a:ext>
                   </a:extLst>
                 </a:gridCol>
                 <a:gridCol w="1848678">
                   <a:extLst>
                     <a:ext uri="{9D8B030D-6E8A-4147-A177-3AD203B41FA5}">
-                      <a16:colId xmlns:a16="http://schemas.microsoft.com/office/drawing/2014/main" xmlns="" val="983719914"/>
+                      <a16:colId xmlns="" xmlns:a16="http://schemas.microsoft.com/office/drawing/2014/main" val="983719914"/>
                     </a:ext>
                   </a:extLst>
                 </a:gridCol>
                 <a:gridCol w="954157">
                   <a:extLst>
                     <a:ext uri="{9D8B030D-6E8A-4147-A177-3AD203B41FA5}">
-                      <a16:colId xmlns:a16="http://schemas.microsoft.com/office/drawing/2014/main" xmlns="" val="2979302150"/>
+                      <a16:colId xmlns="" xmlns:a16="http://schemas.microsoft.com/office/drawing/2014/main" val="2979302150"/>
                     </a:ext>
                   </a:extLst>
                 </a:gridCol>
                 <a:gridCol w="940904">
                   <a:extLst>
                     <a:ext uri="{9D8B030D-6E8A-4147-A177-3AD203B41FA5}">
-                      <a16:colId xmlns:a16="http://schemas.microsoft.com/office/drawing/2014/main" xmlns="" val="3779189737"/>
+                      <a16:colId xmlns="" xmlns:a16="http://schemas.microsoft.com/office/drawing/2014/main" val="3779189737"/>
                     </a:ext>
                   </a:extLst>
                 </a:gridCol>
@@ -9573,7 +9573,7 @@
                 </a:tc>
                 <a:extLst>
                   <a:ext uri="{0D108BD9-81ED-4DB2-BD59-A6C34878D82A}">
-                    <a16:rowId xmlns:a16="http://schemas.microsoft.com/office/drawing/2014/main" xmlns="" val="204507381"/>
+                    <a16:rowId xmlns="" xmlns:a16="http://schemas.microsoft.com/office/drawing/2014/main" val="204507381"/>
                   </a:ext>
                 </a:extLst>
               </a:tr>
@@ -9810,7 +9810,7 @@
                 </a:tc>
                 <a:extLst>
                   <a:ext uri="{0D108BD9-81ED-4DB2-BD59-A6C34878D82A}">
-                    <a16:rowId xmlns:a16="http://schemas.microsoft.com/office/drawing/2014/main" xmlns="" val="2099330729"/>
+                    <a16:rowId xmlns="" xmlns:a16="http://schemas.microsoft.com/office/drawing/2014/main" val="2099330729"/>
                   </a:ext>
                 </a:extLst>
               </a:tr>
@@ -10071,7 +10071,7 @@
                 </a:tc>
                 <a:extLst>
                   <a:ext uri="{0D108BD9-81ED-4DB2-BD59-A6C34878D82A}">
-                    <a16:rowId xmlns:a16="http://schemas.microsoft.com/office/drawing/2014/main" xmlns="" val="1504547318"/>
+                    <a16:rowId xmlns="" xmlns:a16="http://schemas.microsoft.com/office/drawing/2014/main" val="1504547318"/>
                   </a:ext>
                 </a:extLst>
               </a:tr>
@@ -10308,7 +10308,7 @@
                 </a:tc>
                 <a:extLst>
                   <a:ext uri="{0D108BD9-81ED-4DB2-BD59-A6C34878D82A}">
-                    <a16:rowId xmlns:a16="http://schemas.microsoft.com/office/drawing/2014/main" xmlns="" val="137664474"/>
+                    <a16:rowId xmlns="" xmlns:a16="http://schemas.microsoft.com/office/drawing/2014/main" val="137664474"/>
                   </a:ext>
                 </a:extLst>
               </a:tr>
@@ -10545,7 +10545,7 @@
                 </a:tc>
                 <a:extLst>
                   <a:ext uri="{0D108BD9-81ED-4DB2-BD59-A6C34878D82A}">
-                    <a16:rowId xmlns:a16="http://schemas.microsoft.com/office/drawing/2014/main" xmlns="" val="943865118"/>
+                    <a16:rowId xmlns="" xmlns:a16="http://schemas.microsoft.com/office/drawing/2014/main" val="943865118"/>
                   </a:ext>
                 </a:extLst>
               </a:tr>
@@ -10588,7 +10588,7 @@
           <p:cNvPr id="2" name="Titel 1">
             <a:extLst>
               <a:ext uri="{FF2B5EF4-FFF2-40B4-BE49-F238E27FC236}">
-                <a16:creationId xmlns:a16="http://schemas.microsoft.com/office/drawing/2014/main" xmlns="" id="{0FB79353-3051-490F-BF9B-7E718EAFD1B7}"/>
+                <a16:creationId xmlns="" xmlns:a16="http://schemas.microsoft.com/office/drawing/2014/main" id="{0FB79353-3051-490F-BF9B-7E718EAFD1B7}"/>
               </a:ext>
             </a:extLst>
           </p:cNvPr>
@@ -10616,7 +10616,7 @@
           <p:cNvPr id="3" name="Inhaltsplatzhalter 2">
             <a:extLst>
               <a:ext uri="{FF2B5EF4-FFF2-40B4-BE49-F238E27FC236}">
-                <a16:creationId xmlns:a16="http://schemas.microsoft.com/office/drawing/2014/main" xmlns="" id="{23B1A03A-CC3A-4FDE-A696-B1690AB8D1FB}"/>
+                <a16:creationId xmlns="" xmlns:a16="http://schemas.microsoft.com/office/drawing/2014/main" id="{23B1A03A-CC3A-4FDE-A696-B1690AB8D1FB}"/>
               </a:ext>
             </a:extLst>
           </p:cNvPr>
@@ -10716,7 +10716,7 @@
           <p:cNvPr id="2" name="Title 1">
             <a:extLst>
               <a:ext uri="{FF2B5EF4-FFF2-40B4-BE49-F238E27FC236}">
-                <a16:creationId xmlns:a16="http://schemas.microsoft.com/office/drawing/2014/main" xmlns="" id="{B8926472-0B6D-4DBA-B9D8-AE480BB4A588}"/>
+                <a16:creationId xmlns="" xmlns:a16="http://schemas.microsoft.com/office/drawing/2014/main" id="{B8926472-0B6D-4DBA-B9D8-AE480BB4A588}"/>
               </a:ext>
             </a:extLst>
           </p:cNvPr>
@@ -10744,7 +10744,7 @@
           <p:cNvPr id="3" name="Content Placeholder 2">
             <a:extLst>
               <a:ext uri="{FF2B5EF4-FFF2-40B4-BE49-F238E27FC236}">
-                <a16:creationId xmlns:a16="http://schemas.microsoft.com/office/drawing/2014/main" xmlns="" id="{B2BEA341-25A6-4BFD-8C2D-09324CED02DC}"/>
+                <a16:creationId xmlns="" xmlns:a16="http://schemas.microsoft.com/office/drawing/2014/main" id="{B2BEA341-25A6-4BFD-8C2D-09324CED02DC}"/>
               </a:ext>
             </a:extLst>
           </p:cNvPr>
@@ -10809,7 +10809,7 @@
           <p:cNvPr id="6" name="Picture 2" descr="Bildergebnis für firebase">
             <a:extLst>
               <a:ext uri="{FF2B5EF4-FFF2-40B4-BE49-F238E27FC236}">
-                <a16:creationId xmlns:a16="http://schemas.microsoft.com/office/drawing/2014/main" xmlns="" id="{B018AA13-8CC0-4DB7-A8C8-D339E9944EB3}"/>
+                <a16:creationId xmlns="" xmlns:a16="http://schemas.microsoft.com/office/drawing/2014/main" id="{B018AA13-8CC0-4DB7-A8C8-D339E9944EB3}"/>
               </a:ext>
             </a:extLst>
           </p:cNvPr>
@@ -10856,7 +10856,7 @@
           <p:cNvPr id="5" name="Grafik 4" descr="Bildschirmausschnitt">
             <a:extLst>
               <a:ext uri="{FF2B5EF4-FFF2-40B4-BE49-F238E27FC236}">
-                <a16:creationId xmlns:a16="http://schemas.microsoft.com/office/drawing/2014/main" xmlns="" id="{2A0214D9-CCA7-4D11-BD3B-551A214DB73B}"/>
+                <a16:creationId xmlns="" xmlns:a16="http://schemas.microsoft.com/office/drawing/2014/main" id="{2A0214D9-CCA7-4D11-BD3B-551A214DB73B}"/>
               </a:ext>
             </a:extLst>
           </p:cNvPr>
@@ -10892,7 +10892,7 @@
           <p:cNvPr id="8" name="Grafik 7" descr="Bildschirmausschnitt">
             <a:extLst>
               <a:ext uri="{FF2B5EF4-FFF2-40B4-BE49-F238E27FC236}">
-                <a16:creationId xmlns:a16="http://schemas.microsoft.com/office/drawing/2014/main" xmlns="" id="{5D6617F5-01C2-4E85-BF55-AF9C5A8C90F0}"/>
+                <a16:creationId xmlns="" xmlns:a16="http://schemas.microsoft.com/office/drawing/2014/main" id="{5D6617F5-01C2-4E85-BF55-AF9C5A8C90F0}"/>
               </a:ext>
             </a:extLst>
           </p:cNvPr>
@@ -11078,7 +11078,7 @@
           <p:cNvPr id="2" name="Title 1">
             <a:extLst>
               <a:ext uri="{FF2B5EF4-FFF2-40B4-BE49-F238E27FC236}">
-                <a16:creationId xmlns:a16="http://schemas.microsoft.com/office/drawing/2014/main" xmlns="" id="{DE0E7C20-8818-43DE-A21C-F3601C9B2B68}"/>
+                <a16:creationId xmlns="" xmlns:a16="http://schemas.microsoft.com/office/drawing/2014/main" id="{DE0E7C20-8818-43DE-A21C-F3601C9B2B68}"/>
               </a:ext>
             </a:extLst>
           </p:cNvPr>
@@ -11106,7 +11106,7 @@
           <p:cNvPr id="3" name="Content Placeholder 2">
             <a:extLst>
               <a:ext uri="{FF2B5EF4-FFF2-40B4-BE49-F238E27FC236}">
-                <a16:creationId xmlns:a16="http://schemas.microsoft.com/office/drawing/2014/main" xmlns="" id="{12276293-5251-49E9-BEC5-22F217E344F8}"/>
+                <a16:creationId xmlns="" xmlns:a16="http://schemas.microsoft.com/office/drawing/2014/main" id="{12276293-5251-49E9-BEC5-22F217E344F8}"/>
               </a:ext>
             </a:extLst>
           </p:cNvPr>
@@ -11184,7 +11184,7 @@
           <p:cNvPr id="5" name="Picture 4">
             <a:extLst>
               <a:ext uri="{FF2B5EF4-FFF2-40B4-BE49-F238E27FC236}">
-                <a16:creationId xmlns:a16="http://schemas.microsoft.com/office/drawing/2014/main" xmlns="" id="{A77652B3-5F87-4DE2-9321-518C8FE43BF8}"/>
+                <a16:creationId xmlns="" xmlns:a16="http://schemas.microsoft.com/office/drawing/2014/main" id="{A77652B3-5F87-4DE2-9321-518C8FE43BF8}"/>
               </a:ext>
             </a:extLst>
           </p:cNvPr>
@@ -11446,20 +11446,16 @@
       </p:sp>
       <p:sp>
         <p:nvSpPr>
-          <p:cNvPr id="4" name="Textfeld 3">
-            <a:extLst>
-              <a:ext uri="{FF2B5EF4-FFF2-40B4-BE49-F238E27FC236}">
-                <a16:creationId xmlns:a16="http://schemas.microsoft.com/office/drawing/2014/main" xmlns="" id="{A01110CF-E067-4F40-A440-F9C49C4998C7}"/>
-              </a:ext>
-            </a:extLst>
-          </p:cNvPr>
-          <p:cNvSpPr txBox="1"/>
+          <p:cNvPr id="5" name="Inhaltsplatzhalter 2"/>
+          <p:cNvSpPr txBox="1">
+            <a:spLocks/>
+          </p:cNvSpPr>
           <p:nvPr/>
         </p:nvSpPr>
         <p:spPr>
           <a:xfrm>
-            <a:off x="818712" y="5789279"/>
-            <a:ext cx="11296682" cy="369332"/>
+            <a:off x="6695506" y="2222286"/>
+            <a:ext cx="4364976" cy="3636511"/>
           </a:xfrm>
           <a:prstGeom prst="rect">
             <a:avLst/>
@@ -11477,7 +11473,7 @@
             <a:normAutofit/>
           </a:bodyPr>
           <a:lstStyle>
-            <a:lvl1pPr marL="342900" indent="-342900" defTabSz="457200">
+            <a:lvl1pPr marL="342900" indent="-342900" algn="l" defTabSz="457200" rtl="0" eaLnBrk="1" latinLnBrk="0" hangingPunct="1">
               <a:spcBef>
                 <a:spcPct val="20000"/>
               </a:spcBef>
@@ -11489,8 +11485,16 @@
               </a:buClr>
               <a:buFont typeface="Wingdings 2" charset="2"/>
               <a:buChar char=""/>
+              <a:defRPr sz="1800" kern="1200">
+                <a:solidFill>
+                  <a:schemeClr val="tx1"/>
+                </a:solidFill>
+                <a:latin typeface="+mn-lt"/>
+                <a:ea typeface="+mn-ea"/>
+                <a:cs typeface="+mn-cs"/>
+              </a:defRPr>
             </a:lvl1pPr>
-            <a:lvl2pPr marL="742950" indent="-285750" defTabSz="457200">
+            <a:lvl2pPr marL="742950" indent="-285750" algn="l" defTabSz="457200" rtl="0" eaLnBrk="1" latinLnBrk="0" hangingPunct="1">
               <a:spcBef>
                 <a:spcPct val="20000"/>
               </a:spcBef>
@@ -11502,9 +11506,16 @@
               </a:buClr>
               <a:buFont typeface="Wingdings 2" charset="2"/>
               <a:buChar char=""/>
-              <a:defRPr sz="1600"/>
+              <a:defRPr sz="1600" kern="1200">
+                <a:solidFill>
+                  <a:schemeClr val="tx1"/>
+                </a:solidFill>
+                <a:latin typeface="+mn-lt"/>
+                <a:ea typeface="+mn-ea"/>
+                <a:cs typeface="+mn-cs"/>
+              </a:defRPr>
             </a:lvl2pPr>
-            <a:lvl3pPr marL="1143000" indent="-228600" defTabSz="457200">
+            <a:lvl3pPr marL="1143000" indent="-228600" algn="l" defTabSz="457200" rtl="0" eaLnBrk="1" latinLnBrk="0" hangingPunct="1">
               <a:spcBef>
                 <a:spcPct val="20000"/>
               </a:spcBef>
@@ -11516,9 +11527,16 @@
               </a:buClr>
               <a:buFont typeface="Wingdings 2" charset="2"/>
               <a:buChar char=""/>
-              <a:defRPr sz="1400"/>
+              <a:defRPr sz="1400" kern="1200">
+                <a:solidFill>
+                  <a:schemeClr val="tx1"/>
+                </a:solidFill>
+                <a:latin typeface="+mn-lt"/>
+                <a:ea typeface="+mn-ea"/>
+                <a:cs typeface="+mn-cs"/>
+              </a:defRPr>
             </a:lvl3pPr>
-            <a:lvl4pPr marL="1600200" indent="-228600" defTabSz="457200">
+            <a:lvl4pPr marL="1600200" indent="-228600" algn="l" defTabSz="457200" rtl="0" eaLnBrk="1" latinLnBrk="0" hangingPunct="1">
               <a:spcBef>
                 <a:spcPct val="20000"/>
               </a:spcBef>
@@ -11530,9 +11548,16 @@
               </a:buClr>
               <a:buFont typeface="Wingdings 2" charset="2"/>
               <a:buChar char=""/>
-              <a:defRPr sz="1200"/>
+              <a:defRPr sz="1200" kern="1200">
+                <a:solidFill>
+                  <a:schemeClr val="tx1"/>
+                </a:solidFill>
+                <a:latin typeface="+mn-lt"/>
+                <a:ea typeface="+mn-ea"/>
+                <a:cs typeface="+mn-cs"/>
+              </a:defRPr>
             </a:lvl4pPr>
-            <a:lvl5pPr marL="2057400" indent="-228600" defTabSz="457200">
+            <a:lvl5pPr marL="2057400" indent="-228600" algn="l" defTabSz="457200" rtl="0" eaLnBrk="1" latinLnBrk="0" hangingPunct="1">
               <a:spcBef>
                 <a:spcPct val="20000"/>
               </a:spcBef>
@@ -11544,9 +11569,16 @@
               </a:buClr>
               <a:buFont typeface="Wingdings 2" charset="2"/>
               <a:buChar char=""/>
-              <a:defRPr sz="1200"/>
+              <a:defRPr sz="1200" kern="1200">
+                <a:solidFill>
+                  <a:schemeClr val="tx1"/>
+                </a:solidFill>
+                <a:latin typeface="+mn-lt"/>
+                <a:ea typeface="+mn-ea"/>
+                <a:cs typeface="+mn-cs"/>
+              </a:defRPr>
             </a:lvl5pPr>
-            <a:lvl6pPr marL="2400000" indent="-228600" defTabSz="457200">
+            <a:lvl6pPr marL="2400000" indent="-228600" algn="l" defTabSz="457200" rtl="0" eaLnBrk="1" latinLnBrk="0" hangingPunct="1">
               <a:spcBef>
                 <a:spcPct val="20000"/>
               </a:spcBef>
@@ -11558,9 +11590,16 @@
               </a:buClr>
               <a:buFont typeface="Wingdings 2" charset="2"/>
               <a:buChar char=""/>
-              <a:defRPr sz="1200"/>
+              <a:defRPr sz="1200" kern="1200">
+                <a:solidFill>
+                  <a:schemeClr val="tx1"/>
+                </a:solidFill>
+                <a:latin typeface="+mn-lt"/>
+                <a:ea typeface="+mn-ea"/>
+                <a:cs typeface="+mn-cs"/>
+              </a:defRPr>
             </a:lvl6pPr>
-            <a:lvl7pPr marL="2800000" indent="-228600" defTabSz="457200">
+            <a:lvl7pPr marL="2800000" indent="-228600" algn="l" defTabSz="457200" rtl="0" eaLnBrk="1" latinLnBrk="0" hangingPunct="1">
               <a:spcBef>
                 <a:spcPct val="20000"/>
               </a:spcBef>
@@ -11572,9 +11611,16 @@
               </a:buClr>
               <a:buFont typeface="Wingdings 2" charset="2"/>
               <a:buChar char=""/>
-              <a:defRPr sz="1200"/>
+              <a:defRPr sz="1200" kern="1200">
+                <a:solidFill>
+                  <a:schemeClr val="tx1"/>
+                </a:solidFill>
+                <a:latin typeface="+mn-lt"/>
+                <a:ea typeface="+mn-ea"/>
+                <a:cs typeface="+mn-cs"/>
+              </a:defRPr>
             </a:lvl7pPr>
-            <a:lvl8pPr marL="3200000" indent="-228600" defTabSz="457200">
+            <a:lvl8pPr marL="3200000" indent="-228600" algn="l" defTabSz="457200" rtl="0" eaLnBrk="1" latinLnBrk="0" hangingPunct="1">
               <a:spcBef>
                 <a:spcPct val="20000"/>
               </a:spcBef>
@@ -11586,9 +11632,16 @@
               </a:buClr>
               <a:buFont typeface="Wingdings 2" charset="2"/>
               <a:buChar char=""/>
-              <a:defRPr sz="1200"/>
+              <a:defRPr sz="1200" kern="1200">
+                <a:solidFill>
+                  <a:schemeClr val="tx1"/>
+                </a:solidFill>
+                <a:latin typeface="+mn-lt"/>
+                <a:ea typeface="+mn-ea"/>
+                <a:cs typeface="+mn-cs"/>
+              </a:defRPr>
             </a:lvl8pPr>
-            <a:lvl9pPr marL="3600000" indent="-228600" defTabSz="457200">
+            <a:lvl9pPr marL="3600000" indent="-228600" algn="l" defTabSz="457200" rtl="0" eaLnBrk="1" latinLnBrk="0" hangingPunct="1">
               <a:spcBef>
                 <a:spcPct val="20000"/>
               </a:spcBef>
@@ -11600,17 +11653,36 @@
               </a:buClr>
               <a:buFont typeface="Wingdings 2" charset="2"/>
               <a:buChar char=""/>
-              <a:defRPr sz="1200"/>
+              <a:defRPr sz="1200" kern="1200">
+                <a:solidFill>
+                  <a:schemeClr val="tx1"/>
+                </a:solidFill>
+                <a:latin typeface="+mn-lt"/>
+                <a:ea typeface="+mn-ea"/>
+                <a:cs typeface="+mn-cs"/>
+              </a:defRPr>
             </a:lvl9pPr>
           </a:lstStyle>
           <a:p>
-            <a:pPr marL="0" indent="0">
-              <a:buNone/>
-            </a:pPr>
-            <a:r>
-              <a:rPr lang="de-CH" dirty="0"/>
-              <a:t>Gute Kommunikation und Arbeitsaufteilung sind die wesentlichsten Punkte für ein gutes Ergebnis.</a:t>
-            </a:r>
+            <a:r>
+              <a:rPr lang="de-CH" dirty="0" smtClean="0"/>
+              <a:t>Probleme: </a:t>
+            </a:r>
+          </a:p>
+          <a:p>
+            <a:pPr lvl="1"/>
+            <a:r>
+              <a:rPr lang="de-CH" dirty="0" smtClean="0"/>
+              <a:t>Arbeitsaufteilung</a:t>
+            </a:r>
+          </a:p>
+          <a:p>
+            <a:pPr lvl="1"/>
+            <a:r>
+              <a:rPr lang="de-CH" smtClean="0"/>
+              <a:t>Zeitdruck</a:t>
+            </a:r>
+            <a:endParaRPr lang="de-CH" dirty="0" smtClean="0"/>
           </a:p>
         </p:txBody>
       </p:sp>
@@ -12875,7 +12947,7 @@
           <p:cNvPr id="3" name="Inhaltsplatzhalter 2">
             <a:extLst>
               <a:ext uri="{FF2B5EF4-FFF2-40B4-BE49-F238E27FC236}">
-                <a16:creationId xmlns:a16="http://schemas.microsoft.com/office/drawing/2014/main" xmlns="" id="{B1AF1FFC-5E6C-4479-823F-3AB29798F86A}"/>
+                <a16:creationId xmlns="" xmlns:a16="http://schemas.microsoft.com/office/drawing/2014/main" id="{B1AF1FFC-5E6C-4479-823F-3AB29798F86A}"/>
               </a:ext>
             </a:extLst>
           </p:cNvPr>
@@ -13468,7 +13540,7 @@
           <p:cNvPr id="2" name="Titel 1">
             <a:extLst>
               <a:ext uri="{FF2B5EF4-FFF2-40B4-BE49-F238E27FC236}">
-                <a16:creationId xmlns:a16="http://schemas.microsoft.com/office/drawing/2014/main" xmlns="" id="{B3879566-10F2-46D1-AAC1-9399851CDD2E}"/>
+                <a16:creationId xmlns="" xmlns:a16="http://schemas.microsoft.com/office/drawing/2014/main" id="{B3879566-10F2-46D1-AAC1-9399851CDD2E}"/>
               </a:ext>
             </a:extLst>
           </p:cNvPr>
@@ -13496,7 +13568,7 @@
           <p:cNvPr id="5" name="Inhaltsplatzhalter 4" descr="Bildschirmausschnitt">
             <a:extLst>
               <a:ext uri="{FF2B5EF4-FFF2-40B4-BE49-F238E27FC236}">
-                <a16:creationId xmlns:a16="http://schemas.microsoft.com/office/drawing/2014/main" xmlns="" id="{FD03C051-23A3-43DE-B001-07A531E83361}"/>
+                <a16:creationId xmlns="" xmlns:a16="http://schemas.microsoft.com/office/drawing/2014/main" id="{FD03C051-23A3-43DE-B001-07A531E83361}"/>
               </a:ext>
             </a:extLst>
           </p:cNvPr>

--- a/Dokuordner/ENTERTAINNET.pptx
+++ b/Dokuordner/ENTERTAINNET.pptx
@@ -1371,6 +1371,137 @@
 </p:notes>
 </file>
 
+<file path=ppt/notesSlides/notesSlide8.xml><?xml version="1.0" encoding="utf-8"?>
+<p:notes xmlns:a="http://schemas.openxmlformats.org/drawingml/2006/main" xmlns:r="http://schemas.openxmlformats.org/officeDocument/2006/relationships" xmlns:p="http://schemas.openxmlformats.org/presentationml/2006/main">
+  <p:cSld>
+    <p:spTree>
+      <p:nvGrpSpPr>
+        <p:cNvPr id="1" name=""/>
+        <p:cNvGrpSpPr/>
+        <p:nvPr/>
+      </p:nvGrpSpPr>
+      <p:grpSpPr>
+        <a:xfrm>
+          <a:off x="0" y="0"/>
+          <a:ext cx="0" cy="0"/>
+          <a:chOff x="0" y="0"/>
+          <a:chExt cx="0" cy="0"/>
+        </a:xfrm>
+      </p:grpSpPr>
+      <p:sp>
+        <p:nvSpPr>
+          <p:cNvPr id="2" name="Folienbildplatzhalter 1"/>
+          <p:cNvSpPr>
+            <a:spLocks noGrp="1" noRot="1" noChangeAspect="1"/>
+          </p:cNvSpPr>
+          <p:nvPr>
+            <p:ph type="sldImg"/>
+          </p:nvPr>
+        </p:nvSpPr>
+        <p:spPr/>
+      </p:sp>
+      <p:sp>
+        <p:nvSpPr>
+          <p:cNvPr id="3" name="Notizenplatzhalter 2"/>
+          <p:cNvSpPr>
+            <a:spLocks noGrp="1"/>
+          </p:cNvSpPr>
+          <p:nvPr>
+            <p:ph type="body" idx="1"/>
+          </p:nvPr>
+        </p:nvSpPr>
+        <p:spPr/>
+        <p:txBody>
+          <a:bodyPr/>
+          <a:lstStyle/>
+          <a:p>
+            <a:r>
+              <a:rPr lang="de-CH" dirty="0"/>
+              <a:t>Projekt </a:t>
+            </a:r>
+            <a:r>
+              <a:rPr lang="de-CH" dirty="0" err="1"/>
+              <a:t>Managment</a:t>
+            </a:r>
+            <a:r>
+              <a:rPr lang="de-CH" dirty="0"/>
+              <a:t> mit </a:t>
+            </a:r>
+            <a:r>
+              <a:rPr lang="de-CH" dirty="0" err="1"/>
+              <a:t>Scrum</a:t>
+            </a:r>
+            <a:r>
+              <a:rPr lang="de-CH" dirty="0"/>
+              <a:t> umsetzen und lernen</a:t>
+            </a:r>
+          </a:p>
+          <a:p>
+            <a:r>
+              <a:rPr lang="de-CH" dirty="0"/>
+              <a:t>Aufgaben aufteilen</a:t>
+            </a:r>
+          </a:p>
+          <a:p>
+            <a:r>
+              <a:rPr lang="de-CH" dirty="0" err="1"/>
+              <a:t>Firebase</a:t>
+            </a:r>
+            <a:r>
+              <a:rPr lang="de-CH" dirty="0"/>
+              <a:t> anwenden</a:t>
+            </a:r>
+          </a:p>
+          <a:p>
+            <a:r>
+              <a:rPr lang="de-CH" dirty="0"/>
+              <a:t>Android programmieren</a:t>
+            </a:r>
+          </a:p>
+          <a:p>
+            <a:r>
+              <a:rPr lang="de-CH" dirty="0"/>
+              <a:t>Meetings protokollieren</a:t>
+            </a:r>
+          </a:p>
+        </p:txBody>
+      </p:sp>
+      <p:sp>
+        <p:nvSpPr>
+          <p:cNvPr id="4" name="Foliennummernplatzhalter 3"/>
+          <p:cNvSpPr>
+            <a:spLocks noGrp="1"/>
+          </p:cNvSpPr>
+          <p:nvPr>
+            <p:ph type="sldNum" sz="quarter" idx="10"/>
+          </p:nvPr>
+        </p:nvSpPr>
+        <p:spPr/>
+        <p:txBody>
+          <a:bodyPr/>
+          <a:lstStyle/>
+          <a:p>
+            <a:fld id="{23B53A39-F8C4-42E7-B074-50977E7B65ED}" type="slidenum">
+              <a:rPr lang="de-CH" smtClean="0"/>
+              <a:t>16</a:t>
+            </a:fld>
+            <a:endParaRPr lang="de-CH"/>
+          </a:p>
+        </p:txBody>
+      </p:sp>
+    </p:spTree>
+    <p:extLst>
+      <p:ext uri="{BB962C8B-B14F-4D97-AF65-F5344CB8AC3E}">
+        <p14:creationId xmlns:p14="http://schemas.microsoft.com/office/powerpoint/2010/main" val="3791603001"/>
+      </p:ext>
+    </p:extLst>
+  </p:cSld>
+  <p:clrMapOvr>
+    <a:masterClrMapping/>
+  </p:clrMapOvr>
+</p:notes>
+</file>
+
 <file path=ppt/slideLayouts/slideLayout1.xml><?xml version="1.0" encoding="utf-8"?>
 <p:sldLayout xmlns:a="http://schemas.openxmlformats.org/drawingml/2006/main" xmlns:r="http://schemas.openxmlformats.org/officeDocument/2006/relationships" xmlns:p="http://schemas.openxmlformats.org/presentationml/2006/main" type="title" preserve="1">
   <p:cSld name="Titelfolie">
@@ -1466,7 +1597,7 @@
           <a:effectLst/>
           <a:extLst>
             <a:ext uri="{91240B29-F687-4f45-9708-019B960494DF}">
-              <a14:hiddenLine xmlns="" xmlns:a14="http://schemas.microsoft.com/office/drawing/2010/main" w="9525">
+              <a14:hiddenLine xmlns:a14="http://schemas.microsoft.com/office/drawing/2010/main" xmlns="" w="9525">
                 <a:solidFill>
                   <a:srgbClr val="000000"/>
                 </a:solidFill>
@@ -2988,7 +3119,7 @@
           <a:ln/>
           <a:extLst>
             <a:ext uri="{91240B29-F687-4f45-9708-019B960494DF}">
-              <a14:hiddenLine xmlns="" xmlns:a14="http://schemas.microsoft.com/office/drawing/2010/main" w="9525">
+              <a14:hiddenLine xmlns:a14="http://schemas.microsoft.com/office/drawing/2010/main" xmlns="" w="9525">
                 <a:solidFill>
                   <a:srgbClr val="000000"/>
                 </a:solidFill>
@@ -3263,7 +3394,7 @@
           <a:ln/>
           <a:extLst>
             <a:ext uri="{91240B29-F687-4f45-9708-019B960494DF}">
-              <a14:hiddenLine xmlns="" xmlns:a14="http://schemas.microsoft.com/office/drawing/2010/main" w="9525">
+              <a14:hiddenLine xmlns:a14="http://schemas.microsoft.com/office/drawing/2010/main" xmlns="" w="9525">
                 <a:solidFill>
                   <a:srgbClr val="000000"/>
                 </a:solidFill>
@@ -3546,7 +3677,7 @@
           <a:ln/>
           <a:extLst>
             <a:ext uri="{91240B29-F687-4f45-9708-019B960494DF}">
-              <a14:hiddenLine xmlns="" xmlns:a14="http://schemas.microsoft.com/office/drawing/2010/main" w="9525">
+              <a14:hiddenLine xmlns:a14="http://schemas.microsoft.com/office/drawing/2010/main" xmlns="" w="9525">
                 <a:solidFill>
                   <a:srgbClr val="000000"/>
                 </a:solidFill>
@@ -4267,7 +4398,7 @@
           <a:ln/>
           <a:extLst>
             <a:ext uri="{91240B29-F687-4f45-9708-019B960494DF}">
-              <a14:hiddenLine xmlns="" xmlns:a14="http://schemas.microsoft.com/office/drawing/2010/main" w="9525">
+              <a14:hiddenLine xmlns:a14="http://schemas.microsoft.com/office/drawing/2010/main" xmlns="" w="9525">
                 <a:solidFill>
                   <a:srgbClr val="000000"/>
                 </a:solidFill>
@@ -4606,7 +4737,7 @@
           <a:ln/>
           <a:extLst>
             <a:ext uri="{91240B29-F687-4f45-9708-019B960494DF}">
-              <a14:hiddenLine xmlns="" xmlns:a14="http://schemas.microsoft.com/office/drawing/2010/main" w="9525">
+              <a14:hiddenLine xmlns:a14="http://schemas.microsoft.com/office/drawing/2010/main" xmlns="" w="9525">
                 <a:solidFill>
                   <a:srgbClr val="000000"/>
                 </a:solidFill>
@@ -5083,7 +5214,7 @@
           <a:ln/>
           <a:extLst>
             <a:ext uri="{91240B29-F687-4f45-9708-019B960494DF}">
-              <a14:hiddenLine xmlns="" xmlns:a14="http://schemas.microsoft.com/office/drawing/2010/main" w="9525">
+              <a14:hiddenLine xmlns:a14="http://schemas.microsoft.com/office/drawing/2010/main" xmlns="" w="9525">
                 <a:solidFill>
                   <a:srgbClr val="000000"/>
                 </a:solidFill>
@@ -5512,7 +5643,7 @@
           <a:ln/>
           <a:extLst>
             <a:ext uri="{91240B29-F687-4f45-9708-019B960494DF}">
-              <a14:hiddenLine xmlns="" xmlns:a14="http://schemas.microsoft.com/office/drawing/2010/main" w="9525">
+              <a14:hiddenLine xmlns:a14="http://schemas.microsoft.com/office/drawing/2010/main" xmlns="" w="9525">
                 <a:solidFill>
                   <a:srgbClr val="000000"/>
                 </a:solidFill>
@@ -6980,63 +7111,63 @@
                 <a:gridCol w="1970898">
                   <a:extLst>
                     <a:ext uri="{9D8B030D-6E8A-4147-A177-3AD203B41FA5}">
-                      <a16:colId xmlns="" xmlns:a16="http://schemas.microsoft.com/office/drawing/2014/main" val="20000"/>
+                      <a16:colId xmlns:a16="http://schemas.microsoft.com/office/drawing/2014/main" val="20000"/>
                     </a:ext>
                   </a:extLst>
                 </a:gridCol>
                 <a:gridCol w="120408">
                   <a:extLst>
                     <a:ext uri="{9D8B030D-6E8A-4147-A177-3AD203B41FA5}">
-                      <a16:colId xmlns="" xmlns:a16="http://schemas.microsoft.com/office/drawing/2014/main" val="20001"/>
+                      <a16:colId xmlns:a16="http://schemas.microsoft.com/office/drawing/2014/main" val="20001"/>
                     </a:ext>
                   </a:extLst>
                 </a:gridCol>
                 <a:gridCol w="804836">
                   <a:extLst>
                     <a:ext uri="{9D8B030D-6E8A-4147-A177-3AD203B41FA5}">
-                      <a16:colId xmlns="" xmlns:a16="http://schemas.microsoft.com/office/drawing/2014/main" val="20002"/>
+                      <a16:colId xmlns:a16="http://schemas.microsoft.com/office/drawing/2014/main" val="20002"/>
                     </a:ext>
                   </a:extLst>
                 </a:gridCol>
                 <a:gridCol w="804836">
                   <a:extLst>
                     <a:ext uri="{9D8B030D-6E8A-4147-A177-3AD203B41FA5}">
-                      <a16:colId xmlns="" xmlns:a16="http://schemas.microsoft.com/office/drawing/2014/main" val="20003"/>
+                      <a16:colId xmlns:a16="http://schemas.microsoft.com/office/drawing/2014/main" val="20003"/>
                     </a:ext>
                   </a:extLst>
                 </a:gridCol>
                 <a:gridCol w="804836">
                   <a:extLst>
                     <a:ext uri="{9D8B030D-6E8A-4147-A177-3AD203B41FA5}">
-                      <a16:colId xmlns="" xmlns:a16="http://schemas.microsoft.com/office/drawing/2014/main" val="20004"/>
+                      <a16:colId xmlns:a16="http://schemas.microsoft.com/office/drawing/2014/main" val="20004"/>
                     </a:ext>
                   </a:extLst>
                 </a:gridCol>
                 <a:gridCol w="804836">
                   <a:extLst>
                     <a:ext uri="{9D8B030D-6E8A-4147-A177-3AD203B41FA5}">
-                      <a16:colId xmlns="" xmlns:a16="http://schemas.microsoft.com/office/drawing/2014/main" val="20005"/>
+                      <a16:colId xmlns:a16="http://schemas.microsoft.com/office/drawing/2014/main" val="20005"/>
                     </a:ext>
                   </a:extLst>
                 </a:gridCol>
                 <a:gridCol w="804836">
                   <a:extLst>
                     <a:ext uri="{9D8B030D-6E8A-4147-A177-3AD203B41FA5}">
-                      <a16:colId xmlns="" xmlns:a16="http://schemas.microsoft.com/office/drawing/2014/main" val="20006"/>
+                      <a16:colId xmlns:a16="http://schemas.microsoft.com/office/drawing/2014/main" val="20006"/>
                     </a:ext>
                   </a:extLst>
                 </a:gridCol>
                 <a:gridCol w="802723">
                   <a:extLst>
                     <a:ext uri="{9D8B030D-6E8A-4147-A177-3AD203B41FA5}">
-                      <a16:colId xmlns="" xmlns:a16="http://schemas.microsoft.com/office/drawing/2014/main" val="20007"/>
+                      <a16:colId xmlns:a16="http://schemas.microsoft.com/office/drawing/2014/main" val="20007"/>
                     </a:ext>
                   </a:extLst>
                 </a:gridCol>
                 <a:gridCol w="802723">
                   <a:extLst>
                     <a:ext uri="{9D8B030D-6E8A-4147-A177-3AD203B41FA5}">
-                      <a16:colId xmlns="" xmlns:a16="http://schemas.microsoft.com/office/drawing/2014/main" val="20008"/>
+                      <a16:colId xmlns:a16="http://schemas.microsoft.com/office/drawing/2014/main" val="20008"/>
                     </a:ext>
                   </a:extLst>
                 </a:gridCol>
@@ -7251,7 +7382,7 @@
                 </a:tc>
                 <a:extLst>
                   <a:ext uri="{0D108BD9-81ED-4DB2-BD59-A6C34878D82A}">
-                    <a16:rowId xmlns="" xmlns:a16="http://schemas.microsoft.com/office/drawing/2014/main" val="10000"/>
+                    <a16:rowId xmlns:a16="http://schemas.microsoft.com/office/drawing/2014/main" val="10000"/>
                   </a:ext>
                 </a:extLst>
               </a:tr>
@@ -7465,7 +7596,7 @@
                 </a:tc>
                 <a:extLst>
                   <a:ext uri="{0D108BD9-81ED-4DB2-BD59-A6C34878D82A}">
-                    <a16:rowId xmlns="" xmlns:a16="http://schemas.microsoft.com/office/drawing/2014/main" val="10001"/>
+                    <a16:rowId xmlns:a16="http://schemas.microsoft.com/office/drawing/2014/main" val="10001"/>
                   </a:ext>
                 </a:extLst>
               </a:tr>
@@ -7679,7 +7810,7 @@
                 </a:tc>
                 <a:extLst>
                   <a:ext uri="{0D108BD9-81ED-4DB2-BD59-A6C34878D82A}">
-                    <a16:rowId xmlns="" xmlns:a16="http://schemas.microsoft.com/office/drawing/2014/main" val="10002"/>
+                    <a16:rowId xmlns:a16="http://schemas.microsoft.com/office/drawing/2014/main" val="10002"/>
                   </a:ext>
                 </a:extLst>
               </a:tr>
@@ -7893,7 +8024,7 @@
                 </a:tc>
                 <a:extLst>
                   <a:ext uri="{0D108BD9-81ED-4DB2-BD59-A6C34878D82A}">
-                    <a16:rowId xmlns="" xmlns:a16="http://schemas.microsoft.com/office/drawing/2014/main" val="10003"/>
+                    <a16:rowId xmlns:a16="http://schemas.microsoft.com/office/drawing/2014/main" val="10003"/>
                   </a:ext>
                 </a:extLst>
               </a:tr>
@@ -8107,7 +8238,7 @@
                 </a:tc>
                 <a:extLst>
                   <a:ext uri="{0D108BD9-81ED-4DB2-BD59-A6C34878D82A}">
-                    <a16:rowId xmlns="" xmlns:a16="http://schemas.microsoft.com/office/drawing/2014/main" val="10004"/>
+                    <a16:rowId xmlns:a16="http://schemas.microsoft.com/office/drawing/2014/main" val="10004"/>
                   </a:ext>
                 </a:extLst>
               </a:tr>
@@ -8321,7 +8452,7 @@
                 </a:tc>
                 <a:extLst>
                   <a:ext uri="{0D108BD9-81ED-4DB2-BD59-A6C34878D82A}">
-                    <a16:rowId xmlns="" xmlns:a16="http://schemas.microsoft.com/office/drawing/2014/main" val="10005"/>
+                    <a16:rowId xmlns:a16="http://schemas.microsoft.com/office/drawing/2014/main" val="10005"/>
                   </a:ext>
                 </a:extLst>
               </a:tr>
@@ -8535,7 +8666,7 @@
                 </a:tc>
                 <a:extLst>
                   <a:ext uri="{0D108BD9-81ED-4DB2-BD59-A6C34878D82A}">
-                    <a16:rowId xmlns="" xmlns:a16="http://schemas.microsoft.com/office/drawing/2014/main" val="10006"/>
+                    <a16:rowId xmlns:a16="http://schemas.microsoft.com/office/drawing/2014/main" val="10006"/>
                   </a:ext>
                 </a:extLst>
               </a:tr>
@@ -8749,7 +8880,7 @@
                 </a:tc>
                 <a:extLst>
                   <a:ext uri="{0D108BD9-81ED-4DB2-BD59-A6C34878D82A}">
-                    <a16:rowId xmlns="" xmlns:a16="http://schemas.microsoft.com/office/drawing/2014/main" val="10007"/>
+                    <a16:rowId xmlns:a16="http://schemas.microsoft.com/office/drawing/2014/main" val="10007"/>
                   </a:ext>
                 </a:extLst>
               </a:tr>
@@ -8963,7 +9094,7 @@
                 </a:tc>
                 <a:extLst>
                   <a:ext uri="{0D108BD9-81ED-4DB2-BD59-A6C34878D82A}">
-                    <a16:rowId xmlns="" xmlns:a16="http://schemas.microsoft.com/office/drawing/2014/main" val="10008"/>
+                    <a16:rowId xmlns:a16="http://schemas.microsoft.com/office/drawing/2014/main" val="10008"/>
                   </a:ext>
                 </a:extLst>
               </a:tr>
@@ -9177,7 +9308,7 @@
                 </a:tc>
                 <a:extLst>
                   <a:ext uri="{0D108BD9-81ED-4DB2-BD59-A6C34878D82A}">
-                    <a16:rowId xmlns="" xmlns:a16="http://schemas.microsoft.com/office/drawing/2014/main" val="10009"/>
+                    <a16:rowId xmlns:a16="http://schemas.microsoft.com/office/drawing/2014/main" val="10009"/>
                   </a:ext>
                 </a:extLst>
               </a:tr>
@@ -9242,7 +9373,7 @@
           <p:cNvPr id="5" name="Inhaltsplatzhalter 4">
             <a:extLst>
               <a:ext uri="{FF2B5EF4-FFF2-40B4-BE49-F238E27FC236}">
-                <a16:creationId xmlns="" xmlns:a16="http://schemas.microsoft.com/office/drawing/2014/main" id="{FF7FE7BC-62B1-42C8-9148-87CD73684683}"/>
+                <a16:creationId xmlns:a16="http://schemas.microsoft.com/office/drawing/2014/main" id="{FF7FE7BC-62B1-42C8-9148-87CD73684683}"/>
               </a:ext>
             </a:extLst>
           </p:cNvPr>
@@ -9272,70 +9403,70 @@
                 <a:gridCol w="334501">
                   <a:extLst>
                     <a:ext uri="{9D8B030D-6E8A-4147-A177-3AD203B41FA5}">
-                      <a16:colId xmlns="" xmlns:a16="http://schemas.microsoft.com/office/drawing/2014/main" val="1756958949"/>
+                      <a16:colId xmlns:a16="http://schemas.microsoft.com/office/drawing/2014/main" val="1756958949"/>
                     </a:ext>
                   </a:extLst>
                 </a:gridCol>
                 <a:gridCol w="1614835">
                   <a:extLst>
                     <a:ext uri="{9D8B030D-6E8A-4147-A177-3AD203B41FA5}">
-                      <a16:colId xmlns="" xmlns:a16="http://schemas.microsoft.com/office/drawing/2014/main" val="2119582681"/>
+                      <a16:colId xmlns:a16="http://schemas.microsoft.com/office/drawing/2014/main" val="2119582681"/>
                     </a:ext>
                   </a:extLst>
                 </a:gridCol>
                 <a:gridCol w="2030078">
                   <a:extLst>
                     <a:ext uri="{9D8B030D-6E8A-4147-A177-3AD203B41FA5}">
-                      <a16:colId xmlns="" xmlns:a16="http://schemas.microsoft.com/office/drawing/2014/main" val="309405549"/>
+                      <a16:colId xmlns:a16="http://schemas.microsoft.com/office/drawing/2014/main" val="309405549"/>
                     </a:ext>
                   </a:extLst>
                 </a:gridCol>
                 <a:gridCol w="3506498">
                   <a:extLst>
                     <a:ext uri="{9D8B030D-6E8A-4147-A177-3AD203B41FA5}">
-                      <a16:colId xmlns="" xmlns:a16="http://schemas.microsoft.com/office/drawing/2014/main" val="617832737"/>
+                      <a16:colId xmlns:a16="http://schemas.microsoft.com/office/drawing/2014/main" val="617832737"/>
                     </a:ext>
                   </a:extLst>
                 </a:gridCol>
                 <a:gridCol w="296429">
                   <a:extLst>
                     <a:ext uri="{9D8B030D-6E8A-4147-A177-3AD203B41FA5}">
-                      <a16:colId xmlns="" xmlns:a16="http://schemas.microsoft.com/office/drawing/2014/main" val="2844262930"/>
+                      <a16:colId xmlns:a16="http://schemas.microsoft.com/office/drawing/2014/main" val="2844262930"/>
                     </a:ext>
                   </a:extLst>
                 </a:gridCol>
                 <a:gridCol w="327991">
                   <a:extLst>
                     <a:ext uri="{9D8B030D-6E8A-4147-A177-3AD203B41FA5}">
-                      <a16:colId xmlns="" xmlns:a16="http://schemas.microsoft.com/office/drawing/2014/main" val="3985694485"/>
+                      <a16:colId xmlns:a16="http://schemas.microsoft.com/office/drawing/2014/main" val="3985694485"/>
                     </a:ext>
                   </a:extLst>
                 </a:gridCol>
                 <a:gridCol w="337931">
                   <a:extLst>
                     <a:ext uri="{9D8B030D-6E8A-4147-A177-3AD203B41FA5}">
-                      <a16:colId xmlns="" xmlns:a16="http://schemas.microsoft.com/office/drawing/2014/main" val="936486431"/>
+                      <a16:colId xmlns:a16="http://schemas.microsoft.com/office/drawing/2014/main" val="936486431"/>
                     </a:ext>
                   </a:extLst>
                 </a:gridCol>
                 <a:gridCol w="1848678">
                   <a:extLst>
                     <a:ext uri="{9D8B030D-6E8A-4147-A177-3AD203B41FA5}">
-                      <a16:colId xmlns="" xmlns:a16="http://schemas.microsoft.com/office/drawing/2014/main" val="983719914"/>
+                      <a16:colId xmlns:a16="http://schemas.microsoft.com/office/drawing/2014/main" val="983719914"/>
                     </a:ext>
                   </a:extLst>
                 </a:gridCol>
                 <a:gridCol w="954157">
                   <a:extLst>
                     <a:ext uri="{9D8B030D-6E8A-4147-A177-3AD203B41FA5}">
-                      <a16:colId xmlns="" xmlns:a16="http://schemas.microsoft.com/office/drawing/2014/main" val="2979302150"/>
+                      <a16:colId xmlns:a16="http://schemas.microsoft.com/office/drawing/2014/main" val="2979302150"/>
                     </a:ext>
                   </a:extLst>
                 </a:gridCol>
                 <a:gridCol w="940904">
                   <a:extLst>
                     <a:ext uri="{9D8B030D-6E8A-4147-A177-3AD203B41FA5}">
-                      <a16:colId xmlns="" xmlns:a16="http://schemas.microsoft.com/office/drawing/2014/main" val="3779189737"/>
+                      <a16:colId xmlns:a16="http://schemas.microsoft.com/office/drawing/2014/main" val="3779189737"/>
                     </a:ext>
                   </a:extLst>
                 </a:gridCol>
@@ -9573,7 +9704,7 @@
                 </a:tc>
                 <a:extLst>
                   <a:ext uri="{0D108BD9-81ED-4DB2-BD59-A6C34878D82A}">
-                    <a16:rowId xmlns="" xmlns:a16="http://schemas.microsoft.com/office/drawing/2014/main" val="204507381"/>
+                    <a16:rowId xmlns:a16="http://schemas.microsoft.com/office/drawing/2014/main" val="204507381"/>
                   </a:ext>
                 </a:extLst>
               </a:tr>
@@ -9810,7 +9941,7 @@
                 </a:tc>
                 <a:extLst>
                   <a:ext uri="{0D108BD9-81ED-4DB2-BD59-A6C34878D82A}">
-                    <a16:rowId xmlns="" xmlns:a16="http://schemas.microsoft.com/office/drawing/2014/main" val="2099330729"/>
+                    <a16:rowId xmlns:a16="http://schemas.microsoft.com/office/drawing/2014/main" val="2099330729"/>
                   </a:ext>
                 </a:extLst>
               </a:tr>
@@ -10071,7 +10202,7 @@
                 </a:tc>
                 <a:extLst>
                   <a:ext uri="{0D108BD9-81ED-4DB2-BD59-A6C34878D82A}">
-                    <a16:rowId xmlns="" xmlns:a16="http://schemas.microsoft.com/office/drawing/2014/main" val="1504547318"/>
+                    <a16:rowId xmlns:a16="http://schemas.microsoft.com/office/drawing/2014/main" val="1504547318"/>
                   </a:ext>
                 </a:extLst>
               </a:tr>
@@ -10308,7 +10439,7 @@
                 </a:tc>
                 <a:extLst>
                   <a:ext uri="{0D108BD9-81ED-4DB2-BD59-A6C34878D82A}">
-                    <a16:rowId xmlns="" xmlns:a16="http://schemas.microsoft.com/office/drawing/2014/main" val="137664474"/>
+                    <a16:rowId xmlns:a16="http://schemas.microsoft.com/office/drawing/2014/main" val="137664474"/>
                   </a:ext>
                 </a:extLst>
               </a:tr>
@@ -10545,7 +10676,7 @@
                 </a:tc>
                 <a:extLst>
                   <a:ext uri="{0D108BD9-81ED-4DB2-BD59-A6C34878D82A}">
-                    <a16:rowId xmlns="" xmlns:a16="http://schemas.microsoft.com/office/drawing/2014/main" val="943865118"/>
+                    <a16:rowId xmlns:a16="http://schemas.microsoft.com/office/drawing/2014/main" val="943865118"/>
                   </a:ext>
                 </a:extLst>
               </a:tr>
@@ -10588,7 +10719,7 @@
           <p:cNvPr id="2" name="Titel 1">
             <a:extLst>
               <a:ext uri="{FF2B5EF4-FFF2-40B4-BE49-F238E27FC236}">
-                <a16:creationId xmlns="" xmlns:a16="http://schemas.microsoft.com/office/drawing/2014/main" id="{0FB79353-3051-490F-BF9B-7E718EAFD1B7}"/>
+                <a16:creationId xmlns:a16="http://schemas.microsoft.com/office/drawing/2014/main" id="{0FB79353-3051-490F-BF9B-7E718EAFD1B7}"/>
               </a:ext>
             </a:extLst>
           </p:cNvPr>
@@ -10616,7 +10747,7 @@
           <p:cNvPr id="3" name="Inhaltsplatzhalter 2">
             <a:extLst>
               <a:ext uri="{FF2B5EF4-FFF2-40B4-BE49-F238E27FC236}">
-                <a16:creationId xmlns="" xmlns:a16="http://schemas.microsoft.com/office/drawing/2014/main" id="{23B1A03A-CC3A-4FDE-A696-B1690AB8D1FB}"/>
+                <a16:creationId xmlns:a16="http://schemas.microsoft.com/office/drawing/2014/main" id="{23B1A03A-CC3A-4FDE-A696-B1690AB8D1FB}"/>
               </a:ext>
             </a:extLst>
           </p:cNvPr>
@@ -10716,7 +10847,7 @@
           <p:cNvPr id="2" name="Title 1">
             <a:extLst>
               <a:ext uri="{FF2B5EF4-FFF2-40B4-BE49-F238E27FC236}">
-                <a16:creationId xmlns="" xmlns:a16="http://schemas.microsoft.com/office/drawing/2014/main" id="{B8926472-0B6D-4DBA-B9D8-AE480BB4A588}"/>
+                <a16:creationId xmlns:a16="http://schemas.microsoft.com/office/drawing/2014/main" id="{B8926472-0B6D-4DBA-B9D8-AE480BB4A588}"/>
               </a:ext>
             </a:extLst>
           </p:cNvPr>
@@ -10744,7 +10875,7 @@
           <p:cNvPr id="3" name="Content Placeholder 2">
             <a:extLst>
               <a:ext uri="{FF2B5EF4-FFF2-40B4-BE49-F238E27FC236}">
-                <a16:creationId xmlns="" xmlns:a16="http://schemas.microsoft.com/office/drawing/2014/main" id="{B2BEA341-25A6-4BFD-8C2D-09324CED02DC}"/>
+                <a16:creationId xmlns:a16="http://schemas.microsoft.com/office/drawing/2014/main" id="{B2BEA341-25A6-4BFD-8C2D-09324CED02DC}"/>
               </a:ext>
             </a:extLst>
           </p:cNvPr>
@@ -10809,7 +10940,7 @@
           <p:cNvPr id="6" name="Picture 2" descr="Bildergebnis für firebase">
             <a:extLst>
               <a:ext uri="{FF2B5EF4-FFF2-40B4-BE49-F238E27FC236}">
-                <a16:creationId xmlns="" xmlns:a16="http://schemas.microsoft.com/office/drawing/2014/main" id="{B018AA13-8CC0-4DB7-A8C8-D339E9944EB3}"/>
+                <a16:creationId xmlns:a16="http://schemas.microsoft.com/office/drawing/2014/main" id="{B018AA13-8CC0-4DB7-A8C8-D339E9944EB3}"/>
               </a:ext>
             </a:extLst>
           </p:cNvPr>
@@ -10856,7 +10987,7 @@
           <p:cNvPr id="5" name="Grafik 4" descr="Bildschirmausschnitt">
             <a:extLst>
               <a:ext uri="{FF2B5EF4-FFF2-40B4-BE49-F238E27FC236}">
-                <a16:creationId xmlns="" xmlns:a16="http://schemas.microsoft.com/office/drawing/2014/main" id="{2A0214D9-CCA7-4D11-BD3B-551A214DB73B}"/>
+                <a16:creationId xmlns:a16="http://schemas.microsoft.com/office/drawing/2014/main" id="{2A0214D9-CCA7-4D11-BD3B-551A214DB73B}"/>
               </a:ext>
             </a:extLst>
           </p:cNvPr>
@@ -10892,7 +11023,7 @@
           <p:cNvPr id="8" name="Grafik 7" descr="Bildschirmausschnitt">
             <a:extLst>
               <a:ext uri="{FF2B5EF4-FFF2-40B4-BE49-F238E27FC236}">
-                <a16:creationId xmlns="" xmlns:a16="http://schemas.microsoft.com/office/drawing/2014/main" id="{5D6617F5-01C2-4E85-BF55-AF9C5A8C90F0}"/>
+                <a16:creationId xmlns:a16="http://schemas.microsoft.com/office/drawing/2014/main" id="{5D6617F5-01C2-4E85-BF55-AF9C5A8C90F0}"/>
               </a:ext>
             </a:extLst>
           </p:cNvPr>
@@ -11078,7 +11209,7 @@
           <p:cNvPr id="2" name="Title 1">
             <a:extLst>
               <a:ext uri="{FF2B5EF4-FFF2-40B4-BE49-F238E27FC236}">
-                <a16:creationId xmlns="" xmlns:a16="http://schemas.microsoft.com/office/drawing/2014/main" id="{DE0E7C20-8818-43DE-A21C-F3601C9B2B68}"/>
+                <a16:creationId xmlns:a16="http://schemas.microsoft.com/office/drawing/2014/main" id="{DE0E7C20-8818-43DE-A21C-F3601C9B2B68}"/>
               </a:ext>
             </a:extLst>
           </p:cNvPr>
@@ -11106,7 +11237,7 @@
           <p:cNvPr id="3" name="Content Placeholder 2">
             <a:extLst>
               <a:ext uri="{FF2B5EF4-FFF2-40B4-BE49-F238E27FC236}">
-                <a16:creationId xmlns="" xmlns:a16="http://schemas.microsoft.com/office/drawing/2014/main" id="{12276293-5251-49E9-BEC5-22F217E344F8}"/>
+                <a16:creationId xmlns:a16="http://schemas.microsoft.com/office/drawing/2014/main" id="{12276293-5251-49E9-BEC5-22F217E344F8}"/>
               </a:ext>
             </a:extLst>
           </p:cNvPr>
@@ -11159,12 +11290,14 @@
             </a:r>
           </a:p>
           <a:p>
+            <a:pPr lvl="2"/>
             <a:r>
               <a:rPr lang="de-CH" dirty="0"/>
               <a:t>Backend gespeichert</a:t>
             </a:r>
           </a:p>
           <a:p>
+            <a:pPr lvl="2"/>
             <a:r>
               <a:rPr lang="de-CH" dirty="0"/>
               <a:t>Email versenden</a:t>
@@ -11184,7 +11317,7 @@
           <p:cNvPr id="5" name="Picture 4">
             <a:extLst>
               <a:ext uri="{FF2B5EF4-FFF2-40B4-BE49-F238E27FC236}">
-                <a16:creationId xmlns="" xmlns:a16="http://schemas.microsoft.com/office/drawing/2014/main" id="{A77652B3-5F87-4DE2-9321-518C8FE43BF8}"/>
+                <a16:creationId xmlns:a16="http://schemas.microsoft.com/office/drawing/2014/main" id="{A77652B3-5F87-4DE2-9321-518C8FE43BF8}"/>
               </a:ext>
             </a:extLst>
           </p:cNvPr>
@@ -11290,7 +11423,7 @@
           <a:p>
             <a:r>
               <a:rPr lang="de-CH" dirty="0"/>
-              <a:t>Live-Demo durch Marc Vollenweider</a:t>
+              <a:t>Live-Demo durch Nico Lutz</a:t>
             </a:r>
           </a:p>
         </p:txBody>
@@ -11360,7 +11493,7 @@
         <p:spPr/>
         <p:txBody>
           <a:bodyPr anchor="t">
-            <a:normAutofit lnSpcReduction="10000"/>
+            <a:normAutofit/>
           </a:bodyPr>
           <a:lstStyle/>
           <a:p>
@@ -11373,72 +11506,50 @@
             <a:pPr lvl="1"/>
             <a:r>
               <a:rPr lang="de-CH" dirty="0"/>
-              <a:t>Projekt Management in kleinem Entwicklungsteam</a:t>
+              <a:t>Projekt Management</a:t>
             </a:r>
           </a:p>
           <a:p>
             <a:pPr lvl="1"/>
             <a:r>
+              <a:rPr lang="de-CH" dirty="0" err="1"/>
+              <a:t>Scrum</a:t>
+            </a:r>
+            <a:endParaRPr lang="de-CH" dirty="0"/>
+          </a:p>
+          <a:p>
+            <a:pPr lvl="1"/>
+            <a:r>
               <a:rPr lang="de-CH" dirty="0"/>
-              <a:t>Arbeitsaufteilung und Festhalten dieser Aufgaben</a:t>
+              <a:t>Aufgabenteilung</a:t>
             </a:r>
           </a:p>
           <a:p>
             <a:pPr lvl="1"/>
             <a:r>
               <a:rPr lang="de-CH" dirty="0"/>
-              <a:t>Benutzen von </a:t>
-            </a:r>
+              <a:t>Meetings protokollieren</a:t>
+            </a:r>
+          </a:p>
+          <a:p>
+            <a:pPr lvl="1"/>
+            <a:r>
+              <a:rPr lang="de-CH" dirty="0"/>
+              <a:t>Aufbau von IT-Projekt</a:t>
+            </a:r>
+          </a:p>
+          <a:p>
+            <a:pPr lvl="1"/>
+            <a:r>
+              <a:rPr lang="de-CH" dirty="0"/>
+              <a:t>Android Entwicklung</a:t>
+            </a:r>
+          </a:p>
+          <a:p>
+            <a:pPr lvl="1"/>
             <a:r>
               <a:rPr lang="de-CH" dirty="0" err="1"/>
               <a:t>Firebase</a:t>
-            </a:r>
-            <a:endParaRPr lang="de-CH" dirty="0"/>
-          </a:p>
-          <a:p>
-            <a:pPr lvl="1"/>
-            <a:r>
-              <a:rPr lang="de-CH" dirty="0"/>
-              <a:t>Programmieren mit Android</a:t>
-            </a:r>
-          </a:p>
-          <a:p>
-            <a:pPr lvl="1"/>
-            <a:r>
-              <a:rPr lang="de-CH" dirty="0"/>
-              <a:t>Halten von Meetings</a:t>
-            </a:r>
-          </a:p>
-          <a:p>
-            <a:pPr lvl="1"/>
-            <a:r>
-              <a:rPr lang="de-CH" dirty="0"/>
-              <a:t>Kommunikation in Team</a:t>
-            </a:r>
-          </a:p>
-          <a:p>
-            <a:pPr lvl="1"/>
-            <a:r>
-              <a:rPr lang="de-CH" dirty="0"/>
-              <a:t>Probleme innert kürzester Zeit lösen.</a:t>
-            </a:r>
-          </a:p>
-          <a:p>
-            <a:pPr lvl="1"/>
-            <a:r>
-              <a:rPr lang="de-CH" dirty="0"/>
-              <a:t>Aufbau von IT-Projekt.</a:t>
-            </a:r>
-          </a:p>
-          <a:p>
-            <a:pPr lvl="1"/>
-            <a:r>
-              <a:rPr lang="de-CH" dirty="0"/>
-              <a:t>Anwendung von </a:t>
-            </a:r>
-            <a:r>
-              <a:rPr lang="de-CH" dirty="0" err="1"/>
-              <a:t>Scrum</a:t>
             </a:r>
             <a:endParaRPr lang="de-CH" dirty="0"/>
           </a:p>
@@ -11665,24 +11776,24 @@
           </a:lstStyle>
           <a:p>
             <a:r>
-              <a:rPr lang="de-CH" dirty="0" smtClean="0"/>
+              <a:rPr lang="de-CH" dirty="0"/>
               <a:t>Probleme: </a:t>
             </a:r>
           </a:p>
           <a:p>
             <a:pPr lvl="1"/>
             <a:r>
-              <a:rPr lang="de-CH" dirty="0" smtClean="0"/>
+              <a:rPr lang="de-CH" dirty="0"/>
               <a:t>Arbeitsaufteilung</a:t>
             </a:r>
           </a:p>
           <a:p>
             <a:pPr lvl="1"/>
             <a:r>
-              <a:rPr lang="de-CH" smtClean="0"/>
+              <a:rPr lang="de-CH"/>
               <a:t>Zeitdruck</a:t>
             </a:r>
-            <a:endParaRPr lang="de-CH" dirty="0" smtClean="0"/>
+            <a:endParaRPr lang="de-CH" dirty="0"/>
           </a:p>
         </p:txBody>
       </p:sp>
@@ -11884,659 +11995,679 @@
           <a:lstStyle/>
           <a:p>
             <a:r>
-              <a:rPr lang="de-CH" dirty="0" smtClean="0"/>
+              <a:rPr lang="de-CH" dirty="0"/>
               <a:t>Vorstellungsrunde</a:t>
             </a:r>
-            <a:endParaRPr lang="de-CH" dirty="0"/>
           </a:p>
         </p:txBody>
       </p:sp>
       <p:grpSp>
         <p:nvGrpSpPr>
-          <p:cNvPr id="4" name="Gruppieren 3"/>
+          <p:cNvPr id="3" name="Gruppieren 2">
+            <a:extLst>
+              <a:ext uri="{FF2B5EF4-FFF2-40B4-BE49-F238E27FC236}">
+                <a16:creationId xmlns:a16="http://schemas.microsoft.com/office/drawing/2014/main" id="{9CD5E71B-2F5A-4412-A8E6-D36F8756271D}"/>
+              </a:ext>
+            </a:extLst>
+          </p:cNvPr>
           <p:cNvGrpSpPr/>
           <p:nvPr/>
         </p:nvGrpSpPr>
         <p:grpSpPr>
           <a:xfrm>
-            <a:off x="787368" y="2302795"/>
+            <a:off x="4037507" y="2235887"/>
             <a:ext cx="4116984" cy="3725088"/>
-            <a:chOff x="7739298" y="2027223"/>
+            <a:chOff x="3385602" y="2090921"/>
             <a:chExt cx="4116984" cy="3725088"/>
           </a:xfrm>
         </p:grpSpPr>
+        <p:grpSp>
+          <p:nvGrpSpPr>
+            <p:cNvPr id="4" name="Gruppieren 3"/>
+            <p:cNvGrpSpPr/>
+            <p:nvPr/>
+          </p:nvGrpSpPr>
+          <p:grpSpPr>
+            <a:xfrm>
+              <a:off x="3385602" y="2090921"/>
+              <a:ext cx="4116984" cy="3725088"/>
+              <a:chOff x="7739298" y="2027223"/>
+              <a:chExt cx="4116984" cy="3725088"/>
+            </a:xfrm>
+          </p:grpSpPr>
+          <p:sp>
+            <p:nvSpPr>
+              <p:cNvPr id="5" name="Rechteck 4"/>
+              <p:cNvSpPr/>
+              <p:nvPr/>
+            </p:nvSpPr>
+            <p:spPr>
+              <a:xfrm>
+                <a:off x="9107582" y="2027223"/>
+                <a:ext cx="1368000" cy="694800"/>
+              </a:xfrm>
+              <a:prstGeom prst="rect">
+                <a:avLst/>
+              </a:prstGeom>
+            </p:spPr>
+            <p:style>
+              <a:lnRef idx="2">
+                <a:schemeClr val="accent1">
+                  <a:shade val="50000"/>
+                </a:schemeClr>
+              </a:lnRef>
+              <a:fillRef idx="1">
+                <a:schemeClr val="accent1"/>
+              </a:fillRef>
+              <a:effectRef idx="0">
+                <a:schemeClr val="accent1"/>
+              </a:effectRef>
+              <a:fontRef idx="minor">
+                <a:schemeClr val="lt1"/>
+              </a:fontRef>
+            </p:style>
+            <p:txBody>
+              <a:bodyPr rtlCol="0" anchor="ctr"/>
+              <a:lstStyle/>
+              <a:p>
+                <a:pPr algn="ctr"/>
+                <a:r>
+                  <a:rPr lang="de-CH" dirty="0">
+                    <a:solidFill>
+                      <a:schemeClr val="bg1"/>
+                    </a:solidFill>
+                  </a:rPr>
+                  <a:t>Nico Lutz</a:t>
+                </a:r>
+              </a:p>
+            </p:txBody>
+          </p:sp>
+          <p:sp>
+            <p:nvSpPr>
+              <p:cNvPr id="6" name="Rechteck 5"/>
+              <p:cNvSpPr/>
+              <p:nvPr/>
+            </p:nvSpPr>
+            <p:spPr>
+              <a:xfrm>
+                <a:off x="7739298" y="3039189"/>
+                <a:ext cx="1368284" cy="692930"/>
+              </a:xfrm>
+              <a:prstGeom prst="rect">
+                <a:avLst/>
+              </a:prstGeom>
+            </p:spPr>
+            <p:style>
+              <a:lnRef idx="2">
+                <a:schemeClr val="accent1">
+                  <a:shade val="50000"/>
+                </a:schemeClr>
+              </a:lnRef>
+              <a:fillRef idx="1">
+                <a:schemeClr val="accent1"/>
+              </a:fillRef>
+              <a:effectRef idx="0">
+                <a:schemeClr val="accent1"/>
+              </a:effectRef>
+              <a:fontRef idx="minor">
+                <a:schemeClr val="lt1"/>
+              </a:fontRef>
+            </p:style>
+            <p:txBody>
+              <a:bodyPr rtlCol="0" anchor="ctr"/>
+              <a:lstStyle/>
+              <a:p>
+                <a:pPr algn="ctr"/>
+                <a:r>
+                  <a:rPr lang="de-CH" sz="1400" dirty="0">
+                    <a:solidFill>
+                      <a:schemeClr val="bg1"/>
+                    </a:solidFill>
+                  </a:rPr>
+                  <a:t>Marc Vollenweider</a:t>
+                </a:r>
+              </a:p>
+            </p:txBody>
+          </p:sp>
+          <p:sp>
+            <p:nvSpPr>
+              <p:cNvPr id="7" name="Rechteck 6"/>
+              <p:cNvSpPr/>
+              <p:nvPr/>
+            </p:nvSpPr>
+            <p:spPr>
+              <a:xfrm>
+                <a:off x="10475582" y="3037319"/>
+                <a:ext cx="1368000" cy="694800"/>
+              </a:xfrm>
+              <a:prstGeom prst="rect">
+                <a:avLst/>
+              </a:prstGeom>
+            </p:spPr>
+            <p:style>
+              <a:lnRef idx="2">
+                <a:schemeClr val="accent1">
+                  <a:shade val="50000"/>
+                </a:schemeClr>
+              </a:lnRef>
+              <a:fillRef idx="1">
+                <a:schemeClr val="accent1"/>
+              </a:fillRef>
+              <a:effectRef idx="0">
+                <a:schemeClr val="accent1"/>
+              </a:effectRef>
+              <a:fontRef idx="minor">
+                <a:schemeClr val="lt1"/>
+              </a:fontRef>
+            </p:style>
+            <p:txBody>
+              <a:bodyPr rtlCol="0" anchor="ctr"/>
+              <a:lstStyle/>
+              <a:p>
+                <a:pPr algn="ctr"/>
+                <a:r>
+                  <a:rPr lang="de-CH" sz="1400" dirty="0">
+                    <a:solidFill>
+                      <a:schemeClr val="bg1"/>
+                    </a:solidFill>
+                  </a:rPr>
+                  <a:t>Nico Lutz</a:t>
+                </a:r>
+              </a:p>
+            </p:txBody>
+          </p:sp>
+          <p:sp>
+            <p:nvSpPr>
+              <p:cNvPr id="8" name="Rechteck 7"/>
+              <p:cNvSpPr/>
+              <p:nvPr/>
+            </p:nvSpPr>
+            <p:spPr>
+              <a:xfrm>
+                <a:off x="10475582" y="4047415"/>
+                <a:ext cx="1368000" cy="694800"/>
+              </a:xfrm>
+              <a:prstGeom prst="rect">
+                <a:avLst/>
+              </a:prstGeom>
+            </p:spPr>
+            <p:style>
+              <a:lnRef idx="2">
+                <a:schemeClr val="accent1">
+                  <a:shade val="50000"/>
+                </a:schemeClr>
+              </a:lnRef>
+              <a:fillRef idx="1">
+                <a:schemeClr val="accent1"/>
+              </a:fillRef>
+              <a:effectRef idx="0">
+                <a:schemeClr val="accent1"/>
+              </a:effectRef>
+              <a:fontRef idx="minor">
+                <a:schemeClr val="lt1"/>
+              </a:fontRef>
+            </p:style>
+            <p:txBody>
+              <a:bodyPr rtlCol="0" anchor="ctr"/>
+              <a:lstStyle/>
+              <a:p>
+                <a:pPr algn="ctr"/>
+                <a:r>
+                  <a:rPr lang="de-CH" sz="1400" dirty="0" err="1">
+                    <a:solidFill>
+                      <a:schemeClr val="bg1"/>
+                    </a:solidFill>
+                  </a:rPr>
+                  <a:t>Vithun</a:t>
+                </a:r>
+                <a:r>
+                  <a:rPr lang="de-CH" sz="1400" dirty="0">
+                    <a:solidFill>
+                      <a:schemeClr val="bg1"/>
+                    </a:solidFill>
+                  </a:rPr>
+                  <a:t> </a:t>
+                </a:r>
+                <a:r>
+                  <a:rPr lang="de-CH" sz="1400" dirty="0" err="1">
+                    <a:solidFill>
+                      <a:schemeClr val="bg1"/>
+                    </a:solidFill>
+                  </a:rPr>
+                  <a:t>Vamathevan</a:t>
+                </a:r>
+                <a:endParaRPr lang="de-CH" sz="1400" dirty="0">
+                  <a:solidFill>
+                    <a:schemeClr val="bg1"/>
+                  </a:solidFill>
+                </a:endParaRPr>
+              </a:p>
+            </p:txBody>
+          </p:sp>
+          <p:sp>
+            <p:nvSpPr>
+              <p:cNvPr id="9" name="Rechteck 8"/>
+              <p:cNvSpPr/>
+              <p:nvPr/>
+            </p:nvSpPr>
+            <p:spPr>
+              <a:xfrm>
+                <a:off x="10475582" y="5057511"/>
+                <a:ext cx="1368000" cy="694800"/>
+              </a:xfrm>
+              <a:prstGeom prst="rect">
+                <a:avLst/>
+              </a:prstGeom>
+            </p:spPr>
+            <p:style>
+              <a:lnRef idx="2">
+                <a:schemeClr val="accent1">
+                  <a:shade val="50000"/>
+                </a:schemeClr>
+              </a:lnRef>
+              <a:fillRef idx="1">
+                <a:schemeClr val="accent1"/>
+              </a:fillRef>
+              <a:effectRef idx="0">
+                <a:schemeClr val="accent1"/>
+              </a:effectRef>
+              <a:fontRef idx="minor">
+                <a:schemeClr val="lt1"/>
+              </a:fontRef>
+            </p:style>
+            <p:txBody>
+              <a:bodyPr rtlCol="0" anchor="ctr"/>
+              <a:lstStyle/>
+              <a:p>
+                <a:pPr algn="ctr"/>
+                <a:r>
+                  <a:rPr lang="de-CH" sz="1400" dirty="0">
+                    <a:solidFill>
+                      <a:schemeClr val="bg1"/>
+                    </a:solidFill>
+                  </a:rPr>
+                  <a:t>Alex Maurer</a:t>
+                </a:r>
+              </a:p>
+            </p:txBody>
+          </p:sp>
+          <p:sp>
+            <p:nvSpPr>
+              <p:cNvPr id="10" name="Rechteck 9"/>
+              <p:cNvSpPr/>
+              <p:nvPr/>
+            </p:nvSpPr>
+            <p:spPr>
+              <a:xfrm>
+                <a:off x="7739298" y="4047415"/>
+                <a:ext cx="1368000" cy="694800"/>
+              </a:xfrm>
+              <a:prstGeom prst="rect">
+                <a:avLst/>
+              </a:prstGeom>
+            </p:spPr>
+            <p:style>
+              <a:lnRef idx="2">
+                <a:schemeClr val="accent1">
+                  <a:shade val="50000"/>
+                </a:schemeClr>
+              </a:lnRef>
+              <a:fillRef idx="1">
+                <a:schemeClr val="accent1"/>
+              </a:fillRef>
+              <a:effectRef idx="0">
+                <a:schemeClr val="accent1"/>
+              </a:effectRef>
+              <a:fontRef idx="minor">
+                <a:schemeClr val="lt1"/>
+              </a:fontRef>
+            </p:style>
+            <p:txBody>
+              <a:bodyPr rtlCol="0" anchor="ctr"/>
+              <a:lstStyle/>
+              <a:p>
+                <a:pPr algn="ctr"/>
+                <a:r>
+                  <a:rPr lang="de-CH" sz="1400" dirty="0">
+                    <a:solidFill>
+                      <a:schemeClr val="bg1"/>
+                    </a:solidFill>
+                  </a:rPr>
+                  <a:t>Patrick </a:t>
+                </a:r>
+                <a:r>
+                  <a:rPr lang="de-CH" sz="1400" dirty="0" err="1">
+                    <a:solidFill>
+                      <a:schemeClr val="bg1"/>
+                    </a:solidFill>
+                  </a:rPr>
+                  <a:t>Wissiak</a:t>
+                </a:r>
+                <a:endParaRPr lang="de-CH" sz="1400" dirty="0">
+                  <a:solidFill>
+                    <a:schemeClr val="bg1"/>
+                  </a:solidFill>
+                </a:endParaRPr>
+              </a:p>
+            </p:txBody>
+          </p:sp>
+          <p:sp>
+            <p:nvSpPr>
+              <p:cNvPr id="11" name="Rechteck 10"/>
+              <p:cNvSpPr/>
+              <p:nvPr/>
+            </p:nvSpPr>
+            <p:spPr>
+              <a:xfrm>
+                <a:off x="7739298" y="5057511"/>
+                <a:ext cx="1368000" cy="694800"/>
+              </a:xfrm>
+              <a:prstGeom prst="rect">
+                <a:avLst/>
+              </a:prstGeom>
+            </p:spPr>
+            <p:style>
+              <a:lnRef idx="2">
+                <a:schemeClr val="accent1">
+                  <a:shade val="50000"/>
+                </a:schemeClr>
+              </a:lnRef>
+              <a:fillRef idx="1">
+                <a:schemeClr val="accent1"/>
+              </a:fillRef>
+              <a:effectRef idx="0">
+                <a:schemeClr val="accent1"/>
+              </a:effectRef>
+              <a:fontRef idx="minor">
+                <a:schemeClr val="lt1"/>
+              </a:fontRef>
+            </p:style>
+            <p:txBody>
+              <a:bodyPr rtlCol="0" anchor="ctr"/>
+              <a:lstStyle/>
+              <a:p>
+                <a:pPr algn="ctr"/>
+                <a:r>
+                  <a:rPr lang="de-CH" sz="1400" dirty="0">
+                    <a:solidFill>
+                      <a:schemeClr val="bg1"/>
+                    </a:solidFill>
+                  </a:rPr>
+                  <a:t>Gabriel Meier</a:t>
+                </a:r>
+              </a:p>
+            </p:txBody>
+          </p:sp>
+          <p:cxnSp>
+            <p:nvCxnSpPr>
+              <p:cNvPr id="12" name="Gewinkelte Verbindung 11"/>
+              <p:cNvCxnSpPr>
+                <a:stCxn id="5" idx="2"/>
+                <a:endCxn id="6" idx="0"/>
+              </p:cNvCxnSpPr>
+              <p:nvPr/>
+            </p:nvCxnSpPr>
+            <p:spPr>
+              <a:xfrm rot="5400000">
+                <a:off x="8948928" y="2196535"/>
+                <a:ext cx="317166" cy="1368142"/>
+              </a:xfrm>
+              <a:prstGeom prst="bentConnector3">
+                <a:avLst>
+                  <a:gd name="adj1" fmla="val 50000"/>
+                </a:avLst>
+              </a:prstGeom>
+            </p:spPr>
+            <p:style>
+              <a:lnRef idx="1">
+                <a:schemeClr val="accent1"/>
+              </a:lnRef>
+              <a:fillRef idx="0">
+                <a:schemeClr val="accent1"/>
+              </a:fillRef>
+              <a:effectRef idx="0">
+                <a:schemeClr val="accent1"/>
+              </a:effectRef>
+              <a:fontRef idx="minor">
+                <a:schemeClr val="tx1"/>
+              </a:fontRef>
+            </p:style>
+          </p:cxnSp>
+          <p:cxnSp>
+            <p:nvCxnSpPr>
+              <p:cNvPr id="13" name="Gewinkelte Verbindung 12"/>
+              <p:cNvCxnSpPr>
+                <a:stCxn id="5" idx="2"/>
+                <a:endCxn id="7" idx="0"/>
+              </p:cNvCxnSpPr>
+              <p:nvPr/>
+            </p:nvCxnSpPr>
+            <p:spPr>
+              <a:xfrm rot="16200000" flipH="1">
+                <a:off x="10317934" y="2195671"/>
+                <a:ext cx="315296" cy="1368000"/>
+              </a:xfrm>
+              <a:prstGeom prst="bentConnector3">
+                <a:avLst>
+                  <a:gd name="adj1" fmla="val 50000"/>
+                </a:avLst>
+              </a:prstGeom>
+            </p:spPr>
+            <p:style>
+              <a:lnRef idx="1">
+                <a:schemeClr val="accent1"/>
+              </a:lnRef>
+              <a:fillRef idx="0">
+                <a:schemeClr val="accent1"/>
+              </a:fillRef>
+              <a:effectRef idx="0">
+                <a:schemeClr val="accent1"/>
+              </a:effectRef>
+              <a:fontRef idx="minor">
+                <a:schemeClr val="tx1"/>
+              </a:fontRef>
+            </p:style>
+          </p:cxnSp>
+          <p:cxnSp>
+            <p:nvCxnSpPr>
+              <p:cNvPr id="14" name="Gewinkelte Verbindung 13"/>
+              <p:cNvCxnSpPr>
+                <a:stCxn id="6" idx="1"/>
+                <a:endCxn id="10" idx="1"/>
+              </p:cNvCxnSpPr>
+              <p:nvPr/>
+            </p:nvCxnSpPr>
+            <p:spPr>
+              <a:xfrm rot="10800000" flipV="1">
+                <a:off x="7739298" y="3385653"/>
+                <a:ext cx="12700" cy="1009161"/>
+              </a:xfrm>
+              <a:prstGeom prst="bentConnector3">
+                <a:avLst>
+                  <a:gd name="adj1" fmla="val 1800000"/>
+                </a:avLst>
+              </a:prstGeom>
+            </p:spPr>
+            <p:style>
+              <a:lnRef idx="1">
+                <a:schemeClr val="accent1"/>
+              </a:lnRef>
+              <a:fillRef idx="0">
+                <a:schemeClr val="accent1"/>
+              </a:fillRef>
+              <a:effectRef idx="0">
+                <a:schemeClr val="accent1"/>
+              </a:effectRef>
+              <a:fontRef idx="minor">
+                <a:schemeClr val="tx1"/>
+              </a:fontRef>
+            </p:style>
+          </p:cxnSp>
+          <p:cxnSp>
+            <p:nvCxnSpPr>
+              <p:cNvPr id="15" name="Gewinkelte Verbindung 14"/>
+              <p:cNvCxnSpPr>
+                <a:stCxn id="6" idx="1"/>
+                <a:endCxn id="11" idx="1"/>
+              </p:cNvCxnSpPr>
+              <p:nvPr/>
+            </p:nvCxnSpPr>
+            <p:spPr>
+              <a:xfrm rot="10800000" flipV="1">
+                <a:off x="7739298" y="3385653"/>
+                <a:ext cx="12700" cy="2019257"/>
+              </a:xfrm>
+              <a:prstGeom prst="bentConnector3">
+                <a:avLst>
+                  <a:gd name="adj1" fmla="val 1800000"/>
+                </a:avLst>
+              </a:prstGeom>
+            </p:spPr>
+            <p:style>
+              <a:lnRef idx="1">
+                <a:schemeClr val="accent1"/>
+              </a:lnRef>
+              <a:fillRef idx="0">
+                <a:schemeClr val="accent1"/>
+              </a:fillRef>
+              <a:effectRef idx="0">
+                <a:schemeClr val="accent1"/>
+              </a:effectRef>
+              <a:fontRef idx="minor">
+                <a:schemeClr val="tx1"/>
+              </a:fontRef>
+            </p:style>
+          </p:cxnSp>
+          <p:cxnSp>
+            <p:nvCxnSpPr>
+              <p:cNvPr id="16" name="Gewinkelte Verbindung 15"/>
+              <p:cNvCxnSpPr>
+                <a:stCxn id="7" idx="3"/>
+                <a:endCxn id="8" idx="3"/>
+              </p:cNvCxnSpPr>
+              <p:nvPr/>
+            </p:nvCxnSpPr>
+            <p:spPr>
+              <a:xfrm>
+                <a:off x="11843582" y="3384719"/>
+                <a:ext cx="12700" cy="1010096"/>
+              </a:xfrm>
+              <a:prstGeom prst="bentConnector3">
+                <a:avLst>
+                  <a:gd name="adj1" fmla="val 1800000"/>
+                </a:avLst>
+              </a:prstGeom>
+            </p:spPr>
+            <p:style>
+              <a:lnRef idx="1">
+                <a:schemeClr val="accent1"/>
+              </a:lnRef>
+              <a:fillRef idx="0">
+                <a:schemeClr val="accent1"/>
+              </a:fillRef>
+              <a:effectRef idx="0">
+                <a:schemeClr val="accent1"/>
+              </a:effectRef>
+              <a:fontRef idx="minor">
+                <a:schemeClr val="tx1"/>
+              </a:fontRef>
+            </p:style>
+          </p:cxnSp>
+          <p:cxnSp>
+            <p:nvCxnSpPr>
+              <p:cNvPr id="17" name="Gewinkelte Verbindung 16"/>
+              <p:cNvCxnSpPr>
+                <a:stCxn id="7" idx="3"/>
+                <a:endCxn id="9" idx="3"/>
+              </p:cNvCxnSpPr>
+              <p:nvPr/>
+            </p:nvCxnSpPr>
+            <p:spPr>
+              <a:xfrm>
+                <a:off x="11843582" y="3384719"/>
+                <a:ext cx="12700" cy="2020192"/>
+              </a:xfrm>
+              <a:prstGeom prst="bentConnector3">
+                <a:avLst>
+                  <a:gd name="adj1" fmla="val 1800000"/>
+                </a:avLst>
+              </a:prstGeom>
+            </p:spPr>
+            <p:style>
+              <a:lnRef idx="1">
+                <a:schemeClr val="accent1"/>
+              </a:lnRef>
+              <a:fillRef idx="0">
+                <a:schemeClr val="accent1"/>
+              </a:fillRef>
+              <a:effectRef idx="0">
+                <a:schemeClr val="accent1"/>
+              </a:effectRef>
+              <a:fontRef idx="minor">
+                <a:schemeClr val="tx1"/>
+              </a:fontRef>
+            </p:style>
+          </p:cxnSp>
+        </p:grpSp>
         <p:sp>
           <p:nvSpPr>
-            <p:cNvPr id="5" name="Rechteck 4"/>
-            <p:cNvSpPr/>
+            <p:cNvPr id="18" name="Textfeld 17"/>
+            <p:cNvSpPr txBox="1"/>
             <p:nvPr/>
           </p:nvSpPr>
           <p:spPr>
             <a:xfrm>
-              <a:off x="9107582" y="2027223"/>
-              <a:ext cx="1368000" cy="694800"/>
+              <a:off x="3462918" y="2528894"/>
+              <a:ext cx="1213794" cy="307777"/>
             </a:xfrm>
             <a:prstGeom prst="rect">
               <a:avLst/>
             </a:prstGeom>
+            <a:noFill/>
           </p:spPr>
-          <p:style>
-            <a:lnRef idx="2">
-              <a:schemeClr val="accent1">
-                <a:shade val="50000"/>
-              </a:schemeClr>
-            </a:lnRef>
-            <a:fillRef idx="1">
-              <a:schemeClr val="accent1"/>
-            </a:fillRef>
-            <a:effectRef idx="0">
-              <a:schemeClr val="accent1"/>
-            </a:effectRef>
-            <a:fontRef idx="minor">
-              <a:schemeClr val="lt1"/>
-            </a:fontRef>
-          </p:style>
           <p:txBody>
-            <a:bodyPr rtlCol="0" anchor="ctr"/>
+            <a:bodyPr wrap="none" rtlCol="0">
+              <a:spAutoFit/>
+            </a:bodyPr>
             <a:lstStyle/>
             <a:p>
-              <a:pPr algn="ctr"/>
               <a:r>
-                <a:rPr lang="de-CH" dirty="0">
-                  <a:solidFill>
-                    <a:schemeClr val="bg1"/>
-                  </a:solidFill>
-                </a:rPr>
-                <a:t>Nico Lutz</a:t>
+                <a:rPr lang="de-CH" sz="1400" dirty="0"/>
+                <a:t>Entwicklung</a:t>
               </a:r>
             </a:p>
           </p:txBody>
         </p:sp>
         <p:sp>
           <p:nvSpPr>
-            <p:cNvPr id="6" name="Rechteck 5"/>
-            <p:cNvSpPr/>
+            <p:cNvPr id="19" name="Textfeld 18"/>
+            <p:cNvSpPr txBox="1"/>
             <p:nvPr/>
           </p:nvSpPr>
           <p:spPr>
             <a:xfrm>
-              <a:off x="7739298" y="3039189"/>
-              <a:ext cx="1368284" cy="692930"/>
+              <a:off x="6202996" y="2525345"/>
+              <a:ext cx="1205779" cy="307777"/>
             </a:xfrm>
             <a:prstGeom prst="rect">
               <a:avLst/>
             </a:prstGeom>
+            <a:noFill/>
           </p:spPr>
-          <p:style>
-            <a:lnRef idx="2">
-              <a:schemeClr val="accent1">
-                <a:shade val="50000"/>
-              </a:schemeClr>
-            </a:lnRef>
-            <a:fillRef idx="1">
-              <a:schemeClr val="accent1"/>
-            </a:fillRef>
-            <a:effectRef idx="0">
-              <a:schemeClr val="accent1"/>
-            </a:effectRef>
-            <a:fontRef idx="minor">
-              <a:schemeClr val="lt1"/>
-            </a:fontRef>
-          </p:style>
           <p:txBody>
-            <a:bodyPr rtlCol="0" anchor="ctr"/>
+            <a:bodyPr wrap="none" rtlCol="0">
+              <a:spAutoFit/>
+            </a:bodyPr>
             <a:lstStyle/>
             <a:p>
-              <a:pPr algn="ctr"/>
               <a:r>
-                <a:rPr lang="de-CH" sz="1400" dirty="0">
-                  <a:solidFill>
-                    <a:schemeClr val="bg1"/>
-                  </a:solidFill>
-                </a:rPr>
-                <a:t>Marc Vollenweider</a:t>
+                <a:rPr lang="de-CH" sz="1400" dirty="0"/>
+                <a:t>Dokumente</a:t>
               </a:r>
             </a:p>
           </p:txBody>
         </p:sp>
-        <p:sp>
-          <p:nvSpPr>
-            <p:cNvPr id="7" name="Rechteck 6"/>
-            <p:cNvSpPr/>
-            <p:nvPr/>
-          </p:nvSpPr>
-          <p:spPr>
-            <a:xfrm>
-              <a:off x="10475582" y="3037319"/>
-              <a:ext cx="1368000" cy="694800"/>
-            </a:xfrm>
-            <a:prstGeom prst="rect">
-              <a:avLst/>
-            </a:prstGeom>
-          </p:spPr>
-          <p:style>
-            <a:lnRef idx="2">
-              <a:schemeClr val="accent1">
-                <a:shade val="50000"/>
-              </a:schemeClr>
-            </a:lnRef>
-            <a:fillRef idx="1">
-              <a:schemeClr val="accent1"/>
-            </a:fillRef>
-            <a:effectRef idx="0">
-              <a:schemeClr val="accent1"/>
-            </a:effectRef>
-            <a:fontRef idx="minor">
-              <a:schemeClr val="lt1"/>
-            </a:fontRef>
-          </p:style>
-          <p:txBody>
-            <a:bodyPr rtlCol="0" anchor="ctr"/>
-            <a:lstStyle/>
-            <a:p>
-              <a:pPr algn="ctr"/>
-              <a:r>
-                <a:rPr lang="de-CH" sz="1400" dirty="0">
-                  <a:solidFill>
-                    <a:schemeClr val="bg1"/>
-                  </a:solidFill>
-                </a:rPr>
-                <a:t>Nico Lutz</a:t>
-              </a:r>
-            </a:p>
-          </p:txBody>
-        </p:sp>
-        <p:sp>
-          <p:nvSpPr>
-            <p:cNvPr id="8" name="Rechteck 7"/>
-            <p:cNvSpPr/>
-            <p:nvPr/>
-          </p:nvSpPr>
-          <p:spPr>
-            <a:xfrm>
-              <a:off x="10475582" y="4047415"/>
-              <a:ext cx="1368000" cy="694800"/>
-            </a:xfrm>
-            <a:prstGeom prst="rect">
-              <a:avLst/>
-            </a:prstGeom>
-          </p:spPr>
-          <p:style>
-            <a:lnRef idx="2">
-              <a:schemeClr val="accent1">
-                <a:shade val="50000"/>
-              </a:schemeClr>
-            </a:lnRef>
-            <a:fillRef idx="1">
-              <a:schemeClr val="accent1"/>
-            </a:fillRef>
-            <a:effectRef idx="0">
-              <a:schemeClr val="accent1"/>
-            </a:effectRef>
-            <a:fontRef idx="minor">
-              <a:schemeClr val="lt1"/>
-            </a:fontRef>
-          </p:style>
-          <p:txBody>
-            <a:bodyPr rtlCol="0" anchor="ctr"/>
-            <a:lstStyle/>
-            <a:p>
-              <a:pPr algn="ctr"/>
-              <a:r>
-                <a:rPr lang="de-CH" sz="1400" dirty="0" err="1">
-                  <a:solidFill>
-                    <a:schemeClr val="bg1"/>
-                  </a:solidFill>
-                </a:rPr>
-                <a:t>Vithun</a:t>
-              </a:r>
-              <a:r>
-                <a:rPr lang="de-CH" sz="1400" dirty="0">
-                  <a:solidFill>
-                    <a:schemeClr val="bg1"/>
-                  </a:solidFill>
-                </a:rPr>
-                <a:t> </a:t>
-              </a:r>
-              <a:r>
-                <a:rPr lang="de-CH" sz="1400" dirty="0" err="1">
-                  <a:solidFill>
-                    <a:schemeClr val="bg1"/>
-                  </a:solidFill>
-                </a:rPr>
-                <a:t>Vamathevan</a:t>
-              </a:r>
-              <a:endParaRPr lang="de-CH" sz="1400" dirty="0">
-                <a:solidFill>
-                  <a:schemeClr val="bg1"/>
-                </a:solidFill>
-              </a:endParaRPr>
-            </a:p>
-          </p:txBody>
-        </p:sp>
-        <p:sp>
-          <p:nvSpPr>
-            <p:cNvPr id="9" name="Rechteck 8"/>
-            <p:cNvSpPr/>
-            <p:nvPr/>
-          </p:nvSpPr>
-          <p:spPr>
-            <a:xfrm>
-              <a:off x="10475582" y="5057511"/>
-              <a:ext cx="1368000" cy="694800"/>
-            </a:xfrm>
-            <a:prstGeom prst="rect">
-              <a:avLst/>
-            </a:prstGeom>
-          </p:spPr>
-          <p:style>
-            <a:lnRef idx="2">
-              <a:schemeClr val="accent1">
-                <a:shade val="50000"/>
-              </a:schemeClr>
-            </a:lnRef>
-            <a:fillRef idx="1">
-              <a:schemeClr val="accent1"/>
-            </a:fillRef>
-            <a:effectRef idx="0">
-              <a:schemeClr val="accent1"/>
-            </a:effectRef>
-            <a:fontRef idx="minor">
-              <a:schemeClr val="lt1"/>
-            </a:fontRef>
-          </p:style>
-          <p:txBody>
-            <a:bodyPr rtlCol="0" anchor="ctr"/>
-            <a:lstStyle/>
-            <a:p>
-              <a:pPr algn="ctr"/>
-              <a:r>
-                <a:rPr lang="de-CH" sz="1400" dirty="0">
-                  <a:solidFill>
-                    <a:schemeClr val="bg1"/>
-                  </a:solidFill>
-                </a:rPr>
-                <a:t>Alex Maurer</a:t>
-              </a:r>
-            </a:p>
-          </p:txBody>
-        </p:sp>
-        <p:sp>
-          <p:nvSpPr>
-            <p:cNvPr id="10" name="Rechteck 9"/>
-            <p:cNvSpPr/>
-            <p:nvPr/>
-          </p:nvSpPr>
-          <p:spPr>
-            <a:xfrm>
-              <a:off x="7739298" y="4047415"/>
-              <a:ext cx="1368000" cy="694800"/>
-            </a:xfrm>
-            <a:prstGeom prst="rect">
-              <a:avLst/>
-            </a:prstGeom>
-          </p:spPr>
-          <p:style>
-            <a:lnRef idx="2">
-              <a:schemeClr val="accent1">
-                <a:shade val="50000"/>
-              </a:schemeClr>
-            </a:lnRef>
-            <a:fillRef idx="1">
-              <a:schemeClr val="accent1"/>
-            </a:fillRef>
-            <a:effectRef idx="0">
-              <a:schemeClr val="accent1"/>
-            </a:effectRef>
-            <a:fontRef idx="minor">
-              <a:schemeClr val="lt1"/>
-            </a:fontRef>
-          </p:style>
-          <p:txBody>
-            <a:bodyPr rtlCol="0" anchor="ctr"/>
-            <a:lstStyle/>
-            <a:p>
-              <a:pPr algn="ctr"/>
-              <a:r>
-                <a:rPr lang="de-CH" sz="1400" dirty="0">
-                  <a:solidFill>
-                    <a:schemeClr val="bg1"/>
-                  </a:solidFill>
-                </a:rPr>
-                <a:t>Patrick </a:t>
-              </a:r>
-              <a:r>
-                <a:rPr lang="de-CH" sz="1400" dirty="0" err="1">
-                  <a:solidFill>
-                    <a:schemeClr val="bg1"/>
-                  </a:solidFill>
-                </a:rPr>
-                <a:t>Wissiak</a:t>
-              </a:r>
-              <a:endParaRPr lang="de-CH" sz="1400" dirty="0">
-                <a:solidFill>
-                  <a:schemeClr val="bg1"/>
-                </a:solidFill>
-              </a:endParaRPr>
-            </a:p>
-          </p:txBody>
-        </p:sp>
-        <p:sp>
-          <p:nvSpPr>
-            <p:cNvPr id="11" name="Rechteck 10"/>
-            <p:cNvSpPr/>
-            <p:nvPr/>
-          </p:nvSpPr>
-          <p:spPr>
-            <a:xfrm>
-              <a:off x="7739298" y="5057511"/>
-              <a:ext cx="1368000" cy="694800"/>
-            </a:xfrm>
-            <a:prstGeom prst="rect">
-              <a:avLst/>
-            </a:prstGeom>
-          </p:spPr>
-          <p:style>
-            <a:lnRef idx="2">
-              <a:schemeClr val="accent1">
-                <a:shade val="50000"/>
-              </a:schemeClr>
-            </a:lnRef>
-            <a:fillRef idx="1">
-              <a:schemeClr val="accent1"/>
-            </a:fillRef>
-            <a:effectRef idx="0">
-              <a:schemeClr val="accent1"/>
-            </a:effectRef>
-            <a:fontRef idx="minor">
-              <a:schemeClr val="lt1"/>
-            </a:fontRef>
-          </p:style>
-          <p:txBody>
-            <a:bodyPr rtlCol="0" anchor="ctr"/>
-            <a:lstStyle/>
-            <a:p>
-              <a:pPr algn="ctr"/>
-              <a:r>
-                <a:rPr lang="de-CH" sz="1400" dirty="0">
-                  <a:solidFill>
-                    <a:schemeClr val="bg1"/>
-                  </a:solidFill>
-                </a:rPr>
-                <a:t>Gabriel Meier</a:t>
-              </a:r>
-            </a:p>
-          </p:txBody>
-        </p:sp>
-        <p:cxnSp>
-          <p:nvCxnSpPr>
-            <p:cNvPr id="12" name="Gewinkelte Verbindung 11"/>
-            <p:cNvCxnSpPr>
-              <a:stCxn id="5" idx="2"/>
-              <a:endCxn id="6" idx="0"/>
-            </p:cNvCxnSpPr>
-            <p:nvPr/>
-          </p:nvCxnSpPr>
-          <p:spPr>
-            <a:xfrm rot="5400000">
-              <a:off x="8948928" y="2196535"/>
-              <a:ext cx="317166" cy="1368142"/>
-            </a:xfrm>
-            <a:prstGeom prst="bentConnector3">
-              <a:avLst>
-                <a:gd name="adj1" fmla="val 50000"/>
-              </a:avLst>
-            </a:prstGeom>
-          </p:spPr>
-          <p:style>
-            <a:lnRef idx="1">
-              <a:schemeClr val="accent1"/>
-            </a:lnRef>
-            <a:fillRef idx="0">
-              <a:schemeClr val="accent1"/>
-            </a:fillRef>
-            <a:effectRef idx="0">
-              <a:schemeClr val="accent1"/>
-            </a:effectRef>
-            <a:fontRef idx="minor">
-              <a:schemeClr val="tx1"/>
-            </a:fontRef>
-          </p:style>
-        </p:cxnSp>
-        <p:cxnSp>
-          <p:nvCxnSpPr>
-            <p:cNvPr id="13" name="Gewinkelte Verbindung 12"/>
-            <p:cNvCxnSpPr>
-              <a:stCxn id="5" idx="2"/>
-              <a:endCxn id="7" idx="0"/>
-            </p:cNvCxnSpPr>
-            <p:nvPr/>
-          </p:nvCxnSpPr>
-          <p:spPr>
-            <a:xfrm rot="16200000" flipH="1">
-              <a:off x="10317934" y="2195671"/>
-              <a:ext cx="315296" cy="1368000"/>
-            </a:xfrm>
-            <a:prstGeom prst="bentConnector3">
-              <a:avLst>
-                <a:gd name="adj1" fmla="val 50000"/>
-              </a:avLst>
-            </a:prstGeom>
-          </p:spPr>
-          <p:style>
-            <a:lnRef idx="1">
-              <a:schemeClr val="accent1"/>
-            </a:lnRef>
-            <a:fillRef idx="0">
-              <a:schemeClr val="accent1"/>
-            </a:fillRef>
-            <a:effectRef idx="0">
-              <a:schemeClr val="accent1"/>
-            </a:effectRef>
-            <a:fontRef idx="minor">
-              <a:schemeClr val="tx1"/>
-            </a:fontRef>
-          </p:style>
-        </p:cxnSp>
-        <p:cxnSp>
-          <p:nvCxnSpPr>
-            <p:cNvPr id="14" name="Gewinkelte Verbindung 13"/>
-            <p:cNvCxnSpPr>
-              <a:stCxn id="6" idx="1"/>
-              <a:endCxn id="10" idx="1"/>
-            </p:cNvCxnSpPr>
-            <p:nvPr/>
-          </p:nvCxnSpPr>
-          <p:spPr>
-            <a:xfrm rot="10800000" flipV="1">
-              <a:off x="7739298" y="3385653"/>
-              <a:ext cx="12700" cy="1009161"/>
-            </a:xfrm>
-            <a:prstGeom prst="bentConnector3">
-              <a:avLst>
-                <a:gd name="adj1" fmla="val 1800000"/>
-              </a:avLst>
-            </a:prstGeom>
-          </p:spPr>
-          <p:style>
-            <a:lnRef idx="1">
-              <a:schemeClr val="accent1"/>
-            </a:lnRef>
-            <a:fillRef idx="0">
-              <a:schemeClr val="accent1"/>
-            </a:fillRef>
-            <a:effectRef idx="0">
-              <a:schemeClr val="accent1"/>
-            </a:effectRef>
-            <a:fontRef idx="minor">
-              <a:schemeClr val="tx1"/>
-            </a:fontRef>
-          </p:style>
-        </p:cxnSp>
-        <p:cxnSp>
-          <p:nvCxnSpPr>
-            <p:cNvPr id="15" name="Gewinkelte Verbindung 14"/>
-            <p:cNvCxnSpPr>
-              <a:stCxn id="6" idx="1"/>
-              <a:endCxn id="11" idx="1"/>
-            </p:cNvCxnSpPr>
-            <p:nvPr/>
-          </p:nvCxnSpPr>
-          <p:spPr>
-            <a:xfrm rot="10800000" flipV="1">
-              <a:off x="7739298" y="3385653"/>
-              <a:ext cx="12700" cy="2019257"/>
-            </a:xfrm>
-            <a:prstGeom prst="bentConnector3">
-              <a:avLst>
-                <a:gd name="adj1" fmla="val 1800000"/>
-              </a:avLst>
-            </a:prstGeom>
-          </p:spPr>
-          <p:style>
-            <a:lnRef idx="1">
-              <a:schemeClr val="accent1"/>
-            </a:lnRef>
-            <a:fillRef idx="0">
-              <a:schemeClr val="accent1"/>
-            </a:fillRef>
-            <a:effectRef idx="0">
-              <a:schemeClr val="accent1"/>
-            </a:effectRef>
-            <a:fontRef idx="minor">
-              <a:schemeClr val="tx1"/>
-            </a:fontRef>
-          </p:style>
-        </p:cxnSp>
-        <p:cxnSp>
-          <p:nvCxnSpPr>
-            <p:cNvPr id="16" name="Gewinkelte Verbindung 15"/>
-            <p:cNvCxnSpPr>
-              <a:stCxn id="7" idx="3"/>
-              <a:endCxn id="8" idx="3"/>
-            </p:cNvCxnSpPr>
-            <p:nvPr/>
-          </p:nvCxnSpPr>
-          <p:spPr>
-            <a:xfrm>
-              <a:off x="11843582" y="3384719"/>
-              <a:ext cx="12700" cy="1010096"/>
-            </a:xfrm>
-            <a:prstGeom prst="bentConnector3">
-              <a:avLst>
-                <a:gd name="adj1" fmla="val 1800000"/>
-              </a:avLst>
-            </a:prstGeom>
-          </p:spPr>
-          <p:style>
-            <a:lnRef idx="1">
-              <a:schemeClr val="accent1"/>
-            </a:lnRef>
-            <a:fillRef idx="0">
-              <a:schemeClr val="accent1"/>
-            </a:fillRef>
-            <a:effectRef idx="0">
-              <a:schemeClr val="accent1"/>
-            </a:effectRef>
-            <a:fontRef idx="minor">
-              <a:schemeClr val="tx1"/>
-            </a:fontRef>
-          </p:style>
-        </p:cxnSp>
-        <p:cxnSp>
-          <p:nvCxnSpPr>
-            <p:cNvPr id="17" name="Gewinkelte Verbindung 16"/>
-            <p:cNvCxnSpPr>
-              <a:stCxn id="7" idx="3"/>
-              <a:endCxn id="9" idx="3"/>
-            </p:cNvCxnSpPr>
-            <p:nvPr/>
-          </p:nvCxnSpPr>
-          <p:spPr>
-            <a:xfrm>
-              <a:off x="11843582" y="3384719"/>
-              <a:ext cx="12700" cy="2020192"/>
-            </a:xfrm>
-            <a:prstGeom prst="bentConnector3">
-              <a:avLst>
-                <a:gd name="adj1" fmla="val 1800000"/>
-              </a:avLst>
-            </a:prstGeom>
-          </p:spPr>
-          <p:style>
-            <a:lnRef idx="1">
-              <a:schemeClr val="accent1"/>
-            </a:lnRef>
-            <a:fillRef idx="0">
-              <a:schemeClr val="accent1"/>
-            </a:fillRef>
-            <a:effectRef idx="0">
-              <a:schemeClr val="accent1"/>
-            </a:effectRef>
-            <a:fontRef idx="minor">
-              <a:schemeClr val="tx1"/>
-            </a:fontRef>
-          </p:style>
-        </p:cxnSp>
       </p:grpSp>
-      <p:sp>
-        <p:nvSpPr>
-          <p:cNvPr id="18" name="Textfeld 17"/>
-          <p:cNvSpPr txBox="1"/>
-          <p:nvPr/>
-        </p:nvSpPr>
-        <p:spPr>
-          <a:xfrm>
-            <a:off x="864684" y="2740768"/>
-            <a:ext cx="1213794" cy="307777"/>
-          </a:xfrm>
-          <a:prstGeom prst="rect">
-            <a:avLst/>
-          </a:prstGeom>
-          <a:noFill/>
-        </p:spPr>
-        <p:txBody>
-          <a:bodyPr wrap="none" rtlCol="0">
-            <a:spAutoFit/>
-          </a:bodyPr>
-          <a:lstStyle/>
-          <a:p>
-            <a:r>
-              <a:rPr lang="de-CH" sz="1400" dirty="0"/>
-              <a:t>Entwicklung</a:t>
-            </a:r>
-          </a:p>
-        </p:txBody>
-      </p:sp>
-      <p:sp>
-        <p:nvSpPr>
-          <p:cNvPr id="19" name="Textfeld 18"/>
-          <p:cNvSpPr txBox="1"/>
-          <p:nvPr/>
-        </p:nvSpPr>
-        <p:spPr>
-          <a:xfrm>
-            <a:off x="3604762" y="2737219"/>
-            <a:ext cx="1205779" cy="307777"/>
-          </a:xfrm>
-          <a:prstGeom prst="rect">
-            <a:avLst/>
-          </a:prstGeom>
-          <a:noFill/>
-        </p:spPr>
-        <p:txBody>
-          <a:bodyPr wrap="none" rtlCol="0">
-            <a:spAutoFit/>
-          </a:bodyPr>
-          <a:lstStyle/>
-          <a:p>
-            <a:r>
-              <a:rPr lang="de-CH" sz="1400" dirty="0"/>
-              <a:t>Dokumente</a:t>
-            </a:r>
-          </a:p>
-        </p:txBody>
-      </p:sp>
     </p:spTree>
     <p:extLst>
       <p:ext uri="{BB962C8B-B14F-4D97-AF65-F5344CB8AC3E}">
@@ -12947,7 +13078,7 @@
           <p:cNvPr id="3" name="Inhaltsplatzhalter 2">
             <a:extLst>
               <a:ext uri="{FF2B5EF4-FFF2-40B4-BE49-F238E27FC236}">
-                <a16:creationId xmlns="" xmlns:a16="http://schemas.microsoft.com/office/drawing/2014/main" id="{B1AF1FFC-5E6C-4479-823F-3AB29798F86A}"/>
+                <a16:creationId xmlns:a16="http://schemas.microsoft.com/office/drawing/2014/main" id="{B1AF1FFC-5E6C-4479-823F-3AB29798F86A}"/>
               </a:ext>
             </a:extLst>
           </p:cNvPr>
@@ -13540,7 +13671,7 @@
           <p:cNvPr id="2" name="Titel 1">
             <a:extLst>
               <a:ext uri="{FF2B5EF4-FFF2-40B4-BE49-F238E27FC236}">
-                <a16:creationId xmlns="" xmlns:a16="http://schemas.microsoft.com/office/drawing/2014/main" id="{B3879566-10F2-46D1-AAC1-9399851CDD2E}"/>
+                <a16:creationId xmlns:a16="http://schemas.microsoft.com/office/drawing/2014/main" id="{B3879566-10F2-46D1-AAC1-9399851CDD2E}"/>
               </a:ext>
             </a:extLst>
           </p:cNvPr>
@@ -13568,7 +13699,7 @@
           <p:cNvPr id="5" name="Inhaltsplatzhalter 4" descr="Bildschirmausschnitt">
             <a:extLst>
               <a:ext uri="{FF2B5EF4-FFF2-40B4-BE49-F238E27FC236}">
-                <a16:creationId xmlns="" xmlns:a16="http://schemas.microsoft.com/office/drawing/2014/main" id="{FD03C051-23A3-43DE-B001-07A531E83361}"/>
+                <a16:creationId xmlns:a16="http://schemas.microsoft.com/office/drawing/2014/main" id="{FD03C051-23A3-43DE-B001-07A531E83361}"/>
               </a:ext>
             </a:extLst>
           </p:cNvPr>

--- a/Dokuordner/ENTERTAINNET.pptx
+++ b/Dokuordner/ENTERTAINNET.pptx
@@ -218,7 +218,7 @@
           <a:p>
             <a:fld id="{879E49AC-762C-40A9-B675-CE64F3A7747F}" type="datetimeFigureOut">
               <a:rPr lang="de-CH" smtClean="0"/>
-              <a:t>06.11.2017</a:t>
+              <a:t>06.11.17</a:t>
             </a:fld>
             <a:endParaRPr lang="de-CH"/>
           </a:p>
@@ -868,8 +868,12 @@
           <a:lstStyle/>
           <a:p>
             <a:r>
+              <a:rPr lang="de-CH" smtClean="0"/>
+              <a:t>Im </a:t>
+            </a:r>
+            <a:r>
               <a:rPr lang="de-CH" dirty="0"/>
-              <a:t>Im vorhinein Gedanken zu Problemen gemacht - Risikoanalyse</a:t>
+              <a:t>vorhinein Gedanken zu Problemen gemacht - Risikoanalyse</a:t>
             </a:r>
           </a:p>
           <a:p>
@@ -1597,7 +1601,7 @@
           <a:effectLst/>
           <a:extLst>
             <a:ext uri="{91240B29-F687-4f45-9708-019B960494DF}">
-              <a14:hiddenLine xmlns:a14="http://schemas.microsoft.com/office/drawing/2010/main" xmlns="" w="9525">
+              <a14:hiddenLine xmlns="" xmlns:a14="http://schemas.microsoft.com/office/drawing/2010/main" w="9525">
                 <a:solidFill>
                   <a:srgbClr val="000000"/>
                 </a:solidFill>
@@ -1789,7 +1793,7 @@
           <a:p>
             <a:fld id="{38FEC22D-7D5B-4677-9FAA-EB6027C7F7EE}" type="datetimeFigureOut">
               <a:rPr lang="de-CH" smtClean="0"/>
-              <a:t>06.11.2017</a:t>
+              <a:t>06.11.17</a:t>
             </a:fld>
             <a:endParaRPr lang="de-CH"/>
           </a:p>
@@ -2107,7 +2111,7 @@
           <a:p>
             <a:fld id="{38FEC22D-7D5B-4677-9FAA-EB6027C7F7EE}" type="datetimeFigureOut">
               <a:rPr lang="de-CH" smtClean="0"/>
-              <a:t>06.11.2017</a:t>
+              <a:t>06.11.17</a:t>
             </a:fld>
             <a:endParaRPr lang="de-CH"/>
           </a:p>
@@ -2595,7 +2599,7 @@
           <a:p>
             <a:fld id="{38FEC22D-7D5B-4677-9FAA-EB6027C7F7EE}" type="datetimeFigureOut">
               <a:rPr lang="de-CH" smtClean="0"/>
-              <a:t>06.11.2017</a:t>
+              <a:t>06.11.17</a:t>
             </a:fld>
             <a:endParaRPr lang="de-CH"/>
           </a:p>
@@ -2964,7 +2968,7 @@
           <a:p>
             <a:fld id="{38FEC22D-7D5B-4677-9FAA-EB6027C7F7EE}" type="datetimeFigureOut">
               <a:rPr lang="de-CH" smtClean="0"/>
-              <a:t>06.11.2017</a:t>
+              <a:t>06.11.17</a:t>
             </a:fld>
             <a:endParaRPr lang="de-CH"/>
           </a:p>
@@ -3119,7 +3123,7 @@
           <a:ln/>
           <a:extLst>
             <a:ext uri="{91240B29-F687-4f45-9708-019B960494DF}">
-              <a14:hiddenLine xmlns:a14="http://schemas.microsoft.com/office/drawing/2010/main" xmlns="" w="9525">
+              <a14:hiddenLine xmlns="" xmlns:a14="http://schemas.microsoft.com/office/drawing/2010/main" w="9525">
                 <a:solidFill>
                   <a:srgbClr val="000000"/>
                 </a:solidFill>
@@ -3237,7 +3241,7 @@
           <a:p>
             <a:fld id="{38FEC22D-7D5B-4677-9FAA-EB6027C7F7EE}" type="datetimeFigureOut">
               <a:rPr lang="de-CH" smtClean="0"/>
-              <a:t>06.11.2017</a:t>
+              <a:t>06.11.17</a:t>
             </a:fld>
             <a:endParaRPr lang="de-CH"/>
           </a:p>
@@ -3394,7 +3398,7 @@
           <a:ln/>
           <a:extLst>
             <a:ext uri="{91240B29-F687-4f45-9708-019B960494DF}">
-              <a14:hiddenLine xmlns:a14="http://schemas.microsoft.com/office/drawing/2010/main" xmlns="" w="9525">
+              <a14:hiddenLine xmlns="" xmlns:a14="http://schemas.microsoft.com/office/drawing/2010/main" w="9525">
                 <a:solidFill>
                   <a:srgbClr val="000000"/>
                 </a:solidFill>
@@ -3522,7 +3526,7 @@
           <a:p>
             <a:fld id="{38FEC22D-7D5B-4677-9FAA-EB6027C7F7EE}" type="datetimeFigureOut">
               <a:rPr lang="de-CH" smtClean="0"/>
-              <a:t>06.11.2017</a:t>
+              <a:t>06.11.17</a:t>
             </a:fld>
             <a:endParaRPr lang="de-CH"/>
           </a:p>
@@ -3677,7 +3681,7 @@
           <a:ln/>
           <a:extLst>
             <a:ext uri="{91240B29-F687-4f45-9708-019B960494DF}">
-              <a14:hiddenLine xmlns:a14="http://schemas.microsoft.com/office/drawing/2010/main" xmlns="" w="9525">
+              <a14:hiddenLine xmlns="" xmlns:a14="http://schemas.microsoft.com/office/drawing/2010/main" w="9525">
                 <a:solidFill>
                   <a:srgbClr val="000000"/>
                 </a:solidFill>
@@ -3805,7 +3809,7 @@
           <a:p>
             <a:fld id="{38FEC22D-7D5B-4677-9FAA-EB6027C7F7EE}" type="datetimeFigureOut">
               <a:rPr lang="de-CH" smtClean="0"/>
-              <a:t>06.11.2017</a:t>
+              <a:t>06.11.17</a:t>
             </a:fld>
             <a:endParaRPr lang="de-CH"/>
           </a:p>
@@ -4243,7 +4247,7 @@
           <a:p>
             <a:fld id="{38FEC22D-7D5B-4677-9FAA-EB6027C7F7EE}" type="datetimeFigureOut">
               <a:rPr lang="de-CH" smtClean="0"/>
-              <a:t>06.11.2017</a:t>
+              <a:t>06.11.17</a:t>
             </a:fld>
             <a:endParaRPr lang="de-CH"/>
           </a:p>
@@ -4398,7 +4402,7 @@
           <a:ln/>
           <a:extLst>
             <a:ext uri="{91240B29-F687-4f45-9708-019B960494DF}">
-              <a14:hiddenLine xmlns:a14="http://schemas.microsoft.com/office/drawing/2010/main" xmlns="" w="9525">
+              <a14:hiddenLine xmlns="" xmlns:a14="http://schemas.microsoft.com/office/drawing/2010/main" w="9525">
                 <a:solidFill>
                   <a:srgbClr val="000000"/>
                 </a:solidFill>
@@ -4582,7 +4586,7 @@
           <a:p>
             <a:fld id="{38FEC22D-7D5B-4677-9FAA-EB6027C7F7EE}" type="datetimeFigureOut">
               <a:rPr lang="de-CH" smtClean="0"/>
-              <a:t>06.11.2017</a:t>
+              <a:t>06.11.17</a:t>
             </a:fld>
             <a:endParaRPr lang="de-CH"/>
           </a:p>
@@ -4737,7 +4741,7 @@
           <a:ln/>
           <a:extLst>
             <a:ext uri="{91240B29-F687-4f45-9708-019B960494DF}">
-              <a14:hiddenLine xmlns:a14="http://schemas.microsoft.com/office/drawing/2010/main" xmlns="" w="9525">
+              <a14:hiddenLine xmlns="" xmlns:a14="http://schemas.microsoft.com/office/drawing/2010/main" w="9525">
                 <a:solidFill>
                   <a:srgbClr val="000000"/>
                 </a:solidFill>
@@ -5059,7 +5063,7 @@
           <a:p>
             <a:fld id="{38FEC22D-7D5B-4677-9FAA-EB6027C7F7EE}" type="datetimeFigureOut">
               <a:rPr lang="de-CH" smtClean="0"/>
-              <a:t>06.11.2017</a:t>
+              <a:t>06.11.17</a:t>
             </a:fld>
             <a:endParaRPr lang="de-CH"/>
           </a:p>
@@ -5214,7 +5218,7 @@
           <a:ln/>
           <a:extLst>
             <a:ext uri="{91240B29-F687-4f45-9708-019B960494DF}">
-              <a14:hiddenLine xmlns:a14="http://schemas.microsoft.com/office/drawing/2010/main" xmlns="" w="9525">
+              <a14:hiddenLine xmlns="" xmlns:a14="http://schemas.microsoft.com/office/drawing/2010/main" w="9525">
                 <a:solidFill>
                   <a:srgbClr val="000000"/>
                 </a:solidFill>
@@ -5280,7 +5284,7 @@
           <a:p>
             <a:fld id="{38FEC22D-7D5B-4677-9FAA-EB6027C7F7EE}" type="datetimeFigureOut">
               <a:rPr lang="de-CH" smtClean="0"/>
-              <a:t>06.11.2017</a:t>
+              <a:t>06.11.17</a:t>
             </a:fld>
             <a:endParaRPr lang="de-CH"/>
           </a:p>
@@ -5375,7 +5379,7 @@
           <a:p>
             <a:fld id="{38FEC22D-7D5B-4677-9FAA-EB6027C7F7EE}" type="datetimeFigureOut">
               <a:rPr lang="de-CH" smtClean="0"/>
-              <a:t>06.11.2017</a:t>
+              <a:t>06.11.17</a:t>
             </a:fld>
             <a:endParaRPr lang="de-CH"/>
           </a:p>
@@ -5643,7 +5647,7 @@
           <a:ln/>
           <a:extLst>
             <a:ext uri="{91240B29-F687-4f45-9708-019B960494DF}">
-              <a14:hiddenLine xmlns:a14="http://schemas.microsoft.com/office/drawing/2010/main" xmlns="" w="9525">
+              <a14:hiddenLine xmlns="" xmlns:a14="http://schemas.microsoft.com/office/drawing/2010/main" w="9525">
                 <a:solidFill>
                   <a:srgbClr val="000000"/>
                 </a:solidFill>
@@ -5842,7 +5846,7 @@
           <a:p>
             <a:fld id="{38FEC22D-7D5B-4677-9FAA-EB6027C7F7EE}" type="datetimeFigureOut">
               <a:rPr lang="de-CH" smtClean="0"/>
-              <a:t>06.11.2017</a:t>
+              <a:t>06.11.17</a:t>
             </a:fld>
             <a:endParaRPr lang="de-CH"/>
           </a:p>
@@ -6155,7 +6159,7 @@
           <a:p>
             <a:fld id="{38FEC22D-7D5B-4677-9FAA-EB6027C7F7EE}" type="datetimeFigureOut">
               <a:rPr lang="de-CH" smtClean="0"/>
-              <a:t>06.11.2017</a:t>
+              <a:t>06.11.17</a:t>
             </a:fld>
             <a:endParaRPr lang="de-CH"/>
           </a:p>
@@ -6425,7 +6429,7 @@
           <a:p>
             <a:fld id="{38FEC22D-7D5B-4677-9FAA-EB6027C7F7EE}" type="datetimeFigureOut">
               <a:rPr lang="de-CH" smtClean="0"/>
-              <a:t>06.11.2017</a:t>
+              <a:t>06.11.17</a:t>
             </a:fld>
             <a:endParaRPr lang="de-CH"/>
           </a:p>
@@ -7111,63 +7115,63 @@
                 <a:gridCol w="1970898">
                   <a:extLst>
                     <a:ext uri="{9D8B030D-6E8A-4147-A177-3AD203B41FA5}">
-                      <a16:colId xmlns:a16="http://schemas.microsoft.com/office/drawing/2014/main" val="20000"/>
+                      <a16:colId xmlns:a16="http://schemas.microsoft.com/office/drawing/2014/main" xmlns="" val="20000"/>
                     </a:ext>
                   </a:extLst>
                 </a:gridCol>
                 <a:gridCol w="120408">
                   <a:extLst>
                     <a:ext uri="{9D8B030D-6E8A-4147-A177-3AD203B41FA5}">
-                      <a16:colId xmlns:a16="http://schemas.microsoft.com/office/drawing/2014/main" val="20001"/>
+                      <a16:colId xmlns:a16="http://schemas.microsoft.com/office/drawing/2014/main" xmlns="" val="20001"/>
                     </a:ext>
                   </a:extLst>
                 </a:gridCol>
                 <a:gridCol w="804836">
                   <a:extLst>
                     <a:ext uri="{9D8B030D-6E8A-4147-A177-3AD203B41FA5}">
-                      <a16:colId xmlns:a16="http://schemas.microsoft.com/office/drawing/2014/main" val="20002"/>
+                      <a16:colId xmlns:a16="http://schemas.microsoft.com/office/drawing/2014/main" xmlns="" val="20002"/>
                     </a:ext>
                   </a:extLst>
                 </a:gridCol>
                 <a:gridCol w="804836">
                   <a:extLst>
                     <a:ext uri="{9D8B030D-6E8A-4147-A177-3AD203B41FA5}">
-                      <a16:colId xmlns:a16="http://schemas.microsoft.com/office/drawing/2014/main" val="20003"/>
+                      <a16:colId xmlns:a16="http://schemas.microsoft.com/office/drawing/2014/main" xmlns="" val="20003"/>
                     </a:ext>
                   </a:extLst>
                 </a:gridCol>
                 <a:gridCol w="804836">
                   <a:extLst>
                     <a:ext uri="{9D8B030D-6E8A-4147-A177-3AD203B41FA5}">
-                      <a16:colId xmlns:a16="http://schemas.microsoft.com/office/drawing/2014/main" val="20004"/>
+                      <a16:colId xmlns:a16="http://schemas.microsoft.com/office/drawing/2014/main" xmlns="" val="20004"/>
                     </a:ext>
                   </a:extLst>
                 </a:gridCol>
                 <a:gridCol w="804836">
                   <a:extLst>
                     <a:ext uri="{9D8B030D-6E8A-4147-A177-3AD203B41FA5}">
-                      <a16:colId xmlns:a16="http://schemas.microsoft.com/office/drawing/2014/main" val="20005"/>
+                      <a16:colId xmlns:a16="http://schemas.microsoft.com/office/drawing/2014/main" xmlns="" val="20005"/>
                     </a:ext>
                   </a:extLst>
                 </a:gridCol>
                 <a:gridCol w="804836">
                   <a:extLst>
                     <a:ext uri="{9D8B030D-6E8A-4147-A177-3AD203B41FA5}">
-                      <a16:colId xmlns:a16="http://schemas.microsoft.com/office/drawing/2014/main" val="20006"/>
+                      <a16:colId xmlns:a16="http://schemas.microsoft.com/office/drawing/2014/main" xmlns="" val="20006"/>
                     </a:ext>
                   </a:extLst>
                 </a:gridCol>
                 <a:gridCol w="802723">
                   <a:extLst>
                     <a:ext uri="{9D8B030D-6E8A-4147-A177-3AD203B41FA5}">
-                      <a16:colId xmlns:a16="http://schemas.microsoft.com/office/drawing/2014/main" val="20007"/>
+                      <a16:colId xmlns:a16="http://schemas.microsoft.com/office/drawing/2014/main" xmlns="" val="20007"/>
                     </a:ext>
                   </a:extLst>
                 </a:gridCol>
                 <a:gridCol w="802723">
                   <a:extLst>
                     <a:ext uri="{9D8B030D-6E8A-4147-A177-3AD203B41FA5}">
-                      <a16:colId xmlns:a16="http://schemas.microsoft.com/office/drawing/2014/main" val="20008"/>
+                      <a16:colId xmlns:a16="http://schemas.microsoft.com/office/drawing/2014/main" xmlns="" val="20008"/>
                     </a:ext>
                   </a:extLst>
                 </a:gridCol>
@@ -7382,7 +7386,7 @@
                 </a:tc>
                 <a:extLst>
                   <a:ext uri="{0D108BD9-81ED-4DB2-BD59-A6C34878D82A}">
-                    <a16:rowId xmlns:a16="http://schemas.microsoft.com/office/drawing/2014/main" val="10000"/>
+                    <a16:rowId xmlns:a16="http://schemas.microsoft.com/office/drawing/2014/main" xmlns="" val="10000"/>
                   </a:ext>
                 </a:extLst>
               </a:tr>
@@ -7596,7 +7600,7 @@
                 </a:tc>
                 <a:extLst>
                   <a:ext uri="{0D108BD9-81ED-4DB2-BD59-A6C34878D82A}">
-                    <a16:rowId xmlns:a16="http://schemas.microsoft.com/office/drawing/2014/main" val="10001"/>
+                    <a16:rowId xmlns:a16="http://schemas.microsoft.com/office/drawing/2014/main" xmlns="" val="10001"/>
                   </a:ext>
                 </a:extLst>
               </a:tr>
@@ -7810,7 +7814,7 @@
                 </a:tc>
                 <a:extLst>
                   <a:ext uri="{0D108BD9-81ED-4DB2-BD59-A6C34878D82A}">
-                    <a16:rowId xmlns:a16="http://schemas.microsoft.com/office/drawing/2014/main" val="10002"/>
+                    <a16:rowId xmlns:a16="http://schemas.microsoft.com/office/drawing/2014/main" xmlns="" val="10002"/>
                   </a:ext>
                 </a:extLst>
               </a:tr>
@@ -8024,7 +8028,7 @@
                 </a:tc>
                 <a:extLst>
                   <a:ext uri="{0D108BD9-81ED-4DB2-BD59-A6C34878D82A}">
-                    <a16:rowId xmlns:a16="http://schemas.microsoft.com/office/drawing/2014/main" val="10003"/>
+                    <a16:rowId xmlns:a16="http://schemas.microsoft.com/office/drawing/2014/main" xmlns="" val="10003"/>
                   </a:ext>
                 </a:extLst>
               </a:tr>
@@ -8238,7 +8242,7 @@
                 </a:tc>
                 <a:extLst>
                   <a:ext uri="{0D108BD9-81ED-4DB2-BD59-A6C34878D82A}">
-                    <a16:rowId xmlns:a16="http://schemas.microsoft.com/office/drawing/2014/main" val="10004"/>
+                    <a16:rowId xmlns:a16="http://schemas.microsoft.com/office/drawing/2014/main" xmlns="" val="10004"/>
                   </a:ext>
                 </a:extLst>
               </a:tr>
@@ -8452,7 +8456,7 @@
                 </a:tc>
                 <a:extLst>
                   <a:ext uri="{0D108BD9-81ED-4DB2-BD59-A6C34878D82A}">
-                    <a16:rowId xmlns:a16="http://schemas.microsoft.com/office/drawing/2014/main" val="10005"/>
+                    <a16:rowId xmlns:a16="http://schemas.microsoft.com/office/drawing/2014/main" xmlns="" val="10005"/>
                   </a:ext>
                 </a:extLst>
               </a:tr>
@@ -8666,7 +8670,7 @@
                 </a:tc>
                 <a:extLst>
                   <a:ext uri="{0D108BD9-81ED-4DB2-BD59-A6C34878D82A}">
-                    <a16:rowId xmlns:a16="http://schemas.microsoft.com/office/drawing/2014/main" val="10006"/>
+                    <a16:rowId xmlns:a16="http://schemas.microsoft.com/office/drawing/2014/main" xmlns="" val="10006"/>
                   </a:ext>
                 </a:extLst>
               </a:tr>
@@ -8880,7 +8884,7 @@
                 </a:tc>
                 <a:extLst>
                   <a:ext uri="{0D108BD9-81ED-4DB2-BD59-A6C34878D82A}">
-                    <a16:rowId xmlns:a16="http://schemas.microsoft.com/office/drawing/2014/main" val="10007"/>
+                    <a16:rowId xmlns:a16="http://schemas.microsoft.com/office/drawing/2014/main" xmlns="" val="10007"/>
                   </a:ext>
                 </a:extLst>
               </a:tr>
@@ -9094,7 +9098,7 @@
                 </a:tc>
                 <a:extLst>
                   <a:ext uri="{0D108BD9-81ED-4DB2-BD59-A6C34878D82A}">
-                    <a16:rowId xmlns:a16="http://schemas.microsoft.com/office/drawing/2014/main" val="10008"/>
+                    <a16:rowId xmlns:a16="http://schemas.microsoft.com/office/drawing/2014/main" xmlns="" val="10008"/>
                   </a:ext>
                 </a:extLst>
               </a:tr>
@@ -9308,7 +9312,7 @@
                 </a:tc>
                 <a:extLst>
                   <a:ext uri="{0D108BD9-81ED-4DB2-BD59-A6C34878D82A}">
-                    <a16:rowId xmlns:a16="http://schemas.microsoft.com/office/drawing/2014/main" val="10009"/>
+                    <a16:rowId xmlns:a16="http://schemas.microsoft.com/office/drawing/2014/main" xmlns="" val="10009"/>
                   </a:ext>
                 </a:extLst>
               </a:tr>
@@ -9373,7 +9377,7 @@
           <p:cNvPr id="5" name="Inhaltsplatzhalter 4">
             <a:extLst>
               <a:ext uri="{FF2B5EF4-FFF2-40B4-BE49-F238E27FC236}">
-                <a16:creationId xmlns:a16="http://schemas.microsoft.com/office/drawing/2014/main" id="{FF7FE7BC-62B1-42C8-9148-87CD73684683}"/>
+                <a16:creationId xmlns:a16="http://schemas.microsoft.com/office/drawing/2014/main" xmlns="" id="{FF7FE7BC-62B1-42C8-9148-87CD73684683}"/>
               </a:ext>
             </a:extLst>
           </p:cNvPr>
@@ -9384,7 +9388,7 @@
             <p:ph idx="1"/>
             <p:extLst>
               <p:ext uri="{D42A27DB-BD31-4B8C-83A1-F6EECF244321}">
-                <p14:modId xmlns:p14="http://schemas.microsoft.com/office/powerpoint/2010/main" val="2682221352"/>
+                <p14:modId xmlns:p14="http://schemas.microsoft.com/office/powerpoint/2010/main" val="293813906"/>
               </p:ext>
             </p:extLst>
           </p:nvPr>
@@ -9403,70 +9407,70 @@
                 <a:gridCol w="334501">
                   <a:extLst>
                     <a:ext uri="{9D8B030D-6E8A-4147-A177-3AD203B41FA5}">
-                      <a16:colId xmlns:a16="http://schemas.microsoft.com/office/drawing/2014/main" val="1756958949"/>
+                      <a16:colId xmlns:a16="http://schemas.microsoft.com/office/drawing/2014/main" xmlns="" val="1756958949"/>
                     </a:ext>
                   </a:extLst>
                 </a:gridCol>
                 <a:gridCol w="1614835">
                   <a:extLst>
                     <a:ext uri="{9D8B030D-6E8A-4147-A177-3AD203B41FA5}">
-                      <a16:colId xmlns:a16="http://schemas.microsoft.com/office/drawing/2014/main" val="2119582681"/>
+                      <a16:colId xmlns:a16="http://schemas.microsoft.com/office/drawing/2014/main" xmlns="" val="2119582681"/>
                     </a:ext>
                   </a:extLst>
                 </a:gridCol>
                 <a:gridCol w="2030078">
                   <a:extLst>
                     <a:ext uri="{9D8B030D-6E8A-4147-A177-3AD203B41FA5}">
-                      <a16:colId xmlns:a16="http://schemas.microsoft.com/office/drawing/2014/main" val="309405549"/>
+                      <a16:colId xmlns:a16="http://schemas.microsoft.com/office/drawing/2014/main" xmlns="" val="309405549"/>
                     </a:ext>
                   </a:extLst>
                 </a:gridCol>
                 <a:gridCol w="3506498">
                   <a:extLst>
                     <a:ext uri="{9D8B030D-6E8A-4147-A177-3AD203B41FA5}">
-                      <a16:colId xmlns:a16="http://schemas.microsoft.com/office/drawing/2014/main" val="617832737"/>
+                      <a16:colId xmlns:a16="http://schemas.microsoft.com/office/drawing/2014/main" xmlns="" val="617832737"/>
                     </a:ext>
                   </a:extLst>
                 </a:gridCol>
                 <a:gridCol w="296429">
                   <a:extLst>
                     <a:ext uri="{9D8B030D-6E8A-4147-A177-3AD203B41FA5}">
-                      <a16:colId xmlns:a16="http://schemas.microsoft.com/office/drawing/2014/main" val="2844262930"/>
+                      <a16:colId xmlns:a16="http://schemas.microsoft.com/office/drawing/2014/main" xmlns="" val="2844262930"/>
                     </a:ext>
                   </a:extLst>
                 </a:gridCol>
                 <a:gridCol w="327991">
                   <a:extLst>
                     <a:ext uri="{9D8B030D-6E8A-4147-A177-3AD203B41FA5}">
-                      <a16:colId xmlns:a16="http://schemas.microsoft.com/office/drawing/2014/main" val="3985694485"/>
+                      <a16:colId xmlns:a16="http://schemas.microsoft.com/office/drawing/2014/main" xmlns="" val="3985694485"/>
                     </a:ext>
                   </a:extLst>
                 </a:gridCol>
                 <a:gridCol w="337931">
                   <a:extLst>
                     <a:ext uri="{9D8B030D-6E8A-4147-A177-3AD203B41FA5}">
-                      <a16:colId xmlns:a16="http://schemas.microsoft.com/office/drawing/2014/main" val="936486431"/>
+                      <a16:colId xmlns:a16="http://schemas.microsoft.com/office/drawing/2014/main" xmlns="" val="936486431"/>
                     </a:ext>
                   </a:extLst>
                 </a:gridCol>
                 <a:gridCol w="1848678">
                   <a:extLst>
                     <a:ext uri="{9D8B030D-6E8A-4147-A177-3AD203B41FA5}">
-                      <a16:colId xmlns:a16="http://schemas.microsoft.com/office/drawing/2014/main" val="983719914"/>
+                      <a16:colId xmlns:a16="http://schemas.microsoft.com/office/drawing/2014/main" xmlns="" val="983719914"/>
                     </a:ext>
                   </a:extLst>
                 </a:gridCol>
                 <a:gridCol w="954157">
                   <a:extLst>
                     <a:ext uri="{9D8B030D-6E8A-4147-A177-3AD203B41FA5}">
-                      <a16:colId xmlns:a16="http://schemas.microsoft.com/office/drawing/2014/main" val="2979302150"/>
+                      <a16:colId xmlns:a16="http://schemas.microsoft.com/office/drawing/2014/main" xmlns="" val="2979302150"/>
                     </a:ext>
                   </a:extLst>
                 </a:gridCol>
                 <a:gridCol w="940904">
                   <a:extLst>
                     <a:ext uri="{9D8B030D-6E8A-4147-A177-3AD203B41FA5}">
-                      <a16:colId xmlns:a16="http://schemas.microsoft.com/office/drawing/2014/main" val="3779189737"/>
+                      <a16:colId xmlns:a16="http://schemas.microsoft.com/office/drawing/2014/main" xmlns="" val="3779189737"/>
                     </a:ext>
                   </a:extLst>
                 </a:gridCol>
@@ -9704,7 +9708,7 @@
                 </a:tc>
                 <a:extLst>
                   <a:ext uri="{0D108BD9-81ED-4DB2-BD59-A6C34878D82A}">
-                    <a16:rowId xmlns:a16="http://schemas.microsoft.com/office/drawing/2014/main" val="204507381"/>
+                    <a16:rowId xmlns:a16="http://schemas.microsoft.com/office/drawing/2014/main" xmlns="" val="204507381"/>
                   </a:ext>
                 </a:extLst>
               </a:tr>
@@ -9788,7 +9792,31 @@
                         <a:rPr lang="de-CH" sz="1400" u="none" strike="noStrike" dirty="0">
                           <a:effectLst/>
                         </a:rPr>
-                        <a:t>sich in gewissen Aufgaben verlieren</a:t>
+                        <a:t>S</a:t>
+                      </a:r>
+                      <a:r>
+                        <a:rPr lang="de-CH" sz="1400" u="none" strike="noStrike" dirty="0" smtClean="0">
+                          <a:effectLst/>
+                        </a:rPr>
+                        <a:t>ich </a:t>
+                      </a:r>
+                      <a:r>
+                        <a:rPr lang="de-CH" sz="1400" u="none" strike="noStrike" dirty="0">
+                          <a:effectLst/>
+                        </a:rPr>
+                        <a:t>in </a:t>
+                      </a:r>
+                      <a:r>
+                        <a:rPr lang="de-CH" sz="1400" u="none" strike="noStrike" dirty="0" smtClean="0">
+                          <a:effectLst/>
+                        </a:rPr>
+                        <a:t>Aufgaben </a:t>
+                      </a:r>
+                      <a:r>
+                        <a:rPr lang="de-CH" sz="1400" u="none" strike="noStrike" dirty="0">
+                          <a:effectLst/>
+                        </a:rPr>
+                        <a:t>verlieren</a:t>
                       </a:r>
                       <a:endParaRPr lang="de-CH" sz="1400" b="0" i="0" u="none" strike="noStrike" dirty="0">
                         <a:solidFill>
@@ -9880,7 +9908,19 @@
                         <a:rPr lang="de-CH" sz="1400" u="none" strike="noStrike" dirty="0">
                           <a:effectLst/>
                         </a:rPr>
-                        <a:t>Gute Aufgabenverteilung, Sitzungen</a:t>
+                        <a:t>Gute </a:t>
+                      </a:r>
+                      <a:r>
+                        <a:rPr lang="de-CH" sz="1400" u="none" strike="noStrike" dirty="0" smtClean="0">
+                          <a:effectLst/>
+                        </a:rPr>
+                        <a:t>Aufgabenteilung</a:t>
+                      </a:r>
+                      <a:r>
+                        <a:rPr lang="de-CH" sz="1400" u="none" strike="noStrike" dirty="0">
+                          <a:effectLst/>
+                        </a:rPr>
+                        <a:t>, Sitzungen</a:t>
                       </a:r>
                       <a:endParaRPr lang="de-CH" sz="1400" b="0" i="0" u="none" strike="noStrike" dirty="0">
                         <a:solidFill>
@@ -9941,7 +9981,7 @@
                 </a:tc>
                 <a:extLst>
                   <a:ext uri="{0D108BD9-81ED-4DB2-BD59-A6C34878D82A}">
-                    <a16:rowId xmlns:a16="http://schemas.microsoft.com/office/drawing/2014/main" val="2099330729"/>
+                    <a16:rowId xmlns:a16="http://schemas.microsoft.com/office/drawing/2014/main" xmlns="" val="2099330729"/>
                   </a:ext>
                 </a:extLst>
               </a:tr>
@@ -10025,19 +10065,31 @@
                         <a:rPr lang="de-CH" sz="1400" u="none" strike="noStrike" dirty="0">
                           <a:effectLst/>
                         </a:rPr>
-                        <a:t>verschiedene </a:t>
-                      </a:r>
-                      <a:r>
-                        <a:rPr lang="de-CH" sz="1400" u="none" strike="noStrike" dirty="0" err="1">
-                          <a:effectLst/>
-                        </a:rPr>
-                        <a:t>versionen</a:t>
+                        <a:t>V</a:t>
+                      </a:r>
+                      <a:r>
+                        <a:rPr lang="de-CH" sz="1400" u="none" strike="noStrike" dirty="0" smtClean="0">
+                          <a:effectLst/>
+                        </a:rPr>
+                        <a:t>erschiedene </a:t>
                       </a:r>
                       <a:r>
                         <a:rPr lang="de-CH" sz="1400" u="none" strike="noStrike" dirty="0">
                           <a:effectLst/>
                         </a:rPr>
-                        <a:t> einer Datei auf </a:t>
+                        <a:t>V</a:t>
+                      </a:r>
+                      <a:r>
+                        <a:rPr lang="de-CH" sz="1400" u="none" strike="noStrike" dirty="0" smtClean="0">
+                          <a:effectLst/>
+                        </a:rPr>
+                        <a:t>ersionen </a:t>
+                      </a:r>
+                      <a:r>
+                        <a:rPr lang="de-CH" sz="1400" u="none" strike="noStrike" dirty="0">
+                          <a:effectLst/>
+                        </a:rPr>
+                        <a:t>einer Datei auf </a:t>
                       </a:r>
                       <a:r>
                         <a:rPr lang="de-CH" sz="1400" u="none" strike="noStrike" dirty="0" err="1">
@@ -10138,10 +10190,196 @@
                     <a:p>
                       <a:pPr algn="l" fontAlgn="b"/>
                       <a:r>
+                        <a:rPr lang="de-CH" sz="1400" u="none" strike="noStrike" dirty="0">
+                          <a:effectLst/>
+                        </a:rPr>
+                        <a:t>Immer </a:t>
+                      </a:r>
+                      <a:r>
+                        <a:rPr lang="de-CH" sz="1400" u="none" strike="noStrike" dirty="0" smtClean="0">
+                          <a:effectLst/>
+                        </a:rPr>
+                        <a:t>pullen </a:t>
+                      </a:r>
+                      <a:r>
+                        <a:rPr lang="de-CH" sz="1400" u="none" strike="noStrike" dirty="0">
+                          <a:effectLst/>
+                        </a:rPr>
+                        <a:t>vor </a:t>
+                      </a:r>
+                      <a:r>
+                        <a:rPr lang="de-CH" sz="1400" u="none" strike="noStrike" dirty="0" smtClean="0">
+                          <a:effectLst/>
+                        </a:rPr>
+                        <a:t>pushen</a:t>
+                      </a:r>
+                      <a:endParaRPr lang="de-CH" sz="1400" b="0" i="0" u="none" strike="noStrike" dirty="0">
+                        <a:solidFill>
+                          <a:schemeClr val="tx1"/>
+                        </a:solidFill>
+                        <a:effectLst/>
+                        <a:latin typeface="Calibri" panose="020F0502020204030204" pitchFamily="34" charset="0"/>
+                      </a:endParaRPr>
+                    </a:p>
+                  </a:txBody>
+                  <a:tcPr marL="5969" marR="5969" marT="5969" marB="0" anchor="ctr"/>
+                </a:tc>
+                <a:tc>
+                  <a:txBody>
+                    <a:bodyPr/>
+                    <a:lstStyle/>
+                    <a:p>
+                      <a:pPr algn="r" fontAlgn="b"/>
+                      <a:r>
                         <a:rPr lang="de-CH" sz="1400" u="none" strike="noStrike">
                           <a:effectLst/>
                         </a:rPr>
-                        <a:t>Immer Pullen vor Pushen</a:t>
+                        <a:t>30.10.2017</a:t>
+                      </a:r>
+                      <a:endParaRPr lang="de-CH" sz="1400" b="0" i="0" u="none" strike="noStrike">
+                        <a:solidFill>
+                          <a:schemeClr val="tx1"/>
+                        </a:solidFill>
+                        <a:effectLst/>
+                        <a:latin typeface="Calibri" panose="020F0502020204030204" pitchFamily="34" charset="0"/>
+                      </a:endParaRPr>
+                    </a:p>
+                  </a:txBody>
+                  <a:tcPr marL="5969" marR="5969" marT="5969" marB="0" anchor="ctr"/>
+                </a:tc>
+                <a:tc>
+                  <a:txBody>
+                    <a:bodyPr/>
+                    <a:lstStyle/>
+                    <a:p>
+                      <a:pPr algn="l" fontAlgn="b"/>
+                      <a:r>
+                        <a:rPr lang="de-CH" sz="1400" u="none" strike="noStrike" dirty="0">
+                          <a:effectLst/>
+                        </a:rPr>
+                        <a:t>Alle</a:t>
+                      </a:r>
+                      <a:endParaRPr lang="de-CH" sz="1400" b="0" i="0" u="none" strike="noStrike" dirty="0">
+                        <a:solidFill>
+                          <a:schemeClr val="tx1"/>
+                        </a:solidFill>
+                        <a:effectLst/>
+                        <a:latin typeface="Calibri" panose="020F0502020204030204" pitchFamily="34" charset="0"/>
+                      </a:endParaRPr>
+                    </a:p>
+                  </a:txBody>
+                  <a:tcPr marL="5969" marR="5969" marT="5969" marB="0" anchor="ctr"/>
+                </a:tc>
+                <a:extLst>
+                  <a:ext uri="{0D108BD9-81ED-4DB2-BD59-A6C34878D82A}">
+                    <a16:rowId xmlns:a16="http://schemas.microsoft.com/office/drawing/2014/main" xmlns="" val="1504547318"/>
+                  </a:ext>
+                </a:extLst>
+              </a:tr>
+              <a:tr h="341807">
+                <a:tc>
+                  <a:txBody>
+                    <a:bodyPr/>
+                    <a:lstStyle/>
+                    <a:p>
+                      <a:pPr algn="r" fontAlgn="b"/>
+                      <a:r>
+                        <a:rPr lang="de-CH" sz="1400" u="none" strike="noStrike" dirty="0">
+                          <a:effectLst/>
+                        </a:rPr>
+                        <a:t>3</a:t>
+                      </a:r>
+                      <a:endParaRPr lang="de-CH" sz="1400" b="0" i="0" u="none" strike="noStrike" dirty="0">
+                        <a:solidFill>
+                          <a:schemeClr val="tx1"/>
+                        </a:solidFill>
+                        <a:effectLst/>
+                        <a:latin typeface="Calibri" panose="020F0502020204030204" pitchFamily="34" charset="0"/>
+                      </a:endParaRPr>
+                    </a:p>
+                  </a:txBody>
+                  <a:tcPr marL="5969" marR="5969" marT="5969" marB="0" anchor="ctr"/>
+                </a:tc>
+                <a:tc>
+                  <a:txBody>
+                    <a:bodyPr/>
+                    <a:lstStyle/>
+                    <a:p>
+                      <a:pPr algn="l" fontAlgn="b"/>
+                      <a:r>
+                        <a:rPr lang="de-CH" sz="1400" u="none" strike="noStrike" dirty="0">
+                          <a:effectLst/>
+                        </a:rPr>
+                        <a:t>Organisation, Kommunikation</a:t>
+                      </a:r>
+                      <a:endParaRPr lang="de-CH" sz="1400" b="0" i="0" u="none" strike="noStrike" dirty="0">
+                        <a:solidFill>
+                          <a:schemeClr val="tx1"/>
+                        </a:solidFill>
+                        <a:effectLst/>
+                        <a:latin typeface="Calibri" panose="020F0502020204030204" pitchFamily="34" charset="0"/>
+                      </a:endParaRPr>
+                    </a:p>
+                  </a:txBody>
+                  <a:tcPr marL="5969" marR="5969" marT="5969" marB="0" anchor="ctr"/>
+                </a:tc>
+                <a:tc>
+                  <a:txBody>
+                    <a:bodyPr/>
+                    <a:lstStyle/>
+                    <a:p>
+                      <a:pPr algn="l" fontAlgn="b"/>
+                      <a:r>
+                        <a:rPr lang="de-CH" sz="1400" u="none" strike="noStrike" dirty="0">
+                          <a:effectLst/>
+                        </a:rPr>
+                        <a:t>Fehlende Kommunikation</a:t>
+                      </a:r>
+                      <a:endParaRPr lang="de-CH" sz="1400" b="0" i="0" u="none" strike="noStrike" dirty="0">
+                        <a:solidFill>
+                          <a:schemeClr val="tx1"/>
+                        </a:solidFill>
+                        <a:effectLst/>
+                        <a:latin typeface="Calibri" panose="020F0502020204030204" pitchFamily="34" charset="0"/>
+                      </a:endParaRPr>
+                    </a:p>
+                  </a:txBody>
+                  <a:tcPr marL="5969" marR="5969" marT="5969" marB="0" anchor="ctr"/>
+                </a:tc>
+                <a:tc>
+                  <a:txBody>
+                    <a:bodyPr/>
+                    <a:lstStyle/>
+                    <a:p>
+                      <a:pPr algn="l" fontAlgn="b"/>
+                      <a:r>
+                        <a:rPr lang="de-CH" sz="1400" u="none" strike="noStrike" dirty="0">
+                          <a:effectLst/>
+                        </a:rPr>
+                        <a:t>Aufgaben bleiben aus</a:t>
+                      </a:r>
+                      <a:endParaRPr lang="de-CH" sz="1400" b="0" i="0" u="none" strike="noStrike" dirty="0">
+                        <a:solidFill>
+                          <a:schemeClr val="tx1"/>
+                        </a:solidFill>
+                        <a:effectLst/>
+                        <a:latin typeface="Calibri" panose="020F0502020204030204" pitchFamily="34" charset="0"/>
+                      </a:endParaRPr>
+                    </a:p>
+                  </a:txBody>
+                  <a:tcPr marL="5969" marR="5969" marT="5969" marB="0" anchor="ctr"/>
+                </a:tc>
+                <a:tc>
+                  <a:txBody>
+                    <a:bodyPr/>
+                    <a:lstStyle/>
+                    <a:p>
+                      <a:pPr algn="r" fontAlgn="b"/>
+                      <a:r>
+                        <a:rPr lang="de-CH" sz="1400" u="none" strike="noStrike">
+                          <a:effectLst/>
+                        </a:rPr>
+                        <a:t>1</a:t>
                       </a:r>
                       <a:endParaRPr lang="de-CH" sz="1400" b="0" i="0" u="none" strike="noStrike">
                         <a:solidFill>
@@ -10164,7 +10402,30 @@
                         <a:rPr lang="de-CH" sz="1400" u="none" strike="noStrike">
                           <a:effectLst/>
                         </a:rPr>
-                        <a:t>30.10.2017</a:t>
+                        <a:t>3</a:t>
+                      </a:r>
+                      <a:endParaRPr lang="de-CH" sz="1400" b="0" i="0" u="none" strike="noStrike">
+                        <a:solidFill>
+                          <a:schemeClr val="tx1"/>
+                        </a:solidFill>
+                        <a:effectLst/>
+                        <a:latin typeface="Calibri" panose="020F0502020204030204" pitchFamily="34" charset="0"/>
+                      </a:endParaRPr>
+                    </a:p>
+                  </a:txBody>
+                  <a:tcPr marL="5969" marR="5969" marT="5969" marB="0" anchor="ctr"/>
+                </a:tc>
+                <a:tc>
+                  <a:txBody>
+                    <a:bodyPr/>
+                    <a:lstStyle/>
+                    <a:p>
+                      <a:pPr algn="r" fontAlgn="b"/>
+                      <a:r>
+                        <a:rPr lang="de-CH" sz="1400" u="none" strike="noStrike">
+                          <a:effectLst/>
+                        </a:rPr>
+                        <a:t>3</a:t>
                       </a:r>
                       <a:endParaRPr lang="de-CH" sz="1400" b="0" i="0" u="none" strike="noStrike">
                         <a:solidFill>
@@ -10184,12 +10445,58 @@
                     <a:p>
                       <a:pPr algn="l" fontAlgn="b"/>
                       <a:r>
-                        <a:rPr lang="de-CH" sz="1400" u="none" strike="noStrike" dirty="0">
-                          <a:effectLst/>
-                        </a:rPr>
-                        <a:t>Alle</a:t>
-                      </a:r>
-                      <a:endParaRPr lang="de-CH" sz="1400" b="0" i="0" u="none" strike="noStrike" dirty="0">
+                        <a:rPr lang="de-CH" sz="1400" u="none" strike="noStrike">
+                          <a:effectLst/>
+                        </a:rPr>
+                        <a:t>Sitzungen, gutes Absprechen</a:t>
+                      </a:r>
+                      <a:endParaRPr lang="de-CH" sz="1400" b="0" i="0" u="none" strike="noStrike">
+                        <a:solidFill>
+                          <a:schemeClr val="tx1"/>
+                        </a:solidFill>
+                        <a:effectLst/>
+                        <a:latin typeface="Calibri" panose="020F0502020204030204" pitchFamily="34" charset="0"/>
+                      </a:endParaRPr>
+                    </a:p>
+                  </a:txBody>
+                  <a:tcPr marL="5969" marR="5969" marT="5969" marB="0" anchor="ctr"/>
+                </a:tc>
+                <a:tc>
+                  <a:txBody>
+                    <a:bodyPr/>
+                    <a:lstStyle/>
+                    <a:p>
+                      <a:pPr algn="r" fontAlgn="b"/>
+                      <a:r>
+                        <a:rPr lang="de-CH" sz="1400" u="none" strike="noStrike">
+                          <a:effectLst/>
+                        </a:rPr>
+                        <a:t>30.10.2017</a:t>
+                      </a:r>
+                      <a:endParaRPr lang="de-CH" sz="1400" b="0" i="0" u="none" strike="noStrike">
+                        <a:solidFill>
+                          <a:schemeClr val="tx1"/>
+                        </a:solidFill>
+                        <a:effectLst/>
+                        <a:latin typeface="Calibri" panose="020F0502020204030204" pitchFamily="34" charset="0"/>
+                      </a:endParaRPr>
+                    </a:p>
+                  </a:txBody>
+                  <a:tcPr marL="5969" marR="5969" marT="5969" marB="0" anchor="ctr"/>
+                </a:tc>
+                <a:tc>
+                  <a:txBody>
+                    <a:bodyPr/>
+                    <a:lstStyle/>
+                    <a:p>
+                      <a:pPr algn="l" fontAlgn="b"/>
+                      <a:r>
+                        <a:rPr lang="de-CH" sz="1400" u="none" strike="noStrike">
+                          <a:effectLst/>
+                        </a:rPr>
+                        <a:t>Nico Lutz</a:t>
+                      </a:r>
+                      <a:endParaRPr lang="de-CH" sz="1400" b="0" i="0" u="none" strike="noStrike">
                         <a:solidFill>
                           <a:schemeClr val="tx1"/>
                         </a:solidFill>
@@ -10202,7 +10509,7 @@
                 </a:tc>
                 <a:extLst>
                   <a:ext uri="{0D108BD9-81ED-4DB2-BD59-A6C34878D82A}">
-                    <a16:rowId xmlns:a16="http://schemas.microsoft.com/office/drawing/2014/main" val="1504547318"/>
+                    <a16:rowId xmlns:a16="http://schemas.microsoft.com/office/drawing/2014/main" xmlns="" val="137664474"/>
                   </a:ext>
                 </a:extLst>
               </a:tr>
@@ -10217,7 +10524,7 @@
                         <a:rPr lang="de-CH" sz="1400" u="none" strike="noStrike" dirty="0">
                           <a:effectLst/>
                         </a:rPr>
-                        <a:t>3</a:t>
+                        <a:t>4</a:t>
                       </a:r>
                       <a:endParaRPr lang="de-CH" sz="1400" b="0" i="0" u="none" strike="noStrike" dirty="0">
                         <a:solidFill>
@@ -10237,10 +10544,33 @@
                     <a:p>
                       <a:pPr algn="l" fontAlgn="b"/>
                       <a:r>
+                        <a:rPr lang="de-CH" sz="1400" u="none" strike="noStrike">
+                          <a:effectLst/>
+                        </a:rPr>
+                        <a:t>Programmieren</a:t>
+                      </a:r>
+                      <a:endParaRPr lang="de-CH" sz="1400" b="0" i="0" u="none" strike="noStrike">
+                        <a:solidFill>
+                          <a:schemeClr val="tx1"/>
+                        </a:solidFill>
+                        <a:effectLst/>
+                        <a:latin typeface="Calibri" panose="020F0502020204030204" pitchFamily="34" charset="0"/>
+                      </a:endParaRPr>
+                    </a:p>
+                  </a:txBody>
+                  <a:tcPr marL="5969" marR="5969" marT="5969" marB="0" anchor="ctr"/>
+                </a:tc>
+                <a:tc>
+                  <a:txBody>
+                    <a:bodyPr/>
+                    <a:lstStyle/>
+                    <a:p>
+                      <a:pPr algn="l" fontAlgn="b"/>
+                      <a:r>
                         <a:rPr lang="de-CH" sz="1400" u="none" strike="noStrike" dirty="0">
                           <a:effectLst/>
                         </a:rPr>
-                        <a:t>Organisation, Kommunikation</a:t>
+                        <a:t>Schlechte Wahl der Arbeitswerkzeuge</a:t>
                       </a:r>
                       <a:endParaRPr lang="de-CH" sz="1400" b="0" i="0" u="none" strike="noStrike" dirty="0">
                         <a:solidFill>
@@ -10260,33 +10590,28 @@
                     <a:p>
                       <a:pPr algn="l" fontAlgn="b"/>
                       <a:r>
+                        <a:rPr lang="de-CH" sz="1400" u="none" strike="noStrike" dirty="0" smtClean="0">
+                          <a:effectLst/>
+                        </a:rPr>
+                        <a:t>Probleme </a:t>
+                      </a:r>
+                      <a:r>
                         <a:rPr lang="de-CH" sz="1400" u="none" strike="noStrike" dirty="0">
                           <a:effectLst/>
                         </a:rPr>
-                        <a:t>Fehlende Kommunikation</a:t>
-                      </a:r>
-                      <a:endParaRPr lang="de-CH" sz="1400" b="0" i="0" u="none" strike="noStrike" dirty="0">
-                        <a:solidFill>
-                          <a:schemeClr val="tx1"/>
-                        </a:solidFill>
-                        <a:effectLst/>
-                        <a:latin typeface="Calibri" panose="020F0502020204030204" pitchFamily="34" charset="0"/>
-                      </a:endParaRPr>
-                    </a:p>
-                  </a:txBody>
-                  <a:tcPr marL="5969" marR="5969" marT="5969" marB="0" anchor="ctr"/>
-                </a:tc>
-                <a:tc>
-                  <a:txBody>
-                    <a:bodyPr/>
-                    <a:lstStyle/>
-                    <a:p>
-                      <a:pPr algn="l" fontAlgn="b"/>
+                        <a:t>mit der </a:t>
+                      </a:r>
+                      <a:r>
+                        <a:rPr lang="de-CH" sz="1400" u="none" strike="noStrike" dirty="0" smtClean="0">
+                          <a:effectLst/>
+                        </a:rPr>
+                        <a:t>ausgewählten </a:t>
+                      </a:r>
                       <a:r>
                         <a:rPr lang="de-CH" sz="1400" u="none" strike="noStrike" dirty="0">
                           <a:effectLst/>
                         </a:rPr>
-                        <a:t>Aufgaben bleiben aus</a:t>
+                        <a:t>Programmiersprache</a:t>
                       </a:r>
                       <a:endParaRPr lang="de-CH" sz="1400" b="0" i="0" u="none" strike="noStrike" dirty="0">
                         <a:solidFill>
@@ -10309,7 +10634,7 @@
                         <a:rPr lang="de-CH" sz="1400" u="none" strike="noStrike">
                           <a:effectLst/>
                         </a:rPr>
-                        <a:t>1</a:t>
+                        <a:t>2</a:t>
                       </a:r>
                       <a:endParaRPr lang="de-CH" sz="1400" b="0" i="0" u="none" strike="noStrike">
                         <a:solidFill>
@@ -10332,7 +10657,7 @@
                         <a:rPr lang="de-CH" sz="1400" u="none" strike="noStrike">
                           <a:effectLst/>
                         </a:rPr>
-                        <a:t>3</a:t>
+                        <a:t>2</a:t>
                       </a:r>
                       <a:endParaRPr lang="de-CH" sz="1400" b="0" i="0" u="none" strike="noStrike">
                         <a:solidFill>
@@ -10355,7 +10680,7 @@
                         <a:rPr lang="de-CH" sz="1400" u="none" strike="noStrike">
                           <a:effectLst/>
                         </a:rPr>
-                        <a:t>3</a:t>
+                        <a:t>2</a:t>
                       </a:r>
                       <a:endParaRPr lang="de-CH" sz="1400" b="0" i="0" u="none" strike="noStrike">
                         <a:solidFill>
@@ -10378,7 +10703,7 @@
                         <a:rPr lang="de-CH" sz="1400" u="none" strike="noStrike">
                           <a:effectLst/>
                         </a:rPr>
-                        <a:t>Sitzungen, gutes Absprechen</a:t>
+                        <a:t>Kommunikation, informieren</a:t>
                       </a:r>
                       <a:endParaRPr lang="de-CH" sz="1400" b="0" i="0" u="none" strike="noStrike">
                         <a:solidFill>
@@ -10421,243 +10746,6 @@
                     <a:p>
                       <a:pPr algn="l" fontAlgn="b"/>
                       <a:r>
-                        <a:rPr lang="de-CH" sz="1400" u="none" strike="noStrike">
-                          <a:effectLst/>
-                        </a:rPr>
-                        <a:t>Nico Lutz</a:t>
-                      </a:r>
-                      <a:endParaRPr lang="de-CH" sz="1400" b="0" i="0" u="none" strike="noStrike">
-                        <a:solidFill>
-                          <a:schemeClr val="tx1"/>
-                        </a:solidFill>
-                        <a:effectLst/>
-                        <a:latin typeface="Calibri" panose="020F0502020204030204" pitchFamily="34" charset="0"/>
-                      </a:endParaRPr>
-                    </a:p>
-                  </a:txBody>
-                  <a:tcPr marL="5969" marR="5969" marT="5969" marB="0" anchor="ctr"/>
-                </a:tc>
-                <a:extLst>
-                  <a:ext uri="{0D108BD9-81ED-4DB2-BD59-A6C34878D82A}">
-                    <a16:rowId xmlns:a16="http://schemas.microsoft.com/office/drawing/2014/main" val="137664474"/>
-                  </a:ext>
-                </a:extLst>
-              </a:tr>
-              <a:tr h="341807">
-                <a:tc>
-                  <a:txBody>
-                    <a:bodyPr/>
-                    <a:lstStyle/>
-                    <a:p>
-                      <a:pPr algn="r" fontAlgn="b"/>
-                      <a:r>
-                        <a:rPr lang="de-CH" sz="1400" u="none" strike="noStrike" dirty="0">
-                          <a:effectLst/>
-                        </a:rPr>
-                        <a:t>4</a:t>
-                      </a:r>
-                      <a:endParaRPr lang="de-CH" sz="1400" b="0" i="0" u="none" strike="noStrike" dirty="0">
-                        <a:solidFill>
-                          <a:schemeClr val="tx1"/>
-                        </a:solidFill>
-                        <a:effectLst/>
-                        <a:latin typeface="Calibri" panose="020F0502020204030204" pitchFamily="34" charset="0"/>
-                      </a:endParaRPr>
-                    </a:p>
-                  </a:txBody>
-                  <a:tcPr marL="5969" marR="5969" marT="5969" marB="0" anchor="ctr"/>
-                </a:tc>
-                <a:tc>
-                  <a:txBody>
-                    <a:bodyPr/>
-                    <a:lstStyle/>
-                    <a:p>
-                      <a:pPr algn="l" fontAlgn="b"/>
-                      <a:r>
-                        <a:rPr lang="de-CH" sz="1400" u="none" strike="noStrike">
-                          <a:effectLst/>
-                        </a:rPr>
-                        <a:t>Programmieren</a:t>
-                      </a:r>
-                      <a:endParaRPr lang="de-CH" sz="1400" b="0" i="0" u="none" strike="noStrike">
-                        <a:solidFill>
-                          <a:schemeClr val="tx1"/>
-                        </a:solidFill>
-                        <a:effectLst/>
-                        <a:latin typeface="Calibri" panose="020F0502020204030204" pitchFamily="34" charset="0"/>
-                      </a:endParaRPr>
-                    </a:p>
-                  </a:txBody>
-                  <a:tcPr marL="5969" marR="5969" marT="5969" marB="0" anchor="ctr"/>
-                </a:tc>
-                <a:tc>
-                  <a:txBody>
-                    <a:bodyPr/>
-                    <a:lstStyle/>
-                    <a:p>
-                      <a:pPr algn="l" fontAlgn="b"/>
-                      <a:r>
-                        <a:rPr lang="de-CH" sz="1400" u="none" strike="noStrike" dirty="0">
-                          <a:effectLst/>
-                        </a:rPr>
-                        <a:t>Schlechte Wahl der Arbeitswerkzeuge</a:t>
-                      </a:r>
-                      <a:endParaRPr lang="de-CH" sz="1400" b="0" i="0" u="none" strike="noStrike" dirty="0">
-                        <a:solidFill>
-                          <a:schemeClr val="tx1"/>
-                        </a:solidFill>
-                        <a:effectLst/>
-                        <a:latin typeface="Calibri" panose="020F0502020204030204" pitchFamily="34" charset="0"/>
-                      </a:endParaRPr>
-                    </a:p>
-                  </a:txBody>
-                  <a:tcPr marL="5969" marR="5969" marT="5969" marB="0" anchor="ctr"/>
-                </a:tc>
-                <a:tc>
-                  <a:txBody>
-                    <a:bodyPr/>
-                    <a:lstStyle/>
-                    <a:p>
-                      <a:pPr algn="l" fontAlgn="b"/>
-                      <a:r>
-                        <a:rPr lang="de-CH" sz="1400" u="none" strike="noStrike" dirty="0">
-                          <a:effectLst/>
-                        </a:rPr>
-                        <a:t>Arbeiten haben Probleme mit der Ausgewählten Programmiersprache</a:t>
-                      </a:r>
-                      <a:endParaRPr lang="de-CH" sz="1400" b="0" i="0" u="none" strike="noStrike" dirty="0">
-                        <a:solidFill>
-                          <a:schemeClr val="tx1"/>
-                        </a:solidFill>
-                        <a:effectLst/>
-                        <a:latin typeface="Calibri" panose="020F0502020204030204" pitchFamily="34" charset="0"/>
-                      </a:endParaRPr>
-                    </a:p>
-                  </a:txBody>
-                  <a:tcPr marL="5969" marR="5969" marT="5969" marB="0" anchor="ctr"/>
-                </a:tc>
-                <a:tc>
-                  <a:txBody>
-                    <a:bodyPr/>
-                    <a:lstStyle/>
-                    <a:p>
-                      <a:pPr algn="r" fontAlgn="b"/>
-                      <a:r>
-                        <a:rPr lang="de-CH" sz="1400" u="none" strike="noStrike">
-                          <a:effectLst/>
-                        </a:rPr>
-                        <a:t>2</a:t>
-                      </a:r>
-                      <a:endParaRPr lang="de-CH" sz="1400" b="0" i="0" u="none" strike="noStrike">
-                        <a:solidFill>
-                          <a:schemeClr val="tx1"/>
-                        </a:solidFill>
-                        <a:effectLst/>
-                        <a:latin typeface="Calibri" panose="020F0502020204030204" pitchFamily="34" charset="0"/>
-                      </a:endParaRPr>
-                    </a:p>
-                  </a:txBody>
-                  <a:tcPr marL="5969" marR="5969" marT="5969" marB="0" anchor="ctr"/>
-                </a:tc>
-                <a:tc>
-                  <a:txBody>
-                    <a:bodyPr/>
-                    <a:lstStyle/>
-                    <a:p>
-                      <a:pPr algn="r" fontAlgn="b"/>
-                      <a:r>
-                        <a:rPr lang="de-CH" sz="1400" u="none" strike="noStrike">
-                          <a:effectLst/>
-                        </a:rPr>
-                        <a:t>2</a:t>
-                      </a:r>
-                      <a:endParaRPr lang="de-CH" sz="1400" b="0" i="0" u="none" strike="noStrike">
-                        <a:solidFill>
-                          <a:schemeClr val="tx1"/>
-                        </a:solidFill>
-                        <a:effectLst/>
-                        <a:latin typeface="Calibri" panose="020F0502020204030204" pitchFamily="34" charset="0"/>
-                      </a:endParaRPr>
-                    </a:p>
-                  </a:txBody>
-                  <a:tcPr marL="5969" marR="5969" marT="5969" marB="0" anchor="ctr"/>
-                </a:tc>
-                <a:tc>
-                  <a:txBody>
-                    <a:bodyPr/>
-                    <a:lstStyle/>
-                    <a:p>
-                      <a:pPr algn="r" fontAlgn="b"/>
-                      <a:r>
-                        <a:rPr lang="de-CH" sz="1400" u="none" strike="noStrike">
-                          <a:effectLst/>
-                        </a:rPr>
-                        <a:t>2</a:t>
-                      </a:r>
-                      <a:endParaRPr lang="de-CH" sz="1400" b="0" i="0" u="none" strike="noStrike">
-                        <a:solidFill>
-                          <a:schemeClr val="tx1"/>
-                        </a:solidFill>
-                        <a:effectLst/>
-                        <a:latin typeface="Calibri" panose="020F0502020204030204" pitchFamily="34" charset="0"/>
-                      </a:endParaRPr>
-                    </a:p>
-                  </a:txBody>
-                  <a:tcPr marL="5969" marR="5969" marT="5969" marB="0" anchor="ctr"/>
-                </a:tc>
-                <a:tc>
-                  <a:txBody>
-                    <a:bodyPr/>
-                    <a:lstStyle/>
-                    <a:p>
-                      <a:pPr algn="l" fontAlgn="b"/>
-                      <a:r>
-                        <a:rPr lang="de-CH" sz="1400" u="none" strike="noStrike">
-                          <a:effectLst/>
-                        </a:rPr>
-                        <a:t>Kommunikation, informieren</a:t>
-                      </a:r>
-                      <a:endParaRPr lang="de-CH" sz="1400" b="0" i="0" u="none" strike="noStrike">
-                        <a:solidFill>
-                          <a:schemeClr val="tx1"/>
-                        </a:solidFill>
-                        <a:effectLst/>
-                        <a:latin typeface="Calibri" panose="020F0502020204030204" pitchFamily="34" charset="0"/>
-                      </a:endParaRPr>
-                    </a:p>
-                  </a:txBody>
-                  <a:tcPr marL="5969" marR="5969" marT="5969" marB="0" anchor="ctr"/>
-                </a:tc>
-                <a:tc>
-                  <a:txBody>
-                    <a:bodyPr/>
-                    <a:lstStyle/>
-                    <a:p>
-                      <a:pPr algn="r" fontAlgn="b"/>
-                      <a:r>
-                        <a:rPr lang="de-CH" sz="1400" u="none" strike="noStrike">
-                          <a:effectLst/>
-                        </a:rPr>
-                        <a:t>30.10.2017</a:t>
-                      </a:r>
-                      <a:endParaRPr lang="de-CH" sz="1400" b="0" i="0" u="none" strike="noStrike">
-                        <a:solidFill>
-                          <a:schemeClr val="tx1"/>
-                        </a:solidFill>
-                        <a:effectLst/>
-                        <a:latin typeface="Calibri" panose="020F0502020204030204" pitchFamily="34" charset="0"/>
-                      </a:endParaRPr>
-                    </a:p>
-                  </a:txBody>
-                  <a:tcPr marL="5969" marR="5969" marT="5969" marB="0" anchor="ctr"/>
-                </a:tc>
-                <a:tc>
-                  <a:txBody>
-                    <a:bodyPr/>
-                    <a:lstStyle/>
-                    <a:p>
-                      <a:pPr algn="l" fontAlgn="b"/>
-                      <a:r>
                         <a:rPr lang="de-CH" sz="1400" u="none" strike="noStrike" dirty="0">
                           <a:effectLst/>
                         </a:rPr>
@@ -10676,7 +10764,7 @@
                 </a:tc>
                 <a:extLst>
                   <a:ext uri="{0D108BD9-81ED-4DB2-BD59-A6C34878D82A}">
-                    <a16:rowId xmlns:a16="http://schemas.microsoft.com/office/drawing/2014/main" val="943865118"/>
+                    <a16:rowId xmlns:a16="http://schemas.microsoft.com/office/drawing/2014/main" xmlns="" val="943865118"/>
                   </a:ext>
                 </a:extLst>
               </a:tr>
@@ -10719,7 +10807,7 @@
           <p:cNvPr id="2" name="Titel 1">
             <a:extLst>
               <a:ext uri="{FF2B5EF4-FFF2-40B4-BE49-F238E27FC236}">
-                <a16:creationId xmlns:a16="http://schemas.microsoft.com/office/drawing/2014/main" id="{0FB79353-3051-490F-BF9B-7E718EAFD1B7}"/>
+                <a16:creationId xmlns:a16="http://schemas.microsoft.com/office/drawing/2014/main" xmlns="" id="{0FB79353-3051-490F-BF9B-7E718EAFD1B7}"/>
               </a:ext>
             </a:extLst>
           </p:cNvPr>
@@ -10747,7 +10835,7 @@
           <p:cNvPr id="3" name="Inhaltsplatzhalter 2">
             <a:extLst>
               <a:ext uri="{FF2B5EF4-FFF2-40B4-BE49-F238E27FC236}">
-                <a16:creationId xmlns:a16="http://schemas.microsoft.com/office/drawing/2014/main" id="{23B1A03A-CC3A-4FDE-A696-B1690AB8D1FB}"/>
+                <a16:creationId xmlns:a16="http://schemas.microsoft.com/office/drawing/2014/main" xmlns="" id="{23B1A03A-CC3A-4FDE-A696-B1690AB8D1FB}"/>
               </a:ext>
             </a:extLst>
           </p:cNvPr>
@@ -10847,7 +10935,7 @@
           <p:cNvPr id="2" name="Title 1">
             <a:extLst>
               <a:ext uri="{FF2B5EF4-FFF2-40B4-BE49-F238E27FC236}">
-                <a16:creationId xmlns:a16="http://schemas.microsoft.com/office/drawing/2014/main" id="{B8926472-0B6D-4DBA-B9D8-AE480BB4A588}"/>
+                <a16:creationId xmlns:a16="http://schemas.microsoft.com/office/drawing/2014/main" xmlns="" id="{B8926472-0B6D-4DBA-B9D8-AE480BB4A588}"/>
               </a:ext>
             </a:extLst>
           </p:cNvPr>
@@ -10875,7 +10963,7 @@
           <p:cNvPr id="3" name="Content Placeholder 2">
             <a:extLst>
               <a:ext uri="{FF2B5EF4-FFF2-40B4-BE49-F238E27FC236}">
-                <a16:creationId xmlns:a16="http://schemas.microsoft.com/office/drawing/2014/main" id="{B2BEA341-25A6-4BFD-8C2D-09324CED02DC}"/>
+                <a16:creationId xmlns:a16="http://schemas.microsoft.com/office/drawing/2014/main" xmlns="" id="{B2BEA341-25A6-4BFD-8C2D-09324CED02DC}"/>
               </a:ext>
             </a:extLst>
           </p:cNvPr>
@@ -10940,7 +11028,7 @@
           <p:cNvPr id="6" name="Picture 2" descr="Bildergebnis für firebase">
             <a:extLst>
               <a:ext uri="{FF2B5EF4-FFF2-40B4-BE49-F238E27FC236}">
-                <a16:creationId xmlns:a16="http://schemas.microsoft.com/office/drawing/2014/main" id="{B018AA13-8CC0-4DB7-A8C8-D339E9944EB3}"/>
+                <a16:creationId xmlns:a16="http://schemas.microsoft.com/office/drawing/2014/main" xmlns="" id="{B018AA13-8CC0-4DB7-A8C8-D339E9944EB3}"/>
               </a:ext>
             </a:extLst>
           </p:cNvPr>
@@ -10987,7 +11075,7 @@
           <p:cNvPr id="5" name="Grafik 4" descr="Bildschirmausschnitt">
             <a:extLst>
               <a:ext uri="{FF2B5EF4-FFF2-40B4-BE49-F238E27FC236}">
-                <a16:creationId xmlns:a16="http://schemas.microsoft.com/office/drawing/2014/main" id="{2A0214D9-CCA7-4D11-BD3B-551A214DB73B}"/>
+                <a16:creationId xmlns:a16="http://schemas.microsoft.com/office/drawing/2014/main" xmlns="" id="{2A0214D9-CCA7-4D11-BD3B-551A214DB73B}"/>
               </a:ext>
             </a:extLst>
           </p:cNvPr>
@@ -11023,7 +11111,7 @@
           <p:cNvPr id="8" name="Grafik 7" descr="Bildschirmausschnitt">
             <a:extLst>
               <a:ext uri="{FF2B5EF4-FFF2-40B4-BE49-F238E27FC236}">
-                <a16:creationId xmlns:a16="http://schemas.microsoft.com/office/drawing/2014/main" id="{5D6617F5-01C2-4E85-BF55-AF9C5A8C90F0}"/>
+                <a16:creationId xmlns:a16="http://schemas.microsoft.com/office/drawing/2014/main" xmlns="" id="{5D6617F5-01C2-4E85-BF55-AF9C5A8C90F0}"/>
               </a:ext>
             </a:extLst>
           </p:cNvPr>
@@ -11209,7 +11297,7 @@
           <p:cNvPr id="2" name="Title 1">
             <a:extLst>
               <a:ext uri="{FF2B5EF4-FFF2-40B4-BE49-F238E27FC236}">
-                <a16:creationId xmlns:a16="http://schemas.microsoft.com/office/drawing/2014/main" id="{DE0E7C20-8818-43DE-A21C-F3601C9B2B68}"/>
+                <a16:creationId xmlns:a16="http://schemas.microsoft.com/office/drawing/2014/main" xmlns="" id="{DE0E7C20-8818-43DE-A21C-F3601C9B2B68}"/>
               </a:ext>
             </a:extLst>
           </p:cNvPr>
@@ -11237,7 +11325,7 @@
           <p:cNvPr id="3" name="Content Placeholder 2">
             <a:extLst>
               <a:ext uri="{FF2B5EF4-FFF2-40B4-BE49-F238E27FC236}">
-                <a16:creationId xmlns:a16="http://schemas.microsoft.com/office/drawing/2014/main" id="{12276293-5251-49E9-BEC5-22F217E344F8}"/>
+                <a16:creationId xmlns:a16="http://schemas.microsoft.com/office/drawing/2014/main" xmlns="" id="{12276293-5251-49E9-BEC5-22F217E344F8}"/>
               </a:ext>
             </a:extLst>
           </p:cNvPr>
@@ -11317,7 +11405,7 @@
           <p:cNvPr id="5" name="Picture 4">
             <a:extLst>
               <a:ext uri="{FF2B5EF4-FFF2-40B4-BE49-F238E27FC236}">
-                <a16:creationId xmlns:a16="http://schemas.microsoft.com/office/drawing/2014/main" id="{A77652B3-5F87-4DE2-9321-518C8FE43BF8}"/>
+                <a16:creationId xmlns:a16="http://schemas.microsoft.com/office/drawing/2014/main" xmlns="" id="{A77652B3-5F87-4DE2-9321-518C8FE43BF8}"/>
               </a:ext>
             </a:extLst>
           </p:cNvPr>
@@ -12006,7 +12094,7 @@
           <p:cNvPr id="3" name="Gruppieren 2">
             <a:extLst>
               <a:ext uri="{FF2B5EF4-FFF2-40B4-BE49-F238E27FC236}">
-                <a16:creationId xmlns:a16="http://schemas.microsoft.com/office/drawing/2014/main" id="{9CD5E71B-2F5A-4412-A8E6-D36F8756271D}"/>
+                <a16:creationId xmlns:a16="http://schemas.microsoft.com/office/drawing/2014/main" xmlns="" id="{9CD5E71B-2F5A-4412-A8E6-D36F8756271D}"/>
               </a:ext>
             </a:extLst>
           </p:cNvPr>
@@ -13078,7 +13166,7 @@
           <p:cNvPr id="3" name="Inhaltsplatzhalter 2">
             <a:extLst>
               <a:ext uri="{FF2B5EF4-FFF2-40B4-BE49-F238E27FC236}">
-                <a16:creationId xmlns:a16="http://schemas.microsoft.com/office/drawing/2014/main" id="{B1AF1FFC-5E6C-4479-823F-3AB29798F86A}"/>
+                <a16:creationId xmlns:a16="http://schemas.microsoft.com/office/drawing/2014/main" xmlns="" id="{B1AF1FFC-5E6C-4479-823F-3AB29798F86A}"/>
               </a:ext>
             </a:extLst>
           </p:cNvPr>
@@ -13671,7 +13759,7 @@
           <p:cNvPr id="2" name="Titel 1">
             <a:extLst>
               <a:ext uri="{FF2B5EF4-FFF2-40B4-BE49-F238E27FC236}">
-                <a16:creationId xmlns:a16="http://schemas.microsoft.com/office/drawing/2014/main" id="{B3879566-10F2-46D1-AAC1-9399851CDD2E}"/>
+                <a16:creationId xmlns:a16="http://schemas.microsoft.com/office/drawing/2014/main" xmlns="" id="{B3879566-10F2-46D1-AAC1-9399851CDD2E}"/>
               </a:ext>
             </a:extLst>
           </p:cNvPr>
@@ -13699,7 +13787,7 @@
           <p:cNvPr id="5" name="Inhaltsplatzhalter 4" descr="Bildschirmausschnitt">
             <a:extLst>
               <a:ext uri="{FF2B5EF4-FFF2-40B4-BE49-F238E27FC236}">
-                <a16:creationId xmlns:a16="http://schemas.microsoft.com/office/drawing/2014/main" id="{FD03C051-23A3-43DE-B001-07A531E83361}"/>
+                <a16:creationId xmlns:a16="http://schemas.microsoft.com/office/drawing/2014/main" xmlns="" id="{FD03C051-23A3-43DE-B001-07A531E83361}"/>
               </a:ext>
             </a:extLst>
           </p:cNvPr>
